--- a/_BaoCao/quocdunginfo/EF features model.pptx
+++ b/_BaoCao/quocdunginfo/EF features model.pptx
@@ -6,6 +6,7 @@
   </p:sldMasterIdLst>
   <p:sldIdLst>
     <p:sldId id="256" r:id="rId2"/>
+    <p:sldId id="257" r:id="rId3"/>
   </p:sldIdLst>
   <p:sldSz cx="12192000" cy="6858000"/>
   <p:notesSz cx="6858000" cy="9144000"/>
@@ -104,6 +105,11 @@
       </a:defRPr>
     </a:lvl9pPr>
   </p:defaultTextStyle>
+  <p:extLst>
+    <p:ext uri="{EFAFB233-063F-42B5-8137-9DF3F51BA10A}">
+      <p15:sldGuideLst xmlns:p15="http://schemas.microsoft.com/office/powerpoint/2012/main"/>
+    </p:ext>
+  </p:extLst>
 </p:presentation>
 </file>
 
@@ -3819,14 +3825,6 @@
               </a:rPr>
               <a:t>bước qua hàm nạp điều kiện</a:t>
             </a:r>
-            <a:endParaRPr lang="en-US" sz="1600" smtClean="0">
-              <a:solidFill>
-                <a:schemeClr val="tx1"/>
-              </a:solidFill>
-              <a:latin typeface="Tahoma" panose="020B0604030504040204" pitchFamily="34" charset="0"/>
-              <a:ea typeface="Tahoma" panose="020B0604030504040204" pitchFamily="34" charset="0"/>
-              <a:cs typeface="Tahoma" panose="020B0604030504040204" pitchFamily="34" charset="0"/>
-            </a:endParaRPr>
           </a:p>
         </p:txBody>
       </p:sp>
@@ -3869,6 +3867,838 @@
     <p:extLst>
       <p:ext uri="{BB962C8B-B14F-4D97-AF65-F5344CB8AC3E}">
         <p14:creationId xmlns:p14="http://schemas.microsoft.com/office/powerpoint/2010/main" val="3577535033"/>
+      </p:ext>
+    </p:extLst>
+  </p:cSld>
+  <p:clrMapOvr>
+    <a:masterClrMapping/>
+  </p:clrMapOvr>
+</p:sld>
+</file>
+
+<file path=ppt/slides/slide2.xml><?xml version="1.0" encoding="utf-8"?>
+<p:sld xmlns:a="http://schemas.openxmlformats.org/drawingml/2006/main" xmlns:r="http://schemas.openxmlformats.org/officeDocument/2006/relationships" xmlns:p="http://schemas.openxmlformats.org/presentationml/2006/main">
+  <p:cSld>
+    <p:spTree>
+      <p:nvGrpSpPr>
+        <p:cNvPr id="1" name=""/>
+        <p:cNvGrpSpPr/>
+        <p:nvPr/>
+      </p:nvGrpSpPr>
+      <p:grpSpPr>
+        <a:xfrm>
+          <a:off x="0" y="0"/>
+          <a:ext cx="0" cy="0"/>
+          <a:chOff x="0" y="0"/>
+          <a:chExt cx="0" cy="0"/>
+        </a:xfrm>
+      </p:grpSpPr>
+      <p:sp>
+        <p:nvSpPr>
+          <p:cNvPr id="5" name="Rectangle 4"/>
+          <p:cNvSpPr/>
+          <p:nvPr/>
+        </p:nvSpPr>
+        <p:spPr>
+          <a:xfrm>
+            <a:off x="1806084" y="587172"/>
+            <a:ext cx="1453243" cy="435429"/>
+          </a:xfrm>
+          <a:prstGeom prst="rect">
+            <a:avLst/>
+          </a:prstGeom>
+          <a:solidFill>
+            <a:schemeClr val="bg1"/>
+          </a:solidFill>
+          <a:ln>
+            <a:solidFill>
+              <a:schemeClr val="tx1"/>
+            </a:solidFill>
+          </a:ln>
+        </p:spPr>
+        <p:style>
+          <a:lnRef idx="2">
+            <a:schemeClr val="accent1">
+              <a:shade val="50000"/>
+            </a:schemeClr>
+          </a:lnRef>
+          <a:fillRef idx="1">
+            <a:schemeClr val="accent1"/>
+          </a:fillRef>
+          <a:effectRef idx="0">
+            <a:schemeClr val="accent1"/>
+          </a:effectRef>
+          <a:fontRef idx="minor">
+            <a:schemeClr val="lt1"/>
+          </a:fontRef>
+        </p:style>
+        <p:txBody>
+          <a:bodyPr rtlCol="0" anchor="ctr"/>
+          <a:lstStyle/>
+          <a:p>
+            <a:r>
+              <a:rPr lang="en-US" sz="1600" smtClean="0">
+                <a:solidFill>
+                  <a:schemeClr val="tx1"/>
+                </a:solidFill>
+                <a:latin typeface="Tahoma" panose="020B0604030504040204" pitchFamily="34" charset="0"/>
+                <a:ea typeface="Tahoma" panose="020B0604030504040204" pitchFamily="34" charset="0"/>
+                <a:cs typeface="Tahoma" panose="020B0604030504040204" pitchFamily="34" charset="0"/>
+              </a:rPr>
+              <a:t>Đối tượng A</a:t>
+            </a:r>
+            <a:endParaRPr lang="en-US" sz="1600">
+              <a:solidFill>
+                <a:schemeClr val="tx1"/>
+              </a:solidFill>
+              <a:latin typeface="Tahoma" panose="020B0604030504040204" pitchFamily="34" charset="0"/>
+              <a:ea typeface="Tahoma" panose="020B0604030504040204" pitchFamily="34" charset="0"/>
+              <a:cs typeface="Tahoma" panose="020B0604030504040204" pitchFamily="34" charset="0"/>
+            </a:endParaRPr>
+          </a:p>
+        </p:txBody>
+      </p:sp>
+      <p:sp>
+        <p:nvSpPr>
+          <p:cNvPr id="8" name="Rectangle 7"/>
+          <p:cNvSpPr/>
+          <p:nvPr/>
+        </p:nvSpPr>
+        <p:spPr>
+          <a:xfrm>
+            <a:off x="1806084" y="1768704"/>
+            <a:ext cx="1453243" cy="435429"/>
+          </a:xfrm>
+          <a:prstGeom prst="rect">
+            <a:avLst/>
+          </a:prstGeom>
+          <a:solidFill>
+            <a:schemeClr val="bg1"/>
+          </a:solidFill>
+          <a:ln>
+            <a:solidFill>
+              <a:schemeClr val="tx1"/>
+            </a:solidFill>
+          </a:ln>
+        </p:spPr>
+        <p:style>
+          <a:lnRef idx="2">
+            <a:schemeClr val="accent1">
+              <a:shade val="50000"/>
+            </a:schemeClr>
+          </a:lnRef>
+          <a:fillRef idx="1">
+            <a:schemeClr val="accent1"/>
+          </a:fillRef>
+          <a:effectRef idx="0">
+            <a:schemeClr val="accent1"/>
+          </a:effectRef>
+          <a:fontRef idx="minor">
+            <a:schemeClr val="lt1"/>
+          </a:fontRef>
+        </p:style>
+        <p:txBody>
+          <a:bodyPr rtlCol="0" anchor="ctr"/>
+          <a:lstStyle/>
+          <a:p>
+            <a:r>
+              <a:rPr lang="en-US" sz="1600" smtClean="0">
+                <a:solidFill>
+                  <a:schemeClr val="tx1"/>
+                </a:solidFill>
+                <a:latin typeface="Tahoma" panose="020B0604030504040204" pitchFamily="34" charset="0"/>
+                <a:ea typeface="Tahoma" panose="020B0604030504040204" pitchFamily="34" charset="0"/>
+                <a:cs typeface="Tahoma" panose="020B0604030504040204" pitchFamily="34" charset="0"/>
+              </a:rPr>
+              <a:t>Đối tượng B</a:t>
+            </a:r>
+            <a:endParaRPr lang="en-US" sz="1600">
+              <a:solidFill>
+                <a:schemeClr val="tx1"/>
+              </a:solidFill>
+              <a:latin typeface="Tahoma" panose="020B0604030504040204" pitchFamily="34" charset="0"/>
+              <a:ea typeface="Tahoma" panose="020B0604030504040204" pitchFamily="34" charset="0"/>
+              <a:cs typeface="Tahoma" panose="020B0604030504040204" pitchFamily="34" charset="0"/>
+            </a:endParaRPr>
+          </a:p>
+        </p:txBody>
+      </p:sp>
+      <p:sp>
+        <p:nvSpPr>
+          <p:cNvPr id="9" name="Rectangle 8"/>
+          <p:cNvSpPr/>
+          <p:nvPr/>
+        </p:nvSpPr>
+        <p:spPr>
+          <a:xfrm>
+            <a:off x="1806083" y="2980710"/>
+            <a:ext cx="1453243" cy="435429"/>
+          </a:xfrm>
+          <a:prstGeom prst="rect">
+            <a:avLst/>
+          </a:prstGeom>
+          <a:solidFill>
+            <a:schemeClr val="bg1"/>
+          </a:solidFill>
+          <a:ln>
+            <a:solidFill>
+              <a:schemeClr val="tx1"/>
+            </a:solidFill>
+          </a:ln>
+        </p:spPr>
+        <p:style>
+          <a:lnRef idx="2">
+            <a:schemeClr val="accent1">
+              <a:shade val="50000"/>
+            </a:schemeClr>
+          </a:lnRef>
+          <a:fillRef idx="1">
+            <a:schemeClr val="accent1"/>
+          </a:fillRef>
+          <a:effectRef idx="0">
+            <a:schemeClr val="accent1"/>
+          </a:effectRef>
+          <a:fontRef idx="minor">
+            <a:schemeClr val="lt1"/>
+          </a:fontRef>
+        </p:style>
+        <p:txBody>
+          <a:bodyPr rtlCol="0" anchor="ctr"/>
+          <a:lstStyle/>
+          <a:p>
+            <a:r>
+              <a:rPr lang="en-US" sz="1600" smtClean="0">
+                <a:solidFill>
+                  <a:schemeClr val="tx1"/>
+                </a:solidFill>
+                <a:latin typeface="Tahoma" panose="020B0604030504040204" pitchFamily="34" charset="0"/>
+                <a:ea typeface="Tahoma" panose="020B0604030504040204" pitchFamily="34" charset="0"/>
+                <a:cs typeface="Tahoma" panose="020B0604030504040204" pitchFamily="34" charset="0"/>
+              </a:rPr>
+              <a:t>Đối tượng C</a:t>
+            </a:r>
+            <a:endParaRPr lang="en-US" sz="1600">
+              <a:solidFill>
+                <a:schemeClr val="tx1"/>
+              </a:solidFill>
+              <a:latin typeface="Tahoma" panose="020B0604030504040204" pitchFamily="34" charset="0"/>
+              <a:ea typeface="Tahoma" panose="020B0604030504040204" pitchFamily="34" charset="0"/>
+              <a:cs typeface="Tahoma" panose="020B0604030504040204" pitchFamily="34" charset="0"/>
+            </a:endParaRPr>
+          </a:p>
+        </p:txBody>
+      </p:sp>
+      <p:cxnSp>
+        <p:nvCxnSpPr>
+          <p:cNvPr id="10" name="Straight Connector 9"/>
+          <p:cNvCxnSpPr/>
+          <p:nvPr/>
+        </p:nvCxnSpPr>
+        <p:spPr>
+          <a:xfrm>
+            <a:off x="2512332" y="1132570"/>
+            <a:ext cx="0" cy="535215"/>
+          </a:xfrm>
+          <a:prstGeom prst="line">
+            <a:avLst/>
+          </a:prstGeom>
+          <a:ln w="28575">
+            <a:solidFill>
+              <a:schemeClr val="tx1"/>
+            </a:solidFill>
+            <a:headEnd type="none" w="med" len="med"/>
+            <a:tailEnd type="arrow" w="med" len="med"/>
+          </a:ln>
+        </p:spPr>
+        <p:style>
+          <a:lnRef idx="1">
+            <a:schemeClr val="accent1"/>
+          </a:lnRef>
+          <a:fillRef idx="0">
+            <a:schemeClr val="accent1"/>
+          </a:fillRef>
+          <a:effectRef idx="0">
+            <a:schemeClr val="accent1"/>
+          </a:effectRef>
+          <a:fontRef idx="minor">
+            <a:schemeClr val="tx1"/>
+          </a:fontRef>
+        </p:style>
+      </p:cxnSp>
+      <p:cxnSp>
+        <p:nvCxnSpPr>
+          <p:cNvPr id="11" name="Straight Connector 10"/>
+          <p:cNvCxnSpPr/>
+          <p:nvPr/>
+        </p:nvCxnSpPr>
+        <p:spPr>
+          <a:xfrm>
+            <a:off x="2512332" y="2313670"/>
+            <a:ext cx="0" cy="535215"/>
+          </a:xfrm>
+          <a:prstGeom prst="line">
+            <a:avLst/>
+          </a:prstGeom>
+          <a:ln w="28575">
+            <a:solidFill>
+              <a:schemeClr val="tx1"/>
+            </a:solidFill>
+            <a:headEnd type="none" w="med" len="med"/>
+            <a:tailEnd type="arrow" w="med" len="med"/>
+          </a:ln>
+        </p:spPr>
+        <p:style>
+          <a:lnRef idx="1">
+            <a:schemeClr val="accent1"/>
+          </a:lnRef>
+          <a:fillRef idx="0">
+            <a:schemeClr val="accent1"/>
+          </a:fillRef>
+          <a:effectRef idx="0">
+            <a:schemeClr val="accent1"/>
+          </a:effectRef>
+          <a:fontRef idx="minor">
+            <a:schemeClr val="tx1"/>
+          </a:fontRef>
+        </p:style>
+      </p:cxnSp>
+      <p:sp>
+        <p:nvSpPr>
+          <p:cNvPr id="12" name="Rectangle 11"/>
+          <p:cNvSpPr/>
+          <p:nvPr/>
+        </p:nvSpPr>
+        <p:spPr>
+          <a:xfrm>
+            <a:off x="4292524" y="2980710"/>
+            <a:ext cx="2213207" cy="435429"/>
+          </a:xfrm>
+          <a:prstGeom prst="rect">
+            <a:avLst/>
+          </a:prstGeom>
+          <a:solidFill>
+            <a:schemeClr val="bg1"/>
+          </a:solidFill>
+          <a:ln>
+            <a:solidFill>
+              <a:schemeClr val="tx1"/>
+            </a:solidFill>
+          </a:ln>
+        </p:spPr>
+        <p:style>
+          <a:lnRef idx="2">
+            <a:schemeClr val="accent1">
+              <a:shade val="50000"/>
+            </a:schemeClr>
+          </a:lnRef>
+          <a:fillRef idx="1">
+            <a:schemeClr val="accent1"/>
+          </a:fillRef>
+          <a:effectRef idx="0">
+            <a:schemeClr val="accent1"/>
+          </a:effectRef>
+          <a:fontRef idx="minor">
+            <a:schemeClr val="lt1"/>
+          </a:fontRef>
+        </p:style>
+        <p:txBody>
+          <a:bodyPr rtlCol="0" anchor="ctr"/>
+          <a:lstStyle/>
+          <a:p>
+            <a:r>
+              <a:rPr lang="en-US" sz="1600" smtClean="0">
+                <a:solidFill>
+                  <a:schemeClr val="tx1"/>
+                </a:solidFill>
+                <a:latin typeface="Tahoma" panose="020B0604030504040204" pitchFamily="34" charset="0"/>
+                <a:ea typeface="Tahoma" panose="020B0604030504040204" pitchFamily="34" charset="0"/>
+                <a:cs typeface="Tahoma" panose="020B0604030504040204" pitchFamily="34" charset="0"/>
+              </a:rPr>
+              <a:t>Tập hợp đối tượng B</a:t>
+            </a:r>
+            <a:endParaRPr lang="en-US" sz="1600">
+              <a:solidFill>
+                <a:schemeClr val="tx1"/>
+              </a:solidFill>
+              <a:latin typeface="Tahoma" panose="020B0604030504040204" pitchFamily="34" charset="0"/>
+              <a:ea typeface="Tahoma" panose="020B0604030504040204" pitchFamily="34" charset="0"/>
+              <a:cs typeface="Tahoma" panose="020B0604030504040204" pitchFamily="34" charset="0"/>
+            </a:endParaRPr>
+          </a:p>
+        </p:txBody>
+      </p:sp>
+      <p:cxnSp>
+        <p:nvCxnSpPr>
+          <p:cNvPr id="16" name="Straight Connector 15"/>
+          <p:cNvCxnSpPr/>
+          <p:nvPr/>
+        </p:nvCxnSpPr>
+        <p:spPr>
+          <a:xfrm>
+            <a:off x="3364258" y="3224326"/>
+            <a:ext cx="883298" cy="0"/>
+          </a:xfrm>
+          <a:prstGeom prst="line">
+            <a:avLst/>
+          </a:prstGeom>
+          <a:ln w="28575">
+            <a:solidFill>
+              <a:schemeClr val="tx1"/>
+            </a:solidFill>
+            <a:prstDash val="dash"/>
+            <a:headEnd type="none" w="med" len="med"/>
+            <a:tailEnd type="arrow" w="med" len="med"/>
+          </a:ln>
+        </p:spPr>
+        <p:style>
+          <a:lnRef idx="1">
+            <a:schemeClr val="accent1"/>
+          </a:lnRef>
+          <a:fillRef idx="0">
+            <a:schemeClr val="accent1"/>
+          </a:fillRef>
+          <a:effectRef idx="0">
+            <a:schemeClr val="accent1"/>
+          </a:effectRef>
+          <a:fontRef idx="minor">
+            <a:schemeClr val="tx1"/>
+          </a:fontRef>
+        </p:style>
+      </p:cxnSp>
+      <p:cxnSp>
+        <p:nvCxnSpPr>
+          <p:cNvPr id="18" name="Straight Connector 17"/>
+          <p:cNvCxnSpPr/>
+          <p:nvPr/>
+        </p:nvCxnSpPr>
+        <p:spPr>
+          <a:xfrm>
+            <a:off x="3364256" y="2010123"/>
+            <a:ext cx="883298" cy="0"/>
+          </a:xfrm>
+          <a:prstGeom prst="line">
+            <a:avLst/>
+          </a:prstGeom>
+          <a:ln w="28575">
+            <a:solidFill>
+              <a:schemeClr val="tx1"/>
+            </a:solidFill>
+            <a:prstDash val="dash"/>
+            <a:headEnd type="none" w="med" len="med"/>
+            <a:tailEnd type="arrow" w="med" len="med"/>
+          </a:ln>
+        </p:spPr>
+        <p:style>
+          <a:lnRef idx="1">
+            <a:schemeClr val="accent1"/>
+          </a:lnRef>
+          <a:fillRef idx="0">
+            <a:schemeClr val="accent1"/>
+          </a:fillRef>
+          <a:effectRef idx="0">
+            <a:schemeClr val="accent1"/>
+          </a:effectRef>
+          <a:fontRef idx="minor">
+            <a:schemeClr val="tx1"/>
+          </a:fontRef>
+        </p:style>
+      </p:cxnSp>
+      <p:sp>
+        <p:nvSpPr>
+          <p:cNvPr id="19" name="Rectangle 18"/>
+          <p:cNvSpPr/>
+          <p:nvPr/>
+        </p:nvSpPr>
+        <p:spPr>
+          <a:xfrm>
+            <a:off x="4352483" y="1768703"/>
+            <a:ext cx="2153248" cy="435429"/>
+          </a:xfrm>
+          <a:prstGeom prst="rect">
+            <a:avLst/>
+          </a:prstGeom>
+          <a:solidFill>
+            <a:schemeClr val="bg1"/>
+          </a:solidFill>
+          <a:ln>
+            <a:solidFill>
+              <a:schemeClr val="tx1"/>
+            </a:solidFill>
+          </a:ln>
+        </p:spPr>
+        <p:style>
+          <a:lnRef idx="2">
+            <a:schemeClr val="accent1">
+              <a:shade val="50000"/>
+            </a:schemeClr>
+          </a:lnRef>
+          <a:fillRef idx="1">
+            <a:schemeClr val="accent1"/>
+          </a:fillRef>
+          <a:effectRef idx="0">
+            <a:schemeClr val="accent1"/>
+          </a:effectRef>
+          <a:fontRef idx="minor">
+            <a:schemeClr val="lt1"/>
+          </a:fontRef>
+        </p:style>
+        <p:txBody>
+          <a:bodyPr rtlCol="0" anchor="ctr"/>
+          <a:lstStyle/>
+          <a:p>
+            <a:r>
+              <a:rPr lang="en-US" sz="1600" smtClean="0">
+                <a:solidFill>
+                  <a:schemeClr val="tx1"/>
+                </a:solidFill>
+                <a:latin typeface="Tahoma" panose="020B0604030504040204" pitchFamily="34" charset="0"/>
+                <a:ea typeface="Tahoma" panose="020B0604030504040204" pitchFamily="34" charset="0"/>
+                <a:cs typeface="Tahoma" panose="020B0604030504040204" pitchFamily="34" charset="0"/>
+              </a:rPr>
+              <a:t>Tập hợp đối tượng A</a:t>
+            </a:r>
+            <a:endParaRPr lang="en-US" sz="1600">
+              <a:solidFill>
+                <a:schemeClr val="tx1"/>
+              </a:solidFill>
+              <a:latin typeface="Tahoma" panose="020B0604030504040204" pitchFamily="34" charset="0"/>
+              <a:ea typeface="Tahoma" panose="020B0604030504040204" pitchFamily="34" charset="0"/>
+              <a:cs typeface="Tahoma" panose="020B0604030504040204" pitchFamily="34" charset="0"/>
+            </a:endParaRPr>
+          </a:p>
+        </p:txBody>
+      </p:sp>
+      <p:cxnSp>
+        <p:nvCxnSpPr>
+          <p:cNvPr id="22" name="Straight Connector 21"/>
+          <p:cNvCxnSpPr/>
+          <p:nvPr/>
+        </p:nvCxnSpPr>
+        <p:spPr>
+          <a:xfrm rot="-5400000">
+            <a:off x="4655925" y="396024"/>
+            <a:ext cx="0" cy="535215"/>
+          </a:xfrm>
+          <a:prstGeom prst="line">
+            <a:avLst/>
+          </a:prstGeom>
+          <a:ln w="28575">
+            <a:solidFill>
+              <a:schemeClr val="tx1"/>
+            </a:solidFill>
+            <a:headEnd type="none" w="med" len="med"/>
+            <a:tailEnd type="arrow" w="med" len="med"/>
+          </a:ln>
+        </p:spPr>
+        <p:style>
+          <a:lnRef idx="1">
+            <a:schemeClr val="accent1"/>
+          </a:lnRef>
+          <a:fillRef idx="0">
+            <a:schemeClr val="accent1"/>
+          </a:fillRef>
+          <a:effectRef idx="0">
+            <a:schemeClr val="accent1"/>
+          </a:effectRef>
+          <a:fontRef idx="minor">
+            <a:schemeClr val="tx1"/>
+          </a:fontRef>
+        </p:style>
+      </p:cxnSp>
+      <p:sp>
+        <p:nvSpPr>
+          <p:cNvPr id="23" name="Rectangle 22"/>
+          <p:cNvSpPr/>
+          <p:nvPr/>
+        </p:nvSpPr>
+        <p:spPr>
+          <a:xfrm>
+            <a:off x="5048147" y="444407"/>
+            <a:ext cx="2686778" cy="435429"/>
+          </a:xfrm>
+          <a:prstGeom prst="rect">
+            <a:avLst/>
+          </a:prstGeom>
+          <a:solidFill>
+            <a:schemeClr val="bg1"/>
+          </a:solidFill>
+          <a:ln>
+            <a:noFill/>
+          </a:ln>
+        </p:spPr>
+        <p:style>
+          <a:lnRef idx="2">
+            <a:schemeClr val="accent1">
+              <a:shade val="50000"/>
+            </a:schemeClr>
+          </a:lnRef>
+          <a:fillRef idx="1">
+            <a:schemeClr val="accent1"/>
+          </a:fillRef>
+          <a:effectRef idx="0">
+            <a:schemeClr val="accent1"/>
+          </a:effectRef>
+          <a:fontRef idx="minor">
+            <a:schemeClr val="lt1"/>
+          </a:fontRef>
+        </p:style>
+        <p:txBody>
+          <a:bodyPr rtlCol="0" anchor="ctr"/>
+          <a:lstStyle/>
+          <a:p>
+            <a:r>
+              <a:rPr lang="en-US" sz="1600" smtClean="0">
+                <a:solidFill>
+                  <a:schemeClr val="tx1"/>
+                </a:solidFill>
+                <a:latin typeface="Tahoma" panose="020B0604030504040204" pitchFamily="34" charset="0"/>
+                <a:ea typeface="Tahoma" panose="020B0604030504040204" pitchFamily="34" charset="0"/>
+                <a:cs typeface="Tahoma" panose="020B0604030504040204" pitchFamily="34" charset="0"/>
+              </a:rPr>
+              <a:t>Quan hệ chính (trực tiếp)</a:t>
+            </a:r>
+            <a:endParaRPr lang="en-US" sz="1600">
+              <a:solidFill>
+                <a:schemeClr val="tx1"/>
+              </a:solidFill>
+              <a:latin typeface="Tahoma" panose="020B0604030504040204" pitchFamily="34" charset="0"/>
+              <a:ea typeface="Tahoma" panose="020B0604030504040204" pitchFamily="34" charset="0"/>
+              <a:cs typeface="Tahoma" panose="020B0604030504040204" pitchFamily="34" charset="0"/>
+            </a:endParaRPr>
+          </a:p>
+        </p:txBody>
+      </p:sp>
+      <p:cxnSp>
+        <p:nvCxnSpPr>
+          <p:cNvPr id="24" name="Straight Connector 23"/>
+          <p:cNvCxnSpPr/>
+          <p:nvPr/>
+        </p:nvCxnSpPr>
+        <p:spPr>
+          <a:xfrm>
+            <a:off x="4388317" y="1113983"/>
+            <a:ext cx="535216" cy="0"/>
+          </a:xfrm>
+          <a:prstGeom prst="line">
+            <a:avLst/>
+          </a:prstGeom>
+          <a:ln w="28575">
+            <a:solidFill>
+              <a:schemeClr val="tx1"/>
+            </a:solidFill>
+            <a:prstDash val="dash"/>
+            <a:headEnd type="none" w="med" len="med"/>
+            <a:tailEnd type="arrow" w="med" len="med"/>
+          </a:ln>
+        </p:spPr>
+        <p:style>
+          <a:lnRef idx="1">
+            <a:schemeClr val="accent1"/>
+          </a:lnRef>
+          <a:fillRef idx="0">
+            <a:schemeClr val="accent1"/>
+          </a:fillRef>
+          <a:effectRef idx="0">
+            <a:schemeClr val="accent1"/>
+          </a:effectRef>
+          <a:fontRef idx="minor">
+            <a:schemeClr val="tx1"/>
+          </a:fontRef>
+        </p:style>
+      </p:cxnSp>
+      <p:sp>
+        <p:nvSpPr>
+          <p:cNvPr id="26" name="Rectangle 25"/>
+          <p:cNvSpPr/>
+          <p:nvPr/>
+        </p:nvSpPr>
+        <p:spPr>
+          <a:xfrm>
+            <a:off x="5048146" y="896268"/>
+            <a:ext cx="3061533" cy="435429"/>
+          </a:xfrm>
+          <a:prstGeom prst="rect">
+            <a:avLst/>
+          </a:prstGeom>
+          <a:solidFill>
+            <a:schemeClr val="bg1"/>
+          </a:solidFill>
+          <a:ln>
+            <a:noFill/>
+          </a:ln>
+        </p:spPr>
+        <p:style>
+          <a:lnRef idx="2">
+            <a:schemeClr val="accent1">
+              <a:shade val="50000"/>
+            </a:schemeClr>
+          </a:lnRef>
+          <a:fillRef idx="1">
+            <a:schemeClr val="accent1"/>
+          </a:fillRef>
+          <a:effectRef idx="0">
+            <a:schemeClr val="accent1"/>
+          </a:effectRef>
+          <a:fontRef idx="minor">
+            <a:schemeClr val="lt1"/>
+          </a:fontRef>
+        </p:style>
+        <p:txBody>
+          <a:bodyPr rtlCol="0" anchor="ctr"/>
+          <a:lstStyle/>
+          <a:p>
+            <a:r>
+              <a:rPr lang="en-US" sz="1600" smtClean="0">
+                <a:solidFill>
+                  <a:schemeClr val="tx1"/>
+                </a:solidFill>
+                <a:latin typeface="Tahoma" panose="020B0604030504040204" pitchFamily="34" charset="0"/>
+                <a:ea typeface="Tahoma" panose="020B0604030504040204" pitchFamily="34" charset="0"/>
+                <a:cs typeface="Tahoma" panose="020B0604030504040204" pitchFamily="34" charset="0"/>
+              </a:rPr>
+              <a:t>Quan hệ ngược (gián tiếp)</a:t>
+            </a:r>
+            <a:endParaRPr lang="en-US" sz="1600">
+              <a:solidFill>
+                <a:schemeClr val="tx1"/>
+              </a:solidFill>
+              <a:latin typeface="Tahoma" panose="020B0604030504040204" pitchFamily="34" charset="0"/>
+              <a:ea typeface="Tahoma" panose="020B0604030504040204" pitchFamily="34" charset="0"/>
+              <a:cs typeface="Tahoma" panose="020B0604030504040204" pitchFamily="34" charset="0"/>
+            </a:endParaRPr>
+          </a:p>
+        </p:txBody>
+      </p:sp>
+      <p:sp>
+        <p:nvSpPr>
+          <p:cNvPr id="27" name="Rectangle 26"/>
+          <p:cNvSpPr/>
+          <p:nvPr/>
+        </p:nvSpPr>
+        <p:spPr>
+          <a:xfrm rot="16200000">
+            <a:off x="-222419" y="1667658"/>
+            <a:ext cx="3061533" cy="435429"/>
+          </a:xfrm>
+          <a:prstGeom prst="rect">
+            <a:avLst/>
+          </a:prstGeom>
+          <a:solidFill>
+            <a:schemeClr val="bg1"/>
+          </a:solidFill>
+          <a:ln>
+            <a:noFill/>
+          </a:ln>
+        </p:spPr>
+        <p:style>
+          <a:lnRef idx="2">
+            <a:schemeClr val="accent1">
+              <a:shade val="50000"/>
+            </a:schemeClr>
+          </a:lnRef>
+          <a:fillRef idx="1">
+            <a:schemeClr val="accent1"/>
+          </a:fillRef>
+          <a:effectRef idx="0">
+            <a:schemeClr val="accent1"/>
+          </a:effectRef>
+          <a:fontRef idx="minor">
+            <a:schemeClr val="lt1"/>
+          </a:fontRef>
+        </p:style>
+        <p:txBody>
+          <a:bodyPr rtlCol="0" anchor="ctr"/>
+          <a:lstStyle/>
+          <a:p>
+            <a:r>
+              <a:rPr lang="en-US" sz="1600" smtClean="0">
+                <a:solidFill>
+                  <a:schemeClr val="tx1"/>
+                </a:solidFill>
+                <a:latin typeface="Tahoma" panose="020B0604030504040204" pitchFamily="34" charset="0"/>
+                <a:ea typeface="Tahoma" panose="020B0604030504040204" pitchFamily="34" charset="0"/>
+                <a:cs typeface="Tahoma" panose="020B0604030504040204" pitchFamily="34" charset="0"/>
+              </a:rPr>
+              <a:t>Cây liên hệ có chiều cao là 2</a:t>
+            </a:r>
+            <a:endParaRPr lang="en-US" sz="1600">
+              <a:solidFill>
+                <a:schemeClr val="tx1"/>
+              </a:solidFill>
+              <a:latin typeface="Tahoma" panose="020B0604030504040204" pitchFamily="34" charset="0"/>
+              <a:ea typeface="Tahoma" panose="020B0604030504040204" pitchFamily="34" charset="0"/>
+              <a:cs typeface="Tahoma" panose="020B0604030504040204" pitchFamily="34" charset="0"/>
+            </a:endParaRPr>
+          </a:p>
+        </p:txBody>
+      </p:sp>
+      <p:sp>
+        <p:nvSpPr>
+          <p:cNvPr id="28" name="Rectangle 27"/>
+          <p:cNvSpPr/>
+          <p:nvPr/>
+        </p:nvSpPr>
+        <p:spPr>
+          <a:xfrm>
+            <a:off x="1775281" y="3627658"/>
+            <a:ext cx="5165165" cy="435429"/>
+          </a:xfrm>
+          <a:prstGeom prst="rect">
+            <a:avLst/>
+          </a:prstGeom>
+          <a:solidFill>
+            <a:schemeClr val="bg1"/>
+          </a:solidFill>
+          <a:ln>
+            <a:noFill/>
+          </a:ln>
+        </p:spPr>
+        <p:style>
+          <a:lnRef idx="2">
+            <a:schemeClr val="accent1">
+              <a:shade val="50000"/>
+            </a:schemeClr>
+          </a:lnRef>
+          <a:fillRef idx="1">
+            <a:schemeClr val="accent1"/>
+          </a:fillRef>
+          <a:effectRef idx="0">
+            <a:schemeClr val="accent1"/>
+          </a:effectRef>
+          <a:fontRef idx="minor">
+            <a:schemeClr val="lt1"/>
+          </a:fontRef>
+        </p:style>
+        <p:txBody>
+          <a:bodyPr rtlCol="0" anchor="ctr"/>
+          <a:lstStyle/>
+          <a:p>
+            <a:r>
+              <a:rPr lang="en-US" sz="1600" smtClean="0">
+                <a:solidFill>
+                  <a:schemeClr val="tx1"/>
+                </a:solidFill>
+                <a:latin typeface="Tahoma" panose="020B0604030504040204" pitchFamily="34" charset="0"/>
+                <a:ea typeface="Tahoma" panose="020B0604030504040204" pitchFamily="34" charset="0"/>
+                <a:cs typeface="Tahoma" panose="020B0604030504040204" pitchFamily="34" charset="0"/>
+              </a:rPr>
+              <a:t>Tham chiếu mức 2 từ A đến C có dạng: A-&gt;B-&gt;C</a:t>
+            </a:r>
+            <a:endParaRPr lang="en-US" sz="1600">
+              <a:solidFill>
+                <a:schemeClr val="tx1"/>
+              </a:solidFill>
+              <a:latin typeface="Tahoma" panose="020B0604030504040204" pitchFamily="34" charset="0"/>
+              <a:ea typeface="Tahoma" panose="020B0604030504040204" pitchFamily="34" charset="0"/>
+              <a:cs typeface="Tahoma" panose="020B0604030504040204" pitchFamily="34" charset="0"/>
+            </a:endParaRPr>
+          </a:p>
+        </p:txBody>
+      </p:sp>
+    </p:spTree>
+    <p:extLst>
+      <p:ext uri="{BB962C8B-B14F-4D97-AF65-F5344CB8AC3E}">
+        <p14:creationId xmlns:p14="http://schemas.microsoft.com/office/powerpoint/2010/main" val="1880530484"/>
       </p:ext>
     </p:extLst>
   </p:cSld>

--- a/_BaoCao/quocdunginfo/EF features model.pptx
+++ b/_BaoCao/quocdunginfo/EF features model.pptx
@@ -7,6 +7,10 @@
   <p:sldIdLst>
     <p:sldId id="256" r:id="rId2"/>
     <p:sldId id="257" r:id="rId3"/>
+    <p:sldId id="258" r:id="rId4"/>
+    <p:sldId id="259" r:id="rId5"/>
+    <p:sldId id="260" r:id="rId6"/>
+    <p:sldId id="261" r:id="rId7"/>
   </p:sldIdLst>
   <p:sldSz cx="12192000" cy="6858000"/>
   <p:notesSz cx="6858000" cy="9144000"/>
@@ -244,7 +248,7 @@
           <a:p>
             <a:fld id="{8483CB3B-B0F8-4F2E-95AB-CD482C83C421}" type="datetimeFigureOut">
               <a:rPr lang="en-US" smtClean="0"/>
-              <a:t>09/10/2014</a:t>
+              <a:t>18/10/2014</a:t>
             </a:fld>
             <a:endParaRPr lang="en-US"/>
           </a:p>
@@ -414,7 +418,7 @@
           <a:p>
             <a:fld id="{8483CB3B-B0F8-4F2E-95AB-CD482C83C421}" type="datetimeFigureOut">
               <a:rPr lang="en-US" smtClean="0"/>
-              <a:t>09/10/2014</a:t>
+              <a:t>18/10/2014</a:t>
             </a:fld>
             <a:endParaRPr lang="en-US"/>
           </a:p>
@@ -594,7 +598,7 @@
           <a:p>
             <a:fld id="{8483CB3B-B0F8-4F2E-95AB-CD482C83C421}" type="datetimeFigureOut">
               <a:rPr lang="en-US" smtClean="0"/>
-              <a:t>09/10/2014</a:t>
+              <a:t>18/10/2014</a:t>
             </a:fld>
             <a:endParaRPr lang="en-US"/>
           </a:p>
@@ -764,7 +768,7 @@
           <a:p>
             <a:fld id="{8483CB3B-B0F8-4F2E-95AB-CD482C83C421}" type="datetimeFigureOut">
               <a:rPr lang="en-US" smtClean="0"/>
-              <a:t>09/10/2014</a:t>
+              <a:t>18/10/2014</a:t>
             </a:fld>
             <a:endParaRPr lang="en-US"/>
           </a:p>
@@ -1010,7 +1014,7 @@
           <a:p>
             <a:fld id="{8483CB3B-B0F8-4F2E-95AB-CD482C83C421}" type="datetimeFigureOut">
               <a:rPr lang="en-US" smtClean="0"/>
-              <a:t>09/10/2014</a:t>
+              <a:t>18/10/2014</a:t>
             </a:fld>
             <a:endParaRPr lang="en-US"/>
           </a:p>
@@ -1242,7 +1246,7 @@
           <a:p>
             <a:fld id="{8483CB3B-B0F8-4F2E-95AB-CD482C83C421}" type="datetimeFigureOut">
               <a:rPr lang="en-US" smtClean="0"/>
-              <a:t>09/10/2014</a:t>
+              <a:t>18/10/2014</a:t>
             </a:fld>
             <a:endParaRPr lang="en-US"/>
           </a:p>
@@ -1609,7 +1613,7 @@
           <a:p>
             <a:fld id="{8483CB3B-B0F8-4F2E-95AB-CD482C83C421}" type="datetimeFigureOut">
               <a:rPr lang="en-US" smtClean="0"/>
-              <a:t>09/10/2014</a:t>
+              <a:t>18/10/2014</a:t>
             </a:fld>
             <a:endParaRPr lang="en-US"/>
           </a:p>
@@ -1727,7 +1731,7 @@
           <a:p>
             <a:fld id="{8483CB3B-B0F8-4F2E-95AB-CD482C83C421}" type="datetimeFigureOut">
               <a:rPr lang="en-US" smtClean="0"/>
-              <a:t>09/10/2014</a:t>
+              <a:t>18/10/2014</a:t>
             </a:fld>
             <a:endParaRPr lang="en-US"/>
           </a:p>
@@ -1822,7 +1826,7 @@
           <a:p>
             <a:fld id="{8483CB3B-B0F8-4F2E-95AB-CD482C83C421}" type="datetimeFigureOut">
               <a:rPr lang="en-US" smtClean="0"/>
-              <a:t>09/10/2014</a:t>
+              <a:t>18/10/2014</a:t>
             </a:fld>
             <a:endParaRPr lang="en-US"/>
           </a:p>
@@ -2099,7 +2103,7 @@
           <a:p>
             <a:fld id="{8483CB3B-B0F8-4F2E-95AB-CD482C83C421}" type="datetimeFigureOut">
               <a:rPr lang="en-US" smtClean="0"/>
-              <a:t>09/10/2014</a:t>
+              <a:t>18/10/2014</a:t>
             </a:fld>
             <a:endParaRPr lang="en-US"/>
           </a:p>
@@ -2352,7 +2356,7 @@
           <a:p>
             <a:fld id="{8483CB3B-B0F8-4F2E-95AB-CD482C83C421}" type="datetimeFigureOut">
               <a:rPr lang="en-US" smtClean="0"/>
-              <a:t>09/10/2014</a:t>
+              <a:t>18/10/2014</a:t>
             </a:fld>
             <a:endParaRPr lang="en-US"/>
           </a:p>
@@ -2565,7 +2569,7 @@
           <a:p>
             <a:fld id="{8483CB3B-B0F8-4F2E-95AB-CD482C83C421}" type="datetimeFigureOut">
               <a:rPr lang="en-US" smtClean="0"/>
-              <a:t>09/10/2014</a:t>
+              <a:t>18/10/2014</a:t>
             </a:fld>
             <a:endParaRPr lang="en-US"/>
           </a:p>
@@ -4708,6 +4712,3045 @@
 </p:sld>
 </file>
 
+<file path=ppt/slides/slide3.xml><?xml version="1.0" encoding="utf-8"?>
+<p:sld xmlns:a="http://schemas.openxmlformats.org/drawingml/2006/main" xmlns:r="http://schemas.openxmlformats.org/officeDocument/2006/relationships" xmlns:p="http://schemas.openxmlformats.org/presentationml/2006/main">
+  <p:cSld>
+    <p:spTree>
+      <p:nvGrpSpPr>
+        <p:cNvPr id="1" name=""/>
+        <p:cNvGrpSpPr/>
+        <p:nvPr/>
+      </p:nvGrpSpPr>
+      <p:grpSpPr>
+        <a:xfrm>
+          <a:off x="0" y="0"/>
+          <a:ext cx="0" cy="0"/>
+          <a:chOff x="0" y="0"/>
+          <a:chExt cx="0" cy="0"/>
+        </a:xfrm>
+      </p:grpSpPr>
+      <p:sp>
+        <p:nvSpPr>
+          <p:cNvPr id="5" name="Oval 4"/>
+          <p:cNvSpPr/>
+          <p:nvPr/>
+        </p:nvSpPr>
+        <p:spPr>
+          <a:xfrm>
+            <a:off x="1090862" y="477256"/>
+            <a:ext cx="2315502" cy="1495926"/>
+          </a:xfrm>
+          <a:prstGeom prst="ellipse">
+            <a:avLst/>
+          </a:prstGeom>
+          <a:solidFill>
+            <a:schemeClr val="bg1">
+              <a:lumMod val="95000"/>
+            </a:schemeClr>
+          </a:solidFill>
+          <a:ln w="12700">
+            <a:solidFill>
+              <a:schemeClr val="tx1"/>
+            </a:solidFill>
+          </a:ln>
+        </p:spPr>
+        <p:style>
+          <a:lnRef idx="2">
+            <a:schemeClr val="accent1">
+              <a:shade val="50000"/>
+            </a:schemeClr>
+          </a:lnRef>
+          <a:fillRef idx="1">
+            <a:schemeClr val="accent1"/>
+          </a:fillRef>
+          <a:effectRef idx="0">
+            <a:schemeClr val="accent1"/>
+          </a:effectRef>
+          <a:fontRef idx="minor">
+            <a:schemeClr val="lt1"/>
+          </a:fontRef>
+        </p:style>
+        <p:txBody>
+          <a:bodyPr rtlCol="0" anchor="ctr"/>
+          <a:lstStyle/>
+          <a:p>
+            <a:pPr algn="ctr"/>
+            <a:endParaRPr lang="en-US"/>
+          </a:p>
+        </p:txBody>
+      </p:sp>
+      <p:sp>
+        <p:nvSpPr>
+          <p:cNvPr id="6" name="Oval 5"/>
+          <p:cNvSpPr/>
+          <p:nvPr/>
+        </p:nvSpPr>
+        <p:spPr>
+          <a:xfrm>
+            <a:off x="1163054" y="633667"/>
+            <a:ext cx="1533321" cy="990599"/>
+          </a:xfrm>
+          <a:prstGeom prst="ellipse">
+            <a:avLst/>
+          </a:prstGeom>
+          <a:solidFill>
+            <a:schemeClr val="bg1"/>
+          </a:solidFill>
+          <a:ln w="12700">
+            <a:solidFill>
+              <a:schemeClr val="tx1"/>
+            </a:solidFill>
+          </a:ln>
+        </p:spPr>
+        <p:style>
+          <a:lnRef idx="2">
+            <a:schemeClr val="accent1">
+              <a:shade val="50000"/>
+            </a:schemeClr>
+          </a:lnRef>
+          <a:fillRef idx="1">
+            <a:schemeClr val="accent1"/>
+          </a:fillRef>
+          <a:effectRef idx="0">
+            <a:schemeClr val="accent1"/>
+          </a:effectRef>
+          <a:fontRef idx="minor">
+            <a:schemeClr val="lt1"/>
+          </a:fontRef>
+        </p:style>
+        <p:txBody>
+          <a:bodyPr rtlCol="0" anchor="ctr"/>
+          <a:lstStyle/>
+          <a:p>
+            <a:pPr algn="ctr"/>
+            <a:endParaRPr lang="en-US">
+              <a:solidFill>
+                <a:schemeClr val="tx1"/>
+              </a:solidFill>
+              <a:latin typeface="Tahoma" panose="020B0604030504040204" pitchFamily="34" charset="0"/>
+              <a:ea typeface="Tahoma" panose="020B0604030504040204" pitchFamily="34" charset="0"/>
+              <a:cs typeface="Tahoma" panose="020B0604030504040204" pitchFamily="34" charset="0"/>
+            </a:endParaRPr>
+          </a:p>
+        </p:txBody>
+      </p:sp>
+      <p:sp>
+        <p:nvSpPr>
+          <p:cNvPr id="7" name="Rectangle 6"/>
+          <p:cNvSpPr/>
+          <p:nvPr/>
+        </p:nvSpPr>
+        <p:spPr>
+          <a:xfrm>
+            <a:off x="1732981" y="911251"/>
+            <a:ext cx="515632" cy="435429"/>
+          </a:xfrm>
+          <a:prstGeom prst="rect">
+            <a:avLst/>
+          </a:prstGeom>
+          <a:noFill/>
+          <a:ln>
+            <a:noFill/>
+          </a:ln>
+        </p:spPr>
+        <p:style>
+          <a:lnRef idx="2">
+            <a:schemeClr val="accent1">
+              <a:shade val="50000"/>
+            </a:schemeClr>
+          </a:lnRef>
+          <a:fillRef idx="1">
+            <a:schemeClr val="accent1"/>
+          </a:fillRef>
+          <a:effectRef idx="0">
+            <a:schemeClr val="accent1"/>
+          </a:effectRef>
+          <a:fontRef idx="minor">
+            <a:schemeClr val="lt1"/>
+          </a:fontRef>
+        </p:style>
+        <p:txBody>
+          <a:bodyPr rtlCol="0" anchor="ctr"/>
+          <a:lstStyle/>
+          <a:p>
+            <a:r>
+              <a:rPr lang="en-US" sz="2000" smtClean="0">
+                <a:solidFill>
+                  <a:schemeClr val="tx1"/>
+                </a:solidFill>
+                <a:latin typeface="Tahoma" panose="020B0604030504040204" pitchFamily="34" charset="0"/>
+                <a:ea typeface="Tahoma" panose="020B0604030504040204" pitchFamily="34" charset="0"/>
+                <a:cs typeface="Tahoma" panose="020B0604030504040204" pitchFamily="34" charset="0"/>
+              </a:rPr>
+              <a:t>Vi</a:t>
+            </a:r>
+            <a:endParaRPr lang="en-US" sz="2000">
+              <a:solidFill>
+                <a:schemeClr val="tx1"/>
+              </a:solidFill>
+              <a:latin typeface="Tahoma" panose="020B0604030504040204" pitchFamily="34" charset="0"/>
+              <a:ea typeface="Tahoma" panose="020B0604030504040204" pitchFamily="34" charset="0"/>
+              <a:cs typeface="Tahoma" panose="020B0604030504040204" pitchFamily="34" charset="0"/>
+            </a:endParaRPr>
+          </a:p>
+        </p:txBody>
+      </p:sp>
+      <p:sp>
+        <p:nvSpPr>
+          <p:cNvPr id="8" name="Rectangle 7"/>
+          <p:cNvSpPr/>
+          <p:nvPr/>
+        </p:nvSpPr>
+        <p:spPr>
+          <a:xfrm>
+            <a:off x="2510751" y="1406551"/>
+            <a:ext cx="515632" cy="435429"/>
+          </a:xfrm>
+          <a:prstGeom prst="rect">
+            <a:avLst/>
+          </a:prstGeom>
+          <a:noFill/>
+          <a:ln>
+            <a:noFill/>
+          </a:ln>
+        </p:spPr>
+        <p:style>
+          <a:lnRef idx="2">
+            <a:schemeClr val="accent1">
+              <a:shade val="50000"/>
+            </a:schemeClr>
+          </a:lnRef>
+          <a:fillRef idx="1">
+            <a:schemeClr val="accent1"/>
+          </a:fillRef>
+          <a:effectRef idx="0">
+            <a:schemeClr val="accent1"/>
+          </a:effectRef>
+          <a:fontRef idx="minor">
+            <a:schemeClr val="lt1"/>
+          </a:fontRef>
+        </p:style>
+        <p:txBody>
+          <a:bodyPr rtlCol="0" anchor="ctr"/>
+          <a:lstStyle/>
+          <a:p>
+            <a:r>
+              <a:rPr lang="en-US" sz="2000" smtClean="0">
+                <a:solidFill>
+                  <a:schemeClr val="tx1"/>
+                </a:solidFill>
+                <a:latin typeface="Tahoma" panose="020B0604030504040204" pitchFamily="34" charset="0"/>
+                <a:ea typeface="Tahoma" panose="020B0604030504040204" pitchFamily="34" charset="0"/>
+                <a:cs typeface="Tahoma" panose="020B0604030504040204" pitchFamily="34" charset="0"/>
+              </a:rPr>
+              <a:t>Vj</a:t>
+            </a:r>
+            <a:endParaRPr lang="en-US" sz="2000">
+              <a:solidFill>
+                <a:schemeClr val="tx1"/>
+              </a:solidFill>
+              <a:latin typeface="Tahoma" panose="020B0604030504040204" pitchFamily="34" charset="0"/>
+              <a:ea typeface="Tahoma" panose="020B0604030504040204" pitchFamily="34" charset="0"/>
+              <a:cs typeface="Tahoma" panose="020B0604030504040204" pitchFamily="34" charset="0"/>
+            </a:endParaRPr>
+          </a:p>
+        </p:txBody>
+      </p:sp>
+      <p:graphicFrame>
+        <p:nvGraphicFramePr>
+          <p:cNvPr id="10" name="Table 9"/>
+          <p:cNvGraphicFramePr>
+            <a:graphicFrameLocks noGrp="1"/>
+          </p:cNvGraphicFramePr>
+          <p:nvPr>
+            <p:extLst>
+              <p:ext uri="{D42A27DB-BD31-4B8C-83A1-F6EECF244321}">
+                <p14:modId xmlns:p14="http://schemas.microsoft.com/office/powerpoint/2010/main" val="3536435135"/>
+              </p:ext>
+            </p:extLst>
+          </p:nvPr>
+        </p:nvGraphicFramePr>
+        <p:xfrm>
+          <a:off x="3797111" y="756047"/>
+          <a:ext cx="2543531" cy="733864"/>
+        </p:xfrm>
+        <a:graphic>
+          <a:graphicData uri="http://schemas.openxmlformats.org/drawingml/2006/table">
+            <a:tbl>
+              <a:tblPr firstRow="1" bandRow="1">
+                <a:tableStyleId>{5940675A-B579-460E-94D1-54222C63F5DA}</a:tableStyleId>
+              </a:tblPr>
+              <a:tblGrid>
+                <a:gridCol w="1003491"/>
+                <a:gridCol w="1540040"/>
+              </a:tblGrid>
+              <a:tr h="366932">
+                <a:tc>
+                  <a:txBody>
+                    <a:bodyPr/>
+                    <a:lstStyle/>
+                    <a:p>
+                      <a:r>
+                        <a:rPr lang="en-US" sz="1500" smtClean="0">
+                          <a:latin typeface="Tahoma" panose="020B0604030504040204" pitchFamily="34" charset="0"/>
+                          <a:ea typeface="Tahoma" panose="020B0604030504040204" pitchFamily="34" charset="0"/>
+                          <a:cs typeface="Tahoma" panose="020B0604030504040204" pitchFamily="34" charset="0"/>
+                        </a:rPr>
+                        <a:t>Col1 (int)</a:t>
+                      </a:r>
+                      <a:endParaRPr lang="en-US" sz="1500">
+                        <a:latin typeface="Tahoma" panose="020B0604030504040204" pitchFamily="34" charset="0"/>
+                        <a:ea typeface="Tahoma" panose="020B0604030504040204" pitchFamily="34" charset="0"/>
+                        <a:cs typeface="Tahoma" panose="020B0604030504040204" pitchFamily="34" charset="0"/>
+                      </a:endParaRPr>
+                    </a:p>
+                  </a:txBody>
+                  <a:tcPr/>
+                </a:tc>
+                <a:tc>
+                  <a:txBody>
+                    <a:bodyPr/>
+                    <a:lstStyle/>
+                    <a:p>
+                      <a:r>
+                        <a:rPr lang="en-US" sz="1500" smtClean="0">
+                          <a:latin typeface="Tahoma" panose="020B0604030504040204" pitchFamily="34" charset="0"/>
+                          <a:ea typeface="Tahoma" panose="020B0604030504040204" pitchFamily="34" charset="0"/>
+                          <a:cs typeface="Tahoma" panose="020B0604030504040204" pitchFamily="34" charset="0"/>
+                        </a:rPr>
+                        <a:t>Col2 (nvarchar)</a:t>
+                      </a:r>
+                      <a:endParaRPr lang="en-US" sz="1500">
+                        <a:latin typeface="Tahoma" panose="020B0604030504040204" pitchFamily="34" charset="0"/>
+                        <a:ea typeface="Tahoma" panose="020B0604030504040204" pitchFamily="34" charset="0"/>
+                        <a:cs typeface="Tahoma" panose="020B0604030504040204" pitchFamily="34" charset="0"/>
+                      </a:endParaRPr>
+                    </a:p>
+                  </a:txBody>
+                  <a:tcPr/>
+                </a:tc>
+              </a:tr>
+              <a:tr h="366932">
+                <a:tc>
+                  <a:txBody>
+                    <a:bodyPr/>
+                    <a:lstStyle/>
+                    <a:p>
+                      <a:endParaRPr lang="en-US" sz="1300"/>
+                    </a:p>
+                  </a:txBody>
+                  <a:tcPr/>
+                </a:tc>
+                <a:tc>
+                  <a:txBody>
+                    <a:bodyPr/>
+                    <a:lstStyle/>
+                    <a:p>
+                      <a:endParaRPr lang="en-US" sz="1300"/>
+                    </a:p>
+                  </a:txBody>
+                  <a:tcPr/>
+                </a:tc>
+              </a:tr>
+            </a:tbl>
+          </a:graphicData>
+        </a:graphic>
+      </p:graphicFrame>
+      <p:graphicFrame>
+        <p:nvGraphicFramePr>
+          <p:cNvPr id="12" name="Table 11"/>
+          <p:cNvGraphicFramePr>
+            <a:graphicFrameLocks noGrp="1"/>
+          </p:cNvGraphicFramePr>
+          <p:nvPr>
+            <p:extLst>
+              <p:ext uri="{D42A27DB-BD31-4B8C-83A1-F6EECF244321}">
+                <p14:modId xmlns:p14="http://schemas.microsoft.com/office/powerpoint/2010/main" val="3514388589"/>
+              </p:ext>
+            </p:extLst>
+          </p:nvPr>
+        </p:nvGraphicFramePr>
+        <p:xfrm>
+          <a:off x="3797111" y="1996097"/>
+          <a:ext cx="3638405" cy="733864"/>
+        </p:xfrm>
+        <a:graphic>
+          <a:graphicData uri="http://schemas.openxmlformats.org/drawingml/2006/table">
+            <a:tbl>
+              <a:tblPr firstRow="1" bandRow="1">
+                <a:tableStyleId>{5940675A-B579-460E-94D1-54222C63F5DA}</a:tableStyleId>
+              </a:tblPr>
+              <a:tblGrid>
+                <a:gridCol w="1015521"/>
+                <a:gridCol w="1540042"/>
+                <a:gridCol w="1082842"/>
+              </a:tblGrid>
+              <a:tr h="366932">
+                <a:tc>
+                  <a:txBody>
+                    <a:bodyPr/>
+                    <a:lstStyle/>
+                    <a:p>
+                      <a:r>
+                        <a:rPr lang="en-US" sz="1500" smtClean="0">
+                          <a:latin typeface="Tahoma" panose="020B0604030504040204" pitchFamily="34" charset="0"/>
+                          <a:ea typeface="Tahoma" panose="020B0604030504040204" pitchFamily="34" charset="0"/>
+                          <a:cs typeface="Tahoma" panose="020B0604030504040204" pitchFamily="34" charset="0"/>
+                        </a:rPr>
+                        <a:t>Col1 (int)</a:t>
+                      </a:r>
+                      <a:endParaRPr lang="en-US" sz="1500">
+                        <a:latin typeface="Tahoma" panose="020B0604030504040204" pitchFamily="34" charset="0"/>
+                        <a:ea typeface="Tahoma" panose="020B0604030504040204" pitchFamily="34" charset="0"/>
+                        <a:cs typeface="Tahoma" panose="020B0604030504040204" pitchFamily="34" charset="0"/>
+                      </a:endParaRPr>
+                    </a:p>
+                  </a:txBody>
+                  <a:tcPr/>
+                </a:tc>
+                <a:tc>
+                  <a:txBody>
+                    <a:bodyPr/>
+                    <a:lstStyle/>
+                    <a:p>
+                      <a:r>
+                        <a:rPr lang="en-US" sz="1500" smtClean="0">
+                          <a:latin typeface="Tahoma" panose="020B0604030504040204" pitchFamily="34" charset="0"/>
+                          <a:ea typeface="Tahoma" panose="020B0604030504040204" pitchFamily="34" charset="0"/>
+                          <a:cs typeface="Tahoma" panose="020B0604030504040204" pitchFamily="34" charset="0"/>
+                        </a:rPr>
+                        <a:t>Col2 (nvarchar)</a:t>
+                      </a:r>
+                      <a:endParaRPr lang="en-US" sz="1500">
+                        <a:latin typeface="Tahoma" panose="020B0604030504040204" pitchFamily="34" charset="0"/>
+                        <a:ea typeface="Tahoma" panose="020B0604030504040204" pitchFamily="34" charset="0"/>
+                        <a:cs typeface="Tahoma" panose="020B0604030504040204" pitchFamily="34" charset="0"/>
+                      </a:endParaRPr>
+                    </a:p>
+                  </a:txBody>
+                  <a:tcPr/>
+                </a:tc>
+                <a:tc>
+                  <a:txBody>
+                    <a:bodyPr/>
+                    <a:lstStyle/>
+                    <a:p>
+                      <a:r>
+                        <a:rPr lang="en-US" sz="1500" smtClean="0">
+                          <a:latin typeface="Tahoma" panose="020B0604030504040204" pitchFamily="34" charset="0"/>
+                          <a:ea typeface="Tahoma" panose="020B0604030504040204" pitchFamily="34" charset="0"/>
+                          <a:cs typeface="Tahoma" panose="020B0604030504040204" pitchFamily="34" charset="0"/>
+                        </a:rPr>
+                        <a:t>Col3 (int)</a:t>
+                      </a:r>
+                      <a:endParaRPr lang="en-US" sz="1500">
+                        <a:latin typeface="Tahoma" panose="020B0604030504040204" pitchFamily="34" charset="0"/>
+                        <a:ea typeface="Tahoma" panose="020B0604030504040204" pitchFamily="34" charset="0"/>
+                        <a:cs typeface="Tahoma" panose="020B0604030504040204" pitchFamily="34" charset="0"/>
+                      </a:endParaRPr>
+                    </a:p>
+                  </a:txBody>
+                  <a:tcPr/>
+                </a:tc>
+              </a:tr>
+              <a:tr h="366932">
+                <a:tc>
+                  <a:txBody>
+                    <a:bodyPr/>
+                    <a:lstStyle/>
+                    <a:p>
+                      <a:endParaRPr lang="en-US" sz="1300"/>
+                    </a:p>
+                  </a:txBody>
+                  <a:tcPr/>
+                </a:tc>
+                <a:tc>
+                  <a:txBody>
+                    <a:bodyPr/>
+                    <a:lstStyle/>
+                    <a:p>
+                      <a:endParaRPr lang="en-US" sz="1300"/>
+                    </a:p>
+                  </a:txBody>
+                  <a:tcPr/>
+                </a:tc>
+                <a:tc>
+                  <a:txBody>
+                    <a:bodyPr/>
+                    <a:lstStyle/>
+                    <a:p>
+                      <a:endParaRPr lang="en-US" sz="1300"/>
+                    </a:p>
+                  </a:txBody>
+                  <a:tcPr/>
+                </a:tc>
+              </a:tr>
+            </a:tbl>
+          </a:graphicData>
+        </a:graphic>
+      </p:graphicFrame>
+      <p:sp>
+        <p:nvSpPr>
+          <p:cNvPr id="13" name="Rectangle 12"/>
+          <p:cNvSpPr/>
+          <p:nvPr/>
+        </p:nvSpPr>
+        <p:spPr>
+          <a:xfrm>
+            <a:off x="3738128" y="306519"/>
+            <a:ext cx="3119872" cy="435429"/>
+          </a:xfrm>
+          <a:prstGeom prst="rect">
+            <a:avLst/>
+          </a:prstGeom>
+          <a:noFill/>
+          <a:ln>
+            <a:noFill/>
+          </a:ln>
+        </p:spPr>
+        <p:style>
+          <a:lnRef idx="2">
+            <a:schemeClr val="accent1">
+              <a:shade val="50000"/>
+            </a:schemeClr>
+          </a:lnRef>
+          <a:fillRef idx="1">
+            <a:schemeClr val="accent1"/>
+          </a:fillRef>
+          <a:effectRef idx="0">
+            <a:schemeClr val="accent1"/>
+          </a:effectRef>
+          <a:fontRef idx="minor">
+            <a:schemeClr val="lt1"/>
+          </a:fontRef>
+        </p:style>
+        <p:txBody>
+          <a:bodyPr rtlCol="0" anchor="ctr"/>
+          <a:lstStyle/>
+          <a:p>
+            <a:r>
+              <a:rPr lang="en-US" sz="2000">
+                <a:solidFill>
+                  <a:schemeClr val="tx1"/>
+                </a:solidFill>
+                <a:latin typeface="Tahoma" panose="020B0604030504040204" pitchFamily="34" charset="0"/>
+                <a:ea typeface="Tahoma" panose="020B0604030504040204" pitchFamily="34" charset="0"/>
+                <a:cs typeface="Tahoma" panose="020B0604030504040204" pitchFamily="34" charset="0"/>
+              </a:rPr>
+              <a:t>Table 0 ∈ Vi</a:t>
+            </a:r>
+            <a:endParaRPr lang="en-US" sz="2000">
+              <a:solidFill>
+                <a:schemeClr val="tx1"/>
+              </a:solidFill>
+              <a:latin typeface="Tahoma" panose="020B0604030504040204" pitchFamily="34" charset="0"/>
+              <a:ea typeface="Tahoma" panose="020B0604030504040204" pitchFamily="34" charset="0"/>
+              <a:cs typeface="Tahoma" panose="020B0604030504040204" pitchFamily="34" charset="0"/>
+            </a:endParaRPr>
+          </a:p>
+        </p:txBody>
+      </p:sp>
+      <p:sp>
+        <p:nvSpPr>
+          <p:cNvPr id="15" name="Rectangle 14"/>
+          <p:cNvSpPr/>
+          <p:nvPr/>
+        </p:nvSpPr>
+        <p:spPr>
+          <a:xfrm>
+            <a:off x="1765227" y="2412048"/>
+            <a:ext cx="1082409" cy="435429"/>
+          </a:xfrm>
+          <a:prstGeom prst="rect">
+            <a:avLst/>
+          </a:prstGeom>
+          <a:noFill/>
+          <a:ln>
+            <a:noFill/>
+          </a:ln>
+        </p:spPr>
+        <p:style>
+          <a:lnRef idx="2">
+            <a:schemeClr val="accent1">
+              <a:shade val="50000"/>
+            </a:schemeClr>
+          </a:lnRef>
+          <a:fillRef idx="1">
+            <a:schemeClr val="accent1"/>
+          </a:fillRef>
+          <a:effectRef idx="0">
+            <a:schemeClr val="accent1"/>
+          </a:effectRef>
+          <a:fontRef idx="minor">
+            <a:schemeClr val="lt1"/>
+          </a:fontRef>
+        </p:style>
+        <p:txBody>
+          <a:bodyPr rtlCol="0" anchor="ctr"/>
+          <a:lstStyle/>
+          <a:p>
+            <a:r>
+              <a:rPr lang="en-US" sz="2000" smtClean="0">
+                <a:solidFill>
+                  <a:schemeClr val="tx1"/>
+                </a:solidFill>
+                <a:latin typeface="Tahoma" panose="020B0604030504040204" pitchFamily="34" charset="0"/>
+                <a:ea typeface="Tahoma" panose="020B0604030504040204" pitchFamily="34" charset="0"/>
+                <a:cs typeface="Tahoma" panose="020B0604030504040204" pitchFamily="34" charset="0"/>
+              </a:rPr>
+              <a:t>Vi </a:t>
+            </a:r>
+            <a:r>
+              <a:rPr lang="en-US" sz="2000">
+                <a:solidFill>
+                  <a:schemeClr val="tx1"/>
+                </a:solidFill>
+                <a:latin typeface="Tahoma" panose="020B0604030504040204" pitchFamily="34" charset="0"/>
+                <a:ea typeface="Tahoma" panose="020B0604030504040204" pitchFamily="34" charset="0"/>
+                <a:cs typeface="Tahoma" panose="020B0604030504040204" pitchFamily="34" charset="0"/>
+              </a:rPr>
+              <a:t> </a:t>
+            </a:r>
+            <a:r>
+              <a:rPr lang="en-US" sz="2000" smtClean="0">
+                <a:solidFill>
+                  <a:schemeClr val="tx1"/>
+                </a:solidFill>
+                <a:latin typeface="Tahoma" panose="020B0604030504040204" pitchFamily="34" charset="0"/>
+                <a:ea typeface="Tahoma" panose="020B0604030504040204" pitchFamily="34" charset="0"/>
+                <a:cs typeface="Tahoma" panose="020B0604030504040204" pitchFamily="34" charset="0"/>
+              </a:rPr>
+              <a:t>⊆ Vj</a:t>
+            </a:r>
+            <a:endParaRPr lang="en-US" sz="2000">
+              <a:solidFill>
+                <a:schemeClr val="tx1"/>
+              </a:solidFill>
+              <a:latin typeface="Tahoma" panose="020B0604030504040204" pitchFamily="34" charset="0"/>
+              <a:ea typeface="Tahoma" panose="020B0604030504040204" pitchFamily="34" charset="0"/>
+              <a:cs typeface="Tahoma" panose="020B0604030504040204" pitchFamily="34" charset="0"/>
+            </a:endParaRPr>
+          </a:p>
+        </p:txBody>
+      </p:sp>
+      <p:sp>
+        <p:nvSpPr>
+          <p:cNvPr id="16" name="Rectangle 15"/>
+          <p:cNvSpPr/>
+          <p:nvPr/>
+        </p:nvSpPr>
+        <p:spPr>
+          <a:xfrm>
+            <a:off x="3738128" y="1549785"/>
+            <a:ext cx="3119872" cy="435429"/>
+          </a:xfrm>
+          <a:prstGeom prst="rect">
+            <a:avLst/>
+          </a:prstGeom>
+          <a:noFill/>
+          <a:ln>
+            <a:noFill/>
+          </a:ln>
+        </p:spPr>
+        <p:style>
+          <a:lnRef idx="2">
+            <a:schemeClr val="accent1">
+              <a:shade val="50000"/>
+            </a:schemeClr>
+          </a:lnRef>
+          <a:fillRef idx="1">
+            <a:schemeClr val="accent1"/>
+          </a:fillRef>
+          <a:effectRef idx="0">
+            <a:schemeClr val="accent1"/>
+          </a:effectRef>
+          <a:fontRef idx="minor">
+            <a:schemeClr val="lt1"/>
+          </a:fontRef>
+        </p:style>
+        <p:txBody>
+          <a:bodyPr rtlCol="0" anchor="ctr"/>
+          <a:lstStyle/>
+          <a:p>
+            <a:r>
+              <a:rPr lang="en-US" sz="2000">
+                <a:solidFill>
+                  <a:schemeClr val="tx1"/>
+                </a:solidFill>
+                <a:latin typeface="Tahoma" panose="020B0604030504040204" pitchFamily="34" charset="0"/>
+                <a:ea typeface="Tahoma" panose="020B0604030504040204" pitchFamily="34" charset="0"/>
+                <a:cs typeface="Tahoma" panose="020B0604030504040204" pitchFamily="34" charset="0"/>
+              </a:rPr>
+              <a:t>Table 0 </a:t>
+            </a:r>
+            <a:r>
+              <a:rPr lang="en-US" sz="2000">
+                <a:solidFill>
+                  <a:schemeClr val="tx1"/>
+                </a:solidFill>
+                <a:latin typeface="Tahoma" panose="020B0604030504040204" pitchFamily="34" charset="0"/>
+                <a:ea typeface="Tahoma" panose="020B0604030504040204" pitchFamily="34" charset="0"/>
+                <a:cs typeface="Tahoma" panose="020B0604030504040204" pitchFamily="34" charset="0"/>
+              </a:rPr>
+              <a:t>∈ </a:t>
+            </a:r>
+            <a:r>
+              <a:rPr lang="en-US" sz="2000" smtClean="0">
+                <a:solidFill>
+                  <a:schemeClr val="tx1"/>
+                </a:solidFill>
+                <a:latin typeface="Tahoma" panose="020B0604030504040204" pitchFamily="34" charset="0"/>
+                <a:ea typeface="Tahoma" panose="020B0604030504040204" pitchFamily="34" charset="0"/>
+                <a:cs typeface="Tahoma" panose="020B0604030504040204" pitchFamily="34" charset="0"/>
+              </a:rPr>
+              <a:t>Vj</a:t>
+            </a:r>
+            <a:endParaRPr lang="en-US" sz="2000">
+              <a:solidFill>
+                <a:schemeClr val="tx1"/>
+              </a:solidFill>
+              <a:latin typeface="Tahoma" panose="020B0604030504040204" pitchFamily="34" charset="0"/>
+              <a:ea typeface="Tahoma" panose="020B0604030504040204" pitchFamily="34" charset="0"/>
+              <a:cs typeface="Tahoma" panose="020B0604030504040204" pitchFamily="34" charset="0"/>
+            </a:endParaRPr>
+          </a:p>
+        </p:txBody>
+      </p:sp>
+    </p:spTree>
+    <p:extLst>
+      <p:ext uri="{BB962C8B-B14F-4D97-AF65-F5344CB8AC3E}">
+        <p14:creationId xmlns:p14="http://schemas.microsoft.com/office/powerpoint/2010/main" val="1249823430"/>
+      </p:ext>
+    </p:extLst>
+  </p:cSld>
+  <p:clrMapOvr>
+    <a:masterClrMapping/>
+  </p:clrMapOvr>
+</p:sld>
+</file>
+
+<file path=ppt/slides/slide4.xml><?xml version="1.0" encoding="utf-8"?>
+<p:sld xmlns:a="http://schemas.openxmlformats.org/drawingml/2006/main" xmlns:r="http://schemas.openxmlformats.org/officeDocument/2006/relationships" xmlns:p="http://schemas.openxmlformats.org/presentationml/2006/main">
+  <p:cSld>
+    <p:spTree>
+      <p:nvGrpSpPr>
+        <p:cNvPr id="1" name=""/>
+        <p:cNvGrpSpPr/>
+        <p:nvPr/>
+      </p:nvGrpSpPr>
+      <p:grpSpPr>
+        <a:xfrm>
+          <a:off x="0" y="0"/>
+          <a:ext cx="0" cy="0"/>
+          <a:chOff x="0" y="0"/>
+          <a:chExt cx="0" cy="0"/>
+        </a:xfrm>
+      </p:grpSpPr>
+      <p:sp>
+        <p:nvSpPr>
+          <p:cNvPr id="4" name="Oval 3"/>
+          <p:cNvSpPr/>
+          <p:nvPr/>
+        </p:nvSpPr>
+        <p:spPr>
+          <a:xfrm>
+            <a:off x="1090862" y="477256"/>
+            <a:ext cx="2315502" cy="1495926"/>
+          </a:xfrm>
+          <a:prstGeom prst="ellipse">
+            <a:avLst/>
+          </a:prstGeom>
+          <a:solidFill>
+            <a:schemeClr val="bg1">
+              <a:lumMod val="95000"/>
+            </a:schemeClr>
+          </a:solidFill>
+          <a:ln w="12700">
+            <a:solidFill>
+              <a:schemeClr val="tx1"/>
+            </a:solidFill>
+          </a:ln>
+        </p:spPr>
+        <p:style>
+          <a:lnRef idx="2">
+            <a:schemeClr val="accent1">
+              <a:shade val="50000"/>
+            </a:schemeClr>
+          </a:lnRef>
+          <a:fillRef idx="1">
+            <a:schemeClr val="accent1"/>
+          </a:fillRef>
+          <a:effectRef idx="0">
+            <a:schemeClr val="accent1"/>
+          </a:effectRef>
+          <a:fontRef idx="minor">
+            <a:schemeClr val="lt1"/>
+          </a:fontRef>
+        </p:style>
+        <p:txBody>
+          <a:bodyPr rtlCol="0" anchor="ctr"/>
+          <a:lstStyle/>
+          <a:p>
+            <a:pPr algn="ctr"/>
+            <a:endParaRPr lang="en-US"/>
+          </a:p>
+        </p:txBody>
+      </p:sp>
+      <p:sp>
+        <p:nvSpPr>
+          <p:cNvPr id="5" name="Oval 4"/>
+          <p:cNvSpPr/>
+          <p:nvPr/>
+        </p:nvSpPr>
+        <p:spPr>
+          <a:xfrm>
+            <a:off x="1163054" y="633667"/>
+            <a:ext cx="1533321" cy="990599"/>
+          </a:xfrm>
+          <a:prstGeom prst="ellipse">
+            <a:avLst/>
+          </a:prstGeom>
+          <a:solidFill>
+            <a:schemeClr val="bg1"/>
+          </a:solidFill>
+          <a:ln w="12700">
+            <a:solidFill>
+              <a:schemeClr val="tx1"/>
+            </a:solidFill>
+          </a:ln>
+        </p:spPr>
+        <p:style>
+          <a:lnRef idx="2">
+            <a:schemeClr val="accent1">
+              <a:shade val="50000"/>
+            </a:schemeClr>
+          </a:lnRef>
+          <a:fillRef idx="1">
+            <a:schemeClr val="accent1"/>
+          </a:fillRef>
+          <a:effectRef idx="0">
+            <a:schemeClr val="accent1"/>
+          </a:effectRef>
+          <a:fontRef idx="minor">
+            <a:schemeClr val="lt1"/>
+          </a:fontRef>
+        </p:style>
+        <p:txBody>
+          <a:bodyPr rtlCol="0" anchor="ctr"/>
+          <a:lstStyle/>
+          <a:p>
+            <a:pPr algn="ctr"/>
+            <a:endParaRPr lang="en-US">
+              <a:solidFill>
+                <a:schemeClr val="tx1"/>
+              </a:solidFill>
+              <a:latin typeface="Tahoma" panose="020B0604030504040204" pitchFamily="34" charset="0"/>
+              <a:ea typeface="Tahoma" panose="020B0604030504040204" pitchFamily="34" charset="0"/>
+              <a:cs typeface="Tahoma" panose="020B0604030504040204" pitchFamily="34" charset="0"/>
+            </a:endParaRPr>
+          </a:p>
+        </p:txBody>
+      </p:sp>
+      <p:sp>
+        <p:nvSpPr>
+          <p:cNvPr id="6" name="Rectangle 5"/>
+          <p:cNvSpPr/>
+          <p:nvPr/>
+        </p:nvSpPr>
+        <p:spPr>
+          <a:xfrm>
+            <a:off x="1732981" y="911251"/>
+            <a:ext cx="515632" cy="435429"/>
+          </a:xfrm>
+          <a:prstGeom prst="rect">
+            <a:avLst/>
+          </a:prstGeom>
+          <a:noFill/>
+          <a:ln>
+            <a:noFill/>
+          </a:ln>
+        </p:spPr>
+        <p:style>
+          <a:lnRef idx="2">
+            <a:schemeClr val="accent1">
+              <a:shade val="50000"/>
+            </a:schemeClr>
+          </a:lnRef>
+          <a:fillRef idx="1">
+            <a:schemeClr val="accent1"/>
+          </a:fillRef>
+          <a:effectRef idx="0">
+            <a:schemeClr val="accent1"/>
+          </a:effectRef>
+          <a:fontRef idx="minor">
+            <a:schemeClr val="lt1"/>
+          </a:fontRef>
+        </p:style>
+        <p:txBody>
+          <a:bodyPr rtlCol="0" anchor="ctr"/>
+          <a:lstStyle/>
+          <a:p>
+            <a:r>
+              <a:rPr lang="en-US" sz="2000" smtClean="0">
+                <a:solidFill>
+                  <a:schemeClr val="tx1"/>
+                </a:solidFill>
+                <a:latin typeface="Tahoma" panose="020B0604030504040204" pitchFamily="34" charset="0"/>
+                <a:ea typeface="Tahoma" panose="020B0604030504040204" pitchFamily="34" charset="0"/>
+                <a:cs typeface="Tahoma" panose="020B0604030504040204" pitchFamily="34" charset="0"/>
+              </a:rPr>
+              <a:t>Vj</a:t>
+            </a:r>
+            <a:endParaRPr lang="en-US" sz="2000">
+              <a:solidFill>
+                <a:schemeClr val="tx1"/>
+              </a:solidFill>
+              <a:latin typeface="Tahoma" panose="020B0604030504040204" pitchFamily="34" charset="0"/>
+              <a:ea typeface="Tahoma" panose="020B0604030504040204" pitchFamily="34" charset="0"/>
+              <a:cs typeface="Tahoma" panose="020B0604030504040204" pitchFamily="34" charset="0"/>
+            </a:endParaRPr>
+          </a:p>
+        </p:txBody>
+      </p:sp>
+      <p:sp>
+        <p:nvSpPr>
+          <p:cNvPr id="7" name="Rectangle 6"/>
+          <p:cNvSpPr/>
+          <p:nvPr/>
+        </p:nvSpPr>
+        <p:spPr>
+          <a:xfrm>
+            <a:off x="2510751" y="1406551"/>
+            <a:ext cx="515632" cy="435429"/>
+          </a:xfrm>
+          <a:prstGeom prst="rect">
+            <a:avLst/>
+          </a:prstGeom>
+          <a:noFill/>
+          <a:ln>
+            <a:noFill/>
+          </a:ln>
+        </p:spPr>
+        <p:style>
+          <a:lnRef idx="2">
+            <a:schemeClr val="accent1">
+              <a:shade val="50000"/>
+            </a:schemeClr>
+          </a:lnRef>
+          <a:fillRef idx="1">
+            <a:schemeClr val="accent1"/>
+          </a:fillRef>
+          <a:effectRef idx="0">
+            <a:schemeClr val="accent1"/>
+          </a:effectRef>
+          <a:fontRef idx="minor">
+            <a:schemeClr val="lt1"/>
+          </a:fontRef>
+        </p:style>
+        <p:txBody>
+          <a:bodyPr rtlCol="0" anchor="ctr"/>
+          <a:lstStyle/>
+          <a:p>
+            <a:r>
+              <a:rPr lang="en-US" sz="2000" smtClean="0">
+                <a:solidFill>
+                  <a:schemeClr val="tx1"/>
+                </a:solidFill>
+                <a:latin typeface="Tahoma" panose="020B0604030504040204" pitchFamily="34" charset="0"/>
+                <a:ea typeface="Tahoma" panose="020B0604030504040204" pitchFamily="34" charset="0"/>
+                <a:cs typeface="Tahoma" panose="020B0604030504040204" pitchFamily="34" charset="0"/>
+              </a:rPr>
+              <a:t>Vi</a:t>
+            </a:r>
+            <a:endParaRPr lang="en-US" sz="2000">
+              <a:solidFill>
+                <a:schemeClr val="tx1"/>
+              </a:solidFill>
+              <a:latin typeface="Tahoma" panose="020B0604030504040204" pitchFamily="34" charset="0"/>
+              <a:ea typeface="Tahoma" panose="020B0604030504040204" pitchFamily="34" charset="0"/>
+              <a:cs typeface="Tahoma" panose="020B0604030504040204" pitchFamily="34" charset="0"/>
+            </a:endParaRPr>
+          </a:p>
+        </p:txBody>
+      </p:sp>
+      <p:graphicFrame>
+        <p:nvGraphicFramePr>
+          <p:cNvPr id="8" name="Table 7"/>
+          <p:cNvGraphicFramePr>
+            <a:graphicFrameLocks noGrp="1"/>
+          </p:cNvGraphicFramePr>
+          <p:nvPr>
+            <p:extLst>
+              <p:ext uri="{D42A27DB-BD31-4B8C-83A1-F6EECF244321}">
+                <p14:modId xmlns:p14="http://schemas.microsoft.com/office/powerpoint/2010/main" val="171017155"/>
+              </p:ext>
+            </p:extLst>
+          </p:nvPr>
+        </p:nvGraphicFramePr>
+        <p:xfrm>
+          <a:off x="3857269" y="1994127"/>
+          <a:ext cx="2543531" cy="733864"/>
+        </p:xfrm>
+        <a:graphic>
+          <a:graphicData uri="http://schemas.openxmlformats.org/drawingml/2006/table">
+            <a:tbl>
+              <a:tblPr firstRow="1" bandRow="1">
+                <a:tableStyleId>{5940675A-B579-460E-94D1-54222C63F5DA}</a:tableStyleId>
+              </a:tblPr>
+              <a:tblGrid>
+                <a:gridCol w="1003491"/>
+                <a:gridCol w="1540040"/>
+              </a:tblGrid>
+              <a:tr h="366932">
+                <a:tc>
+                  <a:txBody>
+                    <a:bodyPr/>
+                    <a:lstStyle/>
+                    <a:p>
+                      <a:r>
+                        <a:rPr lang="en-US" sz="1500" smtClean="0">
+                          <a:latin typeface="Tahoma" panose="020B0604030504040204" pitchFamily="34" charset="0"/>
+                          <a:ea typeface="Tahoma" panose="020B0604030504040204" pitchFamily="34" charset="0"/>
+                          <a:cs typeface="Tahoma" panose="020B0604030504040204" pitchFamily="34" charset="0"/>
+                        </a:rPr>
+                        <a:t>Col1 (int)</a:t>
+                      </a:r>
+                      <a:endParaRPr lang="en-US" sz="1500">
+                        <a:latin typeface="Tahoma" panose="020B0604030504040204" pitchFamily="34" charset="0"/>
+                        <a:ea typeface="Tahoma" panose="020B0604030504040204" pitchFamily="34" charset="0"/>
+                        <a:cs typeface="Tahoma" panose="020B0604030504040204" pitchFamily="34" charset="0"/>
+                      </a:endParaRPr>
+                    </a:p>
+                  </a:txBody>
+                  <a:tcPr/>
+                </a:tc>
+                <a:tc>
+                  <a:txBody>
+                    <a:bodyPr/>
+                    <a:lstStyle/>
+                    <a:p>
+                      <a:r>
+                        <a:rPr lang="en-US" sz="1500" smtClean="0">
+                          <a:latin typeface="Tahoma" panose="020B0604030504040204" pitchFamily="34" charset="0"/>
+                          <a:ea typeface="Tahoma" panose="020B0604030504040204" pitchFamily="34" charset="0"/>
+                          <a:cs typeface="Tahoma" panose="020B0604030504040204" pitchFamily="34" charset="0"/>
+                        </a:rPr>
+                        <a:t>Col2 (nvarchar)</a:t>
+                      </a:r>
+                      <a:endParaRPr lang="en-US" sz="1500">
+                        <a:latin typeface="Tahoma" panose="020B0604030504040204" pitchFamily="34" charset="0"/>
+                        <a:ea typeface="Tahoma" panose="020B0604030504040204" pitchFamily="34" charset="0"/>
+                        <a:cs typeface="Tahoma" panose="020B0604030504040204" pitchFamily="34" charset="0"/>
+                      </a:endParaRPr>
+                    </a:p>
+                  </a:txBody>
+                  <a:tcPr/>
+                </a:tc>
+              </a:tr>
+              <a:tr h="366932">
+                <a:tc>
+                  <a:txBody>
+                    <a:bodyPr/>
+                    <a:lstStyle/>
+                    <a:p>
+                      <a:endParaRPr lang="en-US" sz="1300"/>
+                    </a:p>
+                  </a:txBody>
+                  <a:tcPr/>
+                </a:tc>
+                <a:tc>
+                  <a:txBody>
+                    <a:bodyPr/>
+                    <a:lstStyle/>
+                    <a:p>
+                      <a:endParaRPr lang="en-US" sz="1300"/>
+                    </a:p>
+                  </a:txBody>
+                  <a:tcPr/>
+                </a:tc>
+              </a:tr>
+            </a:tbl>
+          </a:graphicData>
+        </a:graphic>
+      </p:graphicFrame>
+      <p:sp>
+        <p:nvSpPr>
+          <p:cNvPr id="10" name="Rectangle 9"/>
+          <p:cNvSpPr/>
+          <p:nvPr/>
+        </p:nvSpPr>
+        <p:spPr>
+          <a:xfrm>
+            <a:off x="3738128" y="306519"/>
+            <a:ext cx="3119872" cy="435429"/>
+          </a:xfrm>
+          <a:prstGeom prst="rect">
+            <a:avLst/>
+          </a:prstGeom>
+          <a:noFill/>
+          <a:ln>
+            <a:noFill/>
+          </a:ln>
+        </p:spPr>
+        <p:style>
+          <a:lnRef idx="2">
+            <a:schemeClr val="accent1">
+              <a:shade val="50000"/>
+            </a:schemeClr>
+          </a:lnRef>
+          <a:fillRef idx="1">
+            <a:schemeClr val="accent1"/>
+          </a:fillRef>
+          <a:effectRef idx="0">
+            <a:schemeClr val="accent1"/>
+          </a:effectRef>
+          <a:fontRef idx="minor">
+            <a:schemeClr val="lt1"/>
+          </a:fontRef>
+        </p:style>
+        <p:txBody>
+          <a:bodyPr rtlCol="0" anchor="ctr"/>
+          <a:lstStyle/>
+          <a:p>
+            <a:r>
+              <a:rPr lang="en-US" sz="2000">
+                <a:solidFill>
+                  <a:schemeClr val="tx1"/>
+                </a:solidFill>
+                <a:latin typeface="Tahoma" panose="020B0604030504040204" pitchFamily="34" charset="0"/>
+                <a:ea typeface="Tahoma" panose="020B0604030504040204" pitchFamily="34" charset="0"/>
+                <a:cs typeface="Tahoma" panose="020B0604030504040204" pitchFamily="34" charset="0"/>
+              </a:rPr>
+              <a:t>Table 0 ∈ Vi</a:t>
+            </a:r>
+            <a:endParaRPr lang="en-US" sz="2000">
+              <a:solidFill>
+                <a:schemeClr val="tx1"/>
+              </a:solidFill>
+              <a:latin typeface="Tahoma" panose="020B0604030504040204" pitchFamily="34" charset="0"/>
+              <a:ea typeface="Tahoma" panose="020B0604030504040204" pitchFamily="34" charset="0"/>
+              <a:cs typeface="Tahoma" panose="020B0604030504040204" pitchFamily="34" charset="0"/>
+            </a:endParaRPr>
+          </a:p>
+        </p:txBody>
+      </p:sp>
+      <p:sp>
+        <p:nvSpPr>
+          <p:cNvPr id="11" name="Rectangle 10"/>
+          <p:cNvSpPr/>
+          <p:nvPr/>
+        </p:nvSpPr>
+        <p:spPr>
+          <a:xfrm>
+            <a:off x="1765227" y="2412048"/>
+            <a:ext cx="1082409" cy="435429"/>
+          </a:xfrm>
+          <a:prstGeom prst="rect">
+            <a:avLst/>
+          </a:prstGeom>
+          <a:noFill/>
+          <a:ln>
+            <a:noFill/>
+          </a:ln>
+        </p:spPr>
+        <p:style>
+          <a:lnRef idx="2">
+            <a:schemeClr val="accent1">
+              <a:shade val="50000"/>
+            </a:schemeClr>
+          </a:lnRef>
+          <a:fillRef idx="1">
+            <a:schemeClr val="accent1"/>
+          </a:fillRef>
+          <a:effectRef idx="0">
+            <a:schemeClr val="accent1"/>
+          </a:effectRef>
+          <a:fontRef idx="minor">
+            <a:schemeClr val="lt1"/>
+          </a:fontRef>
+        </p:style>
+        <p:txBody>
+          <a:bodyPr rtlCol="0" anchor="ctr"/>
+          <a:lstStyle/>
+          <a:p>
+            <a:r>
+              <a:rPr lang="en-US" sz="2000" smtClean="0">
+                <a:solidFill>
+                  <a:schemeClr val="tx1"/>
+                </a:solidFill>
+                <a:latin typeface="Tahoma" panose="020B0604030504040204" pitchFamily="34" charset="0"/>
+                <a:ea typeface="Tahoma" panose="020B0604030504040204" pitchFamily="34" charset="0"/>
+                <a:cs typeface="Tahoma" panose="020B0604030504040204" pitchFamily="34" charset="0"/>
+              </a:rPr>
+              <a:t>Vj </a:t>
+            </a:r>
+            <a:r>
+              <a:rPr lang="en-US" sz="2000">
+                <a:solidFill>
+                  <a:schemeClr val="tx1"/>
+                </a:solidFill>
+                <a:latin typeface="Tahoma" panose="020B0604030504040204" pitchFamily="34" charset="0"/>
+                <a:ea typeface="Tahoma" panose="020B0604030504040204" pitchFamily="34" charset="0"/>
+                <a:cs typeface="Tahoma" panose="020B0604030504040204" pitchFamily="34" charset="0"/>
+              </a:rPr>
+              <a:t> </a:t>
+            </a:r>
+            <a:r>
+              <a:rPr lang="en-US" sz="2000" smtClean="0">
+                <a:solidFill>
+                  <a:schemeClr val="tx1"/>
+                </a:solidFill>
+                <a:latin typeface="Tahoma" panose="020B0604030504040204" pitchFamily="34" charset="0"/>
+                <a:ea typeface="Tahoma" panose="020B0604030504040204" pitchFamily="34" charset="0"/>
+                <a:cs typeface="Tahoma" panose="020B0604030504040204" pitchFamily="34" charset="0"/>
+              </a:rPr>
+              <a:t>⊆ Vi</a:t>
+            </a:r>
+            <a:endParaRPr lang="en-US" sz="2000">
+              <a:solidFill>
+                <a:schemeClr val="tx1"/>
+              </a:solidFill>
+              <a:latin typeface="Tahoma" panose="020B0604030504040204" pitchFamily="34" charset="0"/>
+              <a:ea typeface="Tahoma" panose="020B0604030504040204" pitchFamily="34" charset="0"/>
+              <a:cs typeface="Tahoma" panose="020B0604030504040204" pitchFamily="34" charset="0"/>
+            </a:endParaRPr>
+          </a:p>
+        </p:txBody>
+      </p:sp>
+      <p:sp>
+        <p:nvSpPr>
+          <p:cNvPr id="12" name="Rectangle 11"/>
+          <p:cNvSpPr/>
+          <p:nvPr/>
+        </p:nvSpPr>
+        <p:spPr>
+          <a:xfrm>
+            <a:off x="3738128" y="1549785"/>
+            <a:ext cx="3119872" cy="435429"/>
+          </a:xfrm>
+          <a:prstGeom prst="rect">
+            <a:avLst/>
+          </a:prstGeom>
+          <a:noFill/>
+          <a:ln>
+            <a:noFill/>
+          </a:ln>
+        </p:spPr>
+        <p:style>
+          <a:lnRef idx="2">
+            <a:schemeClr val="accent1">
+              <a:shade val="50000"/>
+            </a:schemeClr>
+          </a:lnRef>
+          <a:fillRef idx="1">
+            <a:schemeClr val="accent1"/>
+          </a:fillRef>
+          <a:effectRef idx="0">
+            <a:schemeClr val="accent1"/>
+          </a:effectRef>
+          <a:fontRef idx="minor">
+            <a:schemeClr val="lt1"/>
+          </a:fontRef>
+        </p:style>
+        <p:txBody>
+          <a:bodyPr rtlCol="0" anchor="ctr"/>
+          <a:lstStyle/>
+          <a:p>
+            <a:r>
+              <a:rPr lang="en-US" sz="2000">
+                <a:solidFill>
+                  <a:schemeClr val="tx1"/>
+                </a:solidFill>
+                <a:latin typeface="Tahoma" panose="020B0604030504040204" pitchFamily="34" charset="0"/>
+                <a:ea typeface="Tahoma" panose="020B0604030504040204" pitchFamily="34" charset="0"/>
+                <a:cs typeface="Tahoma" panose="020B0604030504040204" pitchFamily="34" charset="0"/>
+              </a:rPr>
+              <a:t>Table 0 </a:t>
+            </a:r>
+            <a:r>
+              <a:rPr lang="en-US" sz="2000">
+                <a:solidFill>
+                  <a:schemeClr val="tx1"/>
+                </a:solidFill>
+                <a:latin typeface="Tahoma" panose="020B0604030504040204" pitchFamily="34" charset="0"/>
+                <a:ea typeface="Tahoma" panose="020B0604030504040204" pitchFamily="34" charset="0"/>
+                <a:cs typeface="Tahoma" panose="020B0604030504040204" pitchFamily="34" charset="0"/>
+              </a:rPr>
+              <a:t>∈ </a:t>
+            </a:r>
+            <a:r>
+              <a:rPr lang="en-US" sz="2000" smtClean="0">
+                <a:solidFill>
+                  <a:schemeClr val="tx1"/>
+                </a:solidFill>
+                <a:latin typeface="Tahoma" panose="020B0604030504040204" pitchFamily="34" charset="0"/>
+                <a:ea typeface="Tahoma" panose="020B0604030504040204" pitchFamily="34" charset="0"/>
+                <a:cs typeface="Tahoma" panose="020B0604030504040204" pitchFamily="34" charset="0"/>
+              </a:rPr>
+              <a:t>Vj</a:t>
+            </a:r>
+            <a:endParaRPr lang="en-US" sz="2000">
+              <a:solidFill>
+                <a:schemeClr val="tx1"/>
+              </a:solidFill>
+              <a:latin typeface="Tahoma" panose="020B0604030504040204" pitchFamily="34" charset="0"/>
+              <a:ea typeface="Tahoma" panose="020B0604030504040204" pitchFamily="34" charset="0"/>
+              <a:cs typeface="Tahoma" panose="020B0604030504040204" pitchFamily="34" charset="0"/>
+            </a:endParaRPr>
+          </a:p>
+        </p:txBody>
+      </p:sp>
+      <p:graphicFrame>
+        <p:nvGraphicFramePr>
+          <p:cNvPr id="13" name="Table 12"/>
+          <p:cNvGraphicFramePr>
+            <a:graphicFrameLocks noGrp="1"/>
+          </p:cNvGraphicFramePr>
+          <p:nvPr>
+            <p:extLst>
+              <p:ext uri="{D42A27DB-BD31-4B8C-83A1-F6EECF244321}">
+                <p14:modId xmlns:p14="http://schemas.microsoft.com/office/powerpoint/2010/main" val="1626200616"/>
+              </p:ext>
+            </p:extLst>
+          </p:nvPr>
+        </p:nvGraphicFramePr>
+        <p:xfrm>
+          <a:off x="3865290" y="725910"/>
+          <a:ext cx="3638405" cy="733864"/>
+        </p:xfrm>
+        <a:graphic>
+          <a:graphicData uri="http://schemas.openxmlformats.org/drawingml/2006/table">
+            <a:tbl>
+              <a:tblPr firstRow="1" bandRow="1">
+                <a:tableStyleId>{5940675A-B579-460E-94D1-54222C63F5DA}</a:tableStyleId>
+              </a:tblPr>
+              <a:tblGrid>
+                <a:gridCol w="1015521"/>
+                <a:gridCol w="1540042"/>
+                <a:gridCol w="1082842"/>
+              </a:tblGrid>
+              <a:tr h="366932">
+                <a:tc>
+                  <a:txBody>
+                    <a:bodyPr/>
+                    <a:lstStyle/>
+                    <a:p>
+                      <a:r>
+                        <a:rPr lang="en-US" sz="1500" smtClean="0">
+                          <a:latin typeface="Tahoma" panose="020B0604030504040204" pitchFamily="34" charset="0"/>
+                          <a:ea typeface="Tahoma" panose="020B0604030504040204" pitchFamily="34" charset="0"/>
+                          <a:cs typeface="Tahoma" panose="020B0604030504040204" pitchFamily="34" charset="0"/>
+                        </a:rPr>
+                        <a:t>Col1 (int)</a:t>
+                      </a:r>
+                      <a:endParaRPr lang="en-US" sz="1500">
+                        <a:latin typeface="Tahoma" panose="020B0604030504040204" pitchFamily="34" charset="0"/>
+                        <a:ea typeface="Tahoma" panose="020B0604030504040204" pitchFamily="34" charset="0"/>
+                        <a:cs typeface="Tahoma" panose="020B0604030504040204" pitchFamily="34" charset="0"/>
+                      </a:endParaRPr>
+                    </a:p>
+                  </a:txBody>
+                  <a:tcPr/>
+                </a:tc>
+                <a:tc>
+                  <a:txBody>
+                    <a:bodyPr/>
+                    <a:lstStyle/>
+                    <a:p>
+                      <a:r>
+                        <a:rPr lang="en-US" sz="1500" smtClean="0">
+                          <a:latin typeface="Tahoma" panose="020B0604030504040204" pitchFamily="34" charset="0"/>
+                          <a:ea typeface="Tahoma" panose="020B0604030504040204" pitchFamily="34" charset="0"/>
+                          <a:cs typeface="Tahoma" panose="020B0604030504040204" pitchFamily="34" charset="0"/>
+                        </a:rPr>
+                        <a:t>Col2 (nvarchar)</a:t>
+                      </a:r>
+                      <a:endParaRPr lang="en-US" sz="1500">
+                        <a:latin typeface="Tahoma" panose="020B0604030504040204" pitchFamily="34" charset="0"/>
+                        <a:ea typeface="Tahoma" panose="020B0604030504040204" pitchFamily="34" charset="0"/>
+                        <a:cs typeface="Tahoma" panose="020B0604030504040204" pitchFamily="34" charset="0"/>
+                      </a:endParaRPr>
+                    </a:p>
+                  </a:txBody>
+                  <a:tcPr/>
+                </a:tc>
+                <a:tc>
+                  <a:txBody>
+                    <a:bodyPr/>
+                    <a:lstStyle/>
+                    <a:p>
+                      <a:r>
+                        <a:rPr lang="en-US" sz="1500" smtClean="0">
+                          <a:latin typeface="Tahoma" panose="020B0604030504040204" pitchFamily="34" charset="0"/>
+                          <a:ea typeface="Tahoma" panose="020B0604030504040204" pitchFamily="34" charset="0"/>
+                          <a:cs typeface="Tahoma" panose="020B0604030504040204" pitchFamily="34" charset="0"/>
+                        </a:rPr>
+                        <a:t>Col3 (int)</a:t>
+                      </a:r>
+                      <a:endParaRPr lang="en-US" sz="1500">
+                        <a:latin typeface="Tahoma" panose="020B0604030504040204" pitchFamily="34" charset="0"/>
+                        <a:ea typeface="Tahoma" panose="020B0604030504040204" pitchFamily="34" charset="0"/>
+                        <a:cs typeface="Tahoma" panose="020B0604030504040204" pitchFamily="34" charset="0"/>
+                      </a:endParaRPr>
+                    </a:p>
+                  </a:txBody>
+                  <a:tcPr/>
+                </a:tc>
+              </a:tr>
+              <a:tr h="366932">
+                <a:tc>
+                  <a:txBody>
+                    <a:bodyPr/>
+                    <a:lstStyle/>
+                    <a:p>
+                      <a:endParaRPr lang="en-US" sz="1300"/>
+                    </a:p>
+                  </a:txBody>
+                  <a:tcPr/>
+                </a:tc>
+                <a:tc>
+                  <a:txBody>
+                    <a:bodyPr/>
+                    <a:lstStyle/>
+                    <a:p>
+                      <a:endParaRPr lang="en-US" sz="1300"/>
+                    </a:p>
+                  </a:txBody>
+                  <a:tcPr/>
+                </a:tc>
+                <a:tc>
+                  <a:txBody>
+                    <a:bodyPr/>
+                    <a:lstStyle/>
+                    <a:p>
+                      <a:endParaRPr lang="en-US" sz="1300"/>
+                    </a:p>
+                  </a:txBody>
+                  <a:tcPr/>
+                </a:tc>
+              </a:tr>
+            </a:tbl>
+          </a:graphicData>
+        </a:graphic>
+      </p:graphicFrame>
+    </p:spTree>
+    <p:extLst>
+      <p:ext uri="{BB962C8B-B14F-4D97-AF65-F5344CB8AC3E}">
+        <p14:creationId xmlns:p14="http://schemas.microsoft.com/office/powerpoint/2010/main" val="60590817"/>
+      </p:ext>
+    </p:extLst>
+  </p:cSld>
+  <p:clrMapOvr>
+    <a:masterClrMapping/>
+  </p:clrMapOvr>
+</p:sld>
+</file>
+
+<file path=ppt/slides/slide5.xml><?xml version="1.0" encoding="utf-8"?>
+<p:sld xmlns:a="http://schemas.openxmlformats.org/drawingml/2006/main" xmlns:r="http://schemas.openxmlformats.org/officeDocument/2006/relationships" xmlns:p="http://schemas.openxmlformats.org/presentationml/2006/main">
+  <p:cSld>
+    <p:spTree>
+      <p:nvGrpSpPr>
+        <p:cNvPr id="1" name=""/>
+        <p:cNvGrpSpPr/>
+        <p:nvPr/>
+      </p:nvGrpSpPr>
+      <p:grpSpPr>
+        <a:xfrm>
+          <a:off x="0" y="0"/>
+          <a:ext cx="0" cy="0"/>
+          <a:chOff x="0" y="0"/>
+          <a:chExt cx="0" cy="0"/>
+        </a:xfrm>
+      </p:grpSpPr>
+      <p:sp>
+        <p:nvSpPr>
+          <p:cNvPr id="4" name="Oval 3"/>
+          <p:cNvSpPr/>
+          <p:nvPr/>
+        </p:nvSpPr>
+        <p:spPr>
+          <a:xfrm>
+            <a:off x="1972642" y="715048"/>
+            <a:ext cx="1765485" cy="1160734"/>
+          </a:xfrm>
+          <a:prstGeom prst="ellipse">
+            <a:avLst/>
+          </a:prstGeom>
+          <a:noFill/>
+          <a:ln w="12700">
+            <a:solidFill>
+              <a:schemeClr val="tx1"/>
+            </a:solidFill>
+          </a:ln>
+        </p:spPr>
+        <p:style>
+          <a:lnRef idx="2">
+            <a:schemeClr val="accent1">
+              <a:shade val="50000"/>
+            </a:schemeClr>
+          </a:lnRef>
+          <a:fillRef idx="1">
+            <a:schemeClr val="accent1"/>
+          </a:fillRef>
+          <a:effectRef idx="0">
+            <a:schemeClr val="accent1"/>
+          </a:effectRef>
+          <a:fontRef idx="minor">
+            <a:schemeClr val="lt1"/>
+          </a:fontRef>
+        </p:style>
+        <p:txBody>
+          <a:bodyPr rtlCol="0" anchor="ctr"/>
+          <a:lstStyle/>
+          <a:p>
+            <a:pPr algn="ctr"/>
+            <a:endParaRPr lang="en-US"/>
+          </a:p>
+        </p:txBody>
+      </p:sp>
+      <p:sp>
+        <p:nvSpPr>
+          <p:cNvPr id="5" name="Oval 4"/>
+          <p:cNvSpPr/>
+          <p:nvPr/>
+        </p:nvSpPr>
+        <p:spPr>
+          <a:xfrm>
+            <a:off x="1383662" y="1297696"/>
+            <a:ext cx="1407163" cy="969253"/>
+          </a:xfrm>
+          <a:prstGeom prst="ellipse">
+            <a:avLst/>
+          </a:prstGeom>
+          <a:noFill/>
+          <a:ln w="12700">
+            <a:solidFill>
+              <a:schemeClr val="tx1"/>
+            </a:solidFill>
+          </a:ln>
+        </p:spPr>
+        <p:style>
+          <a:lnRef idx="2">
+            <a:schemeClr val="accent1">
+              <a:shade val="50000"/>
+            </a:schemeClr>
+          </a:lnRef>
+          <a:fillRef idx="1">
+            <a:schemeClr val="accent1"/>
+          </a:fillRef>
+          <a:effectRef idx="0">
+            <a:schemeClr val="accent1"/>
+          </a:effectRef>
+          <a:fontRef idx="minor">
+            <a:schemeClr val="lt1"/>
+          </a:fontRef>
+        </p:style>
+        <p:txBody>
+          <a:bodyPr rtlCol="0" anchor="ctr"/>
+          <a:lstStyle/>
+          <a:p>
+            <a:pPr algn="ctr"/>
+            <a:endParaRPr lang="en-US">
+              <a:solidFill>
+                <a:schemeClr val="tx1"/>
+              </a:solidFill>
+              <a:latin typeface="Tahoma" panose="020B0604030504040204" pitchFamily="34" charset="0"/>
+              <a:ea typeface="Tahoma" panose="020B0604030504040204" pitchFamily="34" charset="0"/>
+              <a:cs typeface="Tahoma" panose="020B0604030504040204" pitchFamily="34" charset="0"/>
+            </a:endParaRPr>
+          </a:p>
+        </p:txBody>
+      </p:sp>
+      <p:sp>
+        <p:nvSpPr>
+          <p:cNvPr id="6" name="Rectangle 5"/>
+          <p:cNvSpPr/>
+          <p:nvPr/>
+        </p:nvSpPr>
+        <p:spPr>
+          <a:xfrm>
+            <a:off x="1520128" y="1723177"/>
+            <a:ext cx="515632" cy="435429"/>
+          </a:xfrm>
+          <a:prstGeom prst="rect">
+            <a:avLst/>
+          </a:prstGeom>
+          <a:noFill/>
+          <a:ln>
+            <a:noFill/>
+          </a:ln>
+        </p:spPr>
+        <p:style>
+          <a:lnRef idx="2">
+            <a:schemeClr val="accent1">
+              <a:shade val="50000"/>
+            </a:schemeClr>
+          </a:lnRef>
+          <a:fillRef idx="1">
+            <a:schemeClr val="accent1"/>
+          </a:fillRef>
+          <a:effectRef idx="0">
+            <a:schemeClr val="accent1"/>
+          </a:effectRef>
+          <a:fontRef idx="minor">
+            <a:schemeClr val="lt1"/>
+          </a:fontRef>
+        </p:style>
+        <p:txBody>
+          <a:bodyPr rtlCol="0" anchor="ctr"/>
+          <a:lstStyle/>
+          <a:p>
+            <a:r>
+              <a:rPr lang="en-US" sz="2000" smtClean="0">
+                <a:solidFill>
+                  <a:schemeClr val="tx1"/>
+                </a:solidFill>
+                <a:latin typeface="Tahoma" panose="020B0604030504040204" pitchFamily="34" charset="0"/>
+                <a:ea typeface="Tahoma" panose="020B0604030504040204" pitchFamily="34" charset="0"/>
+                <a:cs typeface="Tahoma" panose="020B0604030504040204" pitchFamily="34" charset="0"/>
+              </a:rPr>
+              <a:t>Vi</a:t>
+            </a:r>
+            <a:endParaRPr lang="en-US" sz="2000">
+              <a:solidFill>
+                <a:schemeClr val="tx1"/>
+              </a:solidFill>
+              <a:latin typeface="Tahoma" panose="020B0604030504040204" pitchFamily="34" charset="0"/>
+              <a:ea typeface="Tahoma" panose="020B0604030504040204" pitchFamily="34" charset="0"/>
+              <a:cs typeface="Tahoma" panose="020B0604030504040204" pitchFamily="34" charset="0"/>
+            </a:endParaRPr>
+          </a:p>
+        </p:txBody>
+      </p:sp>
+      <p:sp>
+        <p:nvSpPr>
+          <p:cNvPr id="7" name="Rectangle 6"/>
+          <p:cNvSpPr/>
+          <p:nvPr/>
+        </p:nvSpPr>
+        <p:spPr>
+          <a:xfrm>
+            <a:off x="3006660" y="1186548"/>
+            <a:ext cx="515632" cy="435429"/>
+          </a:xfrm>
+          <a:prstGeom prst="rect">
+            <a:avLst/>
+          </a:prstGeom>
+          <a:noFill/>
+          <a:ln>
+            <a:noFill/>
+          </a:ln>
+        </p:spPr>
+        <p:style>
+          <a:lnRef idx="2">
+            <a:schemeClr val="accent1">
+              <a:shade val="50000"/>
+            </a:schemeClr>
+          </a:lnRef>
+          <a:fillRef idx="1">
+            <a:schemeClr val="accent1"/>
+          </a:fillRef>
+          <a:effectRef idx="0">
+            <a:schemeClr val="accent1"/>
+          </a:effectRef>
+          <a:fontRef idx="minor">
+            <a:schemeClr val="lt1"/>
+          </a:fontRef>
+        </p:style>
+        <p:txBody>
+          <a:bodyPr rtlCol="0" anchor="ctr"/>
+          <a:lstStyle/>
+          <a:p>
+            <a:r>
+              <a:rPr lang="en-US" sz="2000" smtClean="0">
+                <a:solidFill>
+                  <a:schemeClr val="tx1"/>
+                </a:solidFill>
+                <a:latin typeface="Tahoma" panose="020B0604030504040204" pitchFamily="34" charset="0"/>
+                <a:ea typeface="Tahoma" panose="020B0604030504040204" pitchFamily="34" charset="0"/>
+                <a:cs typeface="Tahoma" panose="020B0604030504040204" pitchFamily="34" charset="0"/>
+              </a:rPr>
+              <a:t>Vj</a:t>
+            </a:r>
+            <a:endParaRPr lang="en-US" sz="2000">
+              <a:solidFill>
+                <a:schemeClr val="tx1"/>
+              </a:solidFill>
+              <a:latin typeface="Tahoma" panose="020B0604030504040204" pitchFamily="34" charset="0"/>
+              <a:ea typeface="Tahoma" panose="020B0604030504040204" pitchFamily="34" charset="0"/>
+              <a:cs typeface="Tahoma" panose="020B0604030504040204" pitchFamily="34" charset="0"/>
+            </a:endParaRPr>
+          </a:p>
+        </p:txBody>
+      </p:sp>
+      <p:graphicFrame>
+        <p:nvGraphicFramePr>
+          <p:cNvPr id="8" name="Table 7"/>
+          <p:cNvGraphicFramePr>
+            <a:graphicFrameLocks noGrp="1"/>
+          </p:cNvGraphicFramePr>
+          <p:nvPr>
+            <p:extLst>
+              <p:ext uri="{D42A27DB-BD31-4B8C-83A1-F6EECF244321}">
+                <p14:modId xmlns:p14="http://schemas.microsoft.com/office/powerpoint/2010/main" val="1806514524"/>
+              </p:ext>
+            </p:extLst>
+          </p:nvPr>
+        </p:nvGraphicFramePr>
+        <p:xfrm>
+          <a:off x="3857269" y="2066319"/>
+          <a:ext cx="3867005" cy="733864"/>
+        </p:xfrm>
+        <a:graphic>
+          <a:graphicData uri="http://schemas.openxmlformats.org/drawingml/2006/table">
+            <a:tbl>
+              <a:tblPr firstRow="1" bandRow="1">
+                <a:tableStyleId>{5940675A-B579-460E-94D1-54222C63F5DA}</a:tableStyleId>
+              </a:tblPr>
+              <a:tblGrid>
+                <a:gridCol w="1027552"/>
+                <a:gridCol w="1720516"/>
+                <a:gridCol w="1118937"/>
+              </a:tblGrid>
+              <a:tr h="366932">
+                <a:tc>
+                  <a:txBody>
+                    <a:bodyPr/>
+                    <a:lstStyle/>
+                    <a:p>
+                      <a:r>
+                        <a:rPr lang="en-US" sz="1500" smtClean="0">
+                          <a:latin typeface="Tahoma" panose="020B0604030504040204" pitchFamily="34" charset="0"/>
+                          <a:ea typeface="Tahoma" panose="020B0604030504040204" pitchFamily="34" charset="0"/>
+                          <a:cs typeface="Tahoma" panose="020B0604030504040204" pitchFamily="34" charset="0"/>
+                        </a:rPr>
+                        <a:t>Col1 (int)</a:t>
+                      </a:r>
+                      <a:endParaRPr lang="en-US" sz="1500">
+                        <a:latin typeface="Tahoma" panose="020B0604030504040204" pitchFamily="34" charset="0"/>
+                        <a:ea typeface="Tahoma" panose="020B0604030504040204" pitchFamily="34" charset="0"/>
+                        <a:cs typeface="Tahoma" panose="020B0604030504040204" pitchFamily="34" charset="0"/>
+                      </a:endParaRPr>
+                    </a:p>
+                  </a:txBody>
+                  <a:tcPr/>
+                </a:tc>
+                <a:tc>
+                  <a:txBody>
+                    <a:bodyPr/>
+                    <a:lstStyle/>
+                    <a:p>
+                      <a:r>
+                        <a:rPr lang="en-US" sz="1500" smtClean="0">
+                          <a:latin typeface="Tahoma" panose="020B0604030504040204" pitchFamily="34" charset="0"/>
+                          <a:ea typeface="Tahoma" panose="020B0604030504040204" pitchFamily="34" charset="0"/>
+                          <a:cs typeface="Tahoma" panose="020B0604030504040204" pitchFamily="34" charset="0"/>
+                        </a:rPr>
+                        <a:t>Col21 (int)</a:t>
+                      </a:r>
+                      <a:endParaRPr lang="en-US" sz="1500">
+                        <a:latin typeface="Tahoma" panose="020B0604030504040204" pitchFamily="34" charset="0"/>
+                        <a:ea typeface="Tahoma" panose="020B0604030504040204" pitchFamily="34" charset="0"/>
+                        <a:cs typeface="Tahoma" panose="020B0604030504040204" pitchFamily="34" charset="0"/>
+                      </a:endParaRPr>
+                    </a:p>
+                  </a:txBody>
+                  <a:tcPr/>
+                </a:tc>
+                <a:tc>
+                  <a:txBody>
+                    <a:bodyPr/>
+                    <a:lstStyle/>
+                    <a:p>
+                      <a:r>
+                        <a:rPr lang="en-US" sz="1500" smtClean="0">
+                          <a:latin typeface="Tahoma" panose="020B0604030504040204" pitchFamily="34" charset="0"/>
+                          <a:ea typeface="Tahoma" panose="020B0604030504040204" pitchFamily="34" charset="0"/>
+                          <a:cs typeface="Tahoma" panose="020B0604030504040204" pitchFamily="34" charset="0"/>
+                        </a:rPr>
+                        <a:t>Col3 (int)</a:t>
+                      </a:r>
+                      <a:endParaRPr lang="en-US" sz="1500">
+                        <a:latin typeface="Tahoma" panose="020B0604030504040204" pitchFamily="34" charset="0"/>
+                        <a:ea typeface="Tahoma" panose="020B0604030504040204" pitchFamily="34" charset="0"/>
+                        <a:cs typeface="Tahoma" panose="020B0604030504040204" pitchFamily="34" charset="0"/>
+                      </a:endParaRPr>
+                    </a:p>
+                  </a:txBody>
+                  <a:tcPr/>
+                </a:tc>
+              </a:tr>
+              <a:tr h="366932">
+                <a:tc>
+                  <a:txBody>
+                    <a:bodyPr/>
+                    <a:lstStyle/>
+                    <a:p>
+                      <a:endParaRPr lang="en-US" sz="1300"/>
+                    </a:p>
+                  </a:txBody>
+                  <a:tcPr/>
+                </a:tc>
+                <a:tc>
+                  <a:txBody>
+                    <a:bodyPr/>
+                    <a:lstStyle/>
+                    <a:p>
+                      <a:endParaRPr lang="en-US" sz="1300"/>
+                    </a:p>
+                  </a:txBody>
+                  <a:tcPr/>
+                </a:tc>
+                <a:tc>
+                  <a:txBody>
+                    <a:bodyPr/>
+                    <a:lstStyle/>
+                    <a:p>
+                      <a:endParaRPr lang="en-US" sz="1300"/>
+                    </a:p>
+                  </a:txBody>
+                  <a:tcPr/>
+                </a:tc>
+              </a:tr>
+            </a:tbl>
+          </a:graphicData>
+        </a:graphic>
+      </p:graphicFrame>
+      <p:sp>
+        <p:nvSpPr>
+          <p:cNvPr id="9" name="Rectangle 8"/>
+          <p:cNvSpPr/>
+          <p:nvPr/>
+        </p:nvSpPr>
+        <p:spPr>
+          <a:xfrm>
+            <a:off x="3738128" y="306519"/>
+            <a:ext cx="3119872" cy="435429"/>
+          </a:xfrm>
+          <a:prstGeom prst="rect">
+            <a:avLst/>
+          </a:prstGeom>
+          <a:noFill/>
+          <a:ln>
+            <a:noFill/>
+          </a:ln>
+        </p:spPr>
+        <p:style>
+          <a:lnRef idx="2">
+            <a:schemeClr val="accent1">
+              <a:shade val="50000"/>
+            </a:schemeClr>
+          </a:lnRef>
+          <a:fillRef idx="1">
+            <a:schemeClr val="accent1"/>
+          </a:fillRef>
+          <a:effectRef idx="0">
+            <a:schemeClr val="accent1"/>
+          </a:effectRef>
+          <a:fontRef idx="minor">
+            <a:schemeClr val="lt1"/>
+          </a:fontRef>
+        </p:style>
+        <p:txBody>
+          <a:bodyPr rtlCol="0" anchor="ctr"/>
+          <a:lstStyle/>
+          <a:p>
+            <a:r>
+              <a:rPr lang="en-US" sz="2000">
+                <a:solidFill>
+                  <a:schemeClr val="tx1"/>
+                </a:solidFill>
+                <a:latin typeface="Tahoma" panose="020B0604030504040204" pitchFamily="34" charset="0"/>
+                <a:ea typeface="Tahoma" panose="020B0604030504040204" pitchFamily="34" charset="0"/>
+                <a:cs typeface="Tahoma" panose="020B0604030504040204" pitchFamily="34" charset="0"/>
+              </a:rPr>
+              <a:t>Table 0 ∈ Vi</a:t>
+            </a:r>
+            <a:endParaRPr lang="en-US" sz="2000">
+              <a:solidFill>
+                <a:schemeClr val="tx1"/>
+              </a:solidFill>
+              <a:latin typeface="Tahoma" panose="020B0604030504040204" pitchFamily="34" charset="0"/>
+              <a:ea typeface="Tahoma" panose="020B0604030504040204" pitchFamily="34" charset="0"/>
+              <a:cs typeface="Tahoma" panose="020B0604030504040204" pitchFamily="34" charset="0"/>
+            </a:endParaRPr>
+          </a:p>
+        </p:txBody>
+      </p:sp>
+      <p:sp>
+        <p:nvSpPr>
+          <p:cNvPr id="11" name="Rectangle 10"/>
+          <p:cNvSpPr/>
+          <p:nvPr/>
+        </p:nvSpPr>
+        <p:spPr>
+          <a:xfrm>
+            <a:off x="3738128" y="1621977"/>
+            <a:ext cx="3119872" cy="435429"/>
+          </a:xfrm>
+          <a:prstGeom prst="rect">
+            <a:avLst/>
+          </a:prstGeom>
+          <a:noFill/>
+          <a:ln>
+            <a:noFill/>
+          </a:ln>
+        </p:spPr>
+        <p:style>
+          <a:lnRef idx="2">
+            <a:schemeClr val="accent1">
+              <a:shade val="50000"/>
+            </a:schemeClr>
+          </a:lnRef>
+          <a:fillRef idx="1">
+            <a:schemeClr val="accent1"/>
+          </a:fillRef>
+          <a:effectRef idx="0">
+            <a:schemeClr val="accent1"/>
+          </a:effectRef>
+          <a:fontRef idx="minor">
+            <a:schemeClr val="lt1"/>
+          </a:fontRef>
+        </p:style>
+        <p:txBody>
+          <a:bodyPr rtlCol="0" anchor="ctr"/>
+          <a:lstStyle/>
+          <a:p>
+            <a:r>
+              <a:rPr lang="en-US" sz="2000">
+                <a:solidFill>
+                  <a:schemeClr val="tx1"/>
+                </a:solidFill>
+                <a:latin typeface="Tahoma" panose="020B0604030504040204" pitchFamily="34" charset="0"/>
+                <a:ea typeface="Tahoma" panose="020B0604030504040204" pitchFamily="34" charset="0"/>
+                <a:cs typeface="Tahoma" panose="020B0604030504040204" pitchFamily="34" charset="0"/>
+              </a:rPr>
+              <a:t>Table 0 </a:t>
+            </a:r>
+            <a:r>
+              <a:rPr lang="en-US" sz="2000">
+                <a:solidFill>
+                  <a:schemeClr val="tx1"/>
+                </a:solidFill>
+                <a:latin typeface="Tahoma" panose="020B0604030504040204" pitchFamily="34" charset="0"/>
+                <a:ea typeface="Tahoma" panose="020B0604030504040204" pitchFamily="34" charset="0"/>
+                <a:cs typeface="Tahoma" panose="020B0604030504040204" pitchFamily="34" charset="0"/>
+              </a:rPr>
+              <a:t>∈ </a:t>
+            </a:r>
+            <a:r>
+              <a:rPr lang="en-US" sz="2000" smtClean="0">
+                <a:solidFill>
+                  <a:schemeClr val="tx1"/>
+                </a:solidFill>
+                <a:latin typeface="Tahoma" panose="020B0604030504040204" pitchFamily="34" charset="0"/>
+                <a:ea typeface="Tahoma" panose="020B0604030504040204" pitchFamily="34" charset="0"/>
+                <a:cs typeface="Tahoma" panose="020B0604030504040204" pitchFamily="34" charset="0"/>
+              </a:rPr>
+              <a:t>Vj</a:t>
+            </a:r>
+            <a:endParaRPr lang="en-US" sz="2000">
+              <a:solidFill>
+                <a:schemeClr val="tx1"/>
+              </a:solidFill>
+              <a:latin typeface="Tahoma" panose="020B0604030504040204" pitchFamily="34" charset="0"/>
+              <a:ea typeface="Tahoma" panose="020B0604030504040204" pitchFamily="34" charset="0"/>
+              <a:cs typeface="Tahoma" panose="020B0604030504040204" pitchFamily="34" charset="0"/>
+            </a:endParaRPr>
+          </a:p>
+        </p:txBody>
+      </p:sp>
+      <p:graphicFrame>
+        <p:nvGraphicFramePr>
+          <p:cNvPr id="12" name="Table 11"/>
+          <p:cNvGraphicFramePr>
+            <a:graphicFrameLocks noGrp="1"/>
+          </p:cNvGraphicFramePr>
+          <p:nvPr>
+            <p:extLst>
+              <p:ext uri="{D42A27DB-BD31-4B8C-83A1-F6EECF244321}">
+                <p14:modId xmlns:p14="http://schemas.microsoft.com/office/powerpoint/2010/main" val="2610895220"/>
+              </p:ext>
+            </p:extLst>
+          </p:nvPr>
+        </p:nvGraphicFramePr>
+        <p:xfrm>
+          <a:off x="3865290" y="725910"/>
+          <a:ext cx="2728015" cy="733864"/>
+        </p:xfrm>
+        <a:graphic>
+          <a:graphicData uri="http://schemas.openxmlformats.org/drawingml/2006/table">
+            <a:tbl>
+              <a:tblPr firstRow="1" bandRow="1">
+                <a:tableStyleId>{5940675A-B579-460E-94D1-54222C63F5DA}</a:tableStyleId>
+              </a:tblPr>
+              <a:tblGrid>
+                <a:gridCol w="1015521"/>
+                <a:gridCol w="1712494"/>
+              </a:tblGrid>
+              <a:tr h="366932">
+                <a:tc>
+                  <a:txBody>
+                    <a:bodyPr/>
+                    <a:lstStyle/>
+                    <a:p>
+                      <a:r>
+                        <a:rPr lang="en-US" sz="1500" smtClean="0">
+                          <a:latin typeface="Tahoma" panose="020B0604030504040204" pitchFamily="34" charset="0"/>
+                          <a:ea typeface="Tahoma" panose="020B0604030504040204" pitchFamily="34" charset="0"/>
+                          <a:cs typeface="Tahoma" panose="020B0604030504040204" pitchFamily="34" charset="0"/>
+                        </a:rPr>
+                        <a:t>Col1 (int)</a:t>
+                      </a:r>
+                      <a:endParaRPr lang="en-US" sz="1500">
+                        <a:latin typeface="Tahoma" panose="020B0604030504040204" pitchFamily="34" charset="0"/>
+                        <a:ea typeface="Tahoma" panose="020B0604030504040204" pitchFamily="34" charset="0"/>
+                        <a:cs typeface="Tahoma" panose="020B0604030504040204" pitchFamily="34" charset="0"/>
+                      </a:endParaRPr>
+                    </a:p>
+                  </a:txBody>
+                  <a:tcPr/>
+                </a:tc>
+                <a:tc>
+                  <a:txBody>
+                    <a:bodyPr/>
+                    <a:lstStyle/>
+                    <a:p>
+                      <a:r>
+                        <a:rPr lang="en-US" sz="1500" smtClean="0">
+                          <a:latin typeface="Tahoma" panose="020B0604030504040204" pitchFamily="34" charset="0"/>
+                          <a:ea typeface="Tahoma" panose="020B0604030504040204" pitchFamily="34" charset="0"/>
+                          <a:cs typeface="Tahoma" panose="020B0604030504040204" pitchFamily="34" charset="0"/>
+                        </a:rPr>
+                        <a:t>Col2 (nvarchar)</a:t>
+                      </a:r>
+                      <a:endParaRPr lang="en-US" sz="1500">
+                        <a:latin typeface="Tahoma" panose="020B0604030504040204" pitchFamily="34" charset="0"/>
+                        <a:ea typeface="Tahoma" panose="020B0604030504040204" pitchFamily="34" charset="0"/>
+                        <a:cs typeface="Tahoma" panose="020B0604030504040204" pitchFamily="34" charset="0"/>
+                      </a:endParaRPr>
+                    </a:p>
+                  </a:txBody>
+                  <a:tcPr/>
+                </a:tc>
+              </a:tr>
+              <a:tr h="366932">
+                <a:tc>
+                  <a:txBody>
+                    <a:bodyPr/>
+                    <a:lstStyle/>
+                    <a:p>
+                      <a:endParaRPr lang="en-US" sz="1300"/>
+                    </a:p>
+                  </a:txBody>
+                  <a:tcPr/>
+                </a:tc>
+                <a:tc>
+                  <a:txBody>
+                    <a:bodyPr/>
+                    <a:lstStyle/>
+                    <a:p>
+                      <a:endParaRPr lang="en-US" sz="1300"/>
+                    </a:p>
+                  </a:txBody>
+                  <a:tcPr/>
+                </a:tc>
+              </a:tr>
+            </a:tbl>
+          </a:graphicData>
+        </a:graphic>
+      </p:graphicFrame>
+      <mc:AlternateContent xmlns:mc="http://schemas.openxmlformats.org/markup-compatibility/2006">
+        <mc:Choice xmlns:a14="http://schemas.microsoft.com/office/drawing/2010/main" Requires="a14">
+          <p:sp>
+            <p:nvSpPr>
+              <p:cNvPr id="13" name="Rectangle 12"/>
+              <p:cNvSpPr/>
+              <p:nvPr/>
+            </p:nvSpPr>
+            <p:spPr>
+              <a:xfrm>
+                <a:off x="1777944" y="2449286"/>
+                <a:ext cx="1638956" cy="435429"/>
+              </a:xfrm>
+              <a:prstGeom prst="rect">
+                <a:avLst/>
+              </a:prstGeom>
+              <a:noFill/>
+              <a:ln>
+                <a:noFill/>
+              </a:ln>
+            </p:spPr>
+            <p:style>
+              <a:lnRef idx="2">
+                <a:schemeClr val="accent1">
+                  <a:shade val="50000"/>
+                </a:schemeClr>
+              </a:lnRef>
+              <a:fillRef idx="1">
+                <a:schemeClr val="accent1"/>
+              </a:fillRef>
+              <a:effectRef idx="0">
+                <a:schemeClr val="accent1"/>
+              </a:effectRef>
+              <a:fontRef idx="minor">
+                <a:schemeClr val="lt1"/>
+              </a:fontRef>
+            </p:style>
+            <p:txBody>
+              <a:bodyPr rtlCol="0" anchor="ctr"/>
+              <a:lstStyle/>
+              <a:p>
+                <a:r>
+                  <a:rPr lang="en-US" sz="2000" smtClean="0">
+                    <a:solidFill>
+                      <a:schemeClr val="tx1"/>
+                    </a:solidFill>
+                    <a:latin typeface="Tahoma" panose="020B0604030504040204" pitchFamily="34" charset="0"/>
+                    <a:ea typeface="Tahoma" panose="020B0604030504040204" pitchFamily="34" charset="0"/>
+                    <a:cs typeface="Tahoma" panose="020B0604030504040204" pitchFamily="34" charset="0"/>
+                  </a:rPr>
+                  <a:t>Vi </a:t>
+                </a:r>
+                <a:r>
+                  <a:rPr lang="en-US" sz="2000">
+                    <a:solidFill>
+                      <a:schemeClr val="tx1"/>
+                    </a:solidFill>
+                    <a:latin typeface="Tahoma" panose="020B0604030504040204" pitchFamily="34" charset="0"/>
+                    <a:ea typeface="Tahoma" panose="020B0604030504040204" pitchFamily="34" charset="0"/>
+                    <a:cs typeface="Tahoma" panose="020B0604030504040204" pitchFamily="34" charset="0"/>
+                  </a:rPr>
+                  <a:t> </a:t>
+                </a:r>
+                <a14:m>
+                  <m:oMath xmlns:m="http://schemas.openxmlformats.org/officeDocument/2006/math">
+                    <m:r>
+                      <a:rPr lang="en-US" sz="2000" i="1" smtClean="0">
+                        <a:solidFill>
+                          <a:schemeClr val="tx1"/>
+                        </a:solidFill>
+                        <a:latin typeface="Cambria Math" panose="02040503050406030204" pitchFamily="18" charset="0"/>
+                        <a:ea typeface="Cambria Math" panose="02040503050406030204" pitchFamily="18" charset="0"/>
+                        <a:cs typeface="Tahoma" panose="020B0604030504040204" pitchFamily="34" charset="0"/>
+                      </a:rPr>
+                      <m:t>∩</m:t>
+                    </m:r>
+                  </m:oMath>
+                </a14:m>
+                <a:r>
+                  <a:rPr lang="en-US" sz="2000" smtClean="0">
+                    <a:solidFill>
+                      <a:schemeClr val="tx1"/>
+                    </a:solidFill>
+                    <a:latin typeface="Tahoma" panose="020B0604030504040204" pitchFamily="34" charset="0"/>
+                    <a:ea typeface="Tahoma" panose="020B0604030504040204" pitchFamily="34" charset="0"/>
+                    <a:cs typeface="Tahoma" panose="020B0604030504040204" pitchFamily="34" charset="0"/>
+                  </a:rPr>
+                  <a:t> Vj </a:t>
+                </a:r>
+                <a14:m>
+                  <m:oMath xmlns:m="http://schemas.openxmlformats.org/officeDocument/2006/math">
+                    <m:r>
+                      <a:rPr lang="en-US" sz="2000" i="1" smtClean="0">
+                        <a:solidFill>
+                          <a:schemeClr val="tx1"/>
+                        </a:solidFill>
+                        <a:latin typeface="Cambria Math" panose="02040503050406030204" pitchFamily="18" charset="0"/>
+                        <a:ea typeface="Cambria Math" panose="02040503050406030204" pitchFamily="18" charset="0"/>
+                        <a:cs typeface="Tahoma" panose="020B0604030504040204" pitchFamily="34" charset="0"/>
+                      </a:rPr>
+                      <m:t>≠∅</m:t>
+                    </m:r>
+                  </m:oMath>
+                </a14:m>
+                <a:r>
+                  <a:rPr lang="en-US" sz="2000" smtClean="0">
+                    <a:solidFill>
+                      <a:schemeClr val="tx1"/>
+                    </a:solidFill>
+                    <a:latin typeface="Tahoma" panose="020B0604030504040204" pitchFamily="34" charset="0"/>
+                    <a:ea typeface="Tahoma" panose="020B0604030504040204" pitchFamily="34" charset="0"/>
+                    <a:cs typeface="Tahoma" panose="020B0604030504040204" pitchFamily="34" charset="0"/>
+                  </a:rPr>
+                  <a:t> </a:t>
+                </a:r>
+                <a:endParaRPr lang="en-US" sz="2000">
+                  <a:solidFill>
+                    <a:schemeClr val="tx1"/>
+                  </a:solidFill>
+                  <a:latin typeface="Tahoma" panose="020B0604030504040204" pitchFamily="34" charset="0"/>
+                  <a:ea typeface="Tahoma" panose="020B0604030504040204" pitchFamily="34" charset="0"/>
+                  <a:cs typeface="Tahoma" panose="020B0604030504040204" pitchFamily="34" charset="0"/>
+                </a:endParaRPr>
+              </a:p>
+            </p:txBody>
+          </p:sp>
+        </mc:Choice>
+        <mc:Fallback>
+          <p:sp>
+            <p:nvSpPr>
+              <p:cNvPr id="13" name="Rectangle 12"/>
+              <p:cNvSpPr>
+                <a:spLocks noRot="1" noChangeAspect="1" noMove="1" noResize="1" noEditPoints="1" noAdjustHandles="1" noChangeArrowheads="1" noChangeShapeType="1" noTextEdit="1"/>
+              </p:cNvSpPr>
+              <p:nvPr/>
+            </p:nvSpPr>
+            <p:spPr>
+              <a:xfrm>
+                <a:off x="1777944" y="2449286"/>
+                <a:ext cx="1638956" cy="435429"/>
+              </a:xfrm>
+              <a:prstGeom prst="rect">
+                <a:avLst/>
+              </a:prstGeom>
+              <a:blipFill rotWithShape="0">
+                <a:blip r:embed="rId2"/>
+                <a:stretch>
+                  <a:fillRect l="-4089" t="-2817" b="-21127"/>
+                </a:stretch>
+              </a:blipFill>
+              <a:ln>
+                <a:noFill/>
+              </a:ln>
+            </p:spPr>
+            <p:txBody>
+              <a:bodyPr/>
+              <a:lstStyle/>
+              <a:p>
+                <a:r>
+                  <a:rPr lang="en-US">
+                    <a:noFill/>
+                  </a:rPr>
+                  <a:t> </a:t>
+                </a:r>
+              </a:p>
+            </p:txBody>
+          </p:sp>
+        </mc:Fallback>
+      </mc:AlternateContent>
+    </p:spTree>
+    <p:extLst>
+      <p:ext uri="{BB962C8B-B14F-4D97-AF65-F5344CB8AC3E}">
+        <p14:creationId xmlns:p14="http://schemas.microsoft.com/office/powerpoint/2010/main" val="1592427979"/>
+      </p:ext>
+    </p:extLst>
+  </p:cSld>
+  <p:clrMapOvr>
+    <a:masterClrMapping/>
+  </p:clrMapOvr>
+</p:sld>
+</file>
+
+<file path=ppt/slides/slide6.xml><?xml version="1.0" encoding="utf-8"?>
+<p:sld xmlns:a="http://schemas.openxmlformats.org/drawingml/2006/main" xmlns:r="http://schemas.openxmlformats.org/officeDocument/2006/relationships" xmlns:p="http://schemas.openxmlformats.org/presentationml/2006/main">
+  <p:cSld>
+    <p:spTree>
+      <p:nvGrpSpPr>
+        <p:cNvPr id="1" name=""/>
+        <p:cNvGrpSpPr/>
+        <p:nvPr/>
+      </p:nvGrpSpPr>
+      <p:grpSpPr>
+        <a:xfrm>
+          <a:off x="0" y="0"/>
+          <a:ext cx="0" cy="0"/>
+          <a:chOff x="0" y="0"/>
+          <a:chExt cx="0" cy="0"/>
+        </a:xfrm>
+      </p:grpSpPr>
+      <p:sp>
+        <p:nvSpPr>
+          <p:cNvPr id="4" name="Oval 3"/>
+          <p:cNvSpPr/>
+          <p:nvPr/>
+        </p:nvSpPr>
+        <p:spPr>
+          <a:xfrm>
+            <a:off x="1625710" y="368403"/>
+            <a:ext cx="1517540" cy="980404"/>
+          </a:xfrm>
+          <a:prstGeom prst="ellipse">
+            <a:avLst/>
+          </a:prstGeom>
+          <a:noFill/>
+          <a:ln w="12700">
+            <a:solidFill>
+              <a:schemeClr val="tx1"/>
+            </a:solidFill>
+          </a:ln>
+        </p:spPr>
+        <p:style>
+          <a:lnRef idx="2">
+            <a:schemeClr val="accent1">
+              <a:shade val="50000"/>
+            </a:schemeClr>
+          </a:lnRef>
+          <a:fillRef idx="1">
+            <a:schemeClr val="accent1"/>
+          </a:fillRef>
+          <a:effectRef idx="0">
+            <a:schemeClr val="accent1"/>
+          </a:effectRef>
+          <a:fontRef idx="minor">
+            <a:schemeClr val="lt1"/>
+          </a:fontRef>
+        </p:style>
+        <p:txBody>
+          <a:bodyPr rtlCol="0" anchor="ctr"/>
+          <a:lstStyle/>
+          <a:p>
+            <a:pPr algn="ctr"/>
+            <a:endParaRPr lang="en-US"/>
+          </a:p>
+        </p:txBody>
+      </p:sp>
+      <p:sp>
+        <p:nvSpPr>
+          <p:cNvPr id="5" name="Oval 4"/>
+          <p:cNvSpPr/>
+          <p:nvPr/>
+        </p:nvSpPr>
+        <p:spPr>
+          <a:xfrm>
+            <a:off x="1695220" y="1478206"/>
+            <a:ext cx="1943330" cy="971080"/>
+          </a:xfrm>
+          <a:prstGeom prst="ellipse">
+            <a:avLst/>
+          </a:prstGeom>
+          <a:noFill/>
+          <a:ln w="12700">
+            <a:solidFill>
+              <a:schemeClr val="tx1"/>
+            </a:solidFill>
+          </a:ln>
+        </p:spPr>
+        <p:style>
+          <a:lnRef idx="2">
+            <a:schemeClr val="accent1">
+              <a:shade val="50000"/>
+            </a:schemeClr>
+          </a:lnRef>
+          <a:fillRef idx="1">
+            <a:schemeClr val="accent1"/>
+          </a:fillRef>
+          <a:effectRef idx="0">
+            <a:schemeClr val="accent1"/>
+          </a:effectRef>
+          <a:fontRef idx="minor">
+            <a:schemeClr val="lt1"/>
+          </a:fontRef>
+        </p:style>
+        <p:txBody>
+          <a:bodyPr rtlCol="0" anchor="ctr"/>
+          <a:lstStyle/>
+          <a:p>
+            <a:pPr algn="ctr"/>
+            <a:endParaRPr lang="en-US">
+              <a:solidFill>
+                <a:schemeClr val="tx1"/>
+              </a:solidFill>
+              <a:latin typeface="Tahoma" panose="020B0604030504040204" pitchFamily="34" charset="0"/>
+              <a:ea typeface="Tahoma" panose="020B0604030504040204" pitchFamily="34" charset="0"/>
+              <a:cs typeface="Tahoma" panose="020B0604030504040204" pitchFamily="34" charset="0"/>
+            </a:endParaRPr>
+          </a:p>
+        </p:txBody>
+      </p:sp>
+      <p:sp>
+        <p:nvSpPr>
+          <p:cNvPr id="6" name="Rectangle 5"/>
+          <p:cNvSpPr/>
+          <p:nvPr/>
+        </p:nvSpPr>
+        <p:spPr>
+          <a:xfrm>
+            <a:off x="2173450" y="1833412"/>
+            <a:ext cx="515632" cy="435429"/>
+          </a:xfrm>
+          <a:prstGeom prst="rect">
+            <a:avLst/>
+          </a:prstGeom>
+          <a:noFill/>
+          <a:ln>
+            <a:noFill/>
+          </a:ln>
+        </p:spPr>
+        <p:style>
+          <a:lnRef idx="2">
+            <a:schemeClr val="accent1">
+              <a:shade val="50000"/>
+            </a:schemeClr>
+          </a:lnRef>
+          <a:fillRef idx="1">
+            <a:schemeClr val="accent1"/>
+          </a:fillRef>
+          <a:effectRef idx="0">
+            <a:schemeClr val="accent1"/>
+          </a:effectRef>
+          <a:fontRef idx="minor">
+            <a:schemeClr val="lt1"/>
+          </a:fontRef>
+        </p:style>
+        <p:txBody>
+          <a:bodyPr rtlCol="0" anchor="ctr"/>
+          <a:lstStyle/>
+          <a:p>
+            <a:r>
+              <a:rPr lang="en-US" sz="2000" smtClean="0">
+                <a:solidFill>
+                  <a:schemeClr val="tx1"/>
+                </a:solidFill>
+                <a:latin typeface="Tahoma" panose="020B0604030504040204" pitchFamily="34" charset="0"/>
+                <a:ea typeface="Tahoma" panose="020B0604030504040204" pitchFamily="34" charset="0"/>
+                <a:cs typeface="Tahoma" panose="020B0604030504040204" pitchFamily="34" charset="0"/>
+              </a:rPr>
+              <a:t>Vj</a:t>
+            </a:r>
+            <a:endParaRPr lang="en-US" sz="2000">
+              <a:solidFill>
+                <a:schemeClr val="tx1"/>
+              </a:solidFill>
+              <a:latin typeface="Tahoma" panose="020B0604030504040204" pitchFamily="34" charset="0"/>
+              <a:ea typeface="Tahoma" panose="020B0604030504040204" pitchFamily="34" charset="0"/>
+              <a:cs typeface="Tahoma" panose="020B0604030504040204" pitchFamily="34" charset="0"/>
+            </a:endParaRPr>
+          </a:p>
+        </p:txBody>
+      </p:sp>
+      <p:sp>
+        <p:nvSpPr>
+          <p:cNvPr id="7" name="Rectangle 6"/>
+          <p:cNvSpPr/>
+          <p:nvPr/>
+        </p:nvSpPr>
+        <p:spPr>
+          <a:xfrm>
+            <a:off x="2384480" y="741948"/>
+            <a:ext cx="515632" cy="435429"/>
+          </a:xfrm>
+          <a:prstGeom prst="rect">
+            <a:avLst/>
+          </a:prstGeom>
+          <a:noFill/>
+          <a:ln>
+            <a:noFill/>
+          </a:ln>
+        </p:spPr>
+        <p:style>
+          <a:lnRef idx="2">
+            <a:schemeClr val="accent1">
+              <a:shade val="50000"/>
+            </a:schemeClr>
+          </a:lnRef>
+          <a:fillRef idx="1">
+            <a:schemeClr val="accent1"/>
+          </a:fillRef>
+          <a:effectRef idx="0">
+            <a:schemeClr val="accent1"/>
+          </a:effectRef>
+          <a:fontRef idx="minor">
+            <a:schemeClr val="lt1"/>
+          </a:fontRef>
+        </p:style>
+        <p:txBody>
+          <a:bodyPr rtlCol="0" anchor="ctr"/>
+          <a:lstStyle/>
+          <a:p>
+            <a:r>
+              <a:rPr lang="en-US" sz="2000" smtClean="0">
+                <a:solidFill>
+                  <a:schemeClr val="tx1"/>
+                </a:solidFill>
+                <a:latin typeface="Tahoma" panose="020B0604030504040204" pitchFamily="34" charset="0"/>
+                <a:ea typeface="Tahoma" panose="020B0604030504040204" pitchFamily="34" charset="0"/>
+                <a:cs typeface="Tahoma" panose="020B0604030504040204" pitchFamily="34" charset="0"/>
+              </a:rPr>
+              <a:t>Vi</a:t>
+            </a:r>
+            <a:endParaRPr lang="en-US" sz="2000">
+              <a:solidFill>
+                <a:schemeClr val="tx1"/>
+              </a:solidFill>
+              <a:latin typeface="Tahoma" panose="020B0604030504040204" pitchFamily="34" charset="0"/>
+              <a:ea typeface="Tahoma" panose="020B0604030504040204" pitchFamily="34" charset="0"/>
+              <a:cs typeface="Tahoma" panose="020B0604030504040204" pitchFamily="34" charset="0"/>
+            </a:endParaRPr>
+          </a:p>
+        </p:txBody>
+      </p:sp>
+      <p:graphicFrame>
+        <p:nvGraphicFramePr>
+          <p:cNvPr id="8" name="Table 7"/>
+          <p:cNvGraphicFramePr>
+            <a:graphicFrameLocks noGrp="1"/>
+          </p:cNvGraphicFramePr>
+          <p:nvPr>
+            <p:extLst>
+              <p:ext uri="{D42A27DB-BD31-4B8C-83A1-F6EECF244321}">
+                <p14:modId xmlns:p14="http://schemas.microsoft.com/office/powerpoint/2010/main" val="1206855648"/>
+              </p:ext>
+            </p:extLst>
+          </p:nvPr>
+        </p:nvGraphicFramePr>
+        <p:xfrm>
+          <a:off x="3857269" y="2066319"/>
+          <a:ext cx="3867005" cy="733864"/>
+        </p:xfrm>
+        <a:graphic>
+          <a:graphicData uri="http://schemas.openxmlformats.org/drawingml/2006/table">
+            <a:tbl>
+              <a:tblPr firstRow="1" bandRow="1">
+                <a:tableStyleId>{5940675A-B579-460E-94D1-54222C63F5DA}</a:tableStyleId>
+              </a:tblPr>
+              <a:tblGrid>
+                <a:gridCol w="1195994"/>
+                <a:gridCol w="1552074"/>
+                <a:gridCol w="1118937"/>
+              </a:tblGrid>
+              <a:tr h="366932">
+                <a:tc>
+                  <a:txBody>
+                    <a:bodyPr/>
+                    <a:lstStyle/>
+                    <a:p>
+                      <a:r>
+                        <a:rPr lang="en-US" sz="1500" smtClean="0">
+                          <a:latin typeface="Tahoma" panose="020B0604030504040204" pitchFamily="34" charset="0"/>
+                          <a:ea typeface="Tahoma" panose="020B0604030504040204" pitchFamily="34" charset="0"/>
+                          <a:cs typeface="Tahoma" panose="020B0604030504040204" pitchFamily="34" charset="0"/>
+                        </a:rPr>
+                        <a:t>Col11 (int)</a:t>
+                      </a:r>
+                      <a:endParaRPr lang="en-US" sz="1500">
+                        <a:latin typeface="Tahoma" panose="020B0604030504040204" pitchFamily="34" charset="0"/>
+                        <a:ea typeface="Tahoma" panose="020B0604030504040204" pitchFamily="34" charset="0"/>
+                        <a:cs typeface="Tahoma" panose="020B0604030504040204" pitchFamily="34" charset="0"/>
+                      </a:endParaRPr>
+                    </a:p>
+                  </a:txBody>
+                  <a:tcPr/>
+                </a:tc>
+                <a:tc>
+                  <a:txBody>
+                    <a:bodyPr/>
+                    <a:lstStyle/>
+                    <a:p>
+                      <a:r>
+                        <a:rPr lang="en-US" sz="1500" smtClean="0">
+                          <a:latin typeface="Tahoma" panose="020B0604030504040204" pitchFamily="34" charset="0"/>
+                          <a:ea typeface="Tahoma" panose="020B0604030504040204" pitchFamily="34" charset="0"/>
+                          <a:cs typeface="Tahoma" panose="020B0604030504040204" pitchFamily="34" charset="0"/>
+                        </a:rPr>
+                        <a:t>Col21 (int)</a:t>
+                      </a:r>
+                      <a:endParaRPr lang="en-US" sz="1500">
+                        <a:latin typeface="Tahoma" panose="020B0604030504040204" pitchFamily="34" charset="0"/>
+                        <a:ea typeface="Tahoma" panose="020B0604030504040204" pitchFamily="34" charset="0"/>
+                        <a:cs typeface="Tahoma" panose="020B0604030504040204" pitchFamily="34" charset="0"/>
+                      </a:endParaRPr>
+                    </a:p>
+                  </a:txBody>
+                  <a:tcPr/>
+                </a:tc>
+                <a:tc>
+                  <a:txBody>
+                    <a:bodyPr/>
+                    <a:lstStyle/>
+                    <a:p>
+                      <a:r>
+                        <a:rPr lang="en-US" sz="1500" smtClean="0">
+                          <a:latin typeface="Tahoma" panose="020B0604030504040204" pitchFamily="34" charset="0"/>
+                          <a:ea typeface="Tahoma" panose="020B0604030504040204" pitchFamily="34" charset="0"/>
+                          <a:cs typeface="Tahoma" panose="020B0604030504040204" pitchFamily="34" charset="0"/>
+                        </a:rPr>
+                        <a:t>Col3 (int)</a:t>
+                      </a:r>
+                      <a:endParaRPr lang="en-US" sz="1500">
+                        <a:latin typeface="Tahoma" panose="020B0604030504040204" pitchFamily="34" charset="0"/>
+                        <a:ea typeface="Tahoma" panose="020B0604030504040204" pitchFamily="34" charset="0"/>
+                        <a:cs typeface="Tahoma" panose="020B0604030504040204" pitchFamily="34" charset="0"/>
+                      </a:endParaRPr>
+                    </a:p>
+                  </a:txBody>
+                  <a:tcPr/>
+                </a:tc>
+              </a:tr>
+              <a:tr h="366932">
+                <a:tc>
+                  <a:txBody>
+                    <a:bodyPr/>
+                    <a:lstStyle/>
+                    <a:p>
+                      <a:endParaRPr lang="en-US" sz="1300"/>
+                    </a:p>
+                  </a:txBody>
+                  <a:tcPr/>
+                </a:tc>
+                <a:tc>
+                  <a:txBody>
+                    <a:bodyPr/>
+                    <a:lstStyle/>
+                    <a:p>
+                      <a:endParaRPr lang="en-US" sz="1300"/>
+                    </a:p>
+                  </a:txBody>
+                  <a:tcPr/>
+                </a:tc>
+                <a:tc>
+                  <a:txBody>
+                    <a:bodyPr/>
+                    <a:lstStyle/>
+                    <a:p>
+                      <a:endParaRPr lang="en-US" sz="1300"/>
+                    </a:p>
+                  </a:txBody>
+                  <a:tcPr/>
+                </a:tc>
+              </a:tr>
+            </a:tbl>
+          </a:graphicData>
+        </a:graphic>
+      </p:graphicFrame>
+      <p:sp>
+        <p:nvSpPr>
+          <p:cNvPr id="9" name="Rectangle 8"/>
+          <p:cNvSpPr/>
+          <p:nvPr/>
+        </p:nvSpPr>
+        <p:spPr>
+          <a:xfrm>
+            <a:off x="3738128" y="306519"/>
+            <a:ext cx="3119872" cy="435429"/>
+          </a:xfrm>
+          <a:prstGeom prst="rect">
+            <a:avLst/>
+          </a:prstGeom>
+          <a:noFill/>
+          <a:ln>
+            <a:noFill/>
+          </a:ln>
+        </p:spPr>
+        <p:style>
+          <a:lnRef idx="2">
+            <a:schemeClr val="accent1">
+              <a:shade val="50000"/>
+            </a:schemeClr>
+          </a:lnRef>
+          <a:fillRef idx="1">
+            <a:schemeClr val="accent1"/>
+          </a:fillRef>
+          <a:effectRef idx="0">
+            <a:schemeClr val="accent1"/>
+          </a:effectRef>
+          <a:fontRef idx="minor">
+            <a:schemeClr val="lt1"/>
+          </a:fontRef>
+        </p:style>
+        <p:txBody>
+          <a:bodyPr rtlCol="0" anchor="ctr"/>
+          <a:lstStyle/>
+          <a:p>
+            <a:r>
+              <a:rPr lang="en-US" sz="2000">
+                <a:solidFill>
+                  <a:schemeClr val="tx1"/>
+                </a:solidFill>
+                <a:latin typeface="Tahoma" panose="020B0604030504040204" pitchFamily="34" charset="0"/>
+                <a:ea typeface="Tahoma" panose="020B0604030504040204" pitchFamily="34" charset="0"/>
+                <a:cs typeface="Tahoma" panose="020B0604030504040204" pitchFamily="34" charset="0"/>
+              </a:rPr>
+              <a:t>Table 0 ∈ Vi</a:t>
+            </a:r>
+            <a:endParaRPr lang="en-US" sz="2000">
+              <a:solidFill>
+                <a:schemeClr val="tx1"/>
+              </a:solidFill>
+              <a:latin typeface="Tahoma" panose="020B0604030504040204" pitchFamily="34" charset="0"/>
+              <a:ea typeface="Tahoma" panose="020B0604030504040204" pitchFamily="34" charset="0"/>
+              <a:cs typeface="Tahoma" panose="020B0604030504040204" pitchFamily="34" charset="0"/>
+            </a:endParaRPr>
+          </a:p>
+        </p:txBody>
+      </p:sp>
+      <p:sp>
+        <p:nvSpPr>
+          <p:cNvPr id="10" name="Rectangle 9"/>
+          <p:cNvSpPr/>
+          <p:nvPr/>
+        </p:nvSpPr>
+        <p:spPr>
+          <a:xfrm>
+            <a:off x="3738128" y="1621977"/>
+            <a:ext cx="3119872" cy="435429"/>
+          </a:xfrm>
+          <a:prstGeom prst="rect">
+            <a:avLst/>
+          </a:prstGeom>
+          <a:noFill/>
+          <a:ln>
+            <a:noFill/>
+          </a:ln>
+        </p:spPr>
+        <p:style>
+          <a:lnRef idx="2">
+            <a:schemeClr val="accent1">
+              <a:shade val="50000"/>
+            </a:schemeClr>
+          </a:lnRef>
+          <a:fillRef idx="1">
+            <a:schemeClr val="accent1"/>
+          </a:fillRef>
+          <a:effectRef idx="0">
+            <a:schemeClr val="accent1"/>
+          </a:effectRef>
+          <a:fontRef idx="minor">
+            <a:schemeClr val="lt1"/>
+          </a:fontRef>
+        </p:style>
+        <p:txBody>
+          <a:bodyPr rtlCol="0" anchor="ctr"/>
+          <a:lstStyle/>
+          <a:p>
+            <a:r>
+              <a:rPr lang="en-US" sz="2000">
+                <a:solidFill>
+                  <a:schemeClr val="tx1"/>
+                </a:solidFill>
+                <a:latin typeface="Tahoma" panose="020B0604030504040204" pitchFamily="34" charset="0"/>
+                <a:ea typeface="Tahoma" panose="020B0604030504040204" pitchFamily="34" charset="0"/>
+                <a:cs typeface="Tahoma" panose="020B0604030504040204" pitchFamily="34" charset="0"/>
+              </a:rPr>
+              <a:t>Table 0 </a:t>
+            </a:r>
+            <a:r>
+              <a:rPr lang="en-US" sz="2000">
+                <a:solidFill>
+                  <a:schemeClr val="tx1"/>
+                </a:solidFill>
+                <a:latin typeface="Tahoma" panose="020B0604030504040204" pitchFamily="34" charset="0"/>
+                <a:ea typeface="Tahoma" panose="020B0604030504040204" pitchFamily="34" charset="0"/>
+                <a:cs typeface="Tahoma" panose="020B0604030504040204" pitchFamily="34" charset="0"/>
+              </a:rPr>
+              <a:t>∈ </a:t>
+            </a:r>
+            <a:r>
+              <a:rPr lang="en-US" sz="2000" smtClean="0">
+                <a:solidFill>
+                  <a:schemeClr val="tx1"/>
+                </a:solidFill>
+                <a:latin typeface="Tahoma" panose="020B0604030504040204" pitchFamily="34" charset="0"/>
+                <a:ea typeface="Tahoma" panose="020B0604030504040204" pitchFamily="34" charset="0"/>
+                <a:cs typeface="Tahoma" panose="020B0604030504040204" pitchFamily="34" charset="0"/>
+              </a:rPr>
+              <a:t>Vj</a:t>
+            </a:r>
+            <a:endParaRPr lang="en-US" sz="2000">
+              <a:solidFill>
+                <a:schemeClr val="tx1"/>
+              </a:solidFill>
+              <a:latin typeface="Tahoma" panose="020B0604030504040204" pitchFamily="34" charset="0"/>
+              <a:ea typeface="Tahoma" panose="020B0604030504040204" pitchFamily="34" charset="0"/>
+              <a:cs typeface="Tahoma" panose="020B0604030504040204" pitchFamily="34" charset="0"/>
+            </a:endParaRPr>
+          </a:p>
+        </p:txBody>
+      </p:sp>
+      <p:graphicFrame>
+        <p:nvGraphicFramePr>
+          <p:cNvPr id="11" name="Table 10"/>
+          <p:cNvGraphicFramePr>
+            <a:graphicFrameLocks noGrp="1"/>
+          </p:cNvGraphicFramePr>
+          <p:nvPr>
+            <p:extLst>
+              <p:ext uri="{D42A27DB-BD31-4B8C-83A1-F6EECF244321}">
+                <p14:modId xmlns:p14="http://schemas.microsoft.com/office/powerpoint/2010/main" val="1705071163"/>
+              </p:ext>
+            </p:extLst>
+          </p:nvPr>
+        </p:nvGraphicFramePr>
+        <p:xfrm>
+          <a:off x="3865290" y="725910"/>
+          <a:ext cx="2728015" cy="733864"/>
+        </p:xfrm>
+        <a:graphic>
+          <a:graphicData uri="http://schemas.openxmlformats.org/drawingml/2006/table">
+            <a:tbl>
+              <a:tblPr firstRow="1" bandRow="1">
+                <a:tableStyleId>{5940675A-B579-460E-94D1-54222C63F5DA}</a:tableStyleId>
+              </a:tblPr>
+              <a:tblGrid>
+                <a:gridCol w="1015521"/>
+                <a:gridCol w="1712494"/>
+              </a:tblGrid>
+              <a:tr h="366932">
+                <a:tc>
+                  <a:txBody>
+                    <a:bodyPr/>
+                    <a:lstStyle/>
+                    <a:p>
+                      <a:r>
+                        <a:rPr lang="en-US" sz="1500" smtClean="0">
+                          <a:latin typeface="Tahoma" panose="020B0604030504040204" pitchFamily="34" charset="0"/>
+                          <a:ea typeface="Tahoma" panose="020B0604030504040204" pitchFamily="34" charset="0"/>
+                          <a:cs typeface="Tahoma" panose="020B0604030504040204" pitchFamily="34" charset="0"/>
+                        </a:rPr>
+                        <a:t>Col1 (int)</a:t>
+                      </a:r>
+                      <a:endParaRPr lang="en-US" sz="1500">
+                        <a:latin typeface="Tahoma" panose="020B0604030504040204" pitchFamily="34" charset="0"/>
+                        <a:ea typeface="Tahoma" panose="020B0604030504040204" pitchFamily="34" charset="0"/>
+                        <a:cs typeface="Tahoma" panose="020B0604030504040204" pitchFamily="34" charset="0"/>
+                      </a:endParaRPr>
+                    </a:p>
+                  </a:txBody>
+                  <a:tcPr/>
+                </a:tc>
+                <a:tc>
+                  <a:txBody>
+                    <a:bodyPr/>
+                    <a:lstStyle/>
+                    <a:p>
+                      <a:r>
+                        <a:rPr lang="en-US" sz="1500" smtClean="0">
+                          <a:latin typeface="Tahoma" panose="020B0604030504040204" pitchFamily="34" charset="0"/>
+                          <a:ea typeface="Tahoma" panose="020B0604030504040204" pitchFamily="34" charset="0"/>
+                          <a:cs typeface="Tahoma" panose="020B0604030504040204" pitchFamily="34" charset="0"/>
+                        </a:rPr>
+                        <a:t>Col2 (nvarchar)</a:t>
+                      </a:r>
+                      <a:endParaRPr lang="en-US" sz="1500">
+                        <a:latin typeface="Tahoma" panose="020B0604030504040204" pitchFamily="34" charset="0"/>
+                        <a:ea typeface="Tahoma" panose="020B0604030504040204" pitchFamily="34" charset="0"/>
+                        <a:cs typeface="Tahoma" panose="020B0604030504040204" pitchFamily="34" charset="0"/>
+                      </a:endParaRPr>
+                    </a:p>
+                  </a:txBody>
+                  <a:tcPr/>
+                </a:tc>
+              </a:tr>
+              <a:tr h="366932">
+                <a:tc>
+                  <a:txBody>
+                    <a:bodyPr/>
+                    <a:lstStyle/>
+                    <a:p>
+                      <a:endParaRPr lang="en-US" sz="1300"/>
+                    </a:p>
+                  </a:txBody>
+                  <a:tcPr/>
+                </a:tc>
+                <a:tc>
+                  <a:txBody>
+                    <a:bodyPr/>
+                    <a:lstStyle/>
+                    <a:p>
+                      <a:endParaRPr lang="en-US" sz="1300"/>
+                    </a:p>
+                  </a:txBody>
+                  <a:tcPr/>
+                </a:tc>
+              </a:tr>
+            </a:tbl>
+          </a:graphicData>
+        </a:graphic>
+      </p:graphicFrame>
+      <mc:AlternateContent xmlns:mc="http://schemas.openxmlformats.org/markup-compatibility/2006">
+        <mc:Choice xmlns:a14="http://schemas.microsoft.com/office/drawing/2010/main" Requires="a14">
+          <p:sp>
+            <p:nvSpPr>
+              <p:cNvPr id="12" name="Rectangle 11"/>
+              <p:cNvSpPr/>
+              <p:nvPr/>
+            </p:nvSpPr>
+            <p:spPr>
+              <a:xfrm>
+                <a:off x="1777944" y="2449286"/>
+                <a:ext cx="1638956" cy="435429"/>
+              </a:xfrm>
+              <a:prstGeom prst="rect">
+                <a:avLst/>
+              </a:prstGeom>
+              <a:noFill/>
+              <a:ln>
+                <a:noFill/>
+              </a:ln>
+            </p:spPr>
+            <p:style>
+              <a:lnRef idx="2">
+                <a:schemeClr val="accent1">
+                  <a:shade val="50000"/>
+                </a:schemeClr>
+              </a:lnRef>
+              <a:fillRef idx="1">
+                <a:schemeClr val="accent1"/>
+              </a:fillRef>
+              <a:effectRef idx="0">
+                <a:schemeClr val="accent1"/>
+              </a:effectRef>
+              <a:fontRef idx="minor">
+                <a:schemeClr val="lt1"/>
+              </a:fontRef>
+            </p:style>
+            <p:txBody>
+              <a:bodyPr rtlCol="0" anchor="ctr"/>
+              <a:lstStyle/>
+              <a:p>
+                <a:r>
+                  <a:rPr lang="en-US" sz="2000" smtClean="0">
+                    <a:solidFill>
+                      <a:schemeClr val="tx1"/>
+                    </a:solidFill>
+                    <a:latin typeface="Tahoma" panose="020B0604030504040204" pitchFamily="34" charset="0"/>
+                    <a:ea typeface="Tahoma" panose="020B0604030504040204" pitchFamily="34" charset="0"/>
+                    <a:cs typeface="Tahoma" panose="020B0604030504040204" pitchFamily="34" charset="0"/>
+                  </a:rPr>
+                  <a:t>Vi </a:t>
+                </a:r>
+                <a:r>
+                  <a:rPr lang="en-US" sz="2000">
+                    <a:solidFill>
+                      <a:schemeClr val="tx1"/>
+                    </a:solidFill>
+                    <a:latin typeface="Tahoma" panose="020B0604030504040204" pitchFamily="34" charset="0"/>
+                    <a:ea typeface="Tahoma" panose="020B0604030504040204" pitchFamily="34" charset="0"/>
+                    <a:cs typeface="Tahoma" panose="020B0604030504040204" pitchFamily="34" charset="0"/>
+                  </a:rPr>
+                  <a:t> </a:t>
+                </a:r>
+                <a14:m>
+                  <m:oMath xmlns:m="http://schemas.openxmlformats.org/officeDocument/2006/math">
+                    <m:r>
+                      <a:rPr lang="en-US" sz="2000" i="1" smtClean="0">
+                        <a:solidFill>
+                          <a:schemeClr val="tx1"/>
+                        </a:solidFill>
+                        <a:latin typeface="Cambria Math" panose="02040503050406030204" pitchFamily="18" charset="0"/>
+                        <a:ea typeface="Cambria Math" panose="02040503050406030204" pitchFamily="18" charset="0"/>
+                        <a:cs typeface="Tahoma" panose="020B0604030504040204" pitchFamily="34" charset="0"/>
+                      </a:rPr>
+                      <m:t>∩</m:t>
+                    </m:r>
+                  </m:oMath>
+                </a14:m>
+                <a:r>
+                  <a:rPr lang="en-US" sz="2000" smtClean="0">
+                    <a:solidFill>
+                      <a:schemeClr val="tx1"/>
+                    </a:solidFill>
+                    <a:latin typeface="Tahoma" panose="020B0604030504040204" pitchFamily="34" charset="0"/>
+                    <a:ea typeface="Tahoma" panose="020B0604030504040204" pitchFamily="34" charset="0"/>
+                    <a:cs typeface="Tahoma" panose="020B0604030504040204" pitchFamily="34" charset="0"/>
+                  </a:rPr>
+                  <a:t> Vj </a:t>
+                </a:r>
+                <a14:m>
+                  <m:oMath xmlns:m="http://schemas.openxmlformats.org/officeDocument/2006/math">
+                    <m:r>
+                      <a:rPr lang="en-US" sz="2000" i="1">
+                        <a:solidFill>
+                          <a:schemeClr val="tx1"/>
+                        </a:solidFill>
+                        <a:latin typeface="Cambria Math" panose="02040503050406030204" pitchFamily="18" charset="0"/>
+                        <a:ea typeface="Cambria Math" panose="02040503050406030204" pitchFamily="18" charset="0"/>
+                        <a:cs typeface="Tahoma" panose="020B0604030504040204" pitchFamily="34" charset="0"/>
+                      </a:rPr>
+                      <m:t>=</m:t>
+                    </m:r>
+                    <m:r>
+                      <a:rPr lang="en-US" sz="2000" i="1" smtClean="0">
+                        <a:solidFill>
+                          <a:schemeClr val="tx1"/>
+                        </a:solidFill>
+                        <a:latin typeface="Cambria Math" panose="02040503050406030204" pitchFamily="18" charset="0"/>
+                        <a:ea typeface="Cambria Math" panose="02040503050406030204" pitchFamily="18" charset="0"/>
+                        <a:cs typeface="Tahoma" panose="020B0604030504040204" pitchFamily="34" charset="0"/>
+                      </a:rPr>
+                      <m:t>∅</m:t>
+                    </m:r>
+                  </m:oMath>
+                </a14:m>
+                <a:r>
+                  <a:rPr lang="en-US" sz="2000" smtClean="0">
+                    <a:solidFill>
+                      <a:schemeClr val="tx1"/>
+                    </a:solidFill>
+                    <a:latin typeface="Tahoma" panose="020B0604030504040204" pitchFamily="34" charset="0"/>
+                    <a:ea typeface="Tahoma" panose="020B0604030504040204" pitchFamily="34" charset="0"/>
+                    <a:cs typeface="Tahoma" panose="020B0604030504040204" pitchFamily="34" charset="0"/>
+                  </a:rPr>
+                  <a:t> </a:t>
+                </a:r>
+                <a:endParaRPr lang="en-US" sz="2000">
+                  <a:solidFill>
+                    <a:schemeClr val="tx1"/>
+                  </a:solidFill>
+                  <a:latin typeface="Tahoma" panose="020B0604030504040204" pitchFamily="34" charset="0"/>
+                  <a:ea typeface="Tahoma" panose="020B0604030504040204" pitchFamily="34" charset="0"/>
+                  <a:cs typeface="Tahoma" panose="020B0604030504040204" pitchFamily="34" charset="0"/>
+                </a:endParaRPr>
+              </a:p>
+            </p:txBody>
+          </p:sp>
+        </mc:Choice>
+        <mc:Fallback>
+          <p:sp>
+            <p:nvSpPr>
+              <p:cNvPr id="12" name="Rectangle 11"/>
+              <p:cNvSpPr>
+                <a:spLocks noRot="1" noChangeAspect="1" noMove="1" noResize="1" noEditPoints="1" noAdjustHandles="1" noChangeArrowheads="1" noChangeShapeType="1" noTextEdit="1"/>
+              </p:cNvSpPr>
+              <p:nvPr/>
+            </p:nvSpPr>
+            <p:spPr>
+              <a:xfrm>
+                <a:off x="1777944" y="2449286"/>
+                <a:ext cx="1638956" cy="435429"/>
+              </a:xfrm>
+              <a:prstGeom prst="rect">
+                <a:avLst/>
+              </a:prstGeom>
+              <a:blipFill rotWithShape="0">
+                <a:blip r:embed="rId2"/>
+                <a:stretch>
+                  <a:fillRect l="-4089" t="-2817" b="-21127"/>
+                </a:stretch>
+              </a:blipFill>
+              <a:ln>
+                <a:noFill/>
+              </a:ln>
+            </p:spPr>
+            <p:txBody>
+              <a:bodyPr/>
+              <a:lstStyle/>
+              <a:p>
+                <a:r>
+                  <a:rPr lang="en-US">
+                    <a:noFill/>
+                  </a:rPr>
+                  <a:t> </a:t>
+                </a:r>
+              </a:p>
+            </p:txBody>
+          </p:sp>
+        </mc:Fallback>
+      </mc:AlternateContent>
+    </p:spTree>
+    <p:extLst>
+      <p:ext uri="{BB962C8B-B14F-4D97-AF65-F5344CB8AC3E}">
+        <p14:creationId xmlns:p14="http://schemas.microsoft.com/office/powerpoint/2010/main" val="917593614"/>
+      </p:ext>
+    </p:extLst>
+  </p:cSld>
+  <p:clrMapOvr>
+    <a:masterClrMapping/>
+  </p:clrMapOvr>
+</p:sld>
+</file>
+
 <file path=ppt/theme/theme1.xml><?xml version="1.0" encoding="utf-8"?>
 <a:theme xmlns:a="http://schemas.openxmlformats.org/drawingml/2006/main" name="Office Theme">
   <a:themeElements>

--- a/_BaoCao/quocdunginfo/EF features model.pptx
+++ b/_BaoCao/quocdunginfo/EF features model.pptx
@@ -11,6 +11,7 @@
     <p:sldId id="259" r:id="rId5"/>
     <p:sldId id="260" r:id="rId6"/>
     <p:sldId id="261" r:id="rId7"/>
+    <p:sldId id="262" r:id="rId8"/>
   </p:sldIdLst>
   <p:sldSz cx="12192000" cy="6858000"/>
   <p:notesSz cx="6858000" cy="9144000"/>
@@ -248,7 +249,7 @@
           <a:p>
             <a:fld id="{8483CB3B-B0F8-4F2E-95AB-CD482C83C421}" type="datetimeFigureOut">
               <a:rPr lang="en-US" smtClean="0"/>
-              <a:t>18/10/2014</a:t>
+              <a:t>21/10/2014</a:t>
             </a:fld>
             <a:endParaRPr lang="en-US"/>
           </a:p>
@@ -418,7 +419,7 @@
           <a:p>
             <a:fld id="{8483CB3B-B0F8-4F2E-95AB-CD482C83C421}" type="datetimeFigureOut">
               <a:rPr lang="en-US" smtClean="0"/>
-              <a:t>18/10/2014</a:t>
+              <a:t>21/10/2014</a:t>
             </a:fld>
             <a:endParaRPr lang="en-US"/>
           </a:p>
@@ -598,7 +599,7 @@
           <a:p>
             <a:fld id="{8483CB3B-B0F8-4F2E-95AB-CD482C83C421}" type="datetimeFigureOut">
               <a:rPr lang="en-US" smtClean="0"/>
-              <a:t>18/10/2014</a:t>
+              <a:t>21/10/2014</a:t>
             </a:fld>
             <a:endParaRPr lang="en-US"/>
           </a:p>
@@ -768,7 +769,7 @@
           <a:p>
             <a:fld id="{8483CB3B-B0F8-4F2E-95AB-CD482C83C421}" type="datetimeFigureOut">
               <a:rPr lang="en-US" smtClean="0"/>
-              <a:t>18/10/2014</a:t>
+              <a:t>21/10/2014</a:t>
             </a:fld>
             <a:endParaRPr lang="en-US"/>
           </a:p>
@@ -1014,7 +1015,7 @@
           <a:p>
             <a:fld id="{8483CB3B-B0F8-4F2E-95AB-CD482C83C421}" type="datetimeFigureOut">
               <a:rPr lang="en-US" smtClean="0"/>
-              <a:t>18/10/2014</a:t>
+              <a:t>21/10/2014</a:t>
             </a:fld>
             <a:endParaRPr lang="en-US"/>
           </a:p>
@@ -1246,7 +1247,7 @@
           <a:p>
             <a:fld id="{8483CB3B-B0F8-4F2E-95AB-CD482C83C421}" type="datetimeFigureOut">
               <a:rPr lang="en-US" smtClean="0"/>
-              <a:t>18/10/2014</a:t>
+              <a:t>21/10/2014</a:t>
             </a:fld>
             <a:endParaRPr lang="en-US"/>
           </a:p>
@@ -1613,7 +1614,7 @@
           <a:p>
             <a:fld id="{8483CB3B-B0F8-4F2E-95AB-CD482C83C421}" type="datetimeFigureOut">
               <a:rPr lang="en-US" smtClean="0"/>
-              <a:t>18/10/2014</a:t>
+              <a:t>21/10/2014</a:t>
             </a:fld>
             <a:endParaRPr lang="en-US"/>
           </a:p>
@@ -1731,7 +1732,7 @@
           <a:p>
             <a:fld id="{8483CB3B-B0F8-4F2E-95AB-CD482C83C421}" type="datetimeFigureOut">
               <a:rPr lang="en-US" smtClean="0"/>
-              <a:t>18/10/2014</a:t>
+              <a:t>21/10/2014</a:t>
             </a:fld>
             <a:endParaRPr lang="en-US"/>
           </a:p>
@@ -1826,7 +1827,7 @@
           <a:p>
             <a:fld id="{8483CB3B-B0F8-4F2E-95AB-CD482C83C421}" type="datetimeFigureOut">
               <a:rPr lang="en-US" smtClean="0"/>
-              <a:t>18/10/2014</a:t>
+              <a:t>21/10/2014</a:t>
             </a:fld>
             <a:endParaRPr lang="en-US"/>
           </a:p>
@@ -2103,7 +2104,7 @@
           <a:p>
             <a:fld id="{8483CB3B-B0F8-4F2E-95AB-CD482C83C421}" type="datetimeFigureOut">
               <a:rPr lang="en-US" smtClean="0"/>
-              <a:t>18/10/2014</a:t>
+              <a:t>21/10/2014</a:t>
             </a:fld>
             <a:endParaRPr lang="en-US"/>
           </a:p>
@@ -2356,7 +2357,7 @@
           <a:p>
             <a:fld id="{8483CB3B-B0F8-4F2E-95AB-CD482C83C421}" type="datetimeFigureOut">
               <a:rPr lang="en-US" smtClean="0"/>
-              <a:t>18/10/2014</a:t>
+              <a:t>21/10/2014</a:t>
             </a:fld>
             <a:endParaRPr lang="en-US"/>
           </a:p>
@@ -2569,7 +2570,7 @@
           <a:p>
             <a:fld id="{8483CB3B-B0F8-4F2E-95AB-CD482C83C421}" type="datetimeFigureOut">
               <a:rPr lang="en-US" smtClean="0"/>
-              <a:t>18/10/2014</a:t>
+              <a:t>21/10/2014</a:t>
             </a:fld>
             <a:endParaRPr lang="en-US"/>
           </a:p>
@@ -5239,14 +5240,6 @@
               </a:rPr>
               <a:t>Table 0 ∈ Vi</a:t>
             </a:r>
-            <a:endParaRPr lang="en-US" sz="2000">
-              <a:solidFill>
-                <a:schemeClr val="tx1"/>
-              </a:solidFill>
-              <a:latin typeface="Tahoma" panose="020B0604030504040204" pitchFamily="34" charset="0"/>
-              <a:ea typeface="Tahoma" panose="020B0604030504040204" pitchFamily="34" charset="0"/>
-              <a:cs typeface="Tahoma" panose="020B0604030504040204" pitchFamily="34" charset="0"/>
-            </a:endParaRPr>
           </a:p>
         </p:txBody>
       </p:sp>
@@ -5381,18 +5374,7 @@
                 <a:ea typeface="Tahoma" panose="020B0604030504040204" pitchFamily="34" charset="0"/>
                 <a:cs typeface="Tahoma" panose="020B0604030504040204" pitchFamily="34" charset="0"/>
               </a:rPr>
-              <a:t>Table 0 </a:t>
-            </a:r>
-            <a:r>
-              <a:rPr lang="en-US" sz="2000">
-                <a:solidFill>
-                  <a:schemeClr val="tx1"/>
-                </a:solidFill>
-                <a:latin typeface="Tahoma" panose="020B0604030504040204" pitchFamily="34" charset="0"/>
-                <a:ea typeface="Tahoma" panose="020B0604030504040204" pitchFamily="34" charset="0"/>
-                <a:cs typeface="Tahoma" panose="020B0604030504040204" pitchFamily="34" charset="0"/>
-              </a:rPr>
-              <a:t>∈ </a:t>
+              <a:t>Table 0 ∈ </a:t>
             </a:r>
             <a:r>
               <a:rPr lang="en-US" sz="2000" smtClean="0">
@@ -5823,14 +5805,6 @@
               </a:rPr>
               <a:t>Table 0 ∈ Vi</a:t>
             </a:r>
-            <a:endParaRPr lang="en-US" sz="2000">
-              <a:solidFill>
-                <a:schemeClr val="tx1"/>
-              </a:solidFill>
-              <a:latin typeface="Tahoma" panose="020B0604030504040204" pitchFamily="34" charset="0"/>
-              <a:ea typeface="Tahoma" panose="020B0604030504040204" pitchFamily="34" charset="0"/>
-              <a:cs typeface="Tahoma" panose="020B0604030504040204" pitchFamily="34" charset="0"/>
-            </a:endParaRPr>
           </a:p>
         </p:txBody>
       </p:sp>
@@ -5965,18 +5939,7 @@
                 <a:ea typeface="Tahoma" panose="020B0604030504040204" pitchFamily="34" charset="0"/>
                 <a:cs typeface="Tahoma" panose="020B0604030504040204" pitchFamily="34" charset="0"/>
               </a:rPr>
-              <a:t>Table 0 </a:t>
-            </a:r>
-            <a:r>
-              <a:rPr lang="en-US" sz="2000">
-                <a:solidFill>
-                  <a:schemeClr val="tx1"/>
-                </a:solidFill>
-                <a:latin typeface="Tahoma" panose="020B0604030504040204" pitchFamily="34" charset="0"/>
-                <a:ea typeface="Tahoma" panose="020B0604030504040204" pitchFamily="34" charset="0"/>
-                <a:cs typeface="Tahoma" panose="020B0604030504040204" pitchFamily="34" charset="0"/>
-              </a:rPr>
-              <a:t>∈ </a:t>
+              <a:t>Table 0 ∈ </a:t>
             </a:r>
             <a:r>
               <a:rPr lang="en-US" sz="2000" smtClean="0">
@@ -6567,14 +6530,6 @@
               </a:rPr>
               <a:t>Table 0 ∈ Vi</a:t>
             </a:r>
-            <a:endParaRPr lang="en-US" sz="2000">
-              <a:solidFill>
-                <a:schemeClr val="tx1"/>
-              </a:solidFill>
-              <a:latin typeface="Tahoma" panose="020B0604030504040204" pitchFamily="34" charset="0"/>
-              <a:ea typeface="Tahoma" panose="020B0604030504040204" pitchFamily="34" charset="0"/>
-              <a:cs typeface="Tahoma" panose="020B0604030504040204" pitchFamily="34" charset="0"/>
-            </a:endParaRPr>
           </a:p>
         </p:txBody>
       </p:sp>
@@ -6626,18 +6581,7 @@
                 <a:ea typeface="Tahoma" panose="020B0604030504040204" pitchFamily="34" charset="0"/>
                 <a:cs typeface="Tahoma" panose="020B0604030504040204" pitchFamily="34" charset="0"/>
               </a:rPr>
-              <a:t>Table 0 </a:t>
-            </a:r>
-            <a:r>
-              <a:rPr lang="en-US" sz="2000">
-                <a:solidFill>
-                  <a:schemeClr val="tx1"/>
-                </a:solidFill>
-                <a:latin typeface="Tahoma" panose="020B0604030504040204" pitchFamily="34" charset="0"/>
-                <a:ea typeface="Tahoma" panose="020B0604030504040204" pitchFamily="34" charset="0"/>
-                <a:cs typeface="Tahoma" panose="020B0604030504040204" pitchFamily="34" charset="0"/>
-              </a:rPr>
-              <a:t>∈ </a:t>
+              <a:t>Table 0 ∈ </a:t>
             </a:r>
             <a:r>
               <a:rPr lang="en-US" sz="2000" smtClean="0">
@@ -6761,8 +6705,8 @@
           </a:graphicData>
         </a:graphic>
       </p:graphicFrame>
-      <mc:AlternateContent xmlns:mc="http://schemas.openxmlformats.org/markup-compatibility/2006">
-        <mc:Choice xmlns:a14="http://schemas.microsoft.com/office/drawing/2010/main" Requires="a14">
+      <mc:AlternateContent xmlns:mc="http://schemas.openxmlformats.org/markup-compatibility/2006" xmlns:a14="http://schemas.microsoft.com/office/drawing/2010/main">
+        <mc:Choice Requires="a14">
           <p:sp>
             <p:nvSpPr>
               <p:cNvPr id="13" name="Rectangle 12"/>
@@ -6888,7 +6832,7 @@
             </p:txBody>
           </p:sp>
         </mc:Choice>
-        <mc:Fallback>
+        <mc:Fallback xmlns="">
           <p:sp>
             <p:nvSpPr>
               <p:cNvPr id="13" name="Rectangle 12"/>
@@ -7364,14 +7308,6 @@
               </a:rPr>
               <a:t>Table 0 ∈ Vi</a:t>
             </a:r>
-            <a:endParaRPr lang="en-US" sz="2000">
-              <a:solidFill>
-                <a:schemeClr val="tx1"/>
-              </a:solidFill>
-              <a:latin typeface="Tahoma" panose="020B0604030504040204" pitchFamily="34" charset="0"/>
-              <a:ea typeface="Tahoma" panose="020B0604030504040204" pitchFamily="34" charset="0"/>
-              <a:cs typeface="Tahoma" panose="020B0604030504040204" pitchFamily="34" charset="0"/>
-            </a:endParaRPr>
           </a:p>
         </p:txBody>
       </p:sp>
@@ -7423,18 +7359,7 @@
                 <a:ea typeface="Tahoma" panose="020B0604030504040204" pitchFamily="34" charset="0"/>
                 <a:cs typeface="Tahoma" panose="020B0604030504040204" pitchFamily="34" charset="0"/>
               </a:rPr>
-              <a:t>Table 0 </a:t>
-            </a:r>
-            <a:r>
-              <a:rPr lang="en-US" sz="2000">
-                <a:solidFill>
-                  <a:schemeClr val="tx1"/>
-                </a:solidFill>
-                <a:latin typeface="Tahoma" panose="020B0604030504040204" pitchFamily="34" charset="0"/>
-                <a:ea typeface="Tahoma" panose="020B0604030504040204" pitchFamily="34" charset="0"/>
-                <a:cs typeface="Tahoma" panose="020B0604030504040204" pitchFamily="34" charset="0"/>
-              </a:rPr>
-              <a:t>∈ </a:t>
+              <a:t>Table 0 ∈ </a:t>
             </a:r>
             <a:r>
               <a:rPr lang="en-US" sz="2000" smtClean="0">
@@ -7558,8 +7483,8 @@
           </a:graphicData>
         </a:graphic>
       </p:graphicFrame>
-      <mc:AlternateContent xmlns:mc="http://schemas.openxmlformats.org/markup-compatibility/2006">
-        <mc:Choice xmlns:a14="http://schemas.microsoft.com/office/drawing/2010/main" Requires="a14">
+      <mc:AlternateContent xmlns:mc="http://schemas.openxmlformats.org/markup-compatibility/2006" xmlns:a14="http://schemas.microsoft.com/office/drawing/2010/main">
+        <mc:Choice Requires="a14">
           <p:sp>
             <p:nvSpPr>
               <p:cNvPr id="12" name="Rectangle 11"/>
@@ -7696,7 +7621,7 @@
             </p:txBody>
           </p:sp>
         </mc:Choice>
-        <mc:Fallback>
+        <mc:Fallback xmlns="">
           <p:sp>
             <p:nvSpPr>
               <p:cNvPr id="12" name="Rectangle 11"/>
@@ -7742,6 +7667,870 @@
     <p:extLst>
       <p:ext uri="{BB962C8B-B14F-4D97-AF65-F5344CB8AC3E}">
         <p14:creationId xmlns:p14="http://schemas.microsoft.com/office/powerpoint/2010/main" val="917593614"/>
+      </p:ext>
+    </p:extLst>
+  </p:cSld>
+  <p:clrMapOvr>
+    <a:masterClrMapping/>
+  </p:clrMapOvr>
+</p:sld>
+</file>
+
+<file path=ppt/slides/slide7.xml><?xml version="1.0" encoding="utf-8"?>
+<p:sld xmlns:a="http://schemas.openxmlformats.org/drawingml/2006/main" xmlns:r="http://schemas.openxmlformats.org/officeDocument/2006/relationships" xmlns:p="http://schemas.openxmlformats.org/presentationml/2006/main">
+  <p:cSld>
+    <p:spTree>
+      <p:nvGrpSpPr>
+        <p:cNvPr id="1" name=""/>
+        <p:cNvGrpSpPr/>
+        <p:nvPr/>
+      </p:nvGrpSpPr>
+      <p:grpSpPr>
+        <a:xfrm>
+          <a:off x="0" y="0"/>
+          <a:ext cx="0" cy="0"/>
+          <a:chOff x="0" y="0"/>
+          <a:chExt cx="0" cy="0"/>
+        </a:xfrm>
+      </p:grpSpPr>
+      <p:sp>
+        <p:nvSpPr>
+          <p:cNvPr id="13" name="Rectangle 12"/>
+          <p:cNvSpPr/>
+          <p:nvPr/>
+        </p:nvSpPr>
+        <p:spPr>
+          <a:xfrm>
+            <a:off x="4492612" y="2068278"/>
+            <a:ext cx="2212462" cy="1578512"/>
+          </a:xfrm>
+          <a:prstGeom prst="rect">
+            <a:avLst/>
+          </a:prstGeom>
+          <a:solidFill>
+            <a:schemeClr val="bg1"/>
+          </a:solidFill>
+          <a:ln>
+            <a:solidFill>
+              <a:schemeClr val="tx1"/>
+            </a:solidFill>
+          </a:ln>
+        </p:spPr>
+        <p:style>
+          <a:lnRef idx="2">
+            <a:schemeClr val="accent1">
+              <a:shade val="50000"/>
+            </a:schemeClr>
+          </a:lnRef>
+          <a:fillRef idx="1">
+            <a:schemeClr val="accent1"/>
+          </a:fillRef>
+          <a:effectRef idx="0">
+            <a:schemeClr val="accent1"/>
+          </a:effectRef>
+          <a:fontRef idx="minor">
+            <a:schemeClr val="lt1"/>
+          </a:fontRef>
+        </p:style>
+        <p:txBody>
+          <a:bodyPr rtlCol="0" anchor="t"/>
+          <a:lstStyle/>
+          <a:p>
+            <a:pPr algn="ctr"/>
+            <a:r>
+              <a:rPr lang="en-US" sz="1600" smtClean="0">
+                <a:solidFill>
+                  <a:schemeClr val="tx1"/>
+                </a:solidFill>
+                <a:latin typeface="Tahoma" panose="020B0604030504040204" pitchFamily="34" charset="0"/>
+                <a:ea typeface="Tahoma" panose="020B0604030504040204" pitchFamily="34" charset="0"/>
+                <a:cs typeface="Tahoma" panose="020B0604030504040204" pitchFamily="34" charset="0"/>
+              </a:rPr>
+              <a:t>Hệ thống theo dõi và xử lý tác vụ của Entity Framework</a:t>
+            </a:r>
+          </a:p>
+        </p:txBody>
+      </p:sp>
+      <p:pic>
+        <p:nvPicPr>
+          <p:cNvPr id="3" name="Picture 2"/>
+          <p:cNvPicPr>
+            <a:picLocks noChangeAspect="1"/>
+          </p:cNvPicPr>
+          <p:nvPr/>
+        </p:nvPicPr>
+        <p:blipFill>
+          <a:blip r:embed="rId2" cstate="print">
+            <a:extLst>
+              <a:ext uri="{28A0092B-C50C-407E-A947-70E740481C1C}">
+                <a14:useLocalDpi xmlns:a14="http://schemas.microsoft.com/office/drawing/2010/main" val="0"/>
+              </a:ext>
+            </a:extLst>
+          </a:blip>
+          <a:stretch>
+            <a:fillRect/>
+          </a:stretch>
+        </p:blipFill>
+        <p:spPr>
+          <a:xfrm>
+            <a:off x="5061656" y="2844001"/>
+            <a:ext cx="1101718" cy="825391"/>
+          </a:xfrm>
+          <a:prstGeom prst="rect">
+            <a:avLst/>
+          </a:prstGeom>
+        </p:spPr>
+      </p:pic>
+      <p:sp>
+        <p:nvSpPr>
+          <p:cNvPr id="29" name="Rectangle 28"/>
+          <p:cNvSpPr/>
+          <p:nvPr/>
+        </p:nvSpPr>
+        <p:spPr>
+          <a:xfrm>
+            <a:off x="1674227" y="3908301"/>
+            <a:ext cx="2212462" cy="800045"/>
+          </a:xfrm>
+          <a:prstGeom prst="rect">
+            <a:avLst/>
+          </a:prstGeom>
+          <a:solidFill>
+            <a:schemeClr val="bg1"/>
+          </a:solidFill>
+          <a:ln>
+            <a:noFill/>
+          </a:ln>
+        </p:spPr>
+        <p:style>
+          <a:lnRef idx="2">
+            <a:schemeClr val="accent1">
+              <a:shade val="50000"/>
+            </a:schemeClr>
+          </a:lnRef>
+          <a:fillRef idx="1">
+            <a:schemeClr val="accent1"/>
+          </a:fillRef>
+          <a:effectRef idx="0">
+            <a:schemeClr val="accent1"/>
+          </a:effectRef>
+          <a:fontRef idx="minor">
+            <a:schemeClr val="lt1"/>
+          </a:fontRef>
+        </p:style>
+        <p:txBody>
+          <a:bodyPr rtlCol="0" anchor="t"/>
+          <a:lstStyle/>
+          <a:p>
+            <a:pPr algn="just"/>
+            <a:r>
+              <a:rPr lang="en-US" sz="1600" smtClean="0">
+                <a:solidFill>
+                  <a:schemeClr val="tx1"/>
+                </a:solidFill>
+                <a:latin typeface="Tahoma" panose="020B0604030504040204" pitchFamily="34" charset="0"/>
+                <a:ea typeface="Tahoma" panose="020B0604030504040204" pitchFamily="34" charset="0"/>
+                <a:cs typeface="Tahoma" panose="020B0604030504040204" pitchFamily="34" charset="0"/>
+              </a:rPr>
+              <a:t>Gọi ngược khi tác vụ hoàn tất</a:t>
+            </a:r>
+          </a:p>
+          <a:p>
+            <a:pPr algn="just"/>
+            <a:r>
+              <a:rPr lang="en-US" sz="1600" smtClean="0">
+                <a:solidFill>
+                  <a:schemeClr val="tx1"/>
+                </a:solidFill>
+                <a:latin typeface="Tahoma" panose="020B0604030504040204" pitchFamily="34" charset="0"/>
+                <a:ea typeface="Tahoma" panose="020B0604030504040204" pitchFamily="34" charset="0"/>
+                <a:cs typeface="Tahoma" panose="020B0604030504040204" pitchFamily="34" charset="0"/>
+              </a:rPr>
+              <a:t>(callback)</a:t>
+            </a:r>
+            <a:endParaRPr lang="en-US" sz="1600">
+              <a:solidFill>
+                <a:schemeClr val="tx1"/>
+              </a:solidFill>
+              <a:latin typeface="Tahoma" panose="020B0604030504040204" pitchFamily="34" charset="0"/>
+              <a:ea typeface="Tahoma" panose="020B0604030504040204" pitchFamily="34" charset="0"/>
+              <a:cs typeface="Tahoma" panose="020B0604030504040204" pitchFamily="34" charset="0"/>
+            </a:endParaRPr>
+          </a:p>
+        </p:txBody>
+      </p:sp>
+      <p:sp>
+        <p:nvSpPr>
+          <p:cNvPr id="15" name="Oval 14"/>
+          <p:cNvSpPr/>
+          <p:nvPr/>
+        </p:nvSpPr>
+        <p:spPr>
+          <a:xfrm>
+            <a:off x="2213802" y="1112804"/>
+            <a:ext cx="2001251" cy="761996"/>
+          </a:xfrm>
+          <a:prstGeom prst="ellipse">
+            <a:avLst/>
+          </a:prstGeom>
+          <a:solidFill>
+            <a:schemeClr val="bg1"/>
+          </a:solidFill>
+          <a:ln w="12700">
+            <a:solidFill>
+              <a:schemeClr val="tx1"/>
+            </a:solidFill>
+          </a:ln>
+        </p:spPr>
+        <p:style>
+          <a:lnRef idx="2">
+            <a:schemeClr val="accent1">
+              <a:shade val="50000"/>
+            </a:schemeClr>
+          </a:lnRef>
+          <a:fillRef idx="1">
+            <a:schemeClr val="accent1"/>
+          </a:fillRef>
+          <a:effectRef idx="0">
+            <a:schemeClr val="accent1"/>
+          </a:effectRef>
+          <a:fontRef idx="minor">
+            <a:schemeClr val="lt1"/>
+          </a:fontRef>
+        </p:style>
+        <p:txBody>
+          <a:bodyPr rtlCol="0" anchor="ctr"/>
+          <a:lstStyle/>
+          <a:p>
+            <a:pPr algn="ctr"/>
+            <a:r>
+              <a:rPr lang="en-US" smtClean="0">
+                <a:solidFill>
+                  <a:schemeClr val="tx1"/>
+                </a:solidFill>
+                <a:latin typeface="Tahoma" panose="020B0604030504040204" pitchFamily="34" charset="0"/>
+                <a:ea typeface="Tahoma" panose="020B0604030504040204" pitchFamily="34" charset="0"/>
+                <a:cs typeface="Tahoma" panose="020B0604030504040204" pitchFamily="34" charset="0"/>
+              </a:rPr>
+              <a:t>Đối tượng 1 </a:t>
+            </a:r>
+            <a:endParaRPr lang="en-US">
+              <a:solidFill>
+                <a:schemeClr val="tx1"/>
+              </a:solidFill>
+              <a:latin typeface="Tahoma" panose="020B0604030504040204" pitchFamily="34" charset="0"/>
+              <a:ea typeface="Tahoma" panose="020B0604030504040204" pitchFamily="34" charset="0"/>
+              <a:cs typeface="Tahoma" panose="020B0604030504040204" pitchFamily="34" charset="0"/>
+            </a:endParaRPr>
+          </a:p>
+        </p:txBody>
+      </p:sp>
+      <p:sp>
+        <p:nvSpPr>
+          <p:cNvPr id="16" name="Oval 15"/>
+          <p:cNvSpPr/>
+          <p:nvPr/>
+        </p:nvSpPr>
+        <p:spPr>
+          <a:xfrm>
+            <a:off x="4378161" y="4671578"/>
+            <a:ext cx="2001251" cy="761996"/>
+          </a:xfrm>
+          <a:prstGeom prst="ellipse">
+            <a:avLst/>
+          </a:prstGeom>
+          <a:solidFill>
+            <a:schemeClr val="bg1"/>
+          </a:solidFill>
+          <a:ln w="12700">
+            <a:solidFill>
+              <a:schemeClr val="tx1"/>
+            </a:solidFill>
+          </a:ln>
+        </p:spPr>
+        <p:style>
+          <a:lnRef idx="2">
+            <a:schemeClr val="accent1">
+              <a:shade val="50000"/>
+            </a:schemeClr>
+          </a:lnRef>
+          <a:fillRef idx="1">
+            <a:schemeClr val="accent1"/>
+          </a:fillRef>
+          <a:effectRef idx="0">
+            <a:schemeClr val="accent1"/>
+          </a:effectRef>
+          <a:fontRef idx="minor">
+            <a:schemeClr val="lt1"/>
+          </a:fontRef>
+        </p:style>
+        <p:txBody>
+          <a:bodyPr rtlCol="0" anchor="ctr"/>
+          <a:lstStyle/>
+          <a:p>
+            <a:pPr algn="ctr"/>
+            <a:r>
+              <a:rPr lang="en-US" smtClean="0">
+                <a:solidFill>
+                  <a:schemeClr val="tx1"/>
+                </a:solidFill>
+                <a:latin typeface="Tahoma" panose="020B0604030504040204" pitchFamily="34" charset="0"/>
+                <a:ea typeface="Tahoma" panose="020B0604030504040204" pitchFamily="34" charset="0"/>
+                <a:cs typeface="Tahoma" panose="020B0604030504040204" pitchFamily="34" charset="0"/>
+              </a:rPr>
+              <a:t>Đối tượng 3 </a:t>
+            </a:r>
+            <a:endParaRPr lang="en-US">
+              <a:solidFill>
+                <a:schemeClr val="tx1"/>
+              </a:solidFill>
+              <a:latin typeface="Tahoma" panose="020B0604030504040204" pitchFamily="34" charset="0"/>
+              <a:ea typeface="Tahoma" panose="020B0604030504040204" pitchFamily="34" charset="0"/>
+              <a:cs typeface="Tahoma" panose="020B0604030504040204" pitchFamily="34" charset="0"/>
+            </a:endParaRPr>
+          </a:p>
+        </p:txBody>
+      </p:sp>
+      <p:sp>
+        <p:nvSpPr>
+          <p:cNvPr id="17" name="Oval 16"/>
+          <p:cNvSpPr/>
+          <p:nvPr/>
+        </p:nvSpPr>
+        <p:spPr>
+          <a:xfrm>
+            <a:off x="7036431" y="1188312"/>
+            <a:ext cx="2001251" cy="761996"/>
+          </a:xfrm>
+          <a:prstGeom prst="ellipse">
+            <a:avLst/>
+          </a:prstGeom>
+          <a:solidFill>
+            <a:schemeClr val="bg1"/>
+          </a:solidFill>
+          <a:ln w="12700">
+            <a:solidFill>
+              <a:schemeClr val="tx1"/>
+            </a:solidFill>
+          </a:ln>
+        </p:spPr>
+        <p:style>
+          <a:lnRef idx="2">
+            <a:schemeClr val="accent1">
+              <a:shade val="50000"/>
+            </a:schemeClr>
+          </a:lnRef>
+          <a:fillRef idx="1">
+            <a:schemeClr val="accent1"/>
+          </a:fillRef>
+          <a:effectRef idx="0">
+            <a:schemeClr val="accent1"/>
+          </a:effectRef>
+          <a:fontRef idx="minor">
+            <a:schemeClr val="lt1"/>
+          </a:fontRef>
+        </p:style>
+        <p:txBody>
+          <a:bodyPr rtlCol="0" anchor="ctr"/>
+          <a:lstStyle/>
+          <a:p>
+            <a:pPr algn="ctr"/>
+            <a:r>
+              <a:rPr lang="en-US" smtClean="0">
+                <a:solidFill>
+                  <a:schemeClr val="tx1"/>
+                </a:solidFill>
+                <a:latin typeface="Tahoma" panose="020B0604030504040204" pitchFamily="34" charset="0"/>
+                <a:ea typeface="Tahoma" panose="020B0604030504040204" pitchFamily="34" charset="0"/>
+                <a:cs typeface="Tahoma" panose="020B0604030504040204" pitchFamily="34" charset="0"/>
+              </a:rPr>
+              <a:t>Đối tượng 2 </a:t>
+            </a:r>
+            <a:endParaRPr lang="en-US">
+              <a:solidFill>
+                <a:schemeClr val="tx1"/>
+              </a:solidFill>
+              <a:latin typeface="Tahoma" panose="020B0604030504040204" pitchFamily="34" charset="0"/>
+              <a:ea typeface="Tahoma" panose="020B0604030504040204" pitchFamily="34" charset="0"/>
+              <a:cs typeface="Tahoma" panose="020B0604030504040204" pitchFamily="34" charset="0"/>
+            </a:endParaRPr>
+          </a:p>
+        </p:txBody>
+      </p:sp>
+      <p:grpSp>
+        <p:nvGrpSpPr>
+          <p:cNvPr id="20" name="Group 19"/>
+          <p:cNvGrpSpPr/>
+          <p:nvPr/>
+        </p:nvGrpSpPr>
+        <p:grpSpPr>
+          <a:xfrm>
+            <a:off x="3302615" y="1293975"/>
+            <a:ext cx="2040531" cy="1358762"/>
+            <a:chOff x="3194889" y="1243945"/>
+            <a:chExt cx="2040531" cy="1358762"/>
+          </a:xfrm>
+        </p:grpSpPr>
+        <p:sp>
+          <p:nvSpPr>
+            <p:cNvPr id="18" name="Arc 17"/>
+            <p:cNvSpPr/>
+            <p:nvPr/>
+          </p:nvSpPr>
+          <p:spPr>
+            <a:xfrm rot="358153">
+              <a:off x="3194889" y="1297910"/>
+              <a:ext cx="1588841" cy="1304797"/>
+            </a:xfrm>
+            <a:prstGeom prst="arc">
+              <a:avLst/>
+            </a:prstGeom>
+            <a:ln w="12700">
+              <a:solidFill>
+                <a:schemeClr val="tx1"/>
+              </a:solidFill>
+              <a:headEnd type="none" w="med" len="med"/>
+              <a:tailEnd type="arrow" w="med" len="med"/>
+            </a:ln>
+          </p:spPr>
+          <p:style>
+            <a:lnRef idx="1">
+              <a:schemeClr val="accent1"/>
+            </a:lnRef>
+            <a:fillRef idx="0">
+              <a:schemeClr val="accent1"/>
+            </a:fillRef>
+            <a:effectRef idx="0">
+              <a:schemeClr val="accent1"/>
+            </a:effectRef>
+            <a:fontRef idx="minor">
+              <a:schemeClr val="tx1"/>
+            </a:fontRef>
+          </p:style>
+          <p:txBody>
+            <a:bodyPr rtlCol="0" anchor="ctr"/>
+            <a:lstStyle/>
+            <a:p>
+              <a:pPr algn="ctr"/>
+              <a:endParaRPr lang="en-US"/>
+            </a:p>
+          </p:txBody>
+        </p:sp>
+        <p:sp>
+          <p:nvSpPr>
+            <p:cNvPr id="19" name="Arc 18"/>
+            <p:cNvSpPr/>
+            <p:nvPr/>
+          </p:nvSpPr>
+          <p:spPr>
+            <a:xfrm rot="11293024">
+              <a:off x="3646579" y="1243945"/>
+              <a:ext cx="1588841" cy="1304797"/>
+            </a:xfrm>
+            <a:prstGeom prst="arc">
+              <a:avLst/>
+            </a:prstGeom>
+            <a:ln w="12700">
+              <a:solidFill>
+                <a:schemeClr val="tx1"/>
+              </a:solidFill>
+              <a:prstDash val="lgDash"/>
+              <a:headEnd type="none" w="med" len="med"/>
+              <a:tailEnd type="arrow" w="med" len="med"/>
+            </a:ln>
+          </p:spPr>
+          <p:style>
+            <a:lnRef idx="1">
+              <a:schemeClr val="accent1"/>
+            </a:lnRef>
+            <a:fillRef idx="0">
+              <a:schemeClr val="accent1"/>
+            </a:fillRef>
+            <a:effectRef idx="0">
+              <a:schemeClr val="accent1"/>
+            </a:effectRef>
+            <a:fontRef idx="minor">
+              <a:schemeClr val="tx1"/>
+            </a:fontRef>
+          </p:style>
+          <p:txBody>
+            <a:bodyPr rtlCol="0" anchor="ctr"/>
+            <a:lstStyle/>
+            <a:p>
+              <a:pPr algn="ctr"/>
+              <a:endParaRPr lang="en-US"/>
+            </a:p>
+          </p:txBody>
+        </p:sp>
+      </p:grpSp>
+      <p:grpSp>
+        <p:nvGrpSpPr>
+          <p:cNvPr id="21" name="Group 20"/>
+          <p:cNvGrpSpPr/>
+          <p:nvPr/>
+        </p:nvGrpSpPr>
+        <p:grpSpPr>
+          <a:xfrm rot="3003168">
+            <a:off x="4444488" y="3509271"/>
+            <a:ext cx="2040531" cy="1358762"/>
+            <a:chOff x="3194889" y="1243945"/>
+            <a:chExt cx="2040531" cy="1358762"/>
+          </a:xfrm>
+        </p:grpSpPr>
+        <p:sp>
+          <p:nvSpPr>
+            <p:cNvPr id="22" name="Arc 21"/>
+            <p:cNvSpPr/>
+            <p:nvPr/>
+          </p:nvSpPr>
+          <p:spPr>
+            <a:xfrm rot="358153">
+              <a:off x="3194889" y="1297910"/>
+              <a:ext cx="1588841" cy="1304797"/>
+            </a:xfrm>
+            <a:prstGeom prst="arc">
+              <a:avLst/>
+            </a:prstGeom>
+            <a:ln w="12700">
+              <a:solidFill>
+                <a:schemeClr val="tx1"/>
+              </a:solidFill>
+              <a:prstDash val="lgDash"/>
+              <a:headEnd type="none" w="med" len="med"/>
+              <a:tailEnd type="arrow" w="med" len="med"/>
+            </a:ln>
+          </p:spPr>
+          <p:style>
+            <a:lnRef idx="1">
+              <a:schemeClr val="accent1"/>
+            </a:lnRef>
+            <a:fillRef idx="0">
+              <a:schemeClr val="accent1"/>
+            </a:fillRef>
+            <a:effectRef idx="0">
+              <a:schemeClr val="accent1"/>
+            </a:effectRef>
+            <a:fontRef idx="minor">
+              <a:schemeClr val="tx1"/>
+            </a:fontRef>
+          </p:style>
+          <p:txBody>
+            <a:bodyPr rtlCol="0" anchor="ctr"/>
+            <a:lstStyle/>
+            <a:p>
+              <a:pPr algn="ctr"/>
+              <a:endParaRPr lang="en-US"/>
+            </a:p>
+          </p:txBody>
+        </p:sp>
+        <p:sp>
+          <p:nvSpPr>
+            <p:cNvPr id="23" name="Arc 22"/>
+            <p:cNvSpPr/>
+            <p:nvPr/>
+          </p:nvSpPr>
+          <p:spPr>
+            <a:xfrm rot="11293024">
+              <a:off x="3646579" y="1243945"/>
+              <a:ext cx="1588841" cy="1304797"/>
+            </a:xfrm>
+            <a:prstGeom prst="arc">
+              <a:avLst/>
+            </a:prstGeom>
+            <a:ln w="12700">
+              <a:solidFill>
+                <a:schemeClr val="tx1"/>
+              </a:solidFill>
+              <a:headEnd type="none" w="med" len="med"/>
+              <a:tailEnd type="arrow" w="med" len="med"/>
+            </a:ln>
+          </p:spPr>
+          <p:style>
+            <a:lnRef idx="1">
+              <a:schemeClr val="accent1"/>
+            </a:lnRef>
+            <a:fillRef idx="0">
+              <a:schemeClr val="accent1"/>
+            </a:fillRef>
+            <a:effectRef idx="0">
+              <a:schemeClr val="accent1"/>
+            </a:effectRef>
+            <a:fontRef idx="minor">
+              <a:schemeClr val="tx1"/>
+            </a:fontRef>
+          </p:style>
+          <p:txBody>
+            <a:bodyPr rtlCol="0" anchor="ctr"/>
+            <a:lstStyle/>
+            <a:p>
+              <a:pPr algn="ctr"/>
+              <a:endParaRPr lang="en-US"/>
+            </a:p>
+          </p:txBody>
+        </p:sp>
+      </p:grpSp>
+      <p:grpSp>
+        <p:nvGrpSpPr>
+          <p:cNvPr id="24" name="Group 23"/>
+          <p:cNvGrpSpPr/>
+          <p:nvPr/>
+        </p:nvGrpSpPr>
+        <p:grpSpPr>
+          <a:xfrm rot="5400000">
+            <a:off x="5868268" y="1318991"/>
+            <a:ext cx="2040530" cy="1358762"/>
+            <a:chOff x="3194890" y="1243945"/>
+            <a:chExt cx="2040530" cy="1358762"/>
+          </a:xfrm>
+        </p:grpSpPr>
+        <p:sp>
+          <p:nvSpPr>
+            <p:cNvPr id="25" name="Arc 24"/>
+            <p:cNvSpPr/>
+            <p:nvPr/>
+          </p:nvSpPr>
+          <p:spPr>
+            <a:xfrm rot="764059">
+              <a:off x="3194890" y="1297910"/>
+              <a:ext cx="1588841" cy="1304797"/>
+            </a:xfrm>
+            <a:prstGeom prst="arc">
+              <a:avLst/>
+            </a:prstGeom>
+            <a:ln w="12700">
+              <a:solidFill>
+                <a:schemeClr val="tx1"/>
+              </a:solidFill>
+              <a:headEnd type="none" w="med" len="med"/>
+              <a:tailEnd type="arrow" w="med" len="med"/>
+            </a:ln>
+          </p:spPr>
+          <p:style>
+            <a:lnRef idx="1">
+              <a:schemeClr val="accent1"/>
+            </a:lnRef>
+            <a:fillRef idx="0">
+              <a:schemeClr val="accent1"/>
+            </a:fillRef>
+            <a:effectRef idx="0">
+              <a:schemeClr val="accent1"/>
+            </a:effectRef>
+            <a:fontRef idx="minor">
+              <a:schemeClr val="tx1"/>
+            </a:fontRef>
+          </p:style>
+          <p:txBody>
+            <a:bodyPr rtlCol="0" anchor="ctr"/>
+            <a:lstStyle/>
+            <a:p>
+              <a:pPr algn="ctr"/>
+              <a:endParaRPr lang="en-US"/>
+            </a:p>
+          </p:txBody>
+        </p:sp>
+        <p:sp>
+          <p:nvSpPr>
+            <p:cNvPr id="26" name="Arc 25"/>
+            <p:cNvSpPr/>
+            <p:nvPr/>
+          </p:nvSpPr>
+          <p:spPr>
+            <a:xfrm rot="11744363">
+              <a:off x="3646579" y="1243945"/>
+              <a:ext cx="1588841" cy="1304797"/>
+            </a:xfrm>
+            <a:prstGeom prst="arc">
+              <a:avLst/>
+            </a:prstGeom>
+            <a:ln w="12700">
+              <a:solidFill>
+                <a:schemeClr val="tx1"/>
+              </a:solidFill>
+              <a:prstDash val="lgDash"/>
+              <a:headEnd type="none" w="med" len="med"/>
+              <a:tailEnd type="arrow" w="med" len="med"/>
+            </a:ln>
+          </p:spPr>
+          <p:style>
+            <a:lnRef idx="1">
+              <a:schemeClr val="accent1"/>
+            </a:lnRef>
+            <a:fillRef idx="0">
+              <a:schemeClr val="accent1"/>
+            </a:fillRef>
+            <a:effectRef idx="0">
+              <a:schemeClr val="accent1"/>
+            </a:effectRef>
+            <a:fontRef idx="minor">
+              <a:schemeClr val="tx1"/>
+            </a:fontRef>
+          </p:style>
+          <p:txBody>
+            <a:bodyPr rtlCol="0" anchor="ctr"/>
+            <a:lstStyle/>
+            <a:p>
+              <a:pPr algn="ctr"/>
+              <a:endParaRPr lang="en-US"/>
+            </a:p>
+          </p:txBody>
+        </p:sp>
+      </p:grpSp>
+      <p:cxnSp>
+        <p:nvCxnSpPr>
+          <p:cNvPr id="28" name="Straight Arrow Connector 27"/>
+          <p:cNvCxnSpPr/>
+          <p:nvPr/>
+        </p:nvCxnSpPr>
+        <p:spPr>
+          <a:xfrm>
+            <a:off x="1780656" y="3851331"/>
+            <a:ext cx="733926" cy="0"/>
+          </a:xfrm>
+          <a:prstGeom prst="straightConnector1">
+            <a:avLst/>
+          </a:prstGeom>
+          <a:ln w="12700">
+            <a:solidFill>
+              <a:schemeClr val="tx1"/>
+            </a:solidFill>
+            <a:prstDash val="lgDash"/>
+            <a:headEnd type="none" w="med" len="med"/>
+            <a:tailEnd type="arrow" w="med" len="med"/>
+          </a:ln>
+        </p:spPr>
+        <p:style>
+          <a:lnRef idx="1">
+            <a:schemeClr val="accent1"/>
+          </a:lnRef>
+          <a:fillRef idx="0">
+            <a:schemeClr val="accent1"/>
+          </a:fillRef>
+          <a:effectRef idx="0">
+            <a:schemeClr val="accent1"/>
+          </a:effectRef>
+          <a:fontRef idx="minor">
+            <a:schemeClr val="tx1"/>
+          </a:fontRef>
+        </p:style>
+      </p:cxnSp>
+      <p:cxnSp>
+        <p:nvCxnSpPr>
+          <p:cNvPr id="30" name="Straight Arrow Connector 29"/>
+          <p:cNvCxnSpPr/>
+          <p:nvPr/>
+        </p:nvCxnSpPr>
+        <p:spPr>
+          <a:xfrm>
+            <a:off x="1770480" y="4874019"/>
+            <a:ext cx="733926" cy="0"/>
+          </a:xfrm>
+          <a:prstGeom prst="straightConnector1">
+            <a:avLst/>
+          </a:prstGeom>
+          <a:ln w="12700">
+            <a:solidFill>
+              <a:schemeClr val="tx1"/>
+            </a:solidFill>
+            <a:prstDash val="solid"/>
+            <a:headEnd type="none" w="med" len="med"/>
+            <a:tailEnd type="arrow" w="med" len="med"/>
+          </a:ln>
+        </p:spPr>
+        <p:style>
+          <a:lnRef idx="1">
+            <a:schemeClr val="accent1"/>
+          </a:lnRef>
+          <a:fillRef idx="0">
+            <a:schemeClr val="accent1"/>
+          </a:fillRef>
+          <a:effectRef idx="0">
+            <a:schemeClr val="accent1"/>
+          </a:effectRef>
+          <a:fontRef idx="minor">
+            <a:schemeClr val="tx1"/>
+          </a:fontRef>
+        </p:style>
+      </p:cxnSp>
+      <p:sp>
+        <p:nvSpPr>
+          <p:cNvPr id="31" name="Rectangle 30"/>
+          <p:cNvSpPr/>
+          <p:nvPr/>
+        </p:nvSpPr>
+        <p:spPr>
+          <a:xfrm>
+            <a:off x="1674227" y="4924562"/>
+            <a:ext cx="2525878" cy="655272"/>
+          </a:xfrm>
+          <a:prstGeom prst="rect">
+            <a:avLst/>
+          </a:prstGeom>
+          <a:solidFill>
+            <a:schemeClr val="bg1"/>
+          </a:solidFill>
+          <a:ln>
+            <a:noFill/>
+          </a:ln>
+        </p:spPr>
+        <p:style>
+          <a:lnRef idx="2">
+            <a:schemeClr val="accent1">
+              <a:shade val="50000"/>
+            </a:schemeClr>
+          </a:lnRef>
+          <a:fillRef idx="1">
+            <a:schemeClr val="accent1"/>
+          </a:fillRef>
+          <a:effectRef idx="0">
+            <a:schemeClr val="accent1"/>
+          </a:effectRef>
+          <a:fontRef idx="minor">
+            <a:schemeClr val="lt1"/>
+          </a:fontRef>
+        </p:style>
+        <p:txBody>
+          <a:bodyPr rtlCol="0" anchor="t"/>
+          <a:lstStyle/>
+          <a:p>
+            <a:r>
+              <a:rPr lang="en-US" sz="1600" smtClean="0">
+                <a:solidFill>
+                  <a:schemeClr val="tx1"/>
+                </a:solidFill>
+                <a:latin typeface="Tahoma" panose="020B0604030504040204" pitchFamily="34" charset="0"/>
+                <a:ea typeface="Tahoma" panose="020B0604030504040204" pitchFamily="34" charset="0"/>
+                <a:cs typeface="Tahoma" panose="020B0604030504040204" pitchFamily="34" charset="0"/>
+              </a:rPr>
+              <a:t>Gửi yêu cầu tác vụ</a:t>
+            </a:r>
+          </a:p>
+          <a:p>
+            <a:r>
+              <a:rPr lang="en-US" sz="1600" smtClean="0">
+                <a:solidFill>
+                  <a:schemeClr val="tx1"/>
+                </a:solidFill>
+                <a:latin typeface="Tahoma" panose="020B0604030504040204" pitchFamily="34" charset="0"/>
+                <a:ea typeface="Tahoma" panose="020B0604030504040204" pitchFamily="34" charset="0"/>
+                <a:cs typeface="Tahoma" panose="020B0604030504040204" pitchFamily="34" charset="0"/>
+              </a:rPr>
+              <a:t>(request)</a:t>
+            </a:r>
+            <a:endParaRPr lang="en-US" sz="1600">
+              <a:solidFill>
+                <a:schemeClr val="tx1"/>
+              </a:solidFill>
+              <a:latin typeface="Tahoma" panose="020B0604030504040204" pitchFamily="34" charset="0"/>
+              <a:ea typeface="Tahoma" panose="020B0604030504040204" pitchFamily="34" charset="0"/>
+              <a:cs typeface="Tahoma" panose="020B0604030504040204" pitchFamily="34" charset="0"/>
+            </a:endParaRPr>
+          </a:p>
+        </p:txBody>
+      </p:sp>
+    </p:spTree>
+    <p:extLst>
+      <p:ext uri="{BB962C8B-B14F-4D97-AF65-F5344CB8AC3E}">
+        <p14:creationId xmlns:p14="http://schemas.microsoft.com/office/powerpoint/2010/main" val="3905491905"/>
       </p:ext>
     </p:extLst>
   </p:cSld>

--- a/_BaoCao/quocdunginfo/EF features model.pptx
+++ b/_BaoCao/quocdunginfo/EF features model.pptx
@@ -7746,7 +7746,21 @@
                 <a:ea typeface="Tahoma" panose="020B0604030504040204" pitchFamily="34" charset="0"/>
                 <a:cs typeface="Tahoma" panose="020B0604030504040204" pitchFamily="34" charset="0"/>
               </a:rPr>
-              <a:t>Hệ thống theo dõi và xử lý tác vụ của Entity Framework</a:t>
+              <a:t>Hệ thống theo dõi và xử lý tác vụ của</a:t>
+            </a:r>
+          </a:p>
+          <a:p>
+            <a:pPr algn="ctr"/>
+            <a:r>
+              <a:rPr lang="en-US" sz="1600" smtClean="0">
+                <a:solidFill>
+                  <a:schemeClr val="tx1"/>
+                </a:solidFill>
+                <a:latin typeface="Tahoma" panose="020B0604030504040204" pitchFamily="34" charset="0"/>
+                <a:ea typeface="Tahoma" panose="020B0604030504040204" pitchFamily="34" charset="0"/>
+                <a:cs typeface="Tahoma" panose="020B0604030504040204" pitchFamily="34" charset="0"/>
+              </a:rPr>
+              <a:t>Entity Framework</a:t>
             </a:r>
           </a:p>
         </p:txBody>

--- a/_BaoCao/quocdunginfo/EF features model.pptx
+++ b/_BaoCao/quocdunginfo/EF features model.pptx
@@ -12,6 +12,7 @@
     <p:sldId id="260" r:id="rId6"/>
     <p:sldId id="261" r:id="rId7"/>
     <p:sldId id="262" r:id="rId8"/>
+    <p:sldId id="263" r:id="rId9"/>
   </p:sldIdLst>
   <p:sldSz cx="12192000" cy="6858000"/>
   <p:notesSz cx="6858000" cy="9144000"/>
@@ -8554,6 +8555,1598 @@
 </p:sld>
 </file>
 
+<file path=ppt/slides/slide8.xml><?xml version="1.0" encoding="utf-8"?>
+<p:sld xmlns:a="http://schemas.openxmlformats.org/drawingml/2006/main" xmlns:r="http://schemas.openxmlformats.org/officeDocument/2006/relationships" xmlns:p="http://schemas.openxmlformats.org/presentationml/2006/main">
+  <p:cSld>
+    <p:spTree>
+      <p:nvGrpSpPr>
+        <p:cNvPr id="1" name=""/>
+        <p:cNvGrpSpPr/>
+        <p:nvPr/>
+      </p:nvGrpSpPr>
+      <p:grpSpPr>
+        <a:xfrm>
+          <a:off x="0" y="0"/>
+          <a:ext cx="0" cy="0"/>
+          <a:chOff x="0" y="0"/>
+          <a:chExt cx="0" cy="0"/>
+        </a:xfrm>
+      </p:grpSpPr>
+      <p:sp>
+        <p:nvSpPr>
+          <p:cNvPr id="127" name="Rectangle 126"/>
+          <p:cNvSpPr/>
+          <p:nvPr/>
+        </p:nvSpPr>
+        <p:spPr>
+          <a:xfrm>
+            <a:off x="1593369" y="2074108"/>
+            <a:ext cx="2743238" cy="283928"/>
+          </a:xfrm>
+          <a:prstGeom prst="rect">
+            <a:avLst/>
+          </a:prstGeom>
+          <a:solidFill>
+            <a:schemeClr val="bg1"/>
+          </a:solidFill>
+          <a:ln>
+            <a:solidFill>
+              <a:schemeClr val="tx1"/>
+            </a:solidFill>
+          </a:ln>
+        </p:spPr>
+        <p:style>
+          <a:lnRef idx="2">
+            <a:schemeClr val="accent1">
+              <a:shade val="50000"/>
+            </a:schemeClr>
+          </a:lnRef>
+          <a:fillRef idx="1">
+            <a:schemeClr val="accent1"/>
+          </a:fillRef>
+          <a:effectRef idx="0">
+            <a:schemeClr val="accent1"/>
+          </a:effectRef>
+          <a:fontRef idx="minor">
+            <a:schemeClr val="lt1"/>
+          </a:fontRef>
+        </p:style>
+        <p:txBody>
+          <a:bodyPr rtlCol="0" anchor="ctr"/>
+          <a:lstStyle/>
+          <a:p>
+            <a:pPr algn="ctr"/>
+            <a:r>
+              <a:rPr lang="en-US" sz="1600" smtClean="0">
+                <a:solidFill>
+                  <a:schemeClr val="tx1"/>
+                </a:solidFill>
+                <a:latin typeface="Tahoma" panose="020B0604030504040204" pitchFamily="34" charset="0"/>
+                <a:ea typeface="Tahoma" panose="020B0604030504040204" pitchFamily="34" charset="0"/>
+                <a:cs typeface="Tahoma" panose="020B0604030504040204" pitchFamily="34" charset="0"/>
+              </a:rPr>
+              <a:t>…</a:t>
+            </a:r>
+            <a:endParaRPr lang="en-US" sz="1600">
+              <a:solidFill>
+                <a:schemeClr val="tx1"/>
+              </a:solidFill>
+              <a:latin typeface="Tahoma" panose="020B0604030504040204" pitchFamily="34" charset="0"/>
+              <a:ea typeface="Tahoma" panose="020B0604030504040204" pitchFamily="34" charset="0"/>
+              <a:cs typeface="Tahoma" panose="020B0604030504040204" pitchFamily="34" charset="0"/>
+            </a:endParaRPr>
+          </a:p>
+        </p:txBody>
+      </p:sp>
+      <p:sp>
+        <p:nvSpPr>
+          <p:cNvPr id="119" name="Rectangle 118"/>
+          <p:cNvSpPr/>
+          <p:nvPr/>
+        </p:nvSpPr>
+        <p:spPr>
+          <a:xfrm>
+            <a:off x="1020036" y="4398648"/>
+            <a:ext cx="1840067" cy="279140"/>
+          </a:xfrm>
+          <a:prstGeom prst="rect">
+            <a:avLst/>
+          </a:prstGeom>
+          <a:solidFill>
+            <a:schemeClr val="bg1"/>
+          </a:solidFill>
+          <a:ln>
+            <a:solidFill>
+              <a:schemeClr val="tx1"/>
+            </a:solidFill>
+          </a:ln>
+        </p:spPr>
+        <p:style>
+          <a:lnRef idx="2">
+            <a:schemeClr val="accent1">
+              <a:shade val="50000"/>
+            </a:schemeClr>
+          </a:lnRef>
+          <a:fillRef idx="1">
+            <a:schemeClr val="accent1"/>
+          </a:fillRef>
+          <a:effectRef idx="0">
+            <a:schemeClr val="accent1"/>
+          </a:effectRef>
+          <a:fontRef idx="minor">
+            <a:schemeClr val="lt1"/>
+          </a:fontRef>
+        </p:style>
+        <p:txBody>
+          <a:bodyPr rtlCol="0" anchor="ctr"/>
+          <a:lstStyle/>
+          <a:p>
+            <a:pPr algn="ctr"/>
+            <a:r>
+              <a:rPr lang="en-US" sz="1600" smtClean="0">
+                <a:solidFill>
+                  <a:schemeClr val="tx1"/>
+                </a:solidFill>
+                <a:latin typeface="Tahoma" panose="020B0604030504040204" pitchFamily="34" charset="0"/>
+                <a:ea typeface="Tahoma" panose="020B0604030504040204" pitchFamily="34" charset="0"/>
+                <a:cs typeface="Tahoma" panose="020B0604030504040204" pitchFamily="34" charset="0"/>
+              </a:rPr>
+              <a:t>…</a:t>
+            </a:r>
+            <a:endParaRPr lang="en-US" sz="1600">
+              <a:solidFill>
+                <a:schemeClr val="tx1"/>
+              </a:solidFill>
+              <a:latin typeface="Tahoma" panose="020B0604030504040204" pitchFamily="34" charset="0"/>
+              <a:ea typeface="Tahoma" panose="020B0604030504040204" pitchFamily="34" charset="0"/>
+              <a:cs typeface="Tahoma" panose="020B0604030504040204" pitchFamily="34" charset="0"/>
+            </a:endParaRPr>
+          </a:p>
+        </p:txBody>
+      </p:sp>
+      <p:cxnSp>
+        <p:nvCxnSpPr>
+          <p:cNvPr id="122" name="Straight Connector 121"/>
+          <p:cNvCxnSpPr/>
+          <p:nvPr/>
+        </p:nvCxnSpPr>
+        <p:spPr>
+          <a:xfrm>
+            <a:off x="1020036" y="1515979"/>
+            <a:ext cx="0" cy="3161809"/>
+          </a:xfrm>
+          <a:prstGeom prst="line">
+            <a:avLst/>
+          </a:prstGeom>
+          <a:ln>
+            <a:solidFill>
+              <a:schemeClr val="tx1"/>
+            </a:solidFill>
+          </a:ln>
+        </p:spPr>
+        <p:style>
+          <a:lnRef idx="1">
+            <a:schemeClr val="accent1"/>
+          </a:lnRef>
+          <a:fillRef idx="0">
+            <a:schemeClr val="accent1"/>
+          </a:fillRef>
+          <a:effectRef idx="0">
+            <a:schemeClr val="accent1"/>
+          </a:effectRef>
+          <a:fontRef idx="minor">
+            <a:schemeClr val="tx1"/>
+          </a:fontRef>
+        </p:style>
+      </p:cxnSp>
+      <p:sp>
+        <p:nvSpPr>
+          <p:cNvPr id="65" name="Rectangle 64"/>
+          <p:cNvSpPr/>
+          <p:nvPr/>
+        </p:nvSpPr>
+        <p:spPr>
+          <a:xfrm>
+            <a:off x="755334" y="875891"/>
+            <a:ext cx="2108183" cy="279140"/>
+          </a:xfrm>
+          <a:prstGeom prst="rect">
+            <a:avLst/>
+          </a:prstGeom>
+          <a:solidFill>
+            <a:schemeClr val="bg1"/>
+          </a:solidFill>
+          <a:ln w="28575">
+            <a:solidFill>
+              <a:schemeClr val="tx1"/>
+            </a:solidFill>
+          </a:ln>
+        </p:spPr>
+        <p:style>
+          <a:lnRef idx="2">
+            <a:schemeClr val="accent1">
+              <a:shade val="50000"/>
+            </a:schemeClr>
+          </a:lnRef>
+          <a:fillRef idx="1">
+            <a:schemeClr val="accent1"/>
+          </a:fillRef>
+          <a:effectRef idx="0">
+            <a:schemeClr val="accent1"/>
+          </a:effectRef>
+          <a:fontRef idx="minor">
+            <a:schemeClr val="lt1"/>
+          </a:fontRef>
+        </p:style>
+        <p:txBody>
+          <a:bodyPr rtlCol="0" anchor="ctr"/>
+          <a:lstStyle/>
+          <a:p>
+            <a:r>
+              <a:rPr lang="en-US" sz="1600" smtClean="0">
+                <a:solidFill>
+                  <a:schemeClr val="tx1"/>
+                </a:solidFill>
+                <a:latin typeface="Tahoma" panose="020B0604030504040204" pitchFamily="34" charset="0"/>
+                <a:ea typeface="Tahoma" panose="020B0604030504040204" pitchFamily="34" charset="0"/>
+                <a:cs typeface="Tahoma" panose="020B0604030504040204" pitchFamily="34" charset="0"/>
+              </a:rPr>
+              <a:t>Thread 1</a:t>
+            </a:r>
+            <a:endParaRPr lang="en-US" sz="1600">
+              <a:solidFill>
+                <a:schemeClr val="tx1"/>
+              </a:solidFill>
+              <a:latin typeface="Tahoma" panose="020B0604030504040204" pitchFamily="34" charset="0"/>
+              <a:ea typeface="Tahoma" panose="020B0604030504040204" pitchFamily="34" charset="0"/>
+              <a:cs typeface="Tahoma" panose="020B0604030504040204" pitchFamily="34" charset="0"/>
+            </a:endParaRPr>
+          </a:p>
+        </p:txBody>
+      </p:sp>
+      <p:sp>
+        <p:nvSpPr>
+          <p:cNvPr id="66" name="Rectangle 65"/>
+          <p:cNvSpPr/>
+          <p:nvPr/>
+        </p:nvSpPr>
+        <p:spPr>
+          <a:xfrm>
+            <a:off x="1020036" y="1224685"/>
+            <a:ext cx="1472066" cy="291294"/>
+          </a:xfrm>
+          <a:prstGeom prst="rect">
+            <a:avLst/>
+          </a:prstGeom>
+          <a:solidFill>
+            <a:schemeClr val="bg1"/>
+          </a:solidFill>
+          <a:ln w="28575">
+            <a:solidFill>
+              <a:schemeClr val="tx1"/>
+            </a:solidFill>
+          </a:ln>
+        </p:spPr>
+        <p:style>
+          <a:lnRef idx="2">
+            <a:schemeClr val="accent1">
+              <a:shade val="50000"/>
+            </a:schemeClr>
+          </a:lnRef>
+          <a:fillRef idx="1">
+            <a:schemeClr val="accent1"/>
+          </a:fillRef>
+          <a:effectRef idx="0">
+            <a:schemeClr val="accent1"/>
+          </a:effectRef>
+          <a:fontRef idx="minor">
+            <a:schemeClr val="lt1"/>
+          </a:fontRef>
+        </p:style>
+        <p:txBody>
+          <a:bodyPr rtlCol="0" anchor="ctr"/>
+          <a:lstStyle/>
+          <a:p>
+            <a:r>
+              <a:rPr lang="en-US" sz="1600" smtClean="0">
+                <a:solidFill>
+                  <a:schemeClr val="tx1"/>
+                </a:solidFill>
+                <a:latin typeface="Tahoma" panose="020B0604030504040204" pitchFamily="34" charset="0"/>
+                <a:ea typeface="Tahoma" panose="020B0604030504040204" pitchFamily="34" charset="0"/>
+                <a:cs typeface="Tahoma" panose="020B0604030504040204" pitchFamily="34" charset="0"/>
+              </a:rPr>
+              <a:t>Thread 2</a:t>
+            </a:r>
+            <a:endParaRPr lang="en-US" sz="1600">
+              <a:solidFill>
+                <a:schemeClr val="tx1"/>
+              </a:solidFill>
+              <a:latin typeface="Tahoma" panose="020B0604030504040204" pitchFamily="34" charset="0"/>
+              <a:ea typeface="Tahoma" panose="020B0604030504040204" pitchFamily="34" charset="0"/>
+              <a:cs typeface="Tahoma" panose="020B0604030504040204" pitchFamily="34" charset="0"/>
+            </a:endParaRPr>
+          </a:p>
+        </p:txBody>
+      </p:sp>
+      <p:sp>
+        <p:nvSpPr>
+          <p:cNvPr id="67" name="Rectangle 66"/>
+          <p:cNvSpPr/>
+          <p:nvPr/>
+        </p:nvSpPr>
+        <p:spPr>
+          <a:xfrm>
+            <a:off x="1600200" y="1576055"/>
+            <a:ext cx="1419727" cy="262306"/>
+          </a:xfrm>
+          <a:prstGeom prst="rect">
+            <a:avLst/>
+          </a:prstGeom>
+          <a:solidFill>
+            <a:schemeClr val="bg1"/>
+          </a:solidFill>
+          <a:ln w="28575">
+            <a:solidFill>
+              <a:schemeClr val="tx1"/>
+            </a:solidFill>
+          </a:ln>
+        </p:spPr>
+        <p:style>
+          <a:lnRef idx="2">
+            <a:schemeClr val="accent1">
+              <a:shade val="50000"/>
+            </a:schemeClr>
+          </a:lnRef>
+          <a:fillRef idx="1">
+            <a:schemeClr val="accent1"/>
+          </a:fillRef>
+          <a:effectRef idx="0">
+            <a:schemeClr val="accent1"/>
+          </a:effectRef>
+          <a:fontRef idx="minor">
+            <a:schemeClr val="lt1"/>
+          </a:fontRef>
+        </p:style>
+        <p:txBody>
+          <a:bodyPr rtlCol="0" anchor="ctr"/>
+          <a:lstStyle/>
+          <a:p>
+            <a:r>
+              <a:rPr lang="en-US" sz="1600" smtClean="0">
+                <a:solidFill>
+                  <a:schemeClr val="tx1"/>
+                </a:solidFill>
+                <a:latin typeface="Tahoma" panose="020B0604030504040204" pitchFamily="34" charset="0"/>
+                <a:ea typeface="Tahoma" panose="020B0604030504040204" pitchFamily="34" charset="0"/>
+                <a:cs typeface="Tahoma" panose="020B0604030504040204" pitchFamily="34" charset="0"/>
+              </a:rPr>
+              <a:t>Thread 3</a:t>
+            </a:r>
+            <a:endParaRPr lang="en-US" sz="1600">
+              <a:solidFill>
+                <a:schemeClr val="tx1"/>
+              </a:solidFill>
+              <a:latin typeface="Tahoma" panose="020B0604030504040204" pitchFamily="34" charset="0"/>
+              <a:ea typeface="Tahoma" panose="020B0604030504040204" pitchFamily="34" charset="0"/>
+              <a:cs typeface="Tahoma" panose="020B0604030504040204" pitchFamily="34" charset="0"/>
+            </a:endParaRPr>
+          </a:p>
+        </p:txBody>
+      </p:sp>
+      <p:cxnSp>
+        <p:nvCxnSpPr>
+          <p:cNvPr id="69" name="Straight Arrow Connector 68"/>
+          <p:cNvCxnSpPr/>
+          <p:nvPr/>
+        </p:nvCxnSpPr>
+        <p:spPr>
+          <a:xfrm>
+            <a:off x="755334" y="757988"/>
+            <a:ext cx="6283140" cy="0"/>
+          </a:xfrm>
+          <a:prstGeom prst="straightConnector1">
+            <a:avLst/>
+          </a:prstGeom>
+          <a:ln w="12700">
+            <a:solidFill>
+              <a:schemeClr val="tx1"/>
+            </a:solidFill>
+            <a:headEnd type="none" w="med" len="med"/>
+            <a:tailEnd type="arrow" w="med" len="med"/>
+          </a:ln>
+        </p:spPr>
+        <p:style>
+          <a:lnRef idx="1">
+            <a:schemeClr val="accent1"/>
+          </a:lnRef>
+          <a:fillRef idx="0">
+            <a:schemeClr val="accent1"/>
+          </a:fillRef>
+          <a:effectRef idx="0">
+            <a:schemeClr val="accent1"/>
+          </a:effectRef>
+          <a:fontRef idx="minor">
+            <a:schemeClr val="tx1"/>
+          </a:fontRef>
+        </p:style>
+      </p:cxnSp>
+      <p:sp>
+        <p:nvSpPr>
+          <p:cNvPr id="70" name="Rectangle 69"/>
+          <p:cNvSpPr/>
+          <p:nvPr/>
+        </p:nvSpPr>
+        <p:spPr>
+          <a:xfrm>
+            <a:off x="694634" y="447474"/>
+            <a:ext cx="1797468" cy="323313"/>
+          </a:xfrm>
+          <a:prstGeom prst="rect">
+            <a:avLst/>
+          </a:prstGeom>
+          <a:noFill/>
+          <a:ln>
+            <a:noFill/>
+          </a:ln>
+        </p:spPr>
+        <p:style>
+          <a:lnRef idx="2">
+            <a:schemeClr val="accent1">
+              <a:shade val="50000"/>
+            </a:schemeClr>
+          </a:lnRef>
+          <a:fillRef idx="1">
+            <a:schemeClr val="accent1"/>
+          </a:fillRef>
+          <a:effectRef idx="0">
+            <a:schemeClr val="accent1"/>
+          </a:effectRef>
+          <a:fontRef idx="minor">
+            <a:schemeClr val="lt1"/>
+          </a:fontRef>
+        </p:style>
+        <p:txBody>
+          <a:bodyPr rtlCol="0" anchor="ctr"/>
+          <a:lstStyle/>
+          <a:p>
+            <a:pPr algn="ctr"/>
+            <a:r>
+              <a:rPr lang="en-US" sz="1400" smtClean="0">
+                <a:solidFill>
+                  <a:schemeClr val="tx1"/>
+                </a:solidFill>
+                <a:latin typeface="Tahoma" panose="020B0604030504040204" pitchFamily="34" charset="0"/>
+                <a:ea typeface="Tahoma" panose="020B0604030504040204" pitchFamily="34" charset="0"/>
+                <a:cs typeface="Tahoma" panose="020B0604030504040204" pitchFamily="34" charset="0"/>
+              </a:rPr>
+              <a:t>Đường thời gian</a:t>
+            </a:r>
+            <a:endParaRPr lang="en-US" sz="1400">
+              <a:solidFill>
+                <a:schemeClr val="tx1"/>
+              </a:solidFill>
+              <a:latin typeface="Tahoma" panose="020B0604030504040204" pitchFamily="34" charset="0"/>
+              <a:ea typeface="Tahoma" panose="020B0604030504040204" pitchFamily="34" charset="0"/>
+              <a:cs typeface="Tahoma" panose="020B0604030504040204" pitchFamily="34" charset="0"/>
+            </a:endParaRPr>
+          </a:p>
+        </p:txBody>
+      </p:sp>
+      <p:sp>
+        <p:nvSpPr>
+          <p:cNvPr id="71" name="Rectangle 70"/>
+          <p:cNvSpPr/>
+          <p:nvPr/>
+        </p:nvSpPr>
+        <p:spPr>
+          <a:xfrm>
+            <a:off x="755334" y="2459173"/>
+            <a:ext cx="2108183" cy="558130"/>
+          </a:xfrm>
+          <a:prstGeom prst="rect">
+            <a:avLst/>
+          </a:prstGeom>
+          <a:solidFill>
+            <a:schemeClr val="bg1"/>
+          </a:solidFill>
+          <a:ln w="28575">
+            <a:solidFill>
+              <a:schemeClr val="tx1"/>
+            </a:solidFill>
+          </a:ln>
+        </p:spPr>
+        <p:style>
+          <a:lnRef idx="2">
+            <a:schemeClr val="accent1">
+              <a:shade val="50000"/>
+            </a:schemeClr>
+          </a:lnRef>
+          <a:fillRef idx="1">
+            <a:schemeClr val="accent1"/>
+          </a:fillRef>
+          <a:effectRef idx="0">
+            <a:schemeClr val="accent1"/>
+          </a:effectRef>
+          <a:fontRef idx="minor">
+            <a:schemeClr val="lt1"/>
+          </a:fontRef>
+        </p:style>
+        <p:txBody>
+          <a:bodyPr rtlCol="0" anchor="ctr"/>
+          <a:lstStyle/>
+          <a:p>
+            <a:pPr algn="ctr"/>
+            <a:r>
+              <a:rPr lang="en-US" sz="1600" smtClean="0">
+                <a:solidFill>
+                  <a:schemeClr val="tx1"/>
+                </a:solidFill>
+                <a:latin typeface="Tahoma" panose="020B0604030504040204" pitchFamily="34" charset="0"/>
+                <a:ea typeface="Tahoma" panose="020B0604030504040204" pitchFamily="34" charset="0"/>
+                <a:cs typeface="Tahoma" panose="020B0604030504040204" pitchFamily="34" charset="0"/>
+              </a:rPr>
+              <a:t>Thread 1</a:t>
+            </a:r>
+          </a:p>
+          <a:p>
+            <a:pPr algn="ctr"/>
+            <a:r>
+              <a:rPr lang="en-US" sz="1600" smtClean="0">
+                <a:solidFill>
+                  <a:schemeClr val="tx1"/>
+                </a:solidFill>
+                <a:latin typeface="Tahoma" panose="020B0604030504040204" pitchFamily="34" charset="0"/>
+                <a:ea typeface="Tahoma" panose="020B0604030504040204" pitchFamily="34" charset="0"/>
+                <a:cs typeface="Tahoma" panose="020B0604030504040204" pitchFamily="34" charset="0"/>
+              </a:rPr>
+              <a:t>thực thi</a:t>
+            </a:r>
+            <a:endParaRPr lang="en-US" sz="1600">
+              <a:solidFill>
+                <a:schemeClr val="tx1"/>
+              </a:solidFill>
+              <a:latin typeface="Tahoma" panose="020B0604030504040204" pitchFamily="34" charset="0"/>
+              <a:ea typeface="Tahoma" panose="020B0604030504040204" pitchFamily="34" charset="0"/>
+              <a:cs typeface="Tahoma" panose="020B0604030504040204" pitchFamily="34" charset="0"/>
+            </a:endParaRPr>
+          </a:p>
+        </p:txBody>
+      </p:sp>
+      <p:sp>
+        <p:nvSpPr>
+          <p:cNvPr id="74" name="Rectangle 73"/>
+          <p:cNvSpPr/>
+          <p:nvPr/>
+        </p:nvSpPr>
+        <p:spPr>
+          <a:xfrm>
+            <a:off x="2863517" y="4398647"/>
+            <a:ext cx="1472066" cy="620813"/>
+          </a:xfrm>
+          <a:prstGeom prst="rect">
+            <a:avLst/>
+          </a:prstGeom>
+          <a:solidFill>
+            <a:schemeClr val="bg1"/>
+          </a:solidFill>
+          <a:ln w="28575">
+            <a:solidFill>
+              <a:schemeClr val="tx1"/>
+            </a:solidFill>
+          </a:ln>
+        </p:spPr>
+        <p:style>
+          <a:lnRef idx="2">
+            <a:schemeClr val="accent1">
+              <a:shade val="50000"/>
+            </a:schemeClr>
+          </a:lnRef>
+          <a:fillRef idx="1">
+            <a:schemeClr val="accent1"/>
+          </a:fillRef>
+          <a:effectRef idx="0">
+            <a:schemeClr val="accent1"/>
+          </a:effectRef>
+          <a:fontRef idx="minor">
+            <a:schemeClr val="lt1"/>
+          </a:fontRef>
+        </p:style>
+        <p:txBody>
+          <a:bodyPr rtlCol="0" anchor="ctr"/>
+          <a:lstStyle/>
+          <a:p>
+            <a:pPr algn="ctr"/>
+            <a:r>
+              <a:rPr lang="en-US" sz="1600" smtClean="0">
+                <a:solidFill>
+                  <a:schemeClr val="tx1"/>
+                </a:solidFill>
+                <a:latin typeface="Tahoma" panose="020B0604030504040204" pitchFamily="34" charset="0"/>
+                <a:ea typeface="Tahoma" panose="020B0604030504040204" pitchFamily="34" charset="0"/>
+                <a:cs typeface="Tahoma" panose="020B0604030504040204" pitchFamily="34" charset="0"/>
+              </a:rPr>
+              <a:t>Thread 2</a:t>
+            </a:r>
+          </a:p>
+          <a:p>
+            <a:pPr algn="ctr"/>
+            <a:r>
+              <a:rPr lang="en-US" sz="1600">
+                <a:solidFill>
+                  <a:schemeClr val="tx1"/>
+                </a:solidFill>
+                <a:latin typeface="Tahoma" panose="020B0604030504040204" pitchFamily="34" charset="0"/>
+                <a:ea typeface="Tahoma" panose="020B0604030504040204" pitchFamily="34" charset="0"/>
+                <a:cs typeface="Tahoma" panose="020B0604030504040204" pitchFamily="34" charset="0"/>
+              </a:rPr>
+              <a:t>t</a:t>
+            </a:r>
+            <a:r>
+              <a:rPr lang="en-US" sz="1600" smtClean="0">
+                <a:solidFill>
+                  <a:schemeClr val="tx1"/>
+                </a:solidFill>
+                <a:latin typeface="Tahoma" panose="020B0604030504040204" pitchFamily="34" charset="0"/>
+                <a:ea typeface="Tahoma" panose="020B0604030504040204" pitchFamily="34" charset="0"/>
+                <a:cs typeface="Tahoma" panose="020B0604030504040204" pitchFamily="34" charset="0"/>
+              </a:rPr>
+              <a:t>hực thi</a:t>
+            </a:r>
+            <a:endParaRPr lang="en-US" sz="1600">
+              <a:solidFill>
+                <a:schemeClr val="tx1"/>
+              </a:solidFill>
+              <a:latin typeface="Tahoma" panose="020B0604030504040204" pitchFamily="34" charset="0"/>
+              <a:ea typeface="Tahoma" panose="020B0604030504040204" pitchFamily="34" charset="0"/>
+              <a:cs typeface="Tahoma" panose="020B0604030504040204" pitchFamily="34" charset="0"/>
+            </a:endParaRPr>
+          </a:p>
+        </p:txBody>
+      </p:sp>
+      <p:sp>
+        <p:nvSpPr>
+          <p:cNvPr id="75" name="Rectangle 74"/>
+          <p:cNvSpPr/>
+          <p:nvPr/>
+        </p:nvSpPr>
+        <p:spPr>
+          <a:xfrm>
+            <a:off x="4325901" y="2075321"/>
+            <a:ext cx="1419727" cy="561855"/>
+          </a:xfrm>
+          <a:prstGeom prst="rect">
+            <a:avLst/>
+          </a:prstGeom>
+          <a:solidFill>
+            <a:schemeClr val="bg1"/>
+          </a:solidFill>
+          <a:ln w="28575">
+            <a:solidFill>
+              <a:schemeClr val="tx1"/>
+            </a:solidFill>
+          </a:ln>
+        </p:spPr>
+        <p:style>
+          <a:lnRef idx="2">
+            <a:schemeClr val="accent1">
+              <a:shade val="50000"/>
+            </a:schemeClr>
+          </a:lnRef>
+          <a:fillRef idx="1">
+            <a:schemeClr val="accent1"/>
+          </a:fillRef>
+          <a:effectRef idx="0">
+            <a:schemeClr val="accent1"/>
+          </a:effectRef>
+          <a:fontRef idx="minor">
+            <a:schemeClr val="lt1"/>
+          </a:fontRef>
+        </p:style>
+        <p:txBody>
+          <a:bodyPr rtlCol="0" anchor="ctr"/>
+          <a:lstStyle/>
+          <a:p>
+            <a:pPr algn="ctr"/>
+            <a:r>
+              <a:rPr lang="en-US" sz="1600" smtClean="0">
+                <a:solidFill>
+                  <a:schemeClr val="tx1"/>
+                </a:solidFill>
+                <a:latin typeface="Tahoma" panose="020B0604030504040204" pitchFamily="34" charset="0"/>
+                <a:ea typeface="Tahoma" panose="020B0604030504040204" pitchFamily="34" charset="0"/>
+                <a:cs typeface="Tahoma" panose="020B0604030504040204" pitchFamily="34" charset="0"/>
+              </a:rPr>
+              <a:t>Thread 3</a:t>
+            </a:r>
+          </a:p>
+          <a:p>
+            <a:pPr algn="ctr"/>
+            <a:r>
+              <a:rPr lang="en-US" sz="1600">
+                <a:solidFill>
+                  <a:schemeClr val="tx1"/>
+                </a:solidFill>
+                <a:latin typeface="Tahoma" panose="020B0604030504040204" pitchFamily="34" charset="0"/>
+                <a:ea typeface="Tahoma" panose="020B0604030504040204" pitchFamily="34" charset="0"/>
+                <a:cs typeface="Tahoma" panose="020B0604030504040204" pitchFamily="34" charset="0"/>
+              </a:rPr>
+              <a:t>t</a:t>
+            </a:r>
+            <a:r>
+              <a:rPr lang="en-US" sz="1600" smtClean="0">
+                <a:solidFill>
+                  <a:schemeClr val="tx1"/>
+                </a:solidFill>
+                <a:latin typeface="Tahoma" panose="020B0604030504040204" pitchFamily="34" charset="0"/>
+                <a:ea typeface="Tahoma" panose="020B0604030504040204" pitchFamily="34" charset="0"/>
+                <a:cs typeface="Tahoma" panose="020B0604030504040204" pitchFamily="34" charset="0"/>
+              </a:rPr>
+              <a:t>hực thi</a:t>
+            </a:r>
+            <a:endParaRPr lang="en-US" sz="1600">
+              <a:solidFill>
+                <a:schemeClr val="tx1"/>
+              </a:solidFill>
+              <a:latin typeface="Tahoma" panose="020B0604030504040204" pitchFamily="34" charset="0"/>
+              <a:ea typeface="Tahoma" panose="020B0604030504040204" pitchFamily="34" charset="0"/>
+              <a:cs typeface="Tahoma" panose="020B0604030504040204" pitchFamily="34" charset="0"/>
+            </a:endParaRPr>
+          </a:p>
+        </p:txBody>
+      </p:sp>
+      <p:sp>
+        <p:nvSpPr>
+          <p:cNvPr id="76" name="Rectangle 75"/>
+          <p:cNvSpPr/>
+          <p:nvPr/>
+        </p:nvSpPr>
+        <p:spPr>
+          <a:xfrm>
+            <a:off x="762135" y="3498696"/>
+            <a:ext cx="2108183" cy="279140"/>
+          </a:xfrm>
+          <a:prstGeom prst="rect">
+            <a:avLst/>
+          </a:prstGeom>
+          <a:solidFill>
+            <a:schemeClr val="bg1"/>
+          </a:solidFill>
+          <a:ln>
+            <a:solidFill>
+              <a:schemeClr val="tx1"/>
+            </a:solidFill>
+          </a:ln>
+        </p:spPr>
+        <p:style>
+          <a:lnRef idx="2">
+            <a:schemeClr val="accent1">
+              <a:shade val="50000"/>
+            </a:schemeClr>
+          </a:lnRef>
+          <a:fillRef idx="1">
+            <a:schemeClr val="accent1"/>
+          </a:fillRef>
+          <a:effectRef idx="0">
+            <a:schemeClr val="accent1"/>
+          </a:effectRef>
+          <a:fontRef idx="minor">
+            <a:schemeClr val="lt1"/>
+          </a:fontRef>
+        </p:style>
+        <p:txBody>
+          <a:bodyPr rtlCol="0" anchor="ctr"/>
+          <a:lstStyle/>
+          <a:p>
+            <a:pPr algn="ctr"/>
+            <a:r>
+              <a:rPr lang="en-US" sz="1400" smtClean="0">
+                <a:solidFill>
+                  <a:schemeClr val="tx1"/>
+                </a:solidFill>
+                <a:latin typeface="Tahoma" panose="020B0604030504040204" pitchFamily="34" charset="0"/>
+                <a:ea typeface="Tahoma" panose="020B0604030504040204" pitchFamily="34" charset="0"/>
+                <a:cs typeface="Tahoma" panose="020B0604030504040204" pitchFamily="34" charset="0"/>
+              </a:rPr>
+              <a:t>Session 1</a:t>
+            </a:r>
+            <a:endParaRPr lang="en-US" sz="1400">
+              <a:solidFill>
+                <a:schemeClr val="tx1"/>
+              </a:solidFill>
+              <a:latin typeface="Tahoma" panose="020B0604030504040204" pitchFamily="34" charset="0"/>
+              <a:ea typeface="Tahoma" panose="020B0604030504040204" pitchFamily="34" charset="0"/>
+              <a:cs typeface="Tahoma" panose="020B0604030504040204" pitchFamily="34" charset="0"/>
+            </a:endParaRPr>
+          </a:p>
+        </p:txBody>
+      </p:sp>
+      <p:sp>
+        <p:nvSpPr>
+          <p:cNvPr id="77" name="Rectangle 76"/>
+          <p:cNvSpPr/>
+          <p:nvPr/>
+        </p:nvSpPr>
+        <p:spPr>
+          <a:xfrm>
+            <a:off x="2870318" y="3498696"/>
+            <a:ext cx="1472066" cy="279140"/>
+          </a:xfrm>
+          <a:prstGeom prst="rect">
+            <a:avLst/>
+          </a:prstGeom>
+          <a:solidFill>
+            <a:schemeClr val="bg1"/>
+          </a:solidFill>
+          <a:ln>
+            <a:solidFill>
+              <a:schemeClr val="tx1"/>
+            </a:solidFill>
+          </a:ln>
+        </p:spPr>
+        <p:style>
+          <a:lnRef idx="2">
+            <a:schemeClr val="accent1">
+              <a:shade val="50000"/>
+            </a:schemeClr>
+          </a:lnRef>
+          <a:fillRef idx="1">
+            <a:schemeClr val="accent1"/>
+          </a:fillRef>
+          <a:effectRef idx="0">
+            <a:schemeClr val="accent1"/>
+          </a:effectRef>
+          <a:fontRef idx="minor">
+            <a:schemeClr val="lt1"/>
+          </a:fontRef>
+        </p:style>
+        <p:txBody>
+          <a:bodyPr rtlCol="0" anchor="ctr"/>
+          <a:lstStyle/>
+          <a:p>
+            <a:pPr algn="ctr"/>
+            <a:r>
+              <a:rPr lang="en-US" sz="1400" smtClean="0">
+                <a:solidFill>
+                  <a:schemeClr val="tx1"/>
+                </a:solidFill>
+                <a:latin typeface="Tahoma" panose="020B0604030504040204" pitchFamily="34" charset="0"/>
+                <a:ea typeface="Tahoma" panose="020B0604030504040204" pitchFamily="34" charset="0"/>
+                <a:cs typeface="Tahoma" panose="020B0604030504040204" pitchFamily="34" charset="0"/>
+              </a:rPr>
+              <a:t>Session 2</a:t>
+            </a:r>
+            <a:endParaRPr lang="en-US" sz="1400">
+              <a:solidFill>
+                <a:schemeClr val="tx1"/>
+              </a:solidFill>
+              <a:latin typeface="Tahoma" panose="020B0604030504040204" pitchFamily="34" charset="0"/>
+              <a:ea typeface="Tahoma" panose="020B0604030504040204" pitchFamily="34" charset="0"/>
+              <a:cs typeface="Tahoma" panose="020B0604030504040204" pitchFamily="34" charset="0"/>
+            </a:endParaRPr>
+          </a:p>
+        </p:txBody>
+      </p:sp>
+      <p:sp>
+        <p:nvSpPr>
+          <p:cNvPr id="78" name="Rectangle 77"/>
+          <p:cNvSpPr/>
+          <p:nvPr/>
+        </p:nvSpPr>
+        <p:spPr>
+          <a:xfrm>
+            <a:off x="4342384" y="3498696"/>
+            <a:ext cx="1419727" cy="279140"/>
+          </a:xfrm>
+          <a:prstGeom prst="rect">
+            <a:avLst/>
+          </a:prstGeom>
+          <a:solidFill>
+            <a:schemeClr val="bg1"/>
+          </a:solidFill>
+          <a:ln>
+            <a:solidFill>
+              <a:schemeClr val="tx1"/>
+            </a:solidFill>
+          </a:ln>
+        </p:spPr>
+        <p:style>
+          <a:lnRef idx="2">
+            <a:schemeClr val="accent1">
+              <a:shade val="50000"/>
+            </a:schemeClr>
+          </a:lnRef>
+          <a:fillRef idx="1">
+            <a:schemeClr val="accent1"/>
+          </a:fillRef>
+          <a:effectRef idx="0">
+            <a:schemeClr val="accent1"/>
+          </a:effectRef>
+          <a:fontRef idx="minor">
+            <a:schemeClr val="lt1"/>
+          </a:fontRef>
+        </p:style>
+        <p:txBody>
+          <a:bodyPr rtlCol="0" anchor="ctr"/>
+          <a:lstStyle/>
+          <a:p>
+            <a:pPr algn="ctr"/>
+            <a:r>
+              <a:rPr lang="en-US" sz="1400" smtClean="0">
+                <a:solidFill>
+                  <a:schemeClr val="tx1"/>
+                </a:solidFill>
+                <a:latin typeface="Tahoma" panose="020B0604030504040204" pitchFamily="34" charset="0"/>
+                <a:ea typeface="Tahoma" panose="020B0604030504040204" pitchFamily="34" charset="0"/>
+                <a:cs typeface="Tahoma" panose="020B0604030504040204" pitchFamily="34" charset="0"/>
+              </a:rPr>
+              <a:t>Session 3</a:t>
+            </a:r>
+            <a:endParaRPr lang="en-US" sz="1400">
+              <a:solidFill>
+                <a:schemeClr val="tx1"/>
+              </a:solidFill>
+              <a:latin typeface="Tahoma" panose="020B0604030504040204" pitchFamily="34" charset="0"/>
+              <a:ea typeface="Tahoma" panose="020B0604030504040204" pitchFamily="34" charset="0"/>
+              <a:cs typeface="Tahoma" panose="020B0604030504040204" pitchFamily="34" charset="0"/>
+            </a:endParaRPr>
+          </a:p>
+        </p:txBody>
+      </p:sp>
+      <p:cxnSp>
+        <p:nvCxnSpPr>
+          <p:cNvPr id="79" name="Straight Connector 78"/>
+          <p:cNvCxnSpPr/>
+          <p:nvPr/>
+        </p:nvCxnSpPr>
+        <p:spPr>
+          <a:xfrm>
+            <a:off x="762136" y="3017303"/>
+            <a:ext cx="0" cy="481393"/>
+          </a:xfrm>
+          <a:prstGeom prst="line">
+            <a:avLst/>
+          </a:prstGeom>
+          <a:ln w="12700">
+            <a:solidFill>
+              <a:schemeClr val="tx1"/>
+            </a:solidFill>
+            <a:headEnd type="none" w="med" len="med"/>
+            <a:tailEnd type="arrow" w="med" len="med"/>
+          </a:ln>
+        </p:spPr>
+        <p:style>
+          <a:lnRef idx="1">
+            <a:schemeClr val="accent1"/>
+          </a:lnRef>
+          <a:fillRef idx="0">
+            <a:schemeClr val="accent1"/>
+          </a:fillRef>
+          <a:effectRef idx="0">
+            <a:schemeClr val="accent1"/>
+          </a:effectRef>
+          <a:fontRef idx="minor">
+            <a:schemeClr val="tx1"/>
+          </a:fontRef>
+        </p:style>
+      </p:cxnSp>
+      <p:cxnSp>
+        <p:nvCxnSpPr>
+          <p:cNvPr id="81" name="Straight Connector 80"/>
+          <p:cNvCxnSpPr/>
+          <p:nvPr/>
+        </p:nvCxnSpPr>
+        <p:spPr>
+          <a:xfrm>
+            <a:off x="2863517" y="3017303"/>
+            <a:ext cx="0" cy="481393"/>
+          </a:xfrm>
+          <a:prstGeom prst="line">
+            <a:avLst/>
+          </a:prstGeom>
+          <a:ln w="12700">
+            <a:solidFill>
+              <a:schemeClr val="tx1"/>
+            </a:solidFill>
+            <a:prstDash val="lgDash"/>
+            <a:headEnd type="none" w="med" len="med"/>
+            <a:tailEnd type="arrow" w="med" len="med"/>
+          </a:ln>
+        </p:spPr>
+        <p:style>
+          <a:lnRef idx="1">
+            <a:schemeClr val="accent1"/>
+          </a:lnRef>
+          <a:fillRef idx="0">
+            <a:schemeClr val="accent1"/>
+          </a:fillRef>
+          <a:effectRef idx="0">
+            <a:schemeClr val="accent1"/>
+          </a:effectRef>
+          <a:fontRef idx="minor">
+            <a:schemeClr val="tx1"/>
+          </a:fontRef>
+        </p:style>
+      </p:cxnSp>
+      <p:cxnSp>
+        <p:nvCxnSpPr>
+          <p:cNvPr id="82" name="Straight Connector 81"/>
+          <p:cNvCxnSpPr>
+            <a:stCxn id="74" idx="1"/>
+          </p:cNvCxnSpPr>
+          <p:nvPr/>
+        </p:nvCxnSpPr>
+        <p:spPr>
+          <a:xfrm flipV="1">
+            <a:off x="2863517" y="3777836"/>
+            <a:ext cx="6802" cy="931218"/>
+          </a:xfrm>
+          <a:prstGeom prst="line">
+            <a:avLst/>
+          </a:prstGeom>
+          <a:ln w="12700">
+            <a:solidFill>
+              <a:schemeClr val="tx1"/>
+            </a:solidFill>
+            <a:headEnd type="none" w="med" len="med"/>
+            <a:tailEnd type="arrow" w="med" len="med"/>
+          </a:ln>
+        </p:spPr>
+        <p:style>
+          <a:lnRef idx="1">
+            <a:schemeClr val="accent1"/>
+          </a:lnRef>
+          <a:fillRef idx="0">
+            <a:schemeClr val="accent1"/>
+          </a:fillRef>
+          <a:effectRef idx="0">
+            <a:schemeClr val="accent1"/>
+          </a:effectRef>
+          <a:fontRef idx="minor">
+            <a:schemeClr val="tx1"/>
+          </a:fontRef>
+        </p:style>
+      </p:cxnSp>
+      <p:cxnSp>
+        <p:nvCxnSpPr>
+          <p:cNvPr id="86" name="Straight Connector 85"/>
+          <p:cNvCxnSpPr/>
+          <p:nvPr/>
+        </p:nvCxnSpPr>
+        <p:spPr>
+          <a:xfrm flipV="1">
+            <a:off x="4325901" y="3777836"/>
+            <a:ext cx="4840" cy="620812"/>
+          </a:xfrm>
+          <a:prstGeom prst="line">
+            <a:avLst/>
+          </a:prstGeom>
+          <a:ln w="12700">
+            <a:solidFill>
+              <a:schemeClr val="tx1"/>
+            </a:solidFill>
+            <a:prstDash val="lgDash"/>
+            <a:headEnd type="none" w="med" len="med"/>
+            <a:tailEnd type="arrow" w="med" len="med"/>
+          </a:ln>
+        </p:spPr>
+        <p:style>
+          <a:lnRef idx="1">
+            <a:schemeClr val="accent1"/>
+          </a:lnRef>
+          <a:fillRef idx="0">
+            <a:schemeClr val="accent1"/>
+          </a:fillRef>
+          <a:effectRef idx="0">
+            <a:schemeClr val="accent1"/>
+          </a:effectRef>
+          <a:fontRef idx="minor">
+            <a:schemeClr val="tx1"/>
+          </a:fontRef>
+        </p:style>
+      </p:cxnSp>
+      <p:cxnSp>
+        <p:nvCxnSpPr>
+          <p:cNvPr id="90" name="Straight Connector 89"/>
+          <p:cNvCxnSpPr/>
+          <p:nvPr/>
+        </p:nvCxnSpPr>
+        <p:spPr>
+          <a:xfrm>
+            <a:off x="5755310" y="2354462"/>
+            <a:ext cx="0" cy="1144234"/>
+          </a:xfrm>
+          <a:prstGeom prst="line">
+            <a:avLst/>
+          </a:prstGeom>
+          <a:ln w="12700">
+            <a:solidFill>
+              <a:schemeClr val="tx1"/>
+            </a:solidFill>
+            <a:prstDash val="lgDash"/>
+            <a:headEnd type="none" w="med" len="med"/>
+            <a:tailEnd type="arrow" w="med" len="med"/>
+          </a:ln>
+        </p:spPr>
+        <p:style>
+          <a:lnRef idx="1">
+            <a:schemeClr val="accent1"/>
+          </a:lnRef>
+          <a:fillRef idx="0">
+            <a:schemeClr val="accent1"/>
+          </a:fillRef>
+          <a:effectRef idx="0">
+            <a:schemeClr val="accent1"/>
+          </a:effectRef>
+          <a:fontRef idx="minor">
+            <a:schemeClr val="tx1"/>
+          </a:fontRef>
+        </p:style>
+      </p:cxnSp>
+      <p:sp>
+        <p:nvSpPr>
+          <p:cNvPr id="92" name="Rectangle 91"/>
+          <p:cNvSpPr/>
+          <p:nvPr/>
+        </p:nvSpPr>
+        <p:spPr>
+          <a:xfrm>
+            <a:off x="5762111" y="3498696"/>
+            <a:ext cx="422121" cy="279140"/>
+          </a:xfrm>
+          <a:prstGeom prst="rect">
+            <a:avLst/>
+          </a:prstGeom>
+          <a:solidFill>
+            <a:schemeClr val="bg1"/>
+          </a:solidFill>
+          <a:ln>
+            <a:solidFill>
+              <a:schemeClr val="tx1"/>
+            </a:solidFill>
+          </a:ln>
+        </p:spPr>
+        <p:style>
+          <a:lnRef idx="2">
+            <a:schemeClr val="accent1">
+              <a:shade val="50000"/>
+            </a:schemeClr>
+          </a:lnRef>
+          <a:fillRef idx="1">
+            <a:schemeClr val="accent1"/>
+          </a:fillRef>
+          <a:effectRef idx="0">
+            <a:schemeClr val="accent1"/>
+          </a:effectRef>
+          <a:fontRef idx="minor">
+            <a:schemeClr val="lt1"/>
+          </a:fontRef>
+        </p:style>
+        <p:txBody>
+          <a:bodyPr rtlCol="0" anchor="ctr"/>
+          <a:lstStyle/>
+          <a:p>
+            <a:pPr algn="ctr"/>
+            <a:r>
+              <a:rPr lang="en-US" sz="1600" smtClean="0">
+                <a:solidFill>
+                  <a:schemeClr val="tx1"/>
+                </a:solidFill>
+                <a:latin typeface="Tahoma" panose="020B0604030504040204" pitchFamily="34" charset="0"/>
+                <a:ea typeface="Tahoma" panose="020B0604030504040204" pitchFamily="34" charset="0"/>
+                <a:cs typeface="Tahoma" panose="020B0604030504040204" pitchFamily="34" charset="0"/>
+              </a:rPr>
+              <a:t>…</a:t>
+            </a:r>
+            <a:endParaRPr lang="en-US" sz="1600">
+              <a:solidFill>
+                <a:schemeClr val="tx1"/>
+              </a:solidFill>
+              <a:latin typeface="Tahoma" panose="020B0604030504040204" pitchFamily="34" charset="0"/>
+              <a:ea typeface="Tahoma" panose="020B0604030504040204" pitchFamily="34" charset="0"/>
+              <a:cs typeface="Tahoma" panose="020B0604030504040204" pitchFamily="34" charset="0"/>
+            </a:endParaRPr>
+          </a:p>
+        </p:txBody>
+      </p:sp>
+      <p:cxnSp>
+        <p:nvCxnSpPr>
+          <p:cNvPr id="109" name="Straight Connector 108"/>
+          <p:cNvCxnSpPr/>
+          <p:nvPr/>
+        </p:nvCxnSpPr>
+        <p:spPr>
+          <a:xfrm>
+            <a:off x="4335279" y="2354462"/>
+            <a:ext cx="0" cy="1134527"/>
+          </a:xfrm>
+          <a:prstGeom prst="line">
+            <a:avLst/>
+          </a:prstGeom>
+          <a:ln w="12700">
+            <a:solidFill>
+              <a:schemeClr val="tx1"/>
+            </a:solidFill>
+            <a:headEnd type="none" w="med" len="med"/>
+            <a:tailEnd type="arrow" w="med" len="med"/>
+          </a:ln>
+        </p:spPr>
+        <p:style>
+          <a:lnRef idx="1">
+            <a:schemeClr val="accent1"/>
+          </a:lnRef>
+          <a:fillRef idx="0">
+            <a:schemeClr val="accent1"/>
+          </a:fillRef>
+          <a:effectRef idx="0">
+            <a:schemeClr val="accent1"/>
+          </a:effectRef>
+          <a:fontRef idx="minor">
+            <a:schemeClr val="tx1"/>
+          </a:fontRef>
+        </p:style>
+      </p:cxnSp>
+      <p:sp>
+        <p:nvSpPr>
+          <p:cNvPr id="112" name="Rectangle 111"/>
+          <p:cNvSpPr/>
+          <p:nvPr/>
+        </p:nvSpPr>
+        <p:spPr>
+          <a:xfrm>
+            <a:off x="5570806" y="4338570"/>
+            <a:ext cx="2212462" cy="576593"/>
+          </a:xfrm>
+          <a:prstGeom prst="rect">
+            <a:avLst/>
+          </a:prstGeom>
+          <a:noFill/>
+          <a:ln>
+            <a:noFill/>
+          </a:ln>
+        </p:spPr>
+        <p:style>
+          <a:lnRef idx="2">
+            <a:schemeClr val="accent1">
+              <a:shade val="50000"/>
+            </a:schemeClr>
+          </a:lnRef>
+          <a:fillRef idx="1">
+            <a:schemeClr val="accent1"/>
+          </a:fillRef>
+          <a:effectRef idx="0">
+            <a:schemeClr val="accent1"/>
+          </a:effectRef>
+          <a:fontRef idx="minor">
+            <a:schemeClr val="lt1"/>
+          </a:fontRef>
+        </p:style>
+        <p:txBody>
+          <a:bodyPr rtlCol="0" anchor="t"/>
+          <a:lstStyle/>
+          <a:p>
+            <a:pPr algn="just"/>
+            <a:r>
+              <a:rPr lang="en-US" sz="1400" smtClean="0">
+                <a:solidFill>
+                  <a:schemeClr val="tx1"/>
+                </a:solidFill>
+                <a:latin typeface="Tahoma" panose="020B0604030504040204" pitchFamily="34" charset="0"/>
+                <a:ea typeface="Tahoma" panose="020B0604030504040204" pitchFamily="34" charset="0"/>
+                <a:cs typeface="Tahoma" panose="020B0604030504040204" pitchFamily="34" charset="0"/>
+              </a:rPr>
+              <a:t>Khóa phiên</a:t>
+            </a:r>
+          </a:p>
+          <a:p>
+            <a:pPr algn="just"/>
+            <a:endParaRPr lang="en-US" sz="1600">
+              <a:solidFill>
+                <a:schemeClr val="tx1"/>
+              </a:solidFill>
+              <a:latin typeface="Tahoma" panose="020B0604030504040204" pitchFamily="34" charset="0"/>
+              <a:ea typeface="Tahoma" panose="020B0604030504040204" pitchFamily="34" charset="0"/>
+              <a:cs typeface="Tahoma" panose="020B0604030504040204" pitchFamily="34" charset="0"/>
+            </a:endParaRPr>
+          </a:p>
+        </p:txBody>
+      </p:sp>
+      <p:cxnSp>
+        <p:nvCxnSpPr>
+          <p:cNvPr id="116" name="Straight Connector 115"/>
+          <p:cNvCxnSpPr/>
+          <p:nvPr/>
+        </p:nvCxnSpPr>
+        <p:spPr>
+          <a:xfrm>
+            <a:off x="4944979" y="4516649"/>
+            <a:ext cx="495525" cy="0"/>
+          </a:xfrm>
+          <a:prstGeom prst="line">
+            <a:avLst/>
+          </a:prstGeom>
+          <a:ln w="12700">
+            <a:solidFill>
+              <a:schemeClr val="tx1"/>
+            </a:solidFill>
+            <a:headEnd type="none" w="med" len="med"/>
+            <a:tailEnd type="arrow" w="med" len="med"/>
+          </a:ln>
+        </p:spPr>
+        <p:style>
+          <a:lnRef idx="1">
+            <a:schemeClr val="accent1"/>
+          </a:lnRef>
+          <a:fillRef idx="0">
+            <a:schemeClr val="accent1"/>
+          </a:fillRef>
+          <a:effectRef idx="0">
+            <a:schemeClr val="accent1"/>
+          </a:effectRef>
+          <a:fontRef idx="minor">
+            <a:schemeClr val="tx1"/>
+          </a:fontRef>
+        </p:style>
+      </p:cxnSp>
+      <p:sp>
+        <p:nvSpPr>
+          <p:cNvPr id="117" name="Rectangle 116"/>
+          <p:cNvSpPr/>
+          <p:nvPr/>
+        </p:nvSpPr>
+        <p:spPr>
+          <a:xfrm>
+            <a:off x="5570806" y="4668643"/>
+            <a:ext cx="1841410" cy="408602"/>
+          </a:xfrm>
+          <a:prstGeom prst="rect">
+            <a:avLst/>
+          </a:prstGeom>
+          <a:noFill/>
+          <a:ln>
+            <a:noFill/>
+          </a:ln>
+        </p:spPr>
+        <p:style>
+          <a:lnRef idx="2">
+            <a:schemeClr val="accent1">
+              <a:shade val="50000"/>
+            </a:schemeClr>
+          </a:lnRef>
+          <a:fillRef idx="1">
+            <a:schemeClr val="accent1"/>
+          </a:fillRef>
+          <a:effectRef idx="0">
+            <a:schemeClr val="accent1"/>
+          </a:effectRef>
+          <a:fontRef idx="minor">
+            <a:schemeClr val="lt1"/>
+          </a:fontRef>
+        </p:style>
+        <p:txBody>
+          <a:bodyPr rtlCol="0" anchor="t"/>
+          <a:lstStyle/>
+          <a:p>
+            <a:pPr algn="just"/>
+            <a:r>
+              <a:rPr lang="en-US" sz="1400" smtClean="0">
+                <a:solidFill>
+                  <a:schemeClr val="tx1"/>
+                </a:solidFill>
+                <a:latin typeface="Tahoma" panose="020B0604030504040204" pitchFamily="34" charset="0"/>
+                <a:ea typeface="Tahoma" panose="020B0604030504040204" pitchFamily="34" charset="0"/>
+                <a:cs typeface="Tahoma" panose="020B0604030504040204" pitchFamily="34" charset="0"/>
+              </a:rPr>
+              <a:t>Giải phóng phiên</a:t>
+            </a:r>
+          </a:p>
+          <a:p>
+            <a:pPr algn="just"/>
+            <a:endParaRPr lang="en-US" sz="1600">
+              <a:solidFill>
+                <a:schemeClr val="tx1"/>
+              </a:solidFill>
+              <a:latin typeface="Tahoma" panose="020B0604030504040204" pitchFamily="34" charset="0"/>
+              <a:ea typeface="Tahoma" panose="020B0604030504040204" pitchFamily="34" charset="0"/>
+              <a:cs typeface="Tahoma" panose="020B0604030504040204" pitchFamily="34" charset="0"/>
+            </a:endParaRPr>
+          </a:p>
+        </p:txBody>
+      </p:sp>
+      <p:cxnSp>
+        <p:nvCxnSpPr>
+          <p:cNvPr id="118" name="Straight Connector 117"/>
+          <p:cNvCxnSpPr/>
+          <p:nvPr/>
+        </p:nvCxnSpPr>
+        <p:spPr>
+          <a:xfrm>
+            <a:off x="4944979" y="4846721"/>
+            <a:ext cx="495525" cy="0"/>
+          </a:xfrm>
+          <a:prstGeom prst="line">
+            <a:avLst/>
+          </a:prstGeom>
+          <a:ln w="12700">
+            <a:solidFill>
+              <a:schemeClr val="tx1"/>
+            </a:solidFill>
+            <a:prstDash val="lgDash"/>
+            <a:headEnd type="none" w="med" len="med"/>
+            <a:tailEnd type="arrow" w="med" len="med"/>
+          </a:ln>
+        </p:spPr>
+        <p:style>
+          <a:lnRef idx="1">
+            <a:schemeClr val="accent1"/>
+          </a:lnRef>
+          <a:fillRef idx="0">
+            <a:schemeClr val="accent1"/>
+          </a:fillRef>
+          <a:effectRef idx="0">
+            <a:schemeClr val="accent1"/>
+          </a:effectRef>
+          <a:fontRef idx="minor">
+            <a:schemeClr val="tx1"/>
+          </a:fontRef>
+        </p:style>
+      </p:cxnSp>
+      <p:cxnSp>
+        <p:nvCxnSpPr>
+          <p:cNvPr id="121" name="Straight Connector 120"/>
+          <p:cNvCxnSpPr/>
+          <p:nvPr/>
+        </p:nvCxnSpPr>
+        <p:spPr>
+          <a:xfrm>
+            <a:off x="762134" y="1167455"/>
+            <a:ext cx="0" cy="1291719"/>
+          </a:xfrm>
+          <a:prstGeom prst="line">
+            <a:avLst/>
+          </a:prstGeom>
+          <a:ln>
+            <a:solidFill>
+              <a:schemeClr val="tx1"/>
+            </a:solidFill>
+          </a:ln>
+        </p:spPr>
+        <p:style>
+          <a:lnRef idx="1">
+            <a:schemeClr val="accent1"/>
+          </a:lnRef>
+          <a:fillRef idx="0">
+            <a:schemeClr val="accent1"/>
+          </a:fillRef>
+          <a:effectRef idx="0">
+            <a:schemeClr val="accent1"/>
+          </a:effectRef>
+          <a:fontRef idx="minor">
+            <a:schemeClr val="tx1"/>
+          </a:fontRef>
+        </p:style>
+      </p:cxnSp>
+      <p:cxnSp>
+        <p:nvCxnSpPr>
+          <p:cNvPr id="123" name="Straight Connector 122"/>
+          <p:cNvCxnSpPr/>
+          <p:nvPr/>
+        </p:nvCxnSpPr>
+        <p:spPr>
+          <a:xfrm>
+            <a:off x="1593368" y="1828796"/>
+            <a:ext cx="0" cy="245312"/>
+          </a:xfrm>
+          <a:prstGeom prst="line">
+            <a:avLst/>
+          </a:prstGeom>
+          <a:ln>
+            <a:solidFill>
+              <a:schemeClr val="tx1"/>
+            </a:solidFill>
+          </a:ln>
+        </p:spPr>
+        <p:style>
+          <a:lnRef idx="1">
+            <a:schemeClr val="accent1"/>
+          </a:lnRef>
+          <a:fillRef idx="0">
+            <a:schemeClr val="accent1"/>
+          </a:fillRef>
+          <a:effectRef idx="0">
+            <a:schemeClr val="accent1"/>
+          </a:effectRef>
+          <a:fontRef idx="minor">
+            <a:schemeClr val="tx1"/>
+          </a:fontRef>
+        </p:style>
+      </p:cxnSp>
+      <p:sp>
+        <p:nvSpPr>
+          <p:cNvPr id="142" name="Rectangle 141"/>
+          <p:cNvSpPr/>
+          <p:nvPr/>
+        </p:nvSpPr>
+        <p:spPr>
+          <a:xfrm>
+            <a:off x="6193114" y="3246121"/>
+            <a:ext cx="1041062" cy="746760"/>
+          </a:xfrm>
+          <a:prstGeom prst="rect">
+            <a:avLst/>
+          </a:prstGeom>
+          <a:noFill/>
+          <a:ln>
+            <a:noFill/>
+          </a:ln>
+        </p:spPr>
+        <p:style>
+          <a:lnRef idx="2">
+            <a:schemeClr val="accent1">
+              <a:shade val="50000"/>
+            </a:schemeClr>
+          </a:lnRef>
+          <a:fillRef idx="1">
+            <a:schemeClr val="accent1"/>
+          </a:fillRef>
+          <a:effectRef idx="0">
+            <a:schemeClr val="accent1"/>
+          </a:effectRef>
+          <a:fontRef idx="minor">
+            <a:schemeClr val="lt1"/>
+          </a:fontRef>
+        </p:style>
+        <p:txBody>
+          <a:bodyPr rtlCol="0" anchor="t"/>
+          <a:lstStyle/>
+          <a:p>
+            <a:r>
+              <a:rPr lang="en-US" sz="1400" smtClean="0">
+                <a:solidFill>
+                  <a:schemeClr val="tx1"/>
+                </a:solidFill>
+                <a:latin typeface="Tahoma" panose="020B0604030504040204" pitchFamily="34" charset="0"/>
+                <a:ea typeface="Tahoma" panose="020B0604030504040204" pitchFamily="34" charset="0"/>
+                <a:cs typeface="Tahoma" panose="020B0604030504040204" pitchFamily="34" charset="0"/>
+              </a:rPr>
+              <a:t>Hàng đợi</a:t>
+            </a:r>
+          </a:p>
+          <a:p>
+            <a:r>
+              <a:rPr lang="en-US" sz="1400" smtClean="0">
+                <a:solidFill>
+                  <a:schemeClr val="tx1"/>
+                </a:solidFill>
+                <a:latin typeface="Tahoma" panose="020B0604030504040204" pitchFamily="34" charset="0"/>
+                <a:ea typeface="Tahoma" panose="020B0604030504040204" pitchFamily="34" charset="0"/>
+                <a:cs typeface="Tahoma" panose="020B0604030504040204" pitchFamily="34" charset="0"/>
+              </a:rPr>
+              <a:t>đơn tiến trình</a:t>
+            </a:r>
+          </a:p>
+        </p:txBody>
+      </p:sp>
+    </p:spTree>
+    <p:extLst>
+      <p:ext uri="{BB962C8B-B14F-4D97-AF65-F5344CB8AC3E}">
+        <p14:creationId xmlns:p14="http://schemas.microsoft.com/office/powerpoint/2010/main" val="3988399113"/>
+      </p:ext>
+    </p:extLst>
+  </p:cSld>
+  <p:clrMapOvr>
+    <a:masterClrMapping/>
+  </p:clrMapOvr>
+  <p:timing>
+    <p:tnLst>
+      <p:par>
+        <p:cTn id="1" dur="indefinite" restart="never" nodeType="tmRoot"/>
+      </p:par>
+    </p:tnLst>
+  </p:timing>
+</p:sld>
+</file>
+
 <file path=ppt/theme/theme1.xml><?xml version="1.0" encoding="utf-8"?>
 <a:theme xmlns:a="http://schemas.openxmlformats.org/drawingml/2006/main" name="Office Theme">
   <a:themeElements>

--- a/_BaoCao/quocdunginfo/EF features model.pptx
+++ b/_BaoCao/quocdunginfo/EF features model.pptx
@@ -13,6 +13,8 @@
     <p:sldId id="261" r:id="rId7"/>
     <p:sldId id="262" r:id="rId8"/>
     <p:sldId id="263" r:id="rId9"/>
+    <p:sldId id="264" r:id="rId10"/>
+    <p:sldId id="265" r:id="rId11"/>
   </p:sldIdLst>
   <p:sldSz cx="12192000" cy="6858000"/>
   <p:notesSz cx="6858000" cy="9144000"/>
@@ -250,7 +252,7 @@
           <a:p>
             <a:fld id="{8483CB3B-B0F8-4F2E-95AB-CD482C83C421}" type="datetimeFigureOut">
               <a:rPr lang="en-US" smtClean="0"/>
-              <a:t>21/10/2014</a:t>
+              <a:t>22/10/2014</a:t>
             </a:fld>
             <a:endParaRPr lang="en-US"/>
           </a:p>
@@ -420,7 +422,7 @@
           <a:p>
             <a:fld id="{8483CB3B-B0F8-4F2E-95AB-CD482C83C421}" type="datetimeFigureOut">
               <a:rPr lang="en-US" smtClean="0"/>
-              <a:t>21/10/2014</a:t>
+              <a:t>22/10/2014</a:t>
             </a:fld>
             <a:endParaRPr lang="en-US"/>
           </a:p>
@@ -600,7 +602,7 @@
           <a:p>
             <a:fld id="{8483CB3B-B0F8-4F2E-95AB-CD482C83C421}" type="datetimeFigureOut">
               <a:rPr lang="en-US" smtClean="0"/>
-              <a:t>21/10/2014</a:t>
+              <a:t>22/10/2014</a:t>
             </a:fld>
             <a:endParaRPr lang="en-US"/>
           </a:p>
@@ -770,7 +772,7 @@
           <a:p>
             <a:fld id="{8483CB3B-B0F8-4F2E-95AB-CD482C83C421}" type="datetimeFigureOut">
               <a:rPr lang="en-US" smtClean="0"/>
-              <a:t>21/10/2014</a:t>
+              <a:t>22/10/2014</a:t>
             </a:fld>
             <a:endParaRPr lang="en-US"/>
           </a:p>
@@ -1016,7 +1018,7 @@
           <a:p>
             <a:fld id="{8483CB3B-B0F8-4F2E-95AB-CD482C83C421}" type="datetimeFigureOut">
               <a:rPr lang="en-US" smtClean="0"/>
-              <a:t>21/10/2014</a:t>
+              <a:t>22/10/2014</a:t>
             </a:fld>
             <a:endParaRPr lang="en-US"/>
           </a:p>
@@ -1248,7 +1250,7 @@
           <a:p>
             <a:fld id="{8483CB3B-B0F8-4F2E-95AB-CD482C83C421}" type="datetimeFigureOut">
               <a:rPr lang="en-US" smtClean="0"/>
-              <a:t>21/10/2014</a:t>
+              <a:t>22/10/2014</a:t>
             </a:fld>
             <a:endParaRPr lang="en-US"/>
           </a:p>
@@ -1615,7 +1617,7 @@
           <a:p>
             <a:fld id="{8483CB3B-B0F8-4F2E-95AB-CD482C83C421}" type="datetimeFigureOut">
               <a:rPr lang="en-US" smtClean="0"/>
-              <a:t>21/10/2014</a:t>
+              <a:t>22/10/2014</a:t>
             </a:fld>
             <a:endParaRPr lang="en-US"/>
           </a:p>
@@ -1733,7 +1735,7 @@
           <a:p>
             <a:fld id="{8483CB3B-B0F8-4F2E-95AB-CD482C83C421}" type="datetimeFigureOut">
               <a:rPr lang="en-US" smtClean="0"/>
-              <a:t>21/10/2014</a:t>
+              <a:t>22/10/2014</a:t>
             </a:fld>
             <a:endParaRPr lang="en-US"/>
           </a:p>
@@ -1828,7 +1830,7 @@
           <a:p>
             <a:fld id="{8483CB3B-B0F8-4F2E-95AB-CD482C83C421}" type="datetimeFigureOut">
               <a:rPr lang="en-US" smtClean="0"/>
-              <a:t>21/10/2014</a:t>
+              <a:t>22/10/2014</a:t>
             </a:fld>
             <a:endParaRPr lang="en-US"/>
           </a:p>
@@ -2105,7 +2107,7 @@
           <a:p>
             <a:fld id="{8483CB3B-B0F8-4F2E-95AB-CD482C83C421}" type="datetimeFigureOut">
               <a:rPr lang="en-US" smtClean="0"/>
-              <a:t>21/10/2014</a:t>
+              <a:t>22/10/2014</a:t>
             </a:fld>
             <a:endParaRPr lang="en-US"/>
           </a:p>
@@ -2358,7 +2360,7 @@
           <a:p>
             <a:fld id="{8483CB3B-B0F8-4F2E-95AB-CD482C83C421}" type="datetimeFigureOut">
               <a:rPr lang="en-US" smtClean="0"/>
-              <a:t>21/10/2014</a:t>
+              <a:t>22/10/2014</a:t>
             </a:fld>
             <a:endParaRPr lang="en-US"/>
           </a:p>
@@ -2571,7 +2573,7 @@
           <a:p>
             <a:fld id="{8483CB3B-B0F8-4F2E-95AB-CD482C83C421}" type="datetimeFigureOut">
               <a:rPr lang="en-US" smtClean="0"/>
-              <a:t>21/10/2014</a:t>
+              <a:t>22/10/2014</a:t>
             </a:fld>
             <a:endParaRPr lang="en-US"/>
           </a:p>
@@ -3882,6 +3884,1397 @@
 </p:sld>
 </file>
 
+<file path=ppt/slides/slide10.xml><?xml version="1.0" encoding="utf-8"?>
+<p:sld xmlns:a="http://schemas.openxmlformats.org/drawingml/2006/main" xmlns:r="http://schemas.openxmlformats.org/officeDocument/2006/relationships" xmlns:p="http://schemas.openxmlformats.org/presentationml/2006/main">
+  <p:cSld>
+    <p:spTree>
+      <p:nvGrpSpPr>
+        <p:cNvPr id="1" name=""/>
+        <p:cNvGrpSpPr/>
+        <p:nvPr/>
+      </p:nvGrpSpPr>
+      <p:grpSpPr>
+        <a:xfrm>
+          <a:off x="0" y="0"/>
+          <a:ext cx="0" cy="0"/>
+          <a:chOff x="0" y="0"/>
+          <a:chExt cx="0" cy="0"/>
+        </a:xfrm>
+      </p:grpSpPr>
+      <p:sp>
+        <p:nvSpPr>
+          <p:cNvPr id="6" name="Rectangle 5"/>
+          <p:cNvSpPr/>
+          <p:nvPr/>
+        </p:nvSpPr>
+        <p:spPr>
+          <a:xfrm>
+            <a:off x="2079727" y="4339642"/>
+            <a:ext cx="3775339" cy="479459"/>
+          </a:xfrm>
+          <a:prstGeom prst="rect">
+            <a:avLst/>
+          </a:prstGeom>
+          <a:solidFill>
+            <a:schemeClr val="bg1"/>
+          </a:solidFill>
+          <a:ln>
+            <a:solidFill>
+              <a:schemeClr val="tx1"/>
+            </a:solidFill>
+          </a:ln>
+        </p:spPr>
+        <p:style>
+          <a:lnRef idx="2">
+            <a:schemeClr val="accent1">
+              <a:shade val="50000"/>
+            </a:schemeClr>
+          </a:lnRef>
+          <a:fillRef idx="1">
+            <a:schemeClr val="accent1"/>
+          </a:fillRef>
+          <a:effectRef idx="0">
+            <a:schemeClr val="accent1"/>
+          </a:effectRef>
+          <a:fontRef idx="minor">
+            <a:schemeClr val="lt1"/>
+          </a:fontRef>
+        </p:style>
+        <p:txBody>
+          <a:bodyPr rtlCol="0" anchor="ctr"/>
+          <a:lstStyle/>
+          <a:p>
+            <a:pPr algn="ctr"/>
+            <a:r>
+              <a:rPr lang="en-US" sz="1400" smtClean="0">
+                <a:solidFill>
+                  <a:schemeClr val="tx1"/>
+                </a:solidFill>
+                <a:latin typeface="Tahoma" panose="020B0604030504040204" pitchFamily="34" charset="0"/>
+                <a:ea typeface="Tahoma" panose="020B0604030504040204" pitchFamily="34" charset="0"/>
+                <a:cs typeface="Tahoma" panose="020B0604030504040204" pitchFamily="34" charset="0"/>
+              </a:rPr>
+              <a:t>Hệ quản trị CSDL 2</a:t>
+            </a:r>
+            <a:endParaRPr lang="en-US" sz="1400">
+              <a:solidFill>
+                <a:schemeClr val="tx1"/>
+              </a:solidFill>
+              <a:latin typeface="Tahoma" panose="020B0604030504040204" pitchFamily="34" charset="0"/>
+              <a:ea typeface="Tahoma" panose="020B0604030504040204" pitchFamily="34" charset="0"/>
+              <a:cs typeface="Tahoma" panose="020B0604030504040204" pitchFamily="34" charset="0"/>
+            </a:endParaRPr>
+          </a:p>
+        </p:txBody>
+      </p:sp>
+      <p:sp>
+        <p:nvSpPr>
+          <p:cNvPr id="11" name="Rectangle 10"/>
+          <p:cNvSpPr/>
+          <p:nvPr/>
+        </p:nvSpPr>
+        <p:spPr>
+          <a:xfrm>
+            <a:off x="6103570" y="3273231"/>
+            <a:ext cx="1409566" cy="373380"/>
+          </a:xfrm>
+          <a:prstGeom prst="rect">
+            <a:avLst/>
+          </a:prstGeom>
+          <a:noFill/>
+          <a:ln>
+            <a:noFill/>
+          </a:ln>
+        </p:spPr>
+        <p:style>
+          <a:lnRef idx="2">
+            <a:schemeClr val="accent1">
+              <a:shade val="50000"/>
+            </a:schemeClr>
+          </a:lnRef>
+          <a:fillRef idx="1">
+            <a:schemeClr val="accent1"/>
+          </a:fillRef>
+          <a:effectRef idx="0">
+            <a:schemeClr val="accent1"/>
+          </a:effectRef>
+          <a:fontRef idx="minor">
+            <a:schemeClr val="lt1"/>
+          </a:fontRef>
+        </p:style>
+        <p:txBody>
+          <a:bodyPr rtlCol="0" anchor="t"/>
+          <a:lstStyle/>
+          <a:p>
+            <a:r>
+              <a:rPr lang="en-US" sz="1400" smtClean="0">
+                <a:solidFill>
+                  <a:schemeClr val="tx1"/>
+                </a:solidFill>
+                <a:latin typeface="Tahoma" panose="020B0604030504040204" pitchFamily="34" charset="0"/>
+                <a:ea typeface="Tahoma" panose="020B0604030504040204" pitchFamily="34" charset="0"/>
+                <a:cs typeface="Tahoma" panose="020B0604030504040204" pitchFamily="34" charset="0"/>
+              </a:rPr>
+              <a:t>Máy trạm 1</a:t>
+            </a:r>
+            <a:endParaRPr lang="en-US" sz="1400" smtClean="0">
+              <a:solidFill>
+                <a:schemeClr val="tx1"/>
+              </a:solidFill>
+              <a:latin typeface="Tahoma" panose="020B0604030504040204" pitchFamily="34" charset="0"/>
+              <a:ea typeface="Tahoma" panose="020B0604030504040204" pitchFamily="34" charset="0"/>
+              <a:cs typeface="Tahoma" panose="020B0604030504040204" pitchFamily="34" charset="0"/>
+            </a:endParaRPr>
+          </a:p>
+        </p:txBody>
+      </p:sp>
+      <p:sp>
+        <p:nvSpPr>
+          <p:cNvPr id="12" name="Rectangle 11"/>
+          <p:cNvSpPr/>
+          <p:nvPr/>
+        </p:nvSpPr>
+        <p:spPr>
+          <a:xfrm>
+            <a:off x="6103570" y="4555457"/>
+            <a:ext cx="1409566" cy="373380"/>
+          </a:xfrm>
+          <a:prstGeom prst="rect">
+            <a:avLst/>
+          </a:prstGeom>
+          <a:noFill/>
+          <a:ln>
+            <a:noFill/>
+          </a:ln>
+        </p:spPr>
+        <p:style>
+          <a:lnRef idx="2">
+            <a:schemeClr val="accent1">
+              <a:shade val="50000"/>
+            </a:schemeClr>
+          </a:lnRef>
+          <a:fillRef idx="1">
+            <a:schemeClr val="accent1"/>
+          </a:fillRef>
+          <a:effectRef idx="0">
+            <a:schemeClr val="accent1"/>
+          </a:effectRef>
+          <a:fontRef idx="minor">
+            <a:schemeClr val="lt1"/>
+          </a:fontRef>
+        </p:style>
+        <p:txBody>
+          <a:bodyPr rtlCol="0" anchor="t"/>
+          <a:lstStyle/>
+          <a:p>
+            <a:r>
+              <a:rPr lang="en-US" sz="1400" smtClean="0">
+                <a:solidFill>
+                  <a:schemeClr val="tx1"/>
+                </a:solidFill>
+                <a:latin typeface="Tahoma" panose="020B0604030504040204" pitchFamily="34" charset="0"/>
+                <a:ea typeface="Tahoma" panose="020B0604030504040204" pitchFamily="34" charset="0"/>
+                <a:cs typeface="Tahoma" panose="020B0604030504040204" pitchFamily="34" charset="0"/>
+              </a:rPr>
+              <a:t>Máy trạm 2</a:t>
+            </a:r>
+            <a:endParaRPr lang="en-US" sz="1400" smtClean="0">
+              <a:solidFill>
+                <a:schemeClr val="tx1"/>
+              </a:solidFill>
+              <a:latin typeface="Tahoma" panose="020B0604030504040204" pitchFamily="34" charset="0"/>
+              <a:ea typeface="Tahoma" panose="020B0604030504040204" pitchFamily="34" charset="0"/>
+              <a:cs typeface="Tahoma" panose="020B0604030504040204" pitchFamily="34" charset="0"/>
+            </a:endParaRPr>
+          </a:p>
+        </p:txBody>
+      </p:sp>
+      <p:cxnSp>
+        <p:nvCxnSpPr>
+          <p:cNvPr id="14" name="Straight Connector 13"/>
+          <p:cNvCxnSpPr/>
+          <p:nvPr/>
+        </p:nvCxnSpPr>
+        <p:spPr>
+          <a:xfrm>
+            <a:off x="2079727" y="2414588"/>
+            <a:ext cx="5078311" cy="0"/>
+          </a:xfrm>
+          <a:prstGeom prst="line">
+            <a:avLst/>
+          </a:prstGeom>
+          <a:ln w="12700">
+            <a:solidFill>
+              <a:schemeClr val="tx1"/>
+            </a:solidFill>
+          </a:ln>
+        </p:spPr>
+        <p:style>
+          <a:lnRef idx="1">
+            <a:schemeClr val="accent1"/>
+          </a:lnRef>
+          <a:fillRef idx="0">
+            <a:schemeClr val="accent1"/>
+          </a:fillRef>
+          <a:effectRef idx="0">
+            <a:schemeClr val="accent1"/>
+          </a:effectRef>
+          <a:fontRef idx="minor">
+            <a:schemeClr val="tx1"/>
+          </a:fontRef>
+        </p:style>
+      </p:cxnSp>
+      <p:sp>
+        <p:nvSpPr>
+          <p:cNvPr id="16" name="Rectangle 15"/>
+          <p:cNvSpPr/>
+          <p:nvPr/>
+        </p:nvSpPr>
+        <p:spPr>
+          <a:xfrm>
+            <a:off x="5664885" y="1998540"/>
+            <a:ext cx="1848251" cy="373380"/>
+          </a:xfrm>
+          <a:prstGeom prst="rect">
+            <a:avLst/>
+          </a:prstGeom>
+          <a:noFill/>
+          <a:ln>
+            <a:noFill/>
+          </a:ln>
+        </p:spPr>
+        <p:style>
+          <a:lnRef idx="2">
+            <a:schemeClr val="accent1">
+              <a:shade val="50000"/>
+            </a:schemeClr>
+          </a:lnRef>
+          <a:fillRef idx="1">
+            <a:schemeClr val="accent1"/>
+          </a:fillRef>
+          <a:effectRef idx="0">
+            <a:schemeClr val="accent1"/>
+          </a:effectRef>
+          <a:fontRef idx="minor">
+            <a:schemeClr val="lt1"/>
+          </a:fontRef>
+        </p:style>
+        <p:txBody>
+          <a:bodyPr rtlCol="0" anchor="t"/>
+          <a:lstStyle/>
+          <a:p>
+            <a:r>
+              <a:rPr lang="en-US" sz="1400" smtClean="0">
+                <a:solidFill>
+                  <a:schemeClr val="tx1"/>
+                </a:solidFill>
+                <a:latin typeface="Tahoma" panose="020B0604030504040204" pitchFamily="34" charset="0"/>
+                <a:ea typeface="Tahoma" panose="020B0604030504040204" pitchFamily="34" charset="0"/>
+                <a:cs typeface="Tahoma" panose="020B0604030504040204" pitchFamily="34" charset="0"/>
+              </a:rPr>
+              <a:t>Máy chủ tập trung</a:t>
+            </a:r>
+            <a:endParaRPr lang="en-US" sz="1400" smtClean="0">
+              <a:solidFill>
+                <a:schemeClr val="tx1"/>
+              </a:solidFill>
+              <a:latin typeface="Tahoma" panose="020B0604030504040204" pitchFamily="34" charset="0"/>
+              <a:ea typeface="Tahoma" panose="020B0604030504040204" pitchFamily="34" charset="0"/>
+              <a:cs typeface="Tahoma" panose="020B0604030504040204" pitchFamily="34" charset="0"/>
+            </a:endParaRPr>
+          </a:p>
+        </p:txBody>
+      </p:sp>
+      <p:sp>
+        <p:nvSpPr>
+          <p:cNvPr id="17" name="Rectangle 16"/>
+          <p:cNvSpPr/>
+          <p:nvPr/>
+        </p:nvSpPr>
+        <p:spPr>
+          <a:xfrm>
+            <a:off x="2187943" y="1529563"/>
+            <a:ext cx="3667123" cy="503703"/>
+          </a:xfrm>
+          <a:prstGeom prst="rect">
+            <a:avLst/>
+          </a:prstGeom>
+          <a:solidFill>
+            <a:schemeClr val="bg1"/>
+          </a:solidFill>
+          <a:ln>
+            <a:solidFill>
+              <a:schemeClr val="tx1"/>
+            </a:solidFill>
+          </a:ln>
+        </p:spPr>
+        <p:style>
+          <a:lnRef idx="2">
+            <a:schemeClr val="accent1">
+              <a:shade val="50000"/>
+            </a:schemeClr>
+          </a:lnRef>
+          <a:fillRef idx="1">
+            <a:schemeClr val="accent1"/>
+          </a:fillRef>
+          <a:effectRef idx="0">
+            <a:schemeClr val="accent1"/>
+          </a:effectRef>
+          <a:fontRef idx="minor">
+            <a:schemeClr val="lt1"/>
+          </a:fontRef>
+        </p:style>
+        <p:txBody>
+          <a:bodyPr rtlCol="0" anchor="ctr"/>
+          <a:lstStyle/>
+          <a:p>
+            <a:pPr algn="ctr"/>
+            <a:r>
+              <a:rPr lang="en-US" sz="1400" smtClean="0">
+                <a:solidFill>
+                  <a:schemeClr val="tx1"/>
+                </a:solidFill>
+                <a:latin typeface="Tahoma" panose="020B0604030504040204" pitchFamily="34" charset="0"/>
+                <a:ea typeface="Tahoma" panose="020B0604030504040204" pitchFamily="34" charset="0"/>
+                <a:cs typeface="Tahoma" panose="020B0604030504040204" pitchFamily="34" charset="0"/>
+              </a:rPr>
+              <a:t>Hệ quản trị CSDL </a:t>
+            </a:r>
+            <a:r>
+              <a:rPr lang="en-US" sz="1400" smtClean="0">
+                <a:solidFill>
+                  <a:schemeClr val="tx1"/>
+                </a:solidFill>
+                <a:latin typeface="Tahoma" panose="020B0604030504040204" pitchFamily="34" charset="0"/>
+                <a:ea typeface="Tahoma" panose="020B0604030504040204" pitchFamily="34" charset="0"/>
+                <a:cs typeface="Tahoma" panose="020B0604030504040204" pitchFamily="34" charset="0"/>
+              </a:rPr>
+              <a:t>tập trung</a:t>
+            </a:r>
+            <a:endParaRPr lang="en-US" sz="1400">
+              <a:solidFill>
+                <a:schemeClr val="tx1"/>
+              </a:solidFill>
+              <a:latin typeface="Tahoma" panose="020B0604030504040204" pitchFamily="34" charset="0"/>
+              <a:ea typeface="Tahoma" panose="020B0604030504040204" pitchFamily="34" charset="0"/>
+              <a:cs typeface="Tahoma" panose="020B0604030504040204" pitchFamily="34" charset="0"/>
+            </a:endParaRPr>
+          </a:p>
+        </p:txBody>
+      </p:sp>
+      <p:sp>
+        <p:nvSpPr>
+          <p:cNvPr id="22" name="Rectangle 21"/>
+          <p:cNvSpPr/>
+          <p:nvPr/>
+        </p:nvSpPr>
+        <p:spPr>
+          <a:xfrm>
+            <a:off x="2150091" y="2486894"/>
+            <a:ext cx="4463565" cy="373380"/>
+          </a:xfrm>
+          <a:prstGeom prst="rect">
+            <a:avLst/>
+          </a:prstGeom>
+          <a:noFill/>
+          <a:ln>
+            <a:noFill/>
+          </a:ln>
+        </p:spPr>
+        <p:style>
+          <a:lnRef idx="2">
+            <a:schemeClr val="accent1">
+              <a:shade val="50000"/>
+            </a:schemeClr>
+          </a:lnRef>
+          <a:fillRef idx="1">
+            <a:schemeClr val="accent1"/>
+          </a:fillRef>
+          <a:effectRef idx="0">
+            <a:schemeClr val="accent1"/>
+          </a:effectRef>
+          <a:fontRef idx="minor">
+            <a:schemeClr val="lt1"/>
+          </a:fontRef>
+        </p:style>
+        <p:txBody>
+          <a:bodyPr rtlCol="0" anchor="t"/>
+          <a:lstStyle/>
+          <a:p>
+            <a:r>
+              <a:rPr lang="en-US" sz="1400">
+                <a:solidFill>
+                  <a:schemeClr val="tx1"/>
+                </a:solidFill>
+                <a:latin typeface="Tahoma" panose="020B0604030504040204" pitchFamily="34" charset="0"/>
+                <a:ea typeface="Tahoma" panose="020B0604030504040204" pitchFamily="34" charset="0"/>
+                <a:cs typeface="Tahoma" panose="020B0604030504040204" pitchFamily="34" charset="0"/>
+              </a:rPr>
+              <a:t>PK: 2405F853-725C-4F5E-9D81-8695385897E3</a:t>
+            </a:r>
+            <a:endParaRPr lang="en-US" sz="1400" smtClean="0">
+              <a:solidFill>
+                <a:schemeClr val="tx1"/>
+              </a:solidFill>
+              <a:latin typeface="Tahoma" panose="020B0604030504040204" pitchFamily="34" charset="0"/>
+              <a:ea typeface="Tahoma" panose="020B0604030504040204" pitchFamily="34" charset="0"/>
+              <a:cs typeface="Tahoma" panose="020B0604030504040204" pitchFamily="34" charset="0"/>
+            </a:endParaRPr>
+          </a:p>
+        </p:txBody>
+      </p:sp>
+      <p:cxnSp>
+        <p:nvCxnSpPr>
+          <p:cNvPr id="39" name="Straight Arrow Connector 38"/>
+          <p:cNvCxnSpPr/>
+          <p:nvPr/>
+        </p:nvCxnSpPr>
+        <p:spPr>
+          <a:xfrm>
+            <a:off x="7699826" y="1971024"/>
+            <a:ext cx="0" cy="1937295"/>
+          </a:xfrm>
+          <a:prstGeom prst="straightConnector1">
+            <a:avLst/>
+          </a:prstGeom>
+          <a:ln w="12700">
+            <a:solidFill>
+              <a:schemeClr val="tx1"/>
+            </a:solidFill>
+            <a:headEnd type="arrow" w="med" len="med"/>
+            <a:tailEnd type="arrow" w="med" len="med"/>
+          </a:ln>
+        </p:spPr>
+        <p:style>
+          <a:lnRef idx="1">
+            <a:schemeClr val="accent1"/>
+          </a:lnRef>
+          <a:fillRef idx="0">
+            <a:schemeClr val="accent1"/>
+          </a:fillRef>
+          <a:effectRef idx="0">
+            <a:schemeClr val="accent1"/>
+          </a:effectRef>
+          <a:fontRef idx="minor">
+            <a:schemeClr val="tx1"/>
+          </a:fontRef>
+        </p:style>
+      </p:cxnSp>
+      <p:sp>
+        <p:nvSpPr>
+          <p:cNvPr id="41" name="Rectangle 40"/>
+          <p:cNvSpPr/>
+          <p:nvPr/>
+        </p:nvSpPr>
+        <p:spPr>
+          <a:xfrm rot="5400000">
+            <a:off x="7391079" y="3307888"/>
+            <a:ext cx="990874" cy="373380"/>
+          </a:xfrm>
+          <a:prstGeom prst="rect">
+            <a:avLst/>
+          </a:prstGeom>
+          <a:noFill/>
+          <a:ln>
+            <a:noFill/>
+          </a:ln>
+        </p:spPr>
+        <p:style>
+          <a:lnRef idx="2">
+            <a:schemeClr val="accent1">
+              <a:shade val="50000"/>
+            </a:schemeClr>
+          </a:lnRef>
+          <a:fillRef idx="1">
+            <a:schemeClr val="accent1"/>
+          </a:fillRef>
+          <a:effectRef idx="0">
+            <a:schemeClr val="accent1"/>
+          </a:effectRef>
+          <a:fontRef idx="minor">
+            <a:schemeClr val="lt1"/>
+          </a:fontRef>
+        </p:style>
+        <p:txBody>
+          <a:bodyPr rtlCol="0" anchor="t"/>
+          <a:lstStyle/>
+          <a:p>
+            <a:r>
+              <a:rPr lang="en-US" sz="1400" smtClean="0">
+                <a:solidFill>
+                  <a:schemeClr val="tx1"/>
+                </a:solidFill>
+                <a:latin typeface="Tahoma" panose="020B0604030504040204" pitchFamily="34" charset="0"/>
+                <a:ea typeface="Tahoma" panose="020B0604030504040204" pitchFamily="34" charset="0"/>
+                <a:cs typeface="Tahoma" panose="020B0604030504040204" pitchFamily="34" charset="0"/>
+              </a:rPr>
+              <a:t>Đồng bộ</a:t>
+            </a:r>
+            <a:endParaRPr lang="en-US" sz="1400" smtClean="0">
+              <a:solidFill>
+                <a:schemeClr val="tx1"/>
+              </a:solidFill>
+              <a:latin typeface="Tahoma" panose="020B0604030504040204" pitchFamily="34" charset="0"/>
+              <a:ea typeface="Tahoma" panose="020B0604030504040204" pitchFamily="34" charset="0"/>
+              <a:cs typeface="Tahoma" panose="020B0604030504040204" pitchFamily="34" charset="0"/>
+            </a:endParaRPr>
+          </a:p>
+        </p:txBody>
+      </p:sp>
+      <p:cxnSp>
+        <p:nvCxnSpPr>
+          <p:cNvPr id="42" name="Straight Arrow Connector 41"/>
+          <p:cNvCxnSpPr/>
+          <p:nvPr/>
+        </p:nvCxnSpPr>
+        <p:spPr>
+          <a:xfrm>
+            <a:off x="2051409" y="1935955"/>
+            <a:ext cx="0" cy="957263"/>
+          </a:xfrm>
+          <a:prstGeom prst="straightConnector1">
+            <a:avLst/>
+          </a:prstGeom>
+          <a:ln w="12700">
+            <a:solidFill>
+              <a:schemeClr val="tx1"/>
+            </a:solidFill>
+            <a:headEnd type="arrow" w="med" len="med"/>
+            <a:tailEnd type="arrow" w="med" len="med"/>
+          </a:ln>
+        </p:spPr>
+        <p:style>
+          <a:lnRef idx="1">
+            <a:schemeClr val="accent1"/>
+          </a:lnRef>
+          <a:fillRef idx="0">
+            <a:schemeClr val="accent1"/>
+          </a:fillRef>
+          <a:effectRef idx="0">
+            <a:schemeClr val="accent1"/>
+          </a:effectRef>
+          <a:fontRef idx="minor">
+            <a:schemeClr val="tx1"/>
+          </a:fontRef>
+        </p:style>
+      </p:cxnSp>
+      <p:sp>
+        <p:nvSpPr>
+          <p:cNvPr id="43" name="Rectangle 42"/>
+          <p:cNvSpPr/>
+          <p:nvPr/>
+        </p:nvSpPr>
+        <p:spPr>
+          <a:xfrm rot="5400000">
+            <a:off x="1334101" y="2296341"/>
+            <a:ext cx="990874" cy="373380"/>
+          </a:xfrm>
+          <a:prstGeom prst="rect">
+            <a:avLst/>
+          </a:prstGeom>
+          <a:noFill/>
+          <a:ln>
+            <a:noFill/>
+          </a:ln>
+        </p:spPr>
+        <p:style>
+          <a:lnRef idx="2">
+            <a:schemeClr val="accent1">
+              <a:shade val="50000"/>
+            </a:schemeClr>
+          </a:lnRef>
+          <a:fillRef idx="1">
+            <a:schemeClr val="accent1"/>
+          </a:fillRef>
+          <a:effectRef idx="0">
+            <a:schemeClr val="accent1"/>
+          </a:effectRef>
+          <a:fontRef idx="minor">
+            <a:schemeClr val="lt1"/>
+          </a:fontRef>
+        </p:style>
+        <p:txBody>
+          <a:bodyPr rtlCol="0" anchor="t"/>
+          <a:lstStyle/>
+          <a:p>
+            <a:r>
+              <a:rPr lang="en-US" sz="1400" smtClean="0">
+                <a:solidFill>
+                  <a:schemeClr val="tx1"/>
+                </a:solidFill>
+                <a:latin typeface="Tahoma" panose="020B0604030504040204" pitchFamily="34" charset="0"/>
+                <a:ea typeface="Tahoma" panose="020B0604030504040204" pitchFamily="34" charset="0"/>
+                <a:cs typeface="Tahoma" panose="020B0604030504040204" pitchFamily="34" charset="0"/>
+              </a:rPr>
+              <a:t>Đồng bộ</a:t>
+            </a:r>
+            <a:endParaRPr lang="en-US" sz="1400" smtClean="0">
+              <a:solidFill>
+                <a:schemeClr val="tx1"/>
+              </a:solidFill>
+              <a:latin typeface="Tahoma" panose="020B0604030504040204" pitchFamily="34" charset="0"/>
+              <a:ea typeface="Tahoma" panose="020B0604030504040204" pitchFamily="34" charset="0"/>
+              <a:cs typeface="Tahoma" panose="020B0604030504040204" pitchFamily="34" charset="0"/>
+            </a:endParaRPr>
+          </a:p>
+        </p:txBody>
+      </p:sp>
+      <p:sp>
+        <p:nvSpPr>
+          <p:cNvPr id="30" name="Rectangle 29"/>
+          <p:cNvSpPr/>
+          <p:nvPr/>
+        </p:nvSpPr>
+        <p:spPr>
+          <a:xfrm>
+            <a:off x="2079728" y="3105067"/>
+            <a:ext cx="3775338" cy="479459"/>
+          </a:xfrm>
+          <a:prstGeom prst="rect">
+            <a:avLst/>
+          </a:prstGeom>
+          <a:solidFill>
+            <a:schemeClr val="bg1"/>
+          </a:solidFill>
+          <a:ln>
+            <a:solidFill>
+              <a:schemeClr val="tx1"/>
+            </a:solidFill>
+          </a:ln>
+        </p:spPr>
+        <p:style>
+          <a:lnRef idx="2">
+            <a:schemeClr val="accent1">
+              <a:shade val="50000"/>
+            </a:schemeClr>
+          </a:lnRef>
+          <a:fillRef idx="1">
+            <a:schemeClr val="accent1"/>
+          </a:fillRef>
+          <a:effectRef idx="0">
+            <a:schemeClr val="accent1"/>
+          </a:effectRef>
+          <a:fontRef idx="minor">
+            <a:schemeClr val="lt1"/>
+          </a:fontRef>
+        </p:style>
+        <p:txBody>
+          <a:bodyPr rtlCol="0" anchor="ctr"/>
+          <a:lstStyle/>
+          <a:p>
+            <a:pPr algn="ctr"/>
+            <a:r>
+              <a:rPr lang="en-US" sz="1400" smtClean="0">
+                <a:solidFill>
+                  <a:schemeClr val="tx1"/>
+                </a:solidFill>
+                <a:latin typeface="Tahoma" panose="020B0604030504040204" pitchFamily="34" charset="0"/>
+                <a:ea typeface="Tahoma" panose="020B0604030504040204" pitchFamily="34" charset="0"/>
+                <a:cs typeface="Tahoma" panose="020B0604030504040204" pitchFamily="34" charset="0"/>
+              </a:rPr>
+              <a:t>Hệ quản trị CSDL 1</a:t>
+            </a:r>
+            <a:endParaRPr lang="en-US" sz="1400">
+              <a:solidFill>
+                <a:schemeClr val="tx1"/>
+              </a:solidFill>
+              <a:latin typeface="Tahoma" panose="020B0604030504040204" pitchFamily="34" charset="0"/>
+              <a:ea typeface="Tahoma" panose="020B0604030504040204" pitchFamily="34" charset="0"/>
+              <a:cs typeface="Tahoma" panose="020B0604030504040204" pitchFamily="34" charset="0"/>
+            </a:endParaRPr>
+          </a:p>
+        </p:txBody>
+      </p:sp>
+      <p:cxnSp>
+        <p:nvCxnSpPr>
+          <p:cNvPr id="33" name="Straight Connector 32"/>
+          <p:cNvCxnSpPr/>
+          <p:nvPr/>
+        </p:nvCxnSpPr>
+        <p:spPr>
+          <a:xfrm>
+            <a:off x="2096784" y="3665955"/>
+            <a:ext cx="5603042" cy="0"/>
+          </a:xfrm>
+          <a:prstGeom prst="line">
+            <a:avLst/>
+          </a:prstGeom>
+          <a:ln w="12700">
+            <a:solidFill>
+              <a:schemeClr val="tx1"/>
+            </a:solidFill>
+          </a:ln>
+        </p:spPr>
+        <p:style>
+          <a:lnRef idx="1">
+            <a:schemeClr val="accent1"/>
+          </a:lnRef>
+          <a:fillRef idx="0">
+            <a:schemeClr val="accent1"/>
+          </a:fillRef>
+          <a:effectRef idx="0">
+            <a:schemeClr val="accent1"/>
+          </a:effectRef>
+          <a:fontRef idx="minor">
+            <a:schemeClr val="tx1"/>
+          </a:fontRef>
+        </p:style>
+      </p:cxnSp>
+      <p:sp>
+        <p:nvSpPr>
+          <p:cNvPr id="36" name="Rectangle 35"/>
+          <p:cNvSpPr/>
+          <p:nvPr/>
+        </p:nvSpPr>
+        <p:spPr>
+          <a:xfrm>
+            <a:off x="2150091" y="2776573"/>
+            <a:ext cx="4463565" cy="373380"/>
+          </a:xfrm>
+          <a:prstGeom prst="rect">
+            <a:avLst/>
+          </a:prstGeom>
+          <a:noFill/>
+          <a:ln>
+            <a:noFill/>
+          </a:ln>
+        </p:spPr>
+        <p:style>
+          <a:lnRef idx="2">
+            <a:schemeClr val="accent1">
+              <a:shade val="50000"/>
+            </a:schemeClr>
+          </a:lnRef>
+          <a:fillRef idx="1">
+            <a:schemeClr val="accent1"/>
+          </a:fillRef>
+          <a:effectRef idx="0">
+            <a:schemeClr val="accent1"/>
+          </a:effectRef>
+          <a:fontRef idx="minor">
+            <a:schemeClr val="lt1"/>
+          </a:fontRef>
+        </p:style>
+        <p:txBody>
+          <a:bodyPr rtlCol="0" anchor="t"/>
+          <a:lstStyle/>
+          <a:p>
+            <a:r>
+              <a:rPr lang="en-US" sz="1400">
+                <a:solidFill>
+                  <a:schemeClr val="tx1"/>
+                </a:solidFill>
+                <a:latin typeface="Tahoma" panose="020B0604030504040204" pitchFamily="34" charset="0"/>
+                <a:ea typeface="Tahoma" panose="020B0604030504040204" pitchFamily="34" charset="0"/>
+                <a:cs typeface="Tahoma" panose="020B0604030504040204" pitchFamily="34" charset="0"/>
+              </a:rPr>
+              <a:t>PK</a:t>
+            </a:r>
+            <a:r>
+              <a:rPr lang="en-US" sz="1400">
+                <a:solidFill>
+                  <a:schemeClr val="tx1"/>
+                </a:solidFill>
+                <a:latin typeface="Tahoma" panose="020B0604030504040204" pitchFamily="34" charset="0"/>
+                <a:ea typeface="Tahoma" panose="020B0604030504040204" pitchFamily="34" charset="0"/>
+                <a:cs typeface="Tahoma" panose="020B0604030504040204" pitchFamily="34" charset="0"/>
+              </a:rPr>
+              <a:t>: </a:t>
+            </a:r>
+            <a:r>
+              <a:rPr lang="en-US" sz="1400">
+                <a:solidFill>
+                  <a:schemeClr val="tx1"/>
+                </a:solidFill>
+                <a:latin typeface="Tahoma" panose="020B0604030504040204" pitchFamily="34" charset="0"/>
+                <a:ea typeface="Tahoma" panose="020B0604030504040204" pitchFamily="34" charset="0"/>
+                <a:cs typeface="Tahoma" panose="020B0604030504040204" pitchFamily="34" charset="0"/>
+              </a:rPr>
+              <a:t>10C74CA4-40D5-4404-B2F3-1EF5B0508EEC</a:t>
+            </a:r>
+            <a:endParaRPr lang="en-US" sz="1400" smtClean="0">
+              <a:solidFill>
+                <a:schemeClr val="tx1"/>
+              </a:solidFill>
+              <a:latin typeface="Tahoma" panose="020B0604030504040204" pitchFamily="34" charset="0"/>
+              <a:ea typeface="Tahoma" panose="020B0604030504040204" pitchFamily="34" charset="0"/>
+              <a:cs typeface="Tahoma" panose="020B0604030504040204" pitchFamily="34" charset="0"/>
+            </a:endParaRPr>
+          </a:p>
+        </p:txBody>
+      </p:sp>
+      <p:sp>
+        <p:nvSpPr>
+          <p:cNvPr id="37" name="Rectangle 36"/>
+          <p:cNvSpPr/>
+          <p:nvPr/>
+        </p:nvSpPr>
+        <p:spPr>
+          <a:xfrm>
+            <a:off x="2143227" y="3721629"/>
+            <a:ext cx="4463565" cy="373380"/>
+          </a:xfrm>
+          <a:prstGeom prst="rect">
+            <a:avLst/>
+          </a:prstGeom>
+          <a:noFill/>
+          <a:ln>
+            <a:noFill/>
+          </a:ln>
+        </p:spPr>
+        <p:style>
+          <a:lnRef idx="2">
+            <a:schemeClr val="accent1">
+              <a:shade val="50000"/>
+            </a:schemeClr>
+          </a:lnRef>
+          <a:fillRef idx="1">
+            <a:schemeClr val="accent1"/>
+          </a:fillRef>
+          <a:effectRef idx="0">
+            <a:schemeClr val="accent1"/>
+          </a:effectRef>
+          <a:fontRef idx="minor">
+            <a:schemeClr val="lt1"/>
+          </a:fontRef>
+        </p:style>
+        <p:txBody>
+          <a:bodyPr rtlCol="0" anchor="t"/>
+          <a:lstStyle/>
+          <a:p>
+            <a:r>
+              <a:rPr lang="en-US" sz="1400">
+                <a:solidFill>
+                  <a:schemeClr val="tx1"/>
+                </a:solidFill>
+                <a:latin typeface="Tahoma" panose="020B0604030504040204" pitchFamily="34" charset="0"/>
+                <a:ea typeface="Tahoma" panose="020B0604030504040204" pitchFamily="34" charset="0"/>
+                <a:cs typeface="Tahoma" panose="020B0604030504040204" pitchFamily="34" charset="0"/>
+              </a:rPr>
+              <a:t>PK: 2405F853-725C-4F5E-9D81-8695385897E3</a:t>
+            </a:r>
+            <a:endParaRPr lang="en-US" sz="1400" smtClean="0">
+              <a:solidFill>
+                <a:schemeClr val="tx1"/>
+              </a:solidFill>
+              <a:latin typeface="Tahoma" panose="020B0604030504040204" pitchFamily="34" charset="0"/>
+              <a:ea typeface="Tahoma" panose="020B0604030504040204" pitchFamily="34" charset="0"/>
+              <a:cs typeface="Tahoma" panose="020B0604030504040204" pitchFamily="34" charset="0"/>
+            </a:endParaRPr>
+          </a:p>
+        </p:txBody>
+      </p:sp>
+      <p:sp>
+        <p:nvSpPr>
+          <p:cNvPr id="38" name="Rectangle 37"/>
+          <p:cNvSpPr/>
+          <p:nvPr/>
+        </p:nvSpPr>
+        <p:spPr>
+          <a:xfrm>
+            <a:off x="2143227" y="4011308"/>
+            <a:ext cx="4463565" cy="373380"/>
+          </a:xfrm>
+          <a:prstGeom prst="rect">
+            <a:avLst/>
+          </a:prstGeom>
+          <a:noFill/>
+          <a:ln>
+            <a:noFill/>
+          </a:ln>
+        </p:spPr>
+        <p:style>
+          <a:lnRef idx="2">
+            <a:schemeClr val="accent1">
+              <a:shade val="50000"/>
+            </a:schemeClr>
+          </a:lnRef>
+          <a:fillRef idx="1">
+            <a:schemeClr val="accent1"/>
+          </a:fillRef>
+          <a:effectRef idx="0">
+            <a:schemeClr val="accent1"/>
+          </a:effectRef>
+          <a:fontRef idx="minor">
+            <a:schemeClr val="lt1"/>
+          </a:fontRef>
+        </p:style>
+        <p:txBody>
+          <a:bodyPr rtlCol="0" anchor="t"/>
+          <a:lstStyle/>
+          <a:p>
+            <a:r>
+              <a:rPr lang="en-US" sz="1400">
+                <a:solidFill>
+                  <a:schemeClr val="tx1"/>
+                </a:solidFill>
+                <a:latin typeface="Tahoma" panose="020B0604030504040204" pitchFamily="34" charset="0"/>
+                <a:ea typeface="Tahoma" panose="020B0604030504040204" pitchFamily="34" charset="0"/>
+                <a:cs typeface="Tahoma" panose="020B0604030504040204" pitchFamily="34" charset="0"/>
+              </a:rPr>
+              <a:t>PK</a:t>
+            </a:r>
+            <a:r>
+              <a:rPr lang="en-US" sz="1400">
+                <a:solidFill>
+                  <a:schemeClr val="tx1"/>
+                </a:solidFill>
+                <a:latin typeface="Tahoma" panose="020B0604030504040204" pitchFamily="34" charset="0"/>
+                <a:ea typeface="Tahoma" panose="020B0604030504040204" pitchFamily="34" charset="0"/>
+                <a:cs typeface="Tahoma" panose="020B0604030504040204" pitchFamily="34" charset="0"/>
+              </a:rPr>
+              <a:t>: 1B1BEB82-8147-40D0-8FEC-703306F47C7D</a:t>
+            </a:r>
+            <a:endParaRPr lang="en-US" sz="1400" smtClean="0">
+              <a:solidFill>
+                <a:schemeClr val="tx1"/>
+              </a:solidFill>
+              <a:latin typeface="Tahoma" panose="020B0604030504040204" pitchFamily="34" charset="0"/>
+              <a:ea typeface="Tahoma" panose="020B0604030504040204" pitchFamily="34" charset="0"/>
+              <a:cs typeface="Tahoma" panose="020B0604030504040204" pitchFamily="34" charset="0"/>
+            </a:endParaRPr>
+          </a:p>
+        </p:txBody>
+      </p:sp>
+      <p:sp>
+        <p:nvSpPr>
+          <p:cNvPr id="40" name="Rectangle 39"/>
+          <p:cNvSpPr/>
+          <p:nvPr/>
+        </p:nvSpPr>
+        <p:spPr>
+          <a:xfrm>
+            <a:off x="2187943" y="559222"/>
+            <a:ext cx="4463565" cy="373380"/>
+          </a:xfrm>
+          <a:prstGeom prst="rect">
+            <a:avLst/>
+          </a:prstGeom>
+          <a:noFill/>
+          <a:ln>
+            <a:noFill/>
+          </a:ln>
+        </p:spPr>
+        <p:style>
+          <a:lnRef idx="2">
+            <a:schemeClr val="accent1">
+              <a:shade val="50000"/>
+            </a:schemeClr>
+          </a:lnRef>
+          <a:fillRef idx="1">
+            <a:schemeClr val="accent1"/>
+          </a:fillRef>
+          <a:effectRef idx="0">
+            <a:schemeClr val="accent1"/>
+          </a:effectRef>
+          <a:fontRef idx="minor">
+            <a:schemeClr val="lt1"/>
+          </a:fontRef>
+        </p:style>
+        <p:txBody>
+          <a:bodyPr rtlCol="0" anchor="t"/>
+          <a:lstStyle/>
+          <a:p>
+            <a:r>
+              <a:rPr lang="en-US" sz="1400">
+                <a:solidFill>
+                  <a:schemeClr val="tx1"/>
+                </a:solidFill>
+                <a:latin typeface="Tahoma" panose="020B0604030504040204" pitchFamily="34" charset="0"/>
+                <a:ea typeface="Tahoma" panose="020B0604030504040204" pitchFamily="34" charset="0"/>
+                <a:cs typeface="Tahoma" panose="020B0604030504040204" pitchFamily="34" charset="0"/>
+              </a:rPr>
+              <a:t>PK: 2405F853-725C-4F5E-9D81-8695385897E3</a:t>
+            </a:r>
+            <a:endParaRPr lang="en-US" sz="1400" smtClean="0">
+              <a:solidFill>
+                <a:schemeClr val="tx1"/>
+              </a:solidFill>
+              <a:latin typeface="Tahoma" panose="020B0604030504040204" pitchFamily="34" charset="0"/>
+              <a:ea typeface="Tahoma" panose="020B0604030504040204" pitchFamily="34" charset="0"/>
+              <a:cs typeface="Tahoma" panose="020B0604030504040204" pitchFamily="34" charset="0"/>
+            </a:endParaRPr>
+          </a:p>
+        </p:txBody>
+      </p:sp>
+      <p:sp>
+        <p:nvSpPr>
+          <p:cNvPr id="44" name="Rectangle 43"/>
+          <p:cNvSpPr/>
+          <p:nvPr/>
+        </p:nvSpPr>
+        <p:spPr>
+          <a:xfrm>
+            <a:off x="2187943" y="846149"/>
+            <a:ext cx="4463565" cy="373380"/>
+          </a:xfrm>
+          <a:prstGeom prst="rect">
+            <a:avLst/>
+          </a:prstGeom>
+          <a:noFill/>
+          <a:ln>
+            <a:noFill/>
+          </a:ln>
+        </p:spPr>
+        <p:style>
+          <a:lnRef idx="2">
+            <a:schemeClr val="accent1">
+              <a:shade val="50000"/>
+            </a:schemeClr>
+          </a:lnRef>
+          <a:fillRef idx="1">
+            <a:schemeClr val="accent1"/>
+          </a:fillRef>
+          <a:effectRef idx="0">
+            <a:schemeClr val="accent1"/>
+          </a:effectRef>
+          <a:fontRef idx="minor">
+            <a:schemeClr val="lt1"/>
+          </a:fontRef>
+        </p:style>
+        <p:txBody>
+          <a:bodyPr rtlCol="0" anchor="t"/>
+          <a:lstStyle/>
+          <a:p>
+            <a:r>
+              <a:rPr lang="en-US" sz="1400">
+                <a:solidFill>
+                  <a:schemeClr val="tx1"/>
+                </a:solidFill>
+                <a:latin typeface="Tahoma" panose="020B0604030504040204" pitchFamily="34" charset="0"/>
+                <a:ea typeface="Tahoma" panose="020B0604030504040204" pitchFamily="34" charset="0"/>
+                <a:cs typeface="Tahoma" panose="020B0604030504040204" pitchFamily="34" charset="0"/>
+              </a:rPr>
+              <a:t>PK</a:t>
+            </a:r>
+            <a:r>
+              <a:rPr lang="en-US" sz="1400">
+                <a:solidFill>
+                  <a:schemeClr val="tx1"/>
+                </a:solidFill>
+                <a:latin typeface="Tahoma" panose="020B0604030504040204" pitchFamily="34" charset="0"/>
+                <a:ea typeface="Tahoma" panose="020B0604030504040204" pitchFamily="34" charset="0"/>
+                <a:cs typeface="Tahoma" panose="020B0604030504040204" pitchFamily="34" charset="0"/>
+              </a:rPr>
+              <a:t>: </a:t>
+            </a:r>
+            <a:r>
+              <a:rPr lang="en-US" sz="1400">
+                <a:solidFill>
+                  <a:schemeClr val="tx1"/>
+                </a:solidFill>
+                <a:latin typeface="Tahoma" panose="020B0604030504040204" pitchFamily="34" charset="0"/>
+                <a:ea typeface="Tahoma" panose="020B0604030504040204" pitchFamily="34" charset="0"/>
+                <a:cs typeface="Tahoma" panose="020B0604030504040204" pitchFamily="34" charset="0"/>
+              </a:rPr>
+              <a:t>10C74CA4-40D5-4404-B2F3-1EF5B0508EEC</a:t>
+            </a:r>
+            <a:endParaRPr lang="en-US" sz="1400" smtClean="0">
+              <a:solidFill>
+                <a:schemeClr val="tx1"/>
+              </a:solidFill>
+              <a:latin typeface="Tahoma" panose="020B0604030504040204" pitchFamily="34" charset="0"/>
+              <a:ea typeface="Tahoma" panose="020B0604030504040204" pitchFamily="34" charset="0"/>
+              <a:cs typeface="Tahoma" panose="020B0604030504040204" pitchFamily="34" charset="0"/>
+            </a:endParaRPr>
+          </a:p>
+        </p:txBody>
+      </p:sp>
+      <p:sp>
+        <p:nvSpPr>
+          <p:cNvPr id="47" name="Rectangle 46"/>
+          <p:cNvSpPr/>
+          <p:nvPr/>
+        </p:nvSpPr>
+        <p:spPr>
+          <a:xfrm>
+            <a:off x="2187943" y="1140757"/>
+            <a:ext cx="4463565" cy="373380"/>
+          </a:xfrm>
+          <a:prstGeom prst="rect">
+            <a:avLst/>
+          </a:prstGeom>
+          <a:noFill/>
+          <a:ln>
+            <a:noFill/>
+          </a:ln>
+        </p:spPr>
+        <p:style>
+          <a:lnRef idx="2">
+            <a:schemeClr val="accent1">
+              <a:shade val="50000"/>
+            </a:schemeClr>
+          </a:lnRef>
+          <a:fillRef idx="1">
+            <a:schemeClr val="accent1"/>
+          </a:fillRef>
+          <a:effectRef idx="0">
+            <a:schemeClr val="accent1"/>
+          </a:effectRef>
+          <a:fontRef idx="minor">
+            <a:schemeClr val="lt1"/>
+          </a:fontRef>
+        </p:style>
+        <p:txBody>
+          <a:bodyPr rtlCol="0" anchor="t"/>
+          <a:lstStyle/>
+          <a:p>
+            <a:r>
+              <a:rPr lang="en-US" sz="1400">
+                <a:solidFill>
+                  <a:schemeClr val="tx1"/>
+                </a:solidFill>
+                <a:latin typeface="Tahoma" panose="020B0604030504040204" pitchFamily="34" charset="0"/>
+                <a:ea typeface="Tahoma" panose="020B0604030504040204" pitchFamily="34" charset="0"/>
+                <a:cs typeface="Tahoma" panose="020B0604030504040204" pitchFamily="34" charset="0"/>
+              </a:rPr>
+              <a:t>PK</a:t>
+            </a:r>
+            <a:r>
+              <a:rPr lang="en-US" sz="1400">
+                <a:solidFill>
+                  <a:schemeClr val="tx1"/>
+                </a:solidFill>
+                <a:latin typeface="Tahoma" panose="020B0604030504040204" pitchFamily="34" charset="0"/>
+                <a:ea typeface="Tahoma" panose="020B0604030504040204" pitchFamily="34" charset="0"/>
+                <a:cs typeface="Tahoma" panose="020B0604030504040204" pitchFamily="34" charset="0"/>
+              </a:rPr>
+              <a:t>: 1B1BEB82-8147-40D0-8FEC-703306F47C7D</a:t>
+            </a:r>
+            <a:endParaRPr lang="en-US" sz="1400" smtClean="0">
+              <a:solidFill>
+                <a:schemeClr val="tx1"/>
+              </a:solidFill>
+              <a:latin typeface="Tahoma" panose="020B0604030504040204" pitchFamily="34" charset="0"/>
+              <a:ea typeface="Tahoma" panose="020B0604030504040204" pitchFamily="34" charset="0"/>
+              <a:cs typeface="Tahoma" panose="020B0604030504040204" pitchFamily="34" charset="0"/>
+            </a:endParaRPr>
+          </a:p>
+        </p:txBody>
+      </p:sp>
+      <p:cxnSp>
+        <p:nvCxnSpPr>
+          <p:cNvPr id="15" name="Straight Connector 14"/>
+          <p:cNvCxnSpPr/>
+          <p:nvPr/>
+        </p:nvCxnSpPr>
+        <p:spPr>
+          <a:xfrm flipH="1">
+            <a:off x="1358900" y="996102"/>
+            <a:ext cx="829043" cy="0"/>
+          </a:xfrm>
+          <a:prstGeom prst="line">
+            <a:avLst/>
+          </a:prstGeom>
+          <a:ln w="12700">
+            <a:solidFill>
+              <a:schemeClr val="tx1"/>
+            </a:solidFill>
+          </a:ln>
+        </p:spPr>
+        <p:style>
+          <a:lnRef idx="1">
+            <a:schemeClr val="accent1"/>
+          </a:lnRef>
+          <a:fillRef idx="0">
+            <a:schemeClr val="accent1"/>
+          </a:fillRef>
+          <a:effectRef idx="0">
+            <a:schemeClr val="accent1"/>
+          </a:effectRef>
+          <a:fontRef idx="minor">
+            <a:schemeClr val="tx1"/>
+          </a:fontRef>
+        </p:style>
+      </p:cxnSp>
+      <p:cxnSp>
+        <p:nvCxnSpPr>
+          <p:cNvPr id="19" name="Straight Connector 18"/>
+          <p:cNvCxnSpPr/>
+          <p:nvPr/>
+        </p:nvCxnSpPr>
+        <p:spPr>
+          <a:xfrm>
+            <a:off x="1358900" y="996102"/>
+            <a:ext cx="0" cy="1940718"/>
+          </a:xfrm>
+          <a:prstGeom prst="line">
+            <a:avLst/>
+          </a:prstGeom>
+          <a:ln w="12700">
+            <a:solidFill>
+              <a:schemeClr val="tx1"/>
+            </a:solidFill>
+          </a:ln>
+        </p:spPr>
+        <p:style>
+          <a:lnRef idx="1">
+            <a:schemeClr val="accent1"/>
+          </a:lnRef>
+          <a:fillRef idx="0">
+            <a:schemeClr val="accent1"/>
+          </a:fillRef>
+          <a:effectRef idx="0">
+            <a:schemeClr val="accent1"/>
+          </a:effectRef>
+          <a:fontRef idx="minor">
+            <a:schemeClr val="tx1"/>
+          </a:fontRef>
+        </p:style>
+      </p:cxnSp>
+      <p:cxnSp>
+        <p:nvCxnSpPr>
+          <p:cNvPr id="48" name="Straight Connector 47"/>
+          <p:cNvCxnSpPr/>
+          <p:nvPr/>
+        </p:nvCxnSpPr>
+        <p:spPr>
+          <a:xfrm flipH="1">
+            <a:off x="1358900" y="2936820"/>
+            <a:ext cx="791192" cy="0"/>
+          </a:xfrm>
+          <a:prstGeom prst="line">
+            <a:avLst/>
+          </a:prstGeom>
+          <a:ln w="12700">
+            <a:solidFill>
+              <a:schemeClr val="tx1"/>
+            </a:solidFill>
+          </a:ln>
+        </p:spPr>
+        <p:style>
+          <a:lnRef idx="1">
+            <a:schemeClr val="accent1"/>
+          </a:lnRef>
+          <a:fillRef idx="0">
+            <a:schemeClr val="accent1"/>
+          </a:fillRef>
+          <a:effectRef idx="0">
+            <a:schemeClr val="accent1"/>
+          </a:effectRef>
+          <a:fontRef idx="minor">
+            <a:schemeClr val="tx1"/>
+          </a:fontRef>
+        </p:style>
+      </p:cxnSp>
+      <p:cxnSp>
+        <p:nvCxnSpPr>
+          <p:cNvPr id="49" name="Straight Connector 48"/>
+          <p:cNvCxnSpPr/>
+          <p:nvPr/>
+        </p:nvCxnSpPr>
+        <p:spPr>
+          <a:xfrm>
+            <a:off x="1575048" y="1283029"/>
+            <a:ext cx="0" cy="2875480"/>
+          </a:xfrm>
+          <a:prstGeom prst="line">
+            <a:avLst/>
+          </a:prstGeom>
+          <a:ln w="12700">
+            <a:solidFill>
+              <a:schemeClr val="tx1"/>
+            </a:solidFill>
+          </a:ln>
+        </p:spPr>
+        <p:style>
+          <a:lnRef idx="1">
+            <a:schemeClr val="accent1"/>
+          </a:lnRef>
+          <a:fillRef idx="0">
+            <a:schemeClr val="accent1"/>
+          </a:fillRef>
+          <a:effectRef idx="0">
+            <a:schemeClr val="accent1"/>
+          </a:effectRef>
+          <a:fontRef idx="minor">
+            <a:schemeClr val="tx1"/>
+          </a:fontRef>
+        </p:style>
+      </p:cxnSp>
+      <p:cxnSp>
+        <p:nvCxnSpPr>
+          <p:cNvPr id="51" name="Straight Connector 50"/>
+          <p:cNvCxnSpPr/>
+          <p:nvPr/>
+        </p:nvCxnSpPr>
+        <p:spPr>
+          <a:xfrm flipH="1">
+            <a:off x="1584428" y="1283029"/>
+            <a:ext cx="603515" cy="0"/>
+          </a:xfrm>
+          <a:prstGeom prst="line">
+            <a:avLst/>
+          </a:prstGeom>
+          <a:ln w="12700">
+            <a:solidFill>
+              <a:schemeClr val="tx1"/>
+            </a:solidFill>
+          </a:ln>
+        </p:spPr>
+        <p:style>
+          <a:lnRef idx="1">
+            <a:schemeClr val="accent1"/>
+          </a:lnRef>
+          <a:fillRef idx="0">
+            <a:schemeClr val="accent1"/>
+          </a:fillRef>
+          <a:effectRef idx="0">
+            <a:schemeClr val="accent1"/>
+          </a:effectRef>
+          <a:fontRef idx="minor">
+            <a:schemeClr val="tx1"/>
+          </a:fontRef>
+        </p:style>
+      </p:cxnSp>
+      <p:cxnSp>
+        <p:nvCxnSpPr>
+          <p:cNvPr id="56" name="Straight Connector 55"/>
+          <p:cNvCxnSpPr/>
+          <p:nvPr/>
+        </p:nvCxnSpPr>
+        <p:spPr>
+          <a:xfrm flipH="1">
+            <a:off x="1584428" y="4158509"/>
+            <a:ext cx="603515" cy="0"/>
+          </a:xfrm>
+          <a:prstGeom prst="line">
+            <a:avLst/>
+          </a:prstGeom>
+          <a:ln w="12700">
+            <a:solidFill>
+              <a:schemeClr val="tx1"/>
+            </a:solidFill>
+          </a:ln>
+        </p:spPr>
+        <p:style>
+          <a:lnRef idx="1">
+            <a:schemeClr val="accent1"/>
+          </a:lnRef>
+          <a:fillRef idx="0">
+            <a:schemeClr val="accent1"/>
+          </a:fillRef>
+          <a:effectRef idx="0">
+            <a:schemeClr val="accent1"/>
+          </a:effectRef>
+          <a:fontRef idx="minor">
+            <a:schemeClr val="tx1"/>
+          </a:fontRef>
+        </p:style>
+      </p:cxnSp>
+    </p:spTree>
+    <p:extLst>
+      <p:ext uri="{BB962C8B-B14F-4D97-AF65-F5344CB8AC3E}">
+        <p14:creationId xmlns:p14="http://schemas.microsoft.com/office/powerpoint/2010/main" val="2800259870"/>
+      </p:ext>
+    </p:extLst>
+  </p:cSld>
+  <p:clrMapOvr>
+    <a:masterClrMapping/>
+  </p:clrMapOvr>
+</p:sld>
+</file>
+
 <file path=ppt/slides/slide2.xml><?xml version="1.0" encoding="utf-8"?>
 <p:sld xmlns:a="http://schemas.openxmlformats.org/drawingml/2006/main" xmlns:r="http://schemas.openxmlformats.org/officeDocument/2006/relationships" xmlns:p="http://schemas.openxmlformats.org/presentationml/2006/main">
   <p:cSld>
@@ -10147,6 +11540,1477 @@
 </p:sld>
 </file>
 
+<file path=ppt/slides/slide9.xml><?xml version="1.0" encoding="utf-8"?>
+<p:sld xmlns:a="http://schemas.openxmlformats.org/drawingml/2006/main" xmlns:r="http://schemas.openxmlformats.org/officeDocument/2006/relationships" xmlns:p="http://schemas.openxmlformats.org/presentationml/2006/main">
+  <p:cSld>
+    <p:spTree>
+      <p:nvGrpSpPr>
+        <p:cNvPr id="1" name=""/>
+        <p:cNvGrpSpPr/>
+        <p:nvPr/>
+      </p:nvGrpSpPr>
+      <p:grpSpPr>
+        <a:xfrm>
+          <a:off x="0" y="0"/>
+          <a:ext cx="0" cy="0"/>
+          <a:chOff x="0" y="0"/>
+          <a:chExt cx="0" cy="0"/>
+        </a:xfrm>
+      </p:grpSpPr>
+      <p:sp>
+        <p:nvSpPr>
+          <p:cNvPr id="5" name="Rectangle 4"/>
+          <p:cNvSpPr/>
+          <p:nvPr/>
+        </p:nvSpPr>
+        <p:spPr>
+          <a:xfrm>
+            <a:off x="3387465" y="2803603"/>
+            <a:ext cx="866640" cy="1258170"/>
+          </a:xfrm>
+          <a:prstGeom prst="rect">
+            <a:avLst/>
+          </a:prstGeom>
+          <a:solidFill>
+            <a:schemeClr val="bg1"/>
+          </a:solidFill>
+          <a:ln>
+            <a:solidFill>
+              <a:schemeClr val="tx1"/>
+            </a:solidFill>
+          </a:ln>
+        </p:spPr>
+        <p:style>
+          <a:lnRef idx="2">
+            <a:schemeClr val="accent1">
+              <a:shade val="50000"/>
+            </a:schemeClr>
+          </a:lnRef>
+          <a:fillRef idx="1">
+            <a:schemeClr val="accent1"/>
+          </a:fillRef>
+          <a:effectRef idx="0">
+            <a:schemeClr val="accent1"/>
+          </a:effectRef>
+          <a:fontRef idx="minor">
+            <a:schemeClr val="lt1"/>
+          </a:fontRef>
+        </p:style>
+        <p:txBody>
+          <a:bodyPr rtlCol="0" anchor="ctr"/>
+          <a:lstStyle/>
+          <a:p>
+            <a:pPr algn="ctr"/>
+            <a:r>
+              <a:rPr lang="en-US" sz="1400" smtClean="0">
+                <a:solidFill>
+                  <a:schemeClr val="tx1"/>
+                </a:solidFill>
+                <a:latin typeface="Tahoma" panose="020B0604030504040204" pitchFamily="34" charset="0"/>
+                <a:ea typeface="Tahoma" panose="020B0604030504040204" pitchFamily="34" charset="0"/>
+                <a:cs typeface="Tahoma" panose="020B0604030504040204" pitchFamily="34" charset="0"/>
+              </a:rPr>
+              <a:t>Hệ quản trị CSDL</a:t>
+            </a:r>
+          </a:p>
+          <a:p>
+            <a:pPr algn="ctr"/>
+            <a:r>
+              <a:rPr lang="en-US" sz="1400" smtClean="0">
+                <a:solidFill>
+                  <a:schemeClr val="tx1"/>
+                </a:solidFill>
+                <a:latin typeface="Tahoma" panose="020B0604030504040204" pitchFamily="34" charset="0"/>
+                <a:ea typeface="Tahoma" panose="020B0604030504040204" pitchFamily="34" charset="0"/>
+                <a:cs typeface="Tahoma" panose="020B0604030504040204" pitchFamily="34" charset="0"/>
+              </a:rPr>
+              <a:t>1</a:t>
+            </a:r>
+            <a:endParaRPr lang="en-US" sz="1400">
+              <a:solidFill>
+                <a:schemeClr val="tx1"/>
+              </a:solidFill>
+              <a:latin typeface="Tahoma" panose="020B0604030504040204" pitchFamily="34" charset="0"/>
+              <a:ea typeface="Tahoma" panose="020B0604030504040204" pitchFamily="34" charset="0"/>
+              <a:cs typeface="Tahoma" panose="020B0604030504040204" pitchFamily="34" charset="0"/>
+            </a:endParaRPr>
+          </a:p>
+        </p:txBody>
+      </p:sp>
+      <p:sp>
+        <p:nvSpPr>
+          <p:cNvPr id="6" name="Rectangle 5"/>
+          <p:cNvSpPr/>
+          <p:nvPr/>
+        </p:nvSpPr>
+        <p:spPr>
+          <a:xfrm>
+            <a:off x="5005524" y="2825442"/>
+            <a:ext cx="909502" cy="1232208"/>
+          </a:xfrm>
+          <a:prstGeom prst="rect">
+            <a:avLst/>
+          </a:prstGeom>
+          <a:solidFill>
+            <a:schemeClr val="bg1"/>
+          </a:solidFill>
+          <a:ln>
+            <a:solidFill>
+              <a:schemeClr val="tx1"/>
+            </a:solidFill>
+          </a:ln>
+        </p:spPr>
+        <p:style>
+          <a:lnRef idx="2">
+            <a:schemeClr val="accent1">
+              <a:shade val="50000"/>
+            </a:schemeClr>
+          </a:lnRef>
+          <a:fillRef idx="1">
+            <a:schemeClr val="accent1"/>
+          </a:fillRef>
+          <a:effectRef idx="0">
+            <a:schemeClr val="accent1"/>
+          </a:effectRef>
+          <a:fontRef idx="minor">
+            <a:schemeClr val="lt1"/>
+          </a:fontRef>
+        </p:style>
+        <p:txBody>
+          <a:bodyPr rtlCol="0" anchor="ctr"/>
+          <a:lstStyle/>
+          <a:p>
+            <a:pPr algn="ctr"/>
+            <a:r>
+              <a:rPr lang="en-US" sz="1400" smtClean="0">
+                <a:solidFill>
+                  <a:schemeClr val="tx1"/>
+                </a:solidFill>
+                <a:latin typeface="Tahoma" panose="020B0604030504040204" pitchFamily="34" charset="0"/>
+                <a:ea typeface="Tahoma" panose="020B0604030504040204" pitchFamily="34" charset="0"/>
+                <a:cs typeface="Tahoma" panose="020B0604030504040204" pitchFamily="34" charset="0"/>
+              </a:rPr>
+              <a:t>Hệ quản trị CSDL</a:t>
+            </a:r>
+          </a:p>
+          <a:p>
+            <a:pPr algn="ctr"/>
+            <a:r>
+              <a:rPr lang="en-US" sz="1400" smtClean="0">
+                <a:solidFill>
+                  <a:schemeClr val="tx1"/>
+                </a:solidFill>
+                <a:latin typeface="Tahoma" panose="020B0604030504040204" pitchFamily="34" charset="0"/>
+                <a:ea typeface="Tahoma" panose="020B0604030504040204" pitchFamily="34" charset="0"/>
+                <a:cs typeface="Tahoma" panose="020B0604030504040204" pitchFamily="34" charset="0"/>
+              </a:rPr>
+              <a:t>2</a:t>
+            </a:r>
+            <a:endParaRPr lang="en-US" sz="1400">
+              <a:solidFill>
+                <a:schemeClr val="tx1"/>
+              </a:solidFill>
+              <a:latin typeface="Tahoma" panose="020B0604030504040204" pitchFamily="34" charset="0"/>
+              <a:ea typeface="Tahoma" panose="020B0604030504040204" pitchFamily="34" charset="0"/>
+              <a:cs typeface="Tahoma" panose="020B0604030504040204" pitchFamily="34" charset="0"/>
+            </a:endParaRPr>
+          </a:p>
+        </p:txBody>
+      </p:sp>
+      <p:cxnSp>
+        <p:nvCxnSpPr>
+          <p:cNvPr id="8" name="Straight Connector 7"/>
+          <p:cNvCxnSpPr/>
+          <p:nvPr/>
+        </p:nvCxnSpPr>
+        <p:spPr>
+          <a:xfrm>
+            <a:off x="4629153" y="2414588"/>
+            <a:ext cx="0" cy="2444115"/>
+          </a:xfrm>
+          <a:prstGeom prst="line">
+            <a:avLst/>
+          </a:prstGeom>
+          <a:ln w="12700">
+            <a:solidFill>
+              <a:schemeClr val="tx1"/>
+            </a:solidFill>
+          </a:ln>
+        </p:spPr>
+        <p:style>
+          <a:lnRef idx="1">
+            <a:schemeClr val="accent1"/>
+          </a:lnRef>
+          <a:fillRef idx="0">
+            <a:schemeClr val="accent1"/>
+          </a:fillRef>
+          <a:effectRef idx="0">
+            <a:schemeClr val="accent1"/>
+          </a:effectRef>
+          <a:fontRef idx="minor">
+            <a:schemeClr val="tx1"/>
+          </a:fontRef>
+        </p:style>
+      </p:cxnSp>
+      <p:sp>
+        <p:nvSpPr>
+          <p:cNvPr id="11" name="Rectangle 10"/>
+          <p:cNvSpPr/>
+          <p:nvPr/>
+        </p:nvSpPr>
+        <p:spPr>
+          <a:xfrm>
+            <a:off x="2190534" y="4521399"/>
+            <a:ext cx="1409566" cy="373380"/>
+          </a:xfrm>
+          <a:prstGeom prst="rect">
+            <a:avLst/>
+          </a:prstGeom>
+          <a:noFill/>
+          <a:ln>
+            <a:noFill/>
+          </a:ln>
+        </p:spPr>
+        <p:style>
+          <a:lnRef idx="2">
+            <a:schemeClr val="accent1">
+              <a:shade val="50000"/>
+            </a:schemeClr>
+          </a:lnRef>
+          <a:fillRef idx="1">
+            <a:schemeClr val="accent1"/>
+          </a:fillRef>
+          <a:effectRef idx="0">
+            <a:schemeClr val="accent1"/>
+          </a:effectRef>
+          <a:fontRef idx="minor">
+            <a:schemeClr val="lt1"/>
+          </a:fontRef>
+        </p:style>
+        <p:txBody>
+          <a:bodyPr rtlCol="0" anchor="t"/>
+          <a:lstStyle/>
+          <a:p>
+            <a:r>
+              <a:rPr lang="en-US" sz="1400" smtClean="0">
+                <a:solidFill>
+                  <a:schemeClr val="tx1"/>
+                </a:solidFill>
+                <a:latin typeface="Tahoma" panose="020B0604030504040204" pitchFamily="34" charset="0"/>
+                <a:ea typeface="Tahoma" panose="020B0604030504040204" pitchFamily="34" charset="0"/>
+                <a:cs typeface="Tahoma" panose="020B0604030504040204" pitchFamily="34" charset="0"/>
+              </a:rPr>
+              <a:t>Máy trạm 1</a:t>
+            </a:r>
+            <a:endParaRPr lang="en-US" sz="1400" smtClean="0">
+              <a:solidFill>
+                <a:schemeClr val="tx1"/>
+              </a:solidFill>
+              <a:latin typeface="Tahoma" panose="020B0604030504040204" pitchFamily="34" charset="0"/>
+              <a:ea typeface="Tahoma" panose="020B0604030504040204" pitchFamily="34" charset="0"/>
+              <a:cs typeface="Tahoma" panose="020B0604030504040204" pitchFamily="34" charset="0"/>
+            </a:endParaRPr>
+          </a:p>
+        </p:txBody>
+      </p:sp>
+      <p:sp>
+        <p:nvSpPr>
+          <p:cNvPr id="12" name="Rectangle 11"/>
+          <p:cNvSpPr/>
+          <p:nvPr/>
+        </p:nvSpPr>
+        <p:spPr>
+          <a:xfrm>
+            <a:off x="6136614" y="4521399"/>
+            <a:ext cx="1409566" cy="373380"/>
+          </a:xfrm>
+          <a:prstGeom prst="rect">
+            <a:avLst/>
+          </a:prstGeom>
+          <a:noFill/>
+          <a:ln>
+            <a:noFill/>
+          </a:ln>
+        </p:spPr>
+        <p:style>
+          <a:lnRef idx="2">
+            <a:schemeClr val="accent1">
+              <a:shade val="50000"/>
+            </a:schemeClr>
+          </a:lnRef>
+          <a:fillRef idx="1">
+            <a:schemeClr val="accent1"/>
+          </a:fillRef>
+          <a:effectRef idx="0">
+            <a:schemeClr val="accent1"/>
+          </a:effectRef>
+          <a:fontRef idx="minor">
+            <a:schemeClr val="lt1"/>
+          </a:fontRef>
+        </p:style>
+        <p:txBody>
+          <a:bodyPr rtlCol="0" anchor="t"/>
+          <a:lstStyle/>
+          <a:p>
+            <a:r>
+              <a:rPr lang="en-US" sz="1400" smtClean="0">
+                <a:solidFill>
+                  <a:schemeClr val="tx1"/>
+                </a:solidFill>
+                <a:latin typeface="Tahoma" panose="020B0604030504040204" pitchFamily="34" charset="0"/>
+                <a:ea typeface="Tahoma" panose="020B0604030504040204" pitchFamily="34" charset="0"/>
+                <a:cs typeface="Tahoma" panose="020B0604030504040204" pitchFamily="34" charset="0"/>
+              </a:rPr>
+              <a:t>Máy trạm 2</a:t>
+            </a:r>
+            <a:endParaRPr lang="en-US" sz="1400" smtClean="0">
+              <a:solidFill>
+                <a:schemeClr val="tx1"/>
+              </a:solidFill>
+              <a:latin typeface="Tahoma" panose="020B0604030504040204" pitchFamily="34" charset="0"/>
+              <a:ea typeface="Tahoma" panose="020B0604030504040204" pitchFamily="34" charset="0"/>
+              <a:cs typeface="Tahoma" panose="020B0604030504040204" pitchFamily="34" charset="0"/>
+            </a:endParaRPr>
+          </a:p>
+        </p:txBody>
+      </p:sp>
+      <p:cxnSp>
+        <p:nvCxnSpPr>
+          <p:cNvPr id="14" name="Straight Connector 13"/>
+          <p:cNvCxnSpPr/>
+          <p:nvPr/>
+        </p:nvCxnSpPr>
+        <p:spPr>
+          <a:xfrm>
+            <a:off x="2187943" y="2414588"/>
+            <a:ext cx="4970095" cy="0"/>
+          </a:xfrm>
+          <a:prstGeom prst="line">
+            <a:avLst/>
+          </a:prstGeom>
+          <a:ln w="12700">
+            <a:solidFill>
+              <a:schemeClr val="tx1"/>
+            </a:solidFill>
+          </a:ln>
+        </p:spPr>
+        <p:style>
+          <a:lnRef idx="1">
+            <a:schemeClr val="accent1"/>
+          </a:lnRef>
+          <a:fillRef idx="0">
+            <a:schemeClr val="accent1"/>
+          </a:fillRef>
+          <a:effectRef idx="0">
+            <a:schemeClr val="accent1"/>
+          </a:effectRef>
+          <a:fontRef idx="minor">
+            <a:schemeClr val="tx1"/>
+          </a:fontRef>
+        </p:style>
+      </p:cxnSp>
+      <p:sp>
+        <p:nvSpPr>
+          <p:cNvPr id="16" name="Rectangle 15"/>
+          <p:cNvSpPr/>
+          <p:nvPr/>
+        </p:nvSpPr>
+        <p:spPr>
+          <a:xfrm>
+            <a:off x="2114909" y="2100088"/>
+            <a:ext cx="1848251" cy="373380"/>
+          </a:xfrm>
+          <a:prstGeom prst="rect">
+            <a:avLst/>
+          </a:prstGeom>
+          <a:noFill/>
+          <a:ln>
+            <a:noFill/>
+          </a:ln>
+        </p:spPr>
+        <p:style>
+          <a:lnRef idx="2">
+            <a:schemeClr val="accent1">
+              <a:shade val="50000"/>
+            </a:schemeClr>
+          </a:lnRef>
+          <a:fillRef idx="1">
+            <a:schemeClr val="accent1"/>
+          </a:fillRef>
+          <a:effectRef idx="0">
+            <a:schemeClr val="accent1"/>
+          </a:effectRef>
+          <a:fontRef idx="minor">
+            <a:schemeClr val="lt1"/>
+          </a:fontRef>
+        </p:style>
+        <p:txBody>
+          <a:bodyPr rtlCol="0" anchor="t"/>
+          <a:lstStyle/>
+          <a:p>
+            <a:r>
+              <a:rPr lang="en-US" sz="1400" smtClean="0">
+                <a:solidFill>
+                  <a:schemeClr val="tx1"/>
+                </a:solidFill>
+                <a:latin typeface="Tahoma" panose="020B0604030504040204" pitchFamily="34" charset="0"/>
+                <a:ea typeface="Tahoma" panose="020B0604030504040204" pitchFamily="34" charset="0"/>
+                <a:cs typeface="Tahoma" panose="020B0604030504040204" pitchFamily="34" charset="0"/>
+              </a:rPr>
+              <a:t>Máy chủ tập trung</a:t>
+            </a:r>
+            <a:endParaRPr lang="en-US" sz="1400" smtClean="0">
+              <a:solidFill>
+                <a:schemeClr val="tx1"/>
+              </a:solidFill>
+              <a:latin typeface="Tahoma" panose="020B0604030504040204" pitchFamily="34" charset="0"/>
+              <a:ea typeface="Tahoma" panose="020B0604030504040204" pitchFamily="34" charset="0"/>
+              <a:cs typeface="Tahoma" panose="020B0604030504040204" pitchFamily="34" charset="0"/>
+            </a:endParaRPr>
+          </a:p>
+        </p:txBody>
+      </p:sp>
+      <p:sp>
+        <p:nvSpPr>
+          <p:cNvPr id="17" name="Rectangle 16"/>
+          <p:cNvSpPr/>
+          <p:nvPr/>
+        </p:nvSpPr>
+        <p:spPr>
+          <a:xfrm>
+            <a:off x="3327505" y="1067128"/>
+            <a:ext cx="2527561" cy="790247"/>
+          </a:xfrm>
+          <a:prstGeom prst="rect">
+            <a:avLst/>
+          </a:prstGeom>
+          <a:solidFill>
+            <a:schemeClr val="bg1"/>
+          </a:solidFill>
+          <a:ln>
+            <a:solidFill>
+              <a:schemeClr val="tx1"/>
+            </a:solidFill>
+          </a:ln>
+        </p:spPr>
+        <p:style>
+          <a:lnRef idx="2">
+            <a:schemeClr val="accent1">
+              <a:shade val="50000"/>
+            </a:schemeClr>
+          </a:lnRef>
+          <a:fillRef idx="1">
+            <a:schemeClr val="accent1"/>
+          </a:fillRef>
+          <a:effectRef idx="0">
+            <a:schemeClr val="accent1"/>
+          </a:effectRef>
+          <a:fontRef idx="minor">
+            <a:schemeClr val="lt1"/>
+          </a:fontRef>
+        </p:style>
+        <p:txBody>
+          <a:bodyPr rtlCol="0" anchor="ctr"/>
+          <a:lstStyle/>
+          <a:p>
+            <a:pPr algn="ctr"/>
+            <a:r>
+              <a:rPr lang="en-US" sz="1400" smtClean="0">
+                <a:solidFill>
+                  <a:schemeClr val="tx1"/>
+                </a:solidFill>
+                <a:latin typeface="Tahoma" panose="020B0604030504040204" pitchFamily="34" charset="0"/>
+                <a:ea typeface="Tahoma" panose="020B0604030504040204" pitchFamily="34" charset="0"/>
+                <a:cs typeface="Tahoma" panose="020B0604030504040204" pitchFamily="34" charset="0"/>
+              </a:rPr>
+              <a:t>Hệ quản trị CSDL</a:t>
+            </a:r>
+          </a:p>
+          <a:p>
+            <a:pPr algn="ctr"/>
+            <a:r>
+              <a:rPr lang="en-US" sz="1400">
+                <a:solidFill>
+                  <a:schemeClr val="tx1"/>
+                </a:solidFill>
+                <a:latin typeface="Tahoma" panose="020B0604030504040204" pitchFamily="34" charset="0"/>
+                <a:ea typeface="Tahoma" panose="020B0604030504040204" pitchFamily="34" charset="0"/>
+                <a:cs typeface="Tahoma" panose="020B0604030504040204" pitchFamily="34" charset="0"/>
+              </a:rPr>
+              <a:t>t</a:t>
+            </a:r>
+            <a:r>
+              <a:rPr lang="en-US" sz="1400" smtClean="0">
+                <a:solidFill>
+                  <a:schemeClr val="tx1"/>
+                </a:solidFill>
+                <a:latin typeface="Tahoma" panose="020B0604030504040204" pitchFamily="34" charset="0"/>
+                <a:ea typeface="Tahoma" panose="020B0604030504040204" pitchFamily="34" charset="0"/>
+                <a:cs typeface="Tahoma" panose="020B0604030504040204" pitchFamily="34" charset="0"/>
+              </a:rPr>
+              <a:t>ập trung</a:t>
+            </a:r>
+            <a:endParaRPr lang="en-US" sz="1400">
+              <a:solidFill>
+                <a:schemeClr val="tx1"/>
+              </a:solidFill>
+              <a:latin typeface="Tahoma" panose="020B0604030504040204" pitchFamily="34" charset="0"/>
+              <a:ea typeface="Tahoma" panose="020B0604030504040204" pitchFamily="34" charset="0"/>
+              <a:cs typeface="Tahoma" panose="020B0604030504040204" pitchFamily="34" charset="0"/>
+            </a:endParaRPr>
+          </a:p>
+        </p:txBody>
+      </p:sp>
+      <p:sp>
+        <p:nvSpPr>
+          <p:cNvPr id="22" name="Rectangle 21"/>
+          <p:cNvSpPr/>
+          <p:nvPr/>
+        </p:nvSpPr>
+        <p:spPr>
+          <a:xfrm>
+            <a:off x="2191236" y="2816859"/>
+            <a:ext cx="1008044" cy="373380"/>
+          </a:xfrm>
+          <a:prstGeom prst="rect">
+            <a:avLst/>
+          </a:prstGeom>
+          <a:noFill/>
+          <a:ln>
+            <a:noFill/>
+          </a:ln>
+        </p:spPr>
+        <p:style>
+          <a:lnRef idx="2">
+            <a:schemeClr val="accent1">
+              <a:shade val="50000"/>
+            </a:schemeClr>
+          </a:lnRef>
+          <a:fillRef idx="1">
+            <a:schemeClr val="accent1"/>
+          </a:fillRef>
+          <a:effectRef idx="0">
+            <a:schemeClr val="accent1"/>
+          </a:effectRef>
+          <a:fontRef idx="minor">
+            <a:schemeClr val="lt1"/>
+          </a:fontRef>
+        </p:style>
+        <p:txBody>
+          <a:bodyPr rtlCol="0" anchor="t"/>
+          <a:lstStyle/>
+          <a:p>
+            <a:r>
+              <a:rPr lang="en-US" sz="1400" smtClean="0">
+                <a:solidFill>
+                  <a:schemeClr val="tx1"/>
+                </a:solidFill>
+                <a:latin typeface="Tahoma" panose="020B0604030504040204" pitchFamily="34" charset="0"/>
+                <a:ea typeface="Tahoma" panose="020B0604030504040204" pitchFamily="34" charset="0"/>
+                <a:cs typeface="Tahoma" panose="020B0604030504040204" pitchFamily="34" charset="0"/>
+              </a:rPr>
+              <a:t>PK: 1206</a:t>
+            </a:r>
+            <a:endParaRPr lang="en-US" sz="1400" smtClean="0">
+              <a:solidFill>
+                <a:schemeClr val="tx1"/>
+              </a:solidFill>
+              <a:latin typeface="Tahoma" panose="020B0604030504040204" pitchFamily="34" charset="0"/>
+              <a:ea typeface="Tahoma" panose="020B0604030504040204" pitchFamily="34" charset="0"/>
+              <a:cs typeface="Tahoma" panose="020B0604030504040204" pitchFamily="34" charset="0"/>
+            </a:endParaRPr>
+          </a:p>
+        </p:txBody>
+      </p:sp>
+      <p:sp>
+        <p:nvSpPr>
+          <p:cNvPr id="23" name="Rectangle 22"/>
+          <p:cNvSpPr/>
+          <p:nvPr/>
+        </p:nvSpPr>
+        <p:spPr>
+          <a:xfrm>
+            <a:off x="6023497" y="2791778"/>
+            <a:ext cx="1008044" cy="373380"/>
+          </a:xfrm>
+          <a:prstGeom prst="rect">
+            <a:avLst/>
+          </a:prstGeom>
+          <a:noFill/>
+          <a:ln>
+            <a:noFill/>
+          </a:ln>
+        </p:spPr>
+        <p:style>
+          <a:lnRef idx="2">
+            <a:schemeClr val="accent1">
+              <a:shade val="50000"/>
+            </a:schemeClr>
+          </a:lnRef>
+          <a:fillRef idx="1">
+            <a:schemeClr val="accent1"/>
+          </a:fillRef>
+          <a:effectRef idx="0">
+            <a:schemeClr val="accent1"/>
+          </a:effectRef>
+          <a:fontRef idx="minor">
+            <a:schemeClr val="lt1"/>
+          </a:fontRef>
+        </p:style>
+        <p:txBody>
+          <a:bodyPr rtlCol="0" anchor="t"/>
+          <a:lstStyle/>
+          <a:p>
+            <a:r>
+              <a:rPr lang="en-US" sz="1400" smtClean="0">
+                <a:solidFill>
+                  <a:schemeClr val="tx1"/>
+                </a:solidFill>
+                <a:latin typeface="Tahoma" panose="020B0604030504040204" pitchFamily="34" charset="0"/>
+                <a:ea typeface="Tahoma" panose="020B0604030504040204" pitchFamily="34" charset="0"/>
+                <a:cs typeface="Tahoma" panose="020B0604030504040204" pitchFamily="34" charset="0"/>
+              </a:rPr>
+              <a:t>PK: 1206</a:t>
+            </a:r>
+            <a:endParaRPr lang="en-US" sz="1400" smtClean="0">
+              <a:solidFill>
+                <a:schemeClr val="tx1"/>
+              </a:solidFill>
+              <a:latin typeface="Tahoma" panose="020B0604030504040204" pitchFamily="34" charset="0"/>
+              <a:ea typeface="Tahoma" panose="020B0604030504040204" pitchFamily="34" charset="0"/>
+              <a:cs typeface="Tahoma" panose="020B0604030504040204" pitchFamily="34" charset="0"/>
+            </a:endParaRPr>
+          </a:p>
+        </p:txBody>
+      </p:sp>
+      <p:sp>
+        <p:nvSpPr>
+          <p:cNvPr id="24" name="Rectangle 23"/>
+          <p:cNvSpPr/>
+          <p:nvPr/>
+        </p:nvSpPr>
+        <p:spPr>
+          <a:xfrm>
+            <a:off x="2191236" y="3181667"/>
+            <a:ext cx="1008044" cy="373380"/>
+          </a:xfrm>
+          <a:prstGeom prst="rect">
+            <a:avLst/>
+          </a:prstGeom>
+          <a:noFill/>
+          <a:ln>
+            <a:noFill/>
+          </a:ln>
+        </p:spPr>
+        <p:style>
+          <a:lnRef idx="2">
+            <a:schemeClr val="accent1">
+              <a:shade val="50000"/>
+            </a:schemeClr>
+          </a:lnRef>
+          <a:fillRef idx="1">
+            <a:schemeClr val="accent1"/>
+          </a:fillRef>
+          <a:effectRef idx="0">
+            <a:schemeClr val="accent1"/>
+          </a:effectRef>
+          <a:fontRef idx="minor">
+            <a:schemeClr val="lt1"/>
+          </a:fontRef>
+        </p:style>
+        <p:txBody>
+          <a:bodyPr rtlCol="0" anchor="t"/>
+          <a:lstStyle/>
+          <a:p>
+            <a:r>
+              <a:rPr lang="en-US" sz="1400" b="1" smtClean="0">
+                <a:solidFill>
+                  <a:schemeClr val="tx1"/>
+                </a:solidFill>
+                <a:latin typeface="Tahoma" panose="020B0604030504040204" pitchFamily="34" charset="0"/>
+                <a:ea typeface="Tahoma" panose="020B0604030504040204" pitchFamily="34" charset="0"/>
+                <a:cs typeface="Tahoma" panose="020B0604030504040204" pitchFamily="34" charset="0"/>
+              </a:rPr>
+              <a:t>PK: 1207</a:t>
+            </a:r>
+            <a:endParaRPr lang="en-US" sz="1400" b="1" smtClean="0">
+              <a:solidFill>
+                <a:schemeClr val="tx1"/>
+              </a:solidFill>
+              <a:latin typeface="Tahoma" panose="020B0604030504040204" pitchFamily="34" charset="0"/>
+              <a:ea typeface="Tahoma" panose="020B0604030504040204" pitchFamily="34" charset="0"/>
+              <a:cs typeface="Tahoma" panose="020B0604030504040204" pitchFamily="34" charset="0"/>
+            </a:endParaRPr>
+          </a:p>
+        </p:txBody>
+      </p:sp>
+      <p:sp>
+        <p:nvSpPr>
+          <p:cNvPr id="25" name="Rectangle 24"/>
+          <p:cNvSpPr/>
+          <p:nvPr/>
+        </p:nvSpPr>
+        <p:spPr>
+          <a:xfrm>
+            <a:off x="6023497" y="3174684"/>
+            <a:ext cx="1008044" cy="373380"/>
+          </a:xfrm>
+          <a:prstGeom prst="rect">
+            <a:avLst/>
+          </a:prstGeom>
+          <a:noFill/>
+          <a:ln>
+            <a:noFill/>
+          </a:ln>
+        </p:spPr>
+        <p:style>
+          <a:lnRef idx="2">
+            <a:schemeClr val="accent1">
+              <a:shade val="50000"/>
+            </a:schemeClr>
+          </a:lnRef>
+          <a:fillRef idx="1">
+            <a:schemeClr val="accent1"/>
+          </a:fillRef>
+          <a:effectRef idx="0">
+            <a:schemeClr val="accent1"/>
+          </a:effectRef>
+          <a:fontRef idx="minor">
+            <a:schemeClr val="lt1"/>
+          </a:fontRef>
+        </p:style>
+        <p:txBody>
+          <a:bodyPr rtlCol="0" anchor="t"/>
+          <a:lstStyle/>
+          <a:p>
+            <a:r>
+              <a:rPr lang="en-US" sz="1400" b="1" smtClean="0">
+                <a:solidFill>
+                  <a:schemeClr val="tx1"/>
+                </a:solidFill>
+                <a:latin typeface="Tahoma" panose="020B0604030504040204" pitchFamily="34" charset="0"/>
+                <a:ea typeface="Tahoma" panose="020B0604030504040204" pitchFamily="34" charset="0"/>
+                <a:cs typeface="Tahoma" panose="020B0604030504040204" pitchFamily="34" charset="0"/>
+              </a:rPr>
+              <a:t>PK: 1207</a:t>
+            </a:r>
+            <a:endParaRPr lang="en-US" sz="1400" b="1" smtClean="0">
+              <a:solidFill>
+                <a:schemeClr val="tx1"/>
+              </a:solidFill>
+              <a:latin typeface="Tahoma" panose="020B0604030504040204" pitchFamily="34" charset="0"/>
+              <a:ea typeface="Tahoma" panose="020B0604030504040204" pitchFamily="34" charset="0"/>
+              <a:cs typeface="Tahoma" panose="020B0604030504040204" pitchFamily="34" charset="0"/>
+            </a:endParaRPr>
+          </a:p>
+        </p:txBody>
+      </p:sp>
+      <p:sp>
+        <p:nvSpPr>
+          <p:cNvPr id="27" name="Rectangle 26"/>
+          <p:cNvSpPr/>
+          <p:nvPr/>
+        </p:nvSpPr>
+        <p:spPr>
+          <a:xfrm>
+            <a:off x="6043617" y="517958"/>
+            <a:ext cx="1008044" cy="373380"/>
+          </a:xfrm>
+          <a:prstGeom prst="rect">
+            <a:avLst/>
+          </a:prstGeom>
+          <a:noFill/>
+          <a:ln>
+            <a:noFill/>
+          </a:ln>
+        </p:spPr>
+        <p:style>
+          <a:lnRef idx="2">
+            <a:schemeClr val="accent1">
+              <a:shade val="50000"/>
+            </a:schemeClr>
+          </a:lnRef>
+          <a:fillRef idx="1">
+            <a:schemeClr val="accent1"/>
+          </a:fillRef>
+          <a:effectRef idx="0">
+            <a:schemeClr val="accent1"/>
+          </a:effectRef>
+          <a:fontRef idx="minor">
+            <a:schemeClr val="lt1"/>
+          </a:fontRef>
+        </p:style>
+        <p:txBody>
+          <a:bodyPr rtlCol="0" anchor="t"/>
+          <a:lstStyle/>
+          <a:p>
+            <a:r>
+              <a:rPr lang="en-US" sz="1400" smtClean="0">
+                <a:solidFill>
+                  <a:schemeClr val="tx1"/>
+                </a:solidFill>
+                <a:latin typeface="Tahoma" panose="020B0604030504040204" pitchFamily="34" charset="0"/>
+                <a:ea typeface="Tahoma" panose="020B0604030504040204" pitchFamily="34" charset="0"/>
+                <a:cs typeface="Tahoma" panose="020B0604030504040204" pitchFamily="34" charset="0"/>
+              </a:rPr>
+              <a:t>PK: 1206</a:t>
+            </a:r>
+            <a:endParaRPr lang="en-US" sz="1400" smtClean="0">
+              <a:solidFill>
+                <a:schemeClr val="tx1"/>
+              </a:solidFill>
+              <a:latin typeface="Tahoma" panose="020B0604030504040204" pitchFamily="34" charset="0"/>
+              <a:ea typeface="Tahoma" panose="020B0604030504040204" pitchFamily="34" charset="0"/>
+              <a:cs typeface="Tahoma" panose="020B0604030504040204" pitchFamily="34" charset="0"/>
+            </a:endParaRPr>
+          </a:p>
+        </p:txBody>
+      </p:sp>
+      <p:sp>
+        <p:nvSpPr>
+          <p:cNvPr id="28" name="Rectangle 27"/>
+          <p:cNvSpPr/>
+          <p:nvPr/>
+        </p:nvSpPr>
+        <p:spPr>
+          <a:xfrm>
+            <a:off x="6023497" y="3555047"/>
+            <a:ext cx="1008044" cy="373380"/>
+          </a:xfrm>
+          <a:prstGeom prst="rect">
+            <a:avLst/>
+          </a:prstGeom>
+          <a:noFill/>
+          <a:ln>
+            <a:noFill/>
+          </a:ln>
+        </p:spPr>
+        <p:style>
+          <a:lnRef idx="2">
+            <a:schemeClr val="accent1">
+              <a:shade val="50000"/>
+            </a:schemeClr>
+          </a:lnRef>
+          <a:fillRef idx="1">
+            <a:schemeClr val="accent1"/>
+          </a:fillRef>
+          <a:effectRef idx="0">
+            <a:schemeClr val="accent1"/>
+          </a:effectRef>
+          <a:fontRef idx="minor">
+            <a:schemeClr val="lt1"/>
+          </a:fontRef>
+        </p:style>
+        <p:txBody>
+          <a:bodyPr rtlCol="0" anchor="t"/>
+          <a:lstStyle/>
+          <a:p>
+            <a:r>
+              <a:rPr lang="en-US" sz="1400" smtClean="0">
+                <a:solidFill>
+                  <a:schemeClr val="tx1"/>
+                </a:solidFill>
+                <a:latin typeface="Tahoma" panose="020B0604030504040204" pitchFamily="34" charset="0"/>
+                <a:ea typeface="Tahoma" panose="020B0604030504040204" pitchFamily="34" charset="0"/>
+                <a:cs typeface="Tahoma" panose="020B0604030504040204" pitchFamily="34" charset="0"/>
+              </a:rPr>
+              <a:t>PK: 1208</a:t>
+            </a:r>
+            <a:endParaRPr lang="en-US" sz="1400" smtClean="0">
+              <a:solidFill>
+                <a:schemeClr val="tx1"/>
+              </a:solidFill>
+              <a:latin typeface="Tahoma" panose="020B0604030504040204" pitchFamily="34" charset="0"/>
+              <a:ea typeface="Tahoma" panose="020B0604030504040204" pitchFamily="34" charset="0"/>
+              <a:cs typeface="Tahoma" panose="020B0604030504040204" pitchFamily="34" charset="0"/>
+            </a:endParaRPr>
+          </a:p>
+        </p:txBody>
+      </p:sp>
+      <p:sp>
+        <p:nvSpPr>
+          <p:cNvPr id="29" name="Rectangle 28"/>
+          <p:cNvSpPr/>
+          <p:nvPr/>
+        </p:nvSpPr>
+        <p:spPr>
+          <a:xfrm>
+            <a:off x="2187943" y="3575681"/>
+            <a:ext cx="1008044" cy="373380"/>
+          </a:xfrm>
+          <a:prstGeom prst="rect">
+            <a:avLst/>
+          </a:prstGeom>
+          <a:noFill/>
+          <a:ln>
+            <a:noFill/>
+          </a:ln>
+        </p:spPr>
+        <p:style>
+          <a:lnRef idx="2">
+            <a:schemeClr val="accent1">
+              <a:shade val="50000"/>
+            </a:schemeClr>
+          </a:lnRef>
+          <a:fillRef idx="1">
+            <a:schemeClr val="accent1"/>
+          </a:fillRef>
+          <a:effectRef idx="0">
+            <a:schemeClr val="accent1"/>
+          </a:effectRef>
+          <a:fontRef idx="minor">
+            <a:schemeClr val="lt1"/>
+          </a:fontRef>
+        </p:style>
+        <p:txBody>
+          <a:bodyPr rtlCol="0" anchor="t"/>
+          <a:lstStyle/>
+          <a:p>
+            <a:r>
+              <a:rPr lang="en-US" sz="1400" smtClean="0">
+                <a:solidFill>
+                  <a:schemeClr val="tx1"/>
+                </a:solidFill>
+                <a:latin typeface="Tahoma" panose="020B0604030504040204" pitchFamily="34" charset="0"/>
+                <a:ea typeface="Tahoma" panose="020B0604030504040204" pitchFamily="34" charset="0"/>
+                <a:cs typeface="Tahoma" panose="020B0604030504040204" pitchFamily="34" charset="0"/>
+              </a:rPr>
+              <a:t>PK: 1209</a:t>
+            </a:r>
+            <a:endParaRPr lang="en-US" sz="1400" smtClean="0">
+              <a:solidFill>
+                <a:schemeClr val="tx1"/>
+              </a:solidFill>
+              <a:latin typeface="Tahoma" panose="020B0604030504040204" pitchFamily="34" charset="0"/>
+              <a:ea typeface="Tahoma" panose="020B0604030504040204" pitchFamily="34" charset="0"/>
+              <a:cs typeface="Tahoma" panose="020B0604030504040204" pitchFamily="34" charset="0"/>
+            </a:endParaRPr>
+          </a:p>
+        </p:txBody>
+      </p:sp>
+      <p:sp>
+        <p:nvSpPr>
+          <p:cNvPr id="31" name="Rectangle 30"/>
+          <p:cNvSpPr/>
+          <p:nvPr/>
+        </p:nvSpPr>
+        <p:spPr>
+          <a:xfrm>
+            <a:off x="6043684" y="860533"/>
+            <a:ext cx="1008044" cy="373380"/>
+          </a:xfrm>
+          <a:prstGeom prst="rect">
+            <a:avLst/>
+          </a:prstGeom>
+          <a:noFill/>
+          <a:ln>
+            <a:noFill/>
+          </a:ln>
+        </p:spPr>
+        <p:style>
+          <a:lnRef idx="2">
+            <a:schemeClr val="accent1">
+              <a:shade val="50000"/>
+            </a:schemeClr>
+          </a:lnRef>
+          <a:fillRef idx="1">
+            <a:schemeClr val="accent1"/>
+          </a:fillRef>
+          <a:effectRef idx="0">
+            <a:schemeClr val="accent1"/>
+          </a:effectRef>
+          <a:fontRef idx="minor">
+            <a:schemeClr val="lt1"/>
+          </a:fontRef>
+        </p:style>
+        <p:txBody>
+          <a:bodyPr rtlCol="0" anchor="t"/>
+          <a:lstStyle/>
+          <a:p>
+            <a:r>
+              <a:rPr lang="en-US" sz="1400" b="1" smtClean="0">
+                <a:solidFill>
+                  <a:schemeClr val="tx1"/>
+                </a:solidFill>
+                <a:latin typeface="Tahoma" panose="020B0604030504040204" pitchFamily="34" charset="0"/>
+                <a:ea typeface="Tahoma" panose="020B0604030504040204" pitchFamily="34" charset="0"/>
+                <a:cs typeface="Tahoma" panose="020B0604030504040204" pitchFamily="34" charset="0"/>
+              </a:rPr>
+              <a:t>PK: 1207</a:t>
+            </a:r>
+            <a:endParaRPr lang="en-US" sz="1400" b="1" smtClean="0">
+              <a:solidFill>
+                <a:schemeClr val="tx1"/>
+              </a:solidFill>
+              <a:latin typeface="Tahoma" panose="020B0604030504040204" pitchFamily="34" charset="0"/>
+              <a:ea typeface="Tahoma" panose="020B0604030504040204" pitchFamily="34" charset="0"/>
+              <a:cs typeface="Tahoma" panose="020B0604030504040204" pitchFamily="34" charset="0"/>
+            </a:endParaRPr>
+          </a:p>
+        </p:txBody>
+      </p:sp>
+      <p:sp>
+        <p:nvSpPr>
+          <p:cNvPr id="32" name="Rectangle 31"/>
+          <p:cNvSpPr/>
+          <p:nvPr/>
+        </p:nvSpPr>
+        <p:spPr>
+          <a:xfrm>
+            <a:off x="6043752" y="1210739"/>
+            <a:ext cx="1008044" cy="373380"/>
+          </a:xfrm>
+          <a:prstGeom prst="rect">
+            <a:avLst/>
+          </a:prstGeom>
+          <a:noFill/>
+          <a:ln>
+            <a:noFill/>
+          </a:ln>
+        </p:spPr>
+        <p:style>
+          <a:lnRef idx="2">
+            <a:schemeClr val="accent1">
+              <a:shade val="50000"/>
+            </a:schemeClr>
+          </a:lnRef>
+          <a:fillRef idx="1">
+            <a:schemeClr val="accent1"/>
+          </a:fillRef>
+          <a:effectRef idx="0">
+            <a:schemeClr val="accent1"/>
+          </a:effectRef>
+          <a:fontRef idx="minor">
+            <a:schemeClr val="lt1"/>
+          </a:fontRef>
+        </p:style>
+        <p:txBody>
+          <a:bodyPr rtlCol="0" anchor="t"/>
+          <a:lstStyle/>
+          <a:p>
+            <a:r>
+              <a:rPr lang="en-US" sz="1400" b="1" smtClean="0">
+                <a:solidFill>
+                  <a:schemeClr val="tx1"/>
+                </a:solidFill>
+                <a:latin typeface="Tahoma" panose="020B0604030504040204" pitchFamily="34" charset="0"/>
+                <a:ea typeface="Tahoma" panose="020B0604030504040204" pitchFamily="34" charset="0"/>
+                <a:cs typeface="Tahoma" panose="020B0604030504040204" pitchFamily="34" charset="0"/>
+              </a:rPr>
+              <a:t>PK: 1207</a:t>
+            </a:r>
+            <a:endParaRPr lang="en-US" sz="1400" b="1" smtClean="0">
+              <a:solidFill>
+                <a:schemeClr val="tx1"/>
+              </a:solidFill>
+              <a:latin typeface="Tahoma" panose="020B0604030504040204" pitchFamily="34" charset="0"/>
+              <a:ea typeface="Tahoma" panose="020B0604030504040204" pitchFamily="34" charset="0"/>
+              <a:cs typeface="Tahoma" panose="020B0604030504040204" pitchFamily="34" charset="0"/>
+            </a:endParaRPr>
+          </a:p>
+        </p:txBody>
+      </p:sp>
+      <p:cxnSp>
+        <p:nvCxnSpPr>
+          <p:cNvPr id="34" name="Straight Connector 33"/>
+          <p:cNvCxnSpPr/>
+          <p:nvPr/>
+        </p:nvCxnSpPr>
+        <p:spPr>
+          <a:xfrm>
+            <a:off x="6043617" y="860533"/>
+            <a:ext cx="1008044" cy="723586"/>
+          </a:xfrm>
+          <a:prstGeom prst="line">
+            <a:avLst/>
+          </a:prstGeom>
+          <a:ln w="12700">
+            <a:solidFill>
+              <a:schemeClr val="tx1"/>
+            </a:solidFill>
+          </a:ln>
+        </p:spPr>
+        <p:style>
+          <a:lnRef idx="1">
+            <a:schemeClr val="accent1"/>
+          </a:lnRef>
+          <a:fillRef idx="0">
+            <a:schemeClr val="accent1"/>
+          </a:fillRef>
+          <a:effectRef idx="0">
+            <a:schemeClr val="accent1"/>
+          </a:effectRef>
+          <a:fontRef idx="minor">
+            <a:schemeClr val="tx1"/>
+          </a:fontRef>
+        </p:style>
+      </p:cxnSp>
+      <p:cxnSp>
+        <p:nvCxnSpPr>
+          <p:cNvPr id="35" name="Straight Connector 34"/>
+          <p:cNvCxnSpPr/>
+          <p:nvPr/>
+        </p:nvCxnSpPr>
+        <p:spPr>
+          <a:xfrm flipH="1">
+            <a:off x="6043617" y="860533"/>
+            <a:ext cx="987924" cy="723586"/>
+          </a:xfrm>
+          <a:prstGeom prst="line">
+            <a:avLst/>
+          </a:prstGeom>
+          <a:ln w="12700">
+            <a:solidFill>
+              <a:schemeClr val="tx1"/>
+            </a:solidFill>
+          </a:ln>
+        </p:spPr>
+        <p:style>
+          <a:lnRef idx="1">
+            <a:schemeClr val="accent1"/>
+          </a:lnRef>
+          <a:fillRef idx="0">
+            <a:schemeClr val="accent1"/>
+          </a:fillRef>
+          <a:effectRef idx="0">
+            <a:schemeClr val="accent1"/>
+          </a:effectRef>
+          <a:fontRef idx="minor">
+            <a:schemeClr val="tx1"/>
+          </a:fontRef>
+        </p:style>
+      </p:cxnSp>
+      <p:cxnSp>
+        <p:nvCxnSpPr>
+          <p:cNvPr id="39" name="Straight Arrow Connector 38"/>
+          <p:cNvCxnSpPr/>
+          <p:nvPr/>
+        </p:nvCxnSpPr>
+        <p:spPr>
+          <a:xfrm>
+            <a:off x="7272338" y="1935956"/>
+            <a:ext cx="0" cy="957263"/>
+          </a:xfrm>
+          <a:prstGeom prst="straightConnector1">
+            <a:avLst/>
+          </a:prstGeom>
+          <a:ln w="12700">
+            <a:solidFill>
+              <a:schemeClr val="tx1"/>
+            </a:solidFill>
+            <a:headEnd type="arrow" w="med" len="med"/>
+            <a:tailEnd type="arrow" w="med" len="med"/>
+          </a:ln>
+        </p:spPr>
+        <p:style>
+          <a:lnRef idx="1">
+            <a:schemeClr val="accent1"/>
+          </a:lnRef>
+          <a:fillRef idx="0">
+            <a:schemeClr val="accent1"/>
+          </a:fillRef>
+          <a:effectRef idx="0">
+            <a:schemeClr val="accent1"/>
+          </a:effectRef>
+          <a:fontRef idx="minor">
+            <a:schemeClr val="tx1"/>
+          </a:fontRef>
+        </p:style>
+      </p:cxnSp>
+      <p:sp>
+        <p:nvSpPr>
+          <p:cNvPr id="41" name="Rectangle 40"/>
+          <p:cNvSpPr/>
+          <p:nvPr/>
+        </p:nvSpPr>
+        <p:spPr>
+          <a:xfrm rot="5400000">
+            <a:off x="7017699" y="2316022"/>
+            <a:ext cx="990874" cy="373380"/>
+          </a:xfrm>
+          <a:prstGeom prst="rect">
+            <a:avLst/>
+          </a:prstGeom>
+          <a:noFill/>
+          <a:ln>
+            <a:noFill/>
+          </a:ln>
+        </p:spPr>
+        <p:style>
+          <a:lnRef idx="2">
+            <a:schemeClr val="accent1">
+              <a:shade val="50000"/>
+            </a:schemeClr>
+          </a:lnRef>
+          <a:fillRef idx="1">
+            <a:schemeClr val="accent1"/>
+          </a:fillRef>
+          <a:effectRef idx="0">
+            <a:schemeClr val="accent1"/>
+          </a:effectRef>
+          <a:fontRef idx="minor">
+            <a:schemeClr val="lt1"/>
+          </a:fontRef>
+        </p:style>
+        <p:txBody>
+          <a:bodyPr rtlCol="0" anchor="t"/>
+          <a:lstStyle/>
+          <a:p>
+            <a:r>
+              <a:rPr lang="en-US" sz="1400" smtClean="0">
+                <a:solidFill>
+                  <a:schemeClr val="tx1"/>
+                </a:solidFill>
+                <a:latin typeface="Tahoma" panose="020B0604030504040204" pitchFamily="34" charset="0"/>
+                <a:ea typeface="Tahoma" panose="020B0604030504040204" pitchFamily="34" charset="0"/>
+                <a:cs typeface="Tahoma" panose="020B0604030504040204" pitchFamily="34" charset="0"/>
+              </a:rPr>
+              <a:t>Đồng bộ</a:t>
+            </a:r>
+            <a:endParaRPr lang="en-US" sz="1400" smtClean="0">
+              <a:solidFill>
+                <a:schemeClr val="tx1"/>
+              </a:solidFill>
+              <a:latin typeface="Tahoma" panose="020B0604030504040204" pitchFamily="34" charset="0"/>
+              <a:ea typeface="Tahoma" panose="020B0604030504040204" pitchFamily="34" charset="0"/>
+              <a:cs typeface="Tahoma" panose="020B0604030504040204" pitchFamily="34" charset="0"/>
+            </a:endParaRPr>
+          </a:p>
+        </p:txBody>
+      </p:sp>
+      <p:cxnSp>
+        <p:nvCxnSpPr>
+          <p:cNvPr id="42" name="Straight Arrow Connector 41"/>
+          <p:cNvCxnSpPr/>
+          <p:nvPr/>
+        </p:nvCxnSpPr>
+        <p:spPr>
+          <a:xfrm>
+            <a:off x="2114909" y="1935955"/>
+            <a:ext cx="0" cy="957263"/>
+          </a:xfrm>
+          <a:prstGeom prst="straightConnector1">
+            <a:avLst/>
+          </a:prstGeom>
+          <a:ln w="12700">
+            <a:solidFill>
+              <a:schemeClr val="tx1"/>
+            </a:solidFill>
+            <a:headEnd type="arrow" w="med" len="med"/>
+            <a:tailEnd type="arrow" w="med" len="med"/>
+          </a:ln>
+        </p:spPr>
+        <p:style>
+          <a:lnRef idx="1">
+            <a:schemeClr val="accent1"/>
+          </a:lnRef>
+          <a:fillRef idx="0">
+            <a:schemeClr val="accent1"/>
+          </a:fillRef>
+          <a:effectRef idx="0">
+            <a:schemeClr val="accent1"/>
+          </a:effectRef>
+          <a:fontRef idx="minor">
+            <a:schemeClr val="tx1"/>
+          </a:fontRef>
+        </p:style>
+      </p:cxnSp>
+      <p:sp>
+        <p:nvSpPr>
+          <p:cNvPr id="43" name="Rectangle 42"/>
+          <p:cNvSpPr/>
+          <p:nvPr/>
+        </p:nvSpPr>
+        <p:spPr>
+          <a:xfrm rot="5400000">
+            <a:off x="1397601" y="2296341"/>
+            <a:ext cx="990874" cy="373380"/>
+          </a:xfrm>
+          <a:prstGeom prst="rect">
+            <a:avLst/>
+          </a:prstGeom>
+          <a:noFill/>
+          <a:ln>
+            <a:noFill/>
+          </a:ln>
+        </p:spPr>
+        <p:style>
+          <a:lnRef idx="2">
+            <a:schemeClr val="accent1">
+              <a:shade val="50000"/>
+            </a:schemeClr>
+          </a:lnRef>
+          <a:fillRef idx="1">
+            <a:schemeClr val="accent1"/>
+          </a:fillRef>
+          <a:effectRef idx="0">
+            <a:schemeClr val="accent1"/>
+          </a:effectRef>
+          <a:fontRef idx="minor">
+            <a:schemeClr val="lt1"/>
+          </a:fontRef>
+        </p:style>
+        <p:txBody>
+          <a:bodyPr rtlCol="0" anchor="t"/>
+          <a:lstStyle/>
+          <a:p>
+            <a:r>
+              <a:rPr lang="en-US" sz="1400" smtClean="0">
+                <a:solidFill>
+                  <a:schemeClr val="tx1"/>
+                </a:solidFill>
+                <a:latin typeface="Tahoma" panose="020B0604030504040204" pitchFamily="34" charset="0"/>
+                <a:ea typeface="Tahoma" panose="020B0604030504040204" pitchFamily="34" charset="0"/>
+                <a:cs typeface="Tahoma" panose="020B0604030504040204" pitchFamily="34" charset="0"/>
+              </a:rPr>
+              <a:t>Đồng bộ</a:t>
+            </a:r>
+            <a:endParaRPr lang="en-US" sz="1400" smtClean="0">
+              <a:solidFill>
+                <a:schemeClr val="tx1"/>
+              </a:solidFill>
+              <a:latin typeface="Tahoma" panose="020B0604030504040204" pitchFamily="34" charset="0"/>
+              <a:ea typeface="Tahoma" panose="020B0604030504040204" pitchFamily="34" charset="0"/>
+              <a:cs typeface="Tahoma" panose="020B0604030504040204" pitchFamily="34" charset="0"/>
+            </a:endParaRPr>
+          </a:p>
+        </p:txBody>
+      </p:sp>
+      <p:sp>
+        <p:nvSpPr>
+          <p:cNvPr id="45" name="Rectangle 44"/>
+          <p:cNvSpPr/>
+          <p:nvPr/>
+        </p:nvSpPr>
+        <p:spPr>
+          <a:xfrm>
+            <a:off x="6042480" y="1560945"/>
+            <a:ext cx="1008044" cy="373380"/>
+          </a:xfrm>
+          <a:prstGeom prst="rect">
+            <a:avLst/>
+          </a:prstGeom>
+          <a:noFill/>
+          <a:ln>
+            <a:noFill/>
+          </a:ln>
+        </p:spPr>
+        <p:style>
+          <a:lnRef idx="2">
+            <a:schemeClr val="accent1">
+              <a:shade val="50000"/>
+            </a:schemeClr>
+          </a:lnRef>
+          <a:fillRef idx="1">
+            <a:schemeClr val="accent1"/>
+          </a:fillRef>
+          <a:effectRef idx="0">
+            <a:schemeClr val="accent1"/>
+          </a:effectRef>
+          <a:fontRef idx="minor">
+            <a:schemeClr val="lt1"/>
+          </a:fontRef>
+        </p:style>
+        <p:txBody>
+          <a:bodyPr rtlCol="0" anchor="t"/>
+          <a:lstStyle/>
+          <a:p>
+            <a:r>
+              <a:rPr lang="en-US" sz="1400" smtClean="0">
+                <a:solidFill>
+                  <a:schemeClr val="tx1"/>
+                </a:solidFill>
+                <a:latin typeface="Tahoma" panose="020B0604030504040204" pitchFamily="34" charset="0"/>
+                <a:ea typeface="Tahoma" panose="020B0604030504040204" pitchFamily="34" charset="0"/>
+                <a:cs typeface="Tahoma" panose="020B0604030504040204" pitchFamily="34" charset="0"/>
+              </a:rPr>
+              <a:t>PK: 1208</a:t>
+            </a:r>
+            <a:endParaRPr lang="en-US" sz="1400" smtClean="0">
+              <a:solidFill>
+                <a:schemeClr val="tx1"/>
+              </a:solidFill>
+              <a:latin typeface="Tahoma" panose="020B0604030504040204" pitchFamily="34" charset="0"/>
+              <a:ea typeface="Tahoma" panose="020B0604030504040204" pitchFamily="34" charset="0"/>
+              <a:cs typeface="Tahoma" panose="020B0604030504040204" pitchFamily="34" charset="0"/>
+            </a:endParaRPr>
+          </a:p>
+        </p:txBody>
+      </p:sp>
+      <p:sp>
+        <p:nvSpPr>
+          <p:cNvPr id="46" name="Rectangle 45"/>
+          <p:cNvSpPr/>
+          <p:nvPr/>
+        </p:nvSpPr>
+        <p:spPr>
+          <a:xfrm>
+            <a:off x="6042547" y="1881009"/>
+            <a:ext cx="1008044" cy="373380"/>
+          </a:xfrm>
+          <a:prstGeom prst="rect">
+            <a:avLst/>
+          </a:prstGeom>
+          <a:noFill/>
+          <a:ln>
+            <a:noFill/>
+          </a:ln>
+        </p:spPr>
+        <p:style>
+          <a:lnRef idx="2">
+            <a:schemeClr val="accent1">
+              <a:shade val="50000"/>
+            </a:schemeClr>
+          </a:lnRef>
+          <a:fillRef idx="1">
+            <a:schemeClr val="accent1"/>
+          </a:fillRef>
+          <a:effectRef idx="0">
+            <a:schemeClr val="accent1"/>
+          </a:effectRef>
+          <a:fontRef idx="minor">
+            <a:schemeClr val="lt1"/>
+          </a:fontRef>
+        </p:style>
+        <p:txBody>
+          <a:bodyPr rtlCol="0" anchor="t"/>
+          <a:lstStyle/>
+          <a:p>
+            <a:r>
+              <a:rPr lang="en-US" sz="1400" smtClean="0">
+                <a:solidFill>
+                  <a:schemeClr val="tx1"/>
+                </a:solidFill>
+                <a:latin typeface="Tahoma" panose="020B0604030504040204" pitchFamily="34" charset="0"/>
+                <a:ea typeface="Tahoma" panose="020B0604030504040204" pitchFamily="34" charset="0"/>
+                <a:cs typeface="Tahoma" panose="020B0604030504040204" pitchFamily="34" charset="0"/>
+              </a:rPr>
+              <a:t>PK: 1209</a:t>
+            </a:r>
+            <a:endParaRPr lang="en-US" sz="1400" smtClean="0">
+              <a:solidFill>
+                <a:schemeClr val="tx1"/>
+              </a:solidFill>
+              <a:latin typeface="Tahoma" panose="020B0604030504040204" pitchFamily="34" charset="0"/>
+              <a:ea typeface="Tahoma" panose="020B0604030504040204" pitchFamily="34" charset="0"/>
+              <a:cs typeface="Tahoma" panose="020B0604030504040204" pitchFamily="34" charset="0"/>
+            </a:endParaRPr>
+          </a:p>
+        </p:txBody>
+      </p:sp>
+    </p:spTree>
+    <p:extLst>
+      <p:ext uri="{BB962C8B-B14F-4D97-AF65-F5344CB8AC3E}">
+        <p14:creationId xmlns:p14="http://schemas.microsoft.com/office/powerpoint/2010/main" val="3251459292"/>
+      </p:ext>
+    </p:extLst>
+  </p:cSld>
+  <p:clrMapOvr>
+    <a:masterClrMapping/>
+  </p:clrMapOvr>
+</p:sld>
+</file>
+
 <file path=ppt/theme/theme1.xml><?xml version="1.0" encoding="utf-8"?>
 <a:theme xmlns:a="http://schemas.openxmlformats.org/drawingml/2006/main" name="Office Theme">
   <a:themeElements>
